--- a/draft/presentation_draft.pptx
+++ b/draft/presentation_draft.pptx
@@ -11,9 +11,17 @@
     <p:sldId id="259" r:id="rId5"/>
     <p:sldId id="260" r:id="rId6"/>
     <p:sldId id="261" r:id="rId7"/>
-    <p:sldId id="262" r:id="rId8"/>
-    <p:sldId id="263" r:id="rId9"/>
-    <p:sldId id="264" r:id="rId10"/>
+    <p:sldId id="265" r:id="rId8"/>
+    <p:sldId id="266" r:id="rId9"/>
+    <p:sldId id="267" r:id="rId10"/>
+    <p:sldId id="268" r:id="rId11"/>
+    <p:sldId id="269" r:id="rId12"/>
+    <p:sldId id="270" r:id="rId13"/>
+    <p:sldId id="271" r:id="rId14"/>
+    <p:sldId id="272" r:id="rId15"/>
+    <p:sldId id="262" r:id="rId16"/>
+    <p:sldId id="263" r:id="rId17"/>
+    <p:sldId id="264" r:id="rId18"/>
   </p:sldIdLst>
   <p:sldSz cx="12192000" cy="6858000"/>
   <p:notesSz cx="6858000" cy="9144000"/>
@@ -112,6 +120,11 @@
       </a:defRPr>
     </a:lvl9pPr>
   </p:defaultTextStyle>
+  <p:extLst>
+    <p:ext uri="{EFAFB233-063F-42B5-8137-9DF3F51BA10A}">
+      <p15:sldGuideLst xmlns:p15="http://schemas.microsoft.com/office/powerpoint/2012/main"/>
+    </p:ext>
+  </p:extLst>
 </p:presentation>
 </file>
 
@@ -262,7 +275,7 @@
           <a:p>
             <a:fld id="{D5F65742-485F-AF4F-A10E-2A244E8B6659}" type="datetimeFigureOut">
               <a:rPr lang="en-US" smtClean="0"/>
-              <a:t>2/24/19</a:t>
+              <a:t>3/6/19</a:t>
             </a:fld>
             <a:endParaRPr lang="en-US"/>
           </a:p>
@@ -460,7 +473,7 @@
           <a:p>
             <a:fld id="{D5F65742-485F-AF4F-A10E-2A244E8B6659}" type="datetimeFigureOut">
               <a:rPr lang="en-US" smtClean="0"/>
-              <a:t>2/24/19</a:t>
+              <a:t>3/6/19</a:t>
             </a:fld>
             <a:endParaRPr lang="en-US"/>
           </a:p>
@@ -668,7 +681,7 @@
           <a:p>
             <a:fld id="{D5F65742-485F-AF4F-A10E-2A244E8B6659}" type="datetimeFigureOut">
               <a:rPr lang="en-US" smtClean="0"/>
-              <a:t>2/24/19</a:t>
+              <a:t>3/6/19</a:t>
             </a:fld>
             <a:endParaRPr lang="en-US"/>
           </a:p>
@@ -866,7 +879,7 @@
           <a:p>
             <a:fld id="{D5F65742-485F-AF4F-A10E-2A244E8B6659}" type="datetimeFigureOut">
               <a:rPr lang="en-US" smtClean="0"/>
-              <a:t>2/24/19</a:t>
+              <a:t>3/6/19</a:t>
             </a:fld>
             <a:endParaRPr lang="en-US"/>
           </a:p>
@@ -1141,7 +1154,7 @@
           <a:p>
             <a:fld id="{D5F65742-485F-AF4F-A10E-2A244E8B6659}" type="datetimeFigureOut">
               <a:rPr lang="en-US" smtClean="0"/>
-              <a:t>2/24/19</a:t>
+              <a:t>3/6/19</a:t>
             </a:fld>
             <a:endParaRPr lang="en-US"/>
           </a:p>
@@ -1406,7 +1419,7 @@
           <a:p>
             <a:fld id="{D5F65742-485F-AF4F-A10E-2A244E8B6659}" type="datetimeFigureOut">
               <a:rPr lang="en-US" smtClean="0"/>
-              <a:t>2/24/19</a:t>
+              <a:t>3/6/19</a:t>
             </a:fld>
             <a:endParaRPr lang="en-US"/>
           </a:p>
@@ -1818,7 +1831,7 @@
           <a:p>
             <a:fld id="{D5F65742-485F-AF4F-A10E-2A244E8B6659}" type="datetimeFigureOut">
               <a:rPr lang="en-US" smtClean="0"/>
-              <a:t>2/24/19</a:t>
+              <a:t>3/6/19</a:t>
             </a:fld>
             <a:endParaRPr lang="en-US"/>
           </a:p>
@@ -1959,7 +1972,7 @@
           <a:p>
             <a:fld id="{D5F65742-485F-AF4F-A10E-2A244E8B6659}" type="datetimeFigureOut">
               <a:rPr lang="en-US" smtClean="0"/>
-              <a:t>2/24/19</a:t>
+              <a:t>3/6/19</a:t>
             </a:fld>
             <a:endParaRPr lang="en-US"/>
           </a:p>
@@ -2072,7 +2085,7 @@
           <a:p>
             <a:fld id="{D5F65742-485F-AF4F-A10E-2A244E8B6659}" type="datetimeFigureOut">
               <a:rPr lang="en-US" smtClean="0"/>
-              <a:t>2/24/19</a:t>
+              <a:t>3/6/19</a:t>
             </a:fld>
             <a:endParaRPr lang="en-US"/>
           </a:p>
@@ -2383,7 +2396,7 @@
           <a:p>
             <a:fld id="{D5F65742-485F-AF4F-A10E-2A244E8B6659}" type="datetimeFigureOut">
               <a:rPr lang="en-US" smtClean="0"/>
-              <a:t>2/24/19</a:t>
+              <a:t>3/6/19</a:t>
             </a:fld>
             <a:endParaRPr lang="en-US"/>
           </a:p>
@@ -2671,7 +2684,7 @@
           <a:p>
             <a:fld id="{D5F65742-485F-AF4F-A10E-2A244E8B6659}" type="datetimeFigureOut">
               <a:rPr lang="en-US" smtClean="0"/>
-              <a:t>2/24/19</a:t>
+              <a:t>3/6/19</a:t>
             </a:fld>
             <a:endParaRPr lang="en-US"/>
           </a:p>
@@ -2912,7 +2925,7 @@
           <a:p>
             <a:fld id="{D5F65742-485F-AF4F-A10E-2A244E8B6659}" type="datetimeFigureOut">
               <a:rPr lang="en-US" smtClean="0"/>
-              <a:t>2/24/19</a:t>
+              <a:t>3/6/19</a:t>
             </a:fld>
             <a:endParaRPr lang="en-US"/>
           </a:p>
@@ -3406,7 +3419,7 @@
 </p:sld>
 </file>
 
-<file path=ppt/slides/slide2.xml><?xml version="1.0" encoding="utf-8"?>
+<file path=ppt/slides/slide10.xml><?xml version="1.0" encoding="utf-8"?>
 <p:sld xmlns:a="http://schemas.openxmlformats.org/drawingml/2006/main" xmlns:r="http://schemas.openxmlformats.org/officeDocument/2006/relationships" xmlns:p="http://schemas.openxmlformats.org/presentationml/2006/main">
   <p:cSld>
     <p:spTree>
@@ -3428,7 +3441,7 @@
           <p:cNvPr id="2" name="Title 1">
             <a:extLst>
               <a:ext uri="{FF2B5EF4-FFF2-40B4-BE49-F238E27FC236}">
-                <a16:creationId xmlns:a16="http://schemas.microsoft.com/office/drawing/2014/main" id="{D7685F75-406E-4B45-A233-7E75B9F3F82A}"/>
+                <a16:creationId xmlns:a16="http://schemas.microsoft.com/office/drawing/2014/main" id="{40DE72F3-089E-394F-805A-33E3D2ADEA8C}"/>
               </a:ext>
             </a:extLst>
           </p:cNvPr>
@@ -3444,65 +3457,180 @@
           <a:bodyPr/>
           <a:lstStyle/>
           <a:p>
-            <a:r>
-              <a:rPr lang="en-US" dirty="0" err="1"/>
-              <a:t>Problema</a:t>
-            </a:r>
-            <a:r>
-              <a:rPr lang="en-US" dirty="0"/>
-              <a:t>:</a:t>
-            </a:r>
+            <a:pPr algn="ctr"/>
+            <a:r>
+              <a:rPr lang="en-US" dirty="0" err="1"/>
+              <a:t>Tamanho</a:t>
+            </a:r>
+            <a:r>
+              <a:rPr lang="en-US" dirty="0"/>
+              <a:t> do code snippet e </a:t>
+            </a:r>
+            <a:r>
+              <a:rPr lang="en-US" dirty="0" err="1"/>
+              <a:t>número</a:t>
+            </a:r>
+            <a:r>
+              <a:rPr lang="en-US" dirty="0"/>
+              <a:t> de </a:t>
+            </a:r>
+            <a:r>
+              <a:rPr lang="en-US" dirty="0" err="1"/>
+              <a:t>palavras</a:t>
+            </a:r>
+            <a:endParaRPr lang="en-US" dirty="0"/>
+          </a:p>
+        </p:txBody>
+      </p:sp>
+      <p:pic>
+        <p:nvPicPr>
+          <p:cNvPr id="5" name="Content Placeholder 4">
+            <a:extLst>
+              <a:ext uri="{FF2B5EF4-FFF2-40B4-BE49-F238E27FC236}">
+                <a16:creationId xmlns:a16="http://schemas.microsoft.com/office/drawing/2014/main" id="{D44A2BE8-C8FD-7E46-B2C0-44E3C877D5B8}"/>
+              </a:ext>
+            </a:extLst>
+          </p:cNvPr>
+          <p:cNvPicPr>
+            <a:picLocks noGrp="1" noChangeAspect="1"/>
+          </p:cNvPicPr>
+          <p:nvPr>
+            <p:ph idx="1"/>
+          </p:nvPr>
+        </p:nvPicPr>
+        <p:blipFill>
+          <a:blip r:embed="rId2"/>
+          <a:stretch>
+            <a:fillRect/>
+          </a:stretch>
+        </p:blipFill>
+        <p:spPr>
+          <a:xfrm>
+            <a:off x="0" y="1705571"/>
+            <a:ext cx="6362700" cy="3181350"/>
+          </a:xfrm>
+        </p:spPr>
+      </p:pic>
+      <p:pic>
+        <p:nvPicPr>
+          <p:cNvPr id="4" name="Picture 3">
+            <a:extLst>
+              <a:ext uri="{FF2B5EF4-FFF2-40B4-BE49-F238E27FC236}">
+                <a16:creationId xmlns:a16="http://schemas.microsoft.com/office/drawing/2014/main" id="{59F98138-81E3-DE4C-9DD9-03B174CC5146}"/>
+              </a:ext>
+            </a:extLst>
+          </p:cNvPr>
+          <p:cNvPicPr>
+            <a:picLocks noChangeAspect="1"/>
+          </p:cNvPicPr>
+          <p:nvPr/>
+        </p:nvPicPr>
+        <p:blipFill>
+          <a:blip r:embed="rId3"/>
+          <a:stretch>
+            <a:fillRect/>
+          </a:stretch>
+        </p:blipFill>
+        <p:spPr>
+          <a:xfrm>
+            <a:off x="5888832" y="1720454"/>
+            <a:ext cx="6303168" cy="3151584"/>
+          </a:xfrm>
+          <a:prstGeom prst="rect">
+            <a:avLst/>
+          </a:prstGeom>
+        </p:spPr>
+      </p:pic>
+      <p:sp>
+        <p:nvSpPr>
+          <p:cNvPr id="7" name="TextBox 6">
+            <a:extLst>
+              <a:ext uri="{FF2B5EF4-FFF2-40B4-BE49-F238E27FC236}">
+                <a16:creationId xmlns:a16="http://schemas.microsoft.com/office/drawing/2014/main" id="{D87BA6D5-0320-6048-BE03-17770045E6ED}"/>
+              </a:ext>
+            </a:extLst>
+          </p:cNvPr>
+          <p:cNvSpPr txBox="1"/>
+          <p:nvPr/>
+        </p:nvSpPr>
+        <p:spPr>
+          <a:xfrm>
+            <a:off x="838200" y="4743451"/>
+            <a:ext cx="4705350" cy="923330"/>
+          </a:xfrm>
+          <a:prstGeom prst="rect">
+            <a:avLst/>
+          </a:prstGeom>
+          <a:noFill/>
+        </p:spPr>
+        <p:txBody>
+          <a:bodyPr wrap="square" rtlCol="0">
+            <a:spAutoFit/>
+          </a:bodyPr>
+          <a:lstStyle/>
+          <a:p>
+            <a:pPr algn="ctr"/>
+            <a:r>
+              <a:rPr lang="en-US" dirty="0" err="1"/>
+              <a:t>Tamanho</a:t>
+            </a:r>
+            <a:r>
+              <a:rPr lang="en-US" dirty="0"/>
+              <a:t> do code snippet</a:t>
+            </a:r>
+          </a:p>
+          <a:p>
+            <a:pPr algn="ctr"/>
+            <a:r>
+              <a:rPr lang="en-US" sz="1200" dirty="0">
+                <a:hlinkClick r:id="rId4"/>
+              </a:rPr>
+              <a:t>https://github.com/mrezende/StackOverflow-Question-Code-Dataset/blob/master/data/reports/code_snippet_tokenized_length_hist.png</a:t>
+            </a:r>
+            <a:endParaRPr lang="en-US" sz="1200" dirty="0"/>
           </a:p>
         </p:txBody>
       </p:sp>
       <p:sp>
         <p:nvSpPr>
-          <p:cNvPr id="3" name="Content Placeholder 2">
-            <a:extLst>
-              <a:ext uri="{FF2B5EF4-FFF2-40B4-BE49-F238E27FC236}">
-                <a16:creationId xmlns:a16="http://schemas.microsoft.com/office/drawing/2014/main" id="{A95C27CF-F127-F249-BE09-C85F3674842A}"/>
-              </a:ext>
-            </a:extLst>
-          </p:cNvPr>
-          <p:cNvSpPr>
-            <a:spLocks noGrp="1"/>
-          </p:cNvSpPr>
-          <p:nvPr>
-            <p:ph idx="1"/>
-          </p:nvPr>
+          <p:cNvPr id="8" name="TextBox 7">
+            <a:extLst>
+              <a:ext uri="{FF2B5EF4-FFF2-40B4-BE49-F238E27FC236}">
+                <a16:creationId xmlns:a16="http://schemas.microsoft.com/office/drawing/2014/main" id="{C8A795A4-5A5B-B646-8ECC-BA0AEF32F5B8}"/>
+              </a:ext>
+            </a:extLst>
+          </p:cNvPr>
+          <p:cNvSpPr txBox="1"/>
+          <p:nvPr/>
         </p:nvSpPr>
-        <p:spPr/>
+        <p:spPr>
+          <a:xfrm>
+            <a:off x="6381750" y="4743748"/>
+            <a:ext cx="4705350" cy="923330"/>
+          </a:xfrm>
+          <a:prstGeom prst="rect">
+            <a:avLst/>
+          </a:prstGeom>
+          <a:noFill/>
+        </p:spPr>
         <p:txBody>
-          <a:bodyPr>
-            <a:normAutofit fontScale="70000" lnSpcReduction="20000"/>
+          <a:bodyPr wrap="square" rtlCol="0">
+            <a:spAutoFit/>
           </a:bodyPr>
           <a:lstStyle/>
           <a:p>
-            <a:r>
-              <a:rPr lang="en-US" dirty="0"/>
-              <a:t>Given a question q and an answer candidate pool {a1, a2, ..., as} for that question (s is the pool size), the goal is to find the best answer candidate </a:t>
-            </a:r>
-            <a:r>
-              <a:rPr lang="en-US" dirty="0" err="1"/>
-              <a:t>ak</a:t>
-            </a:r>
-            <a:r>
-              <a:rPr lang="en-US" dirty="0"/>
-              <a:t>, 1 ≤ k ≤ s .</a:t>
-            </a:r>
-          </a:p>
-          <a:p>
-            <a:r>
-              <a:rPr lang="en-US" dirty="0" err="1"/>
-              <a:t>Vários</a:t>
-            </a:r>
-            <a:r>
-              <a:rPr lang="en-US" dirty="0"/>
-              <a:t> papers </a:t>
-            </a:r>
-            <a:r>
-              <a:rPr lang="en-US" dirty="0" err="1"/>
-              <a:t>aplicaram</a:t>
+            <a:pPr algn="ctr"/>
+            <a:r>
+              <a:rPr lang="en-US" dirty="0" err="1"/>
+              <a:t>Número</a:t>
+            </a:r>
+            <a:r>
+              <a:rPr lang="en-US" dirty="0"/>
+              <a:t> de </a:t>
+            </a:r>
+            <a:r>
+              <a:rPr lang="en-US" dirty="0" err="1"/>
+              <a:t>palavras</a:t>
             </a:r>
             <a:r>
               <a:rPr lang="en-US" dirty="0"/>
@@ -3510,573 +3638,29 @@
             </a:r>
             <a:r>
               <a:rPr lang="en-US" dirty="0" err="1"/>
-              <a:t>diversas</a:t>
-            </a:r>
-            <a:r>
-              <a:rPr lang="en-US" dirty="0"/>
-              <a:t> </a:t>
-            </a:r>
-            <a:r>
-              <a:rPr lang="en-US" dirty="0" err="1"/>
-              <a:t>técnicas</a:t>
-            </a:r>
-            <a:r>
-              <a:rPr lang="en-US" dirty="0"/>
-              <a:t> </a:t>
-            </a:r>
-            <a:r>
-              <a:rPr lang="en-US" dirty="0" err="1"/>
-              <a:t>neste</a:t>
-            </a:r>
-            <a:r>
-              <a:rPr lang="en-US" dirty="0"/>
-              <a:t> </a:t>
-            </a:r>
-            <a:r>
-              <a:rPr lang="en-US" dirty="0" err="1"/>
-              <a:t>problema</a:t>
-            </a:r>
-            <a:r>
-              <a:rPr lang="en-US" dirty="0"/>
-              <a:t>.</a:t>
-            </a:r>
-          </a:p>
-          <a:p>
-            <a:r>
-              <a:rPr lang="en-US" dirty="0"/>
-              <a:t>Segundo Yao et all., </a:t>
-            </a:r>
-            <a:r>
-              <a:rPr lang="en-US" dirty="0" err="1"/>
-              <a:t>não</a:t>
-            </a:r>
-            <a:r>
-              <a:rPr lang="en-US" dirty="0"/>
-              <a:t> </a:t>
-            </a:r>
-            <a:r>
-              <a:rPr lang="en-US" dirty="0" err="1"/>
-              <a:t>foram</a:t>
-            </a:r>
-            <a:r>
-              <a:rPr lang="en-US" dirty="0"/>
-              <a:t> </a:t>
-            </a:r>
-            <a:r>
-              <a:rPr lang="en-US" dirty="0" err="1"/>
-              <a:t>encontrados</a:t>
-            </a:r>
-            <a:r>
-              <a:rPr lang="en-US" dirty="0"/>
-              <a:t> papers </a:t>
-            </a:r>
-            <a:r>
-              <a:rPr lang="en-US" dirty="0" err="1"/>
-              <a:t>significativos</a:t>
-            </a:r>
-            <a:r>
-              <a:rPr lang="en-US" dirty="0"/>
-              <a:t> </a:t>
-            </a:r>
-            <a:r>
-              <a:rPr lang="en-US" dirty="0" err="1"/>
-              <a:t>aplicando</a:t>
-            </a:r>
-            <a:r>
-              <a:rPr lang="en-US" dirty="0"/>
-              <a:t> </a:t>
-            </a:r>
-            <a:r>
-              <a:rPr lang="en-US" dirty="0" err="1"/>
-              <a:t>estas</a:t>
-            </a:r>
-            <a:r>
-              <a:rPr lang="en-US" dirty="0"/>
-              <a:t> </a:t>
-            </a:r>
-            <a:r>
-              <a:rPr lang="en-US" dirty="0" err="1"/>
-              <a:t>técnicas</a:t>
-            </a:r>
-            <a:r>
-              <a:rPr lang="en-US" dirty="0"/>
-              <a:t> no dataset do </a:t>
-            </a:r>
-            <a:r>
-              <a:rPr lang="en-US" dirty="0" err="1"/>
-              <a:t>StackOverFlow</a:t>
-            </a:r>
-            <a:r>
-              <a:rPr lang="en-US" dirty="0"/>
-              <a:t>.</a:t>
-            </a:r>
-          </a:p>
-          <a:p>
-            <a:r>
-              <a:rPr lang="en-US" dirty="0"/>
-              <a:t>No paper “</a:t>
-            </a:r>
-            <a:r>
-              <a:rPr lang="en-US" dirty="0" err="1"/>
-              <a:t>StaQC</a:t>
-            </a:r>
-            <a:r>
-              <a:rPr lang="en-US" dirty="0"/>
-              <a:t>: A Systematically Mined Question-Code Dataset from Stack Overflow”, </a:t>
-            </a:r>
-            <a:r>
-              <a:rPr lang="en-US" dirty="0" err="1"/>
-              <a:t>ele</a:t>
-            </a:r>
-            <a:r>
-              <a:rPr lang="en-US" dirty="0"/>
-              <a:t> </a:t>
-            </a:r>
-            <a:r>
-              <a:rPr lang="en-US" dirty="0" err="1"/>
-              <a:t>aplica</a:t>
-            </a:r>
-            <a:r>
-              <a:rPr lang="en-US" dirty="0"/>
-              <a:t> </a:t>
-            </a:r>
-            <a:r>
-              <a:rPr lang="en-US" dirty="0" err="1"/>
-              <a:t>uma</a:t>
-            </a:r>
-            <a:r>
-              <a:rPr lang="en-US" dirty="0"/>
-              <a:t> </a:t>
-            </a:r>
-            <a:r>
-              <a:rPr lang="en-US" dirty="0" err="1"/>
-              <a:t>rede</a:t>
-            </a:r>
-            <a:r>
-              <a:rPr lang="en-US" dirty="0"/>
-              <a:t> neural </a:t>
-            </a:r>
-            <a:r>
-              <a:rPr lang="en-US" dirty="0" err="1"/>
-              <a:t>recorrente</a:t>
-            </a:r>
-            <a:r>
-              <a:rPr lang="en-US" dirty="0"/>
-              <a:t> LSTM para </a:t>
-            </a:r>
-            <a:r>
-              <a:rPr lang="en-US" dirty="0" err="1"/>
-              <a:t>aprender</a:t>
-            </a:r>
-            <a:r>
-              <a:rPr lang="en-US" dirty="0"/>
-              <a:t> a </a:t>
-            </a:r>
-            <a:r>
-              <a:rPr lang="en-US" dirty="0" err="1"/>
-              <a:t>selecionar</a:t>
-            </a:r>
-            <a:r>
-              <a:rPr lang="en-US" dirty="0"/>
-              <a:t> a </a:t>
-            </a:r>
-            <a:r>
-              <a:rPr lang="en-US" dirty="0" err="1"/>
-              <a:t>melhor</a:t>
-            </a:r>
-            <a:r>
-              <a:rPr lang="en-US" dirty="0"/>
-              <a:t> </a:t>
-            </a:r>
-            <a:r>
-              <a:rPr lang="en-US" dirty="0" err="1"/>
-              <a:t>resposta</a:t>
-            </a:r>
-            <a:r>
-              <a:rPr lang="en-US" dirty="0"/>
-              <a:t>.</a:t>
-            </a:r>
-          </a:p>
-          <a:p>
-            <a:r>
-              <a:rPr lang="en-US" dirty="0"/>
-              <a:t>No final, o </a:t>
-            </a:r>
-            <a:r>
-              <a:rPr lang="en-US" dirty="0" err="1"/>
-              <a:t>autor</a:t>
-            </a:r>
-            <a:r>
-              <a:rPr lang="en-US" dirty="0"/>
-              <a:t> </a:t>
-            </a:r>
-            <a:r>
-              <a:rPr lang="en-US" dirty="0" err="1"/>
-              <a:t>sugere</a:t>
-            </a:r>
-            <a:r>
-              <a:rPr lang="en-US" dirty="0"/>
-              <a:t> </a:t>
-            </a:r>
-            <a:r>
-              <a:rPr lang="en-US" dirty="0" err="1"/>
-              <a:t>como</a:t>
-            </a:r>
-            <a:r>
-              <a:rPr lang="en-US" dirty="0"/>
-              <a:t> </a:t>
-            </a:r>
-            <a:r>
-              <a:rPr lang="en-US" dirty="0" err="1"/>
-              <a:t>trabalho</a:t>
-            </a:r>
-            <a:r>
-              <a:rPr lang="en-US" dirty="0"/>
-              <a:t> </a:t>
-            </a:r>
-            <a:r>
-              <a:rPr lang="en-US" dirty="0" err="1"/>
-              <a:t>futuro</a:t>
-            </a:r>
-            <a:r>
-              <a:rPr lang="en-US" dirty="0"/>
-              <a:t> </a:t>
-            </a:r>
-            <a:r>
-              <a:rPr lang="en-US" dirty="0" err="1"/>
-              <a:t>verificar</a:t>
-            </a:r>
-            <a:r>
-              <a:rPr lang="en-US" dirty="0"/>
-              <a:t> o </a:t>
-            </a:r>
-            <a:r>
-              <a:rPr lang="en-US" dirty="0" err="1"/>
-              <a:t>comportamento</a:t>
-            </a:r>
-            <a:r>
-              <a:rPr lang="en-US" dirty="0"/>
-              <a:t> </a:t>
-            </a:r>
-            <a:r>
-              <a:rPr lang="en-US" dirty="0" err="1"/>
-              <a:t>utilizando</a:t>
-            </a:r>
-            <a:r>
-              <a:rPr lang="en-US" dirty="0"/>
-              <a:t> CNN e </a:t>
-            </a:r>
-            <a:r>
-              <a:rPr lang="en-US" dirty="0" err="1"/>
-              <a:t>outras</a:t>
-            </a:r>
-            <a:r>
-              <a:rPr lang="en-US" dirty="0"/>
-              <a:t> </a:t>
-            </a:r>
-            <a:r>
-              <a:rPr lang="en-US" dirty="0" err="1"/>
-              <a:t>técnicas</a:t>
-            </a:r>
-            <a:r>
-              <a:rPr lang="en-US" dirty="0"/>
-              <a:t>.</a:t>
-            </a:r>
-          </a:p>
-          <a:p>
-            <a:r>
-              <a:rPr lang="en-US" dirty="0"/>
-              <a:t>O dataset </a:t>
-            </a:r>
-            <a:r>
-              <a:rPr lang="en-US" dirty="0" err="1"/>
-              <a:t>é</a:t>
-            </a:r>
-            <a:r>
-              <a:rPr lang="en-US" dirty="0"/>
-              <a:t> </a:t>
-            </a:r>
-            <a:r>
-              <a:rPr lang="en-US" dirty="0" err="1"/>
-              <a:t>formado</a:t>
-            </a:r>
-            <a:r>
-              <a:rPr lang="en-US" dirty="0"/>
-              <a:t> </a:t>
-            </a:r>
-            <a:r>
-              <a:rPr lang="en-US" dirty="0" err="1"/>
               <a:t>por</a:t>
             </a:r>
             <a:r>
               <a:rPr lang="en-US" dirty="0"/>
-              <a:t> </a:t>
-            </a:r>
-            <a:r>
-              <a:rPr lang="en-US" dirty="0" err="1"/>
-              <a:t>questões</a:t>
-            </a:r>
-            <a:r>
-              <a:rPr lang="en-US" dirty="0"/>
-              <a:t> “How-to” de Python e SQL. São </a:t>
-            </a:r>
-            <a:r>
-              <a:rPr lang="en-US" dirty="0" err="1"/>
-              <a:t>questões</a:t>
-            </a:r>
-            <a:r>
-              <a:rPr lang="en-US" dirty="0"/>
-              <a:t> que </a:t>
-            </a:r>
-            <a:r>
-              <a:rPr lang="en-US" dirty="0" err="1"/>
-              <a:t>normalmente</a:t>
-            </a:r>
-            <a:r>
-              <a:rPr lang="en-US" dirty="0"/>
-              <a:t> a </a:t>
-            </a:r>
-            <a:r>
-              <a:rPr lang="en-US" dirty="0" err="1"/>
-              <a:t>resposta</a:t>
-            </a:r>
-            <a:r>
-              <a:rPr lang="en-US" dirty="0"/>
-              <a:t> </a:t>
-            </a:r>
-            <a:r>
-              <a:rPr lang="en-US" dirty="0" err="1"/>
-              <a:t>é</a:t>
-            </a:r>
-            <a:r>
-              <a:rPr lang="en-US" dirty="0"/>
-              <a:t> um code snippet. </a:t>
-            </a:r>
-            <a:r>
-              <a:rPr lang="en-US" dirty="0" err="1"/>
-              <a:t>Mais</a:t>
-            </a:r>
-            <a:r>
-              <a:rPr lang="en-US" dirty="0"/>
-              <a:t> de </a:t>
-            </a:r>
-            <a:r>
-              <a:rPr lang="en-US" dirty="0" err="1"/>
-              <a:t>uma</a:t>
-            </a:r>
-            <a:r>
-              <a:rPr lang="en-US" dirty="0"/>
-              <a:t> </a:t>
-            </a:r>
-            <a:r>
-              <a:rPr lang="en-US" dirty="0" err="1"/>
-              <a:t>resposta</a:t>
-            </a:r>
-            <a:r>
-              <a:rPr lang="en-US" dirty="0"/>
-              <a:t> </a:t>
-            </a:r>
-            <a:r>
-              <a:rPr lang="en-US" dirty="0" err="1"/>
-              <a:t>correta</a:t>
-            </a:r>
-            <a:r>
-              <a:rPr lang="en-US" dirty="0"/>
-              <a:t> </a:t>
-            </a:r>
-            <a:r>
-              <a:rPr lang="en-US" dirty="0" err="1"/>
-              <a:t>é</a:t>
-            </a:r>
-            <a:r>
-              <a:rPr lang="en-US" dirty="0"/>
-              <a:t> </a:t>
-            </a:r>
-            <a:r>
-              <a:rPr lang="en-US" dirty="0" err="1"/>
-              <a:t>possível</a:t>
-            </a:r>
-            <a:r>
-              <a:rPr lang="en-US" dirty="0"/>
-              <a:t> para </a:t>
-            </a:r>
-            <a:r>
-              <a:rPr lang="en-US" dirty="0" err="1"/>
-              <a:t>uma</a:t>
-            </a:r>
-            <a:r>
-              <a:rPr lang="en-US" dirty="0"/>
-              <a:t> </a:t>
-            </a:r>
-            <a:r>
-              <a:rPr lang="en-US" dirty="0" err="1"/>
-              <a:t>mesma</a:t>
-            </a:r>
-            <a:r>
-              <a:rPr lang="en-US" dirty="0"/>
-              <a:t> </a:t>
-            </a:r>
-            <a:r>
-              <a:rPr lang="en-US" dirty="0" err="1"/>
-              <a:t>pergunta</a:t>
-            </a:r>
-            <a:r>
-              <a:rPr lang="en-US" dirty="0"/>
-              <a:t>.</a:t>
-            </a:r>
-          </a:p>
-          <a:p>
-            <a:r>
-              <a:rPr lang="en-US" dirty="0" err="1"/>
-              <a:t>Após</a:t>
-            </a:r>
-            <a:r>
-              <a:rPr lang="en-US" dirty="0"/>
-              <a:t> </a:t>
-            </a:r>
-            <a:r>
-              <a:rPr lang="en-US" dirty="0" err="1"/>
-              <a:t>extrair</a:t>
-            </a:r>
-            <a:r>
-              <a:rPr lang="en-US" dirty="0"/>
-              <a:t> do stack over flow as </a:t>
-            </a:r>
-            <a:r>
-              <a:rPr lang="en-US" dirty="0" err="1"/>
-              <a:t>perguntas</a:t>
-            </a:r>
-            <a:r>
-              <a:rPr lang="en-US" dirty="0"/>
-              <a:t> “How-to” de Python, </a:t>
-            </a:r>
-            <a:r>
-              <a:rPr lang="en-US" dirty="0" err="1"/>
-              <a:t>por</a:t>
-            </a:r>
-            <a:r>
-              <a:rPr lang="en-US" dirty="0"/>
-              <a:t> </a:t>
-            </a:r>
-            <a:r>
-              <a:rPr lang="en-US" dirty="0" err="1"/>
-              <a:t>exemplo</a:t>
-            </a:r>
-            <a:r>
-              <a:rPr lang="en-US" dirty="0"/>
-              <a:t>, 3 </a:t>
-            </a:r>
-            <a:r>
-              <a:rPr lang="en-US" dirty="0" err="1"/>
-              <a:t>alunos</a:t>
-            </a:r>
-            <a:r>
-              <a:rPr lang="en-US" dirty="0"/>
-              <a:t> de </a:t>
-            </a:r>
-            <a:r>
-              <a:rPr lang="en-US" dirty="0" err="1"/>
-              <a:t>gradução</a:t>
-            </a:r>
-            <a:r>
-              <a:rPr lang="en-US" dirty="0"/>
-              <a:t> da </a:t>
-            </a:r>
-            <a:r>
-              <a:rPr lang="en-US" dirty="0" err="1"/>
-              <a:t>universidade</a:t>
-            </a:r>
-            <a:r>
-              <a:rPr lang="en-US" dirty="0"/>
-              <a:t> </a:t>
-            </a:r>
-            <a:r>
-              <a:rPr lang="en-US" dirty="0" err="1"/>
-              <a:t>marcaram</a:t>
-            </a:r>
-            <a:r>
-              <a:rPr lang="en-US" dirty="0"/>
-              <a:t> </a:t>
-            </a:r>
-            <a:r>
-              <a:rPr lang="en-US" dirty="0" err="1"/>
-              <a:t>quais</a:t>
-            </a:r>
-            <a:r>
-              <a:rPr lang="en-US" dirty="0"/>
-              <a:t> </a:t>
-            </a:r>
-            <a:r>
-              <a:rPr lang="en-US" dirty="0" err="1"/>
-              <a:t>respostas</a:t>
-            </a:r>
-            <a:r>
-              <a:rPr lang="en-US" dirty="0"/>
-              <a:t> </a:t>
-            </a:r>
-            <a:r>
-              <a:rPr lang="en-US" dirty="0" err="1"/>
-              <a:t>estavam</a:t>
-            </a:r>
-            <a:r>
-              <a:rPr lang="en-US" dirty="0"/>
-              <a:t> </a:t>
-            </a:r>
-            <a:r>
-              <a:rPr lang="en-US" dirty="0" err="1"/>
-              <a:t>certas</a:t>
-            </a:r>
-            <a:r>
-              <a:rPr lang="en-US" dirty="0"/>
-              <a:t> </a:t>
-            </a:r>
-            <a:r>
-              <a:rPr lang="en-US" dirty="0" err="1"/>
-              <a:t>ou</a:t>
-            </a:r>
-            <a:r>
-              <a:rPr lang="en-US" dirty="0"/>
-              <a:t> </a:t>
-            </a:r>
-            <a:r>
-              <a:rPr lang="en-US" dirty="0" err="1"/>
-              <a:t>erradas</a:t>
-            </a:r>
-            <a:r>
-              <a:rPr lang="en-US" dirty="0"/>
-              <a:t>. </a:t>
-            </a:r>
-            <a:r>
-              <a:rPr lang="en-US" dirty="0" err="1"/>
-              <a:t>Foram</a:t>
-            </a:r>
-            <a:r>
-              <a:rPr lang="en-US" dirty="0"/>
-              <a:t> </a:t>
-            </a:r>
-            <a:r>
-              <a:rPr lang="en-US" dirty="0" err="1"/>
-              <a:t>marcadas</a:t>
-            </a:r>
-            <a:r>
-              <a:rPr lang="en-US" dirty="0"/>
-              <a:t> um total de 4845 </a:t>
-            </a:r>
-            <a:r>
-              <a:rPr lang="en-US" dirty="0" err="1"/>
-              <a:t>respostas</a:t>
-            </a:r>
-            <a:r>
-              <a:rPr lang="en-US" dirty="0"/>
-              <a:t> para Python.</a:t>
-            </a:r>
+              <a:t> code snippet</a:t>
+            </a:r>
+          </a:p>
+          <a:p>
+            <a:pPr algn="ctr"/>
+            <a:r>
+              <a:rPr lang="en-US" sz="1200" dirty="0">
+                <a:hlinkClick r:id="rId5"/>
+              </a:rPr>
+              <a:t>https://github.com/mrezende/StackOverflow-Question-Code-Dataset/blob/master/data/reports/code_snippet_number_of_words_hist.png</a:t>
+            </a:r>
+            <a:endParaRPr lang="en-US" sz="1200" dirty="0"/>
           </a:p>
         </p:txBody>
       </p:sp>
     </p:spTree>
     <p:extLst>
       <p:ext uri="{BB962C8B-B14F-4D97-AF65-F5344CB8AC3E}">
-        <p14:creationId xmlns:p14="http://schemas.microsoft.com/office/powerpoint/2010/main" val="741761872"/>
+        <p14:creationId xmlns:p14="http://schemas.microsoft.com/office/powerpoint/2010/main" val="1704180128"/>
       </p:ext>
     </p:extLst>
   </p:cSld>
@@ -4086,7 +3670,7 @@
 </p:sld>
 </file>
 
-<file path=ppt/slides/slide3.xml><?xml version="1.0" encoding="utf-8"?>
+<file path=ppt/slides/slide11.xml><?xml version="1.0" encoding="utf-8"?>
 <p:sld xmlns:a="http://schemas.openxmlformats.org/drawingml/2006/main" xmlns:r="http://schemas.openxmlformats.org/officeDocument/2006/relationships" xmlns:p="http://schemas.openxmlformats.org/presentationml/2006/main">
   <p:cSld>
     <p:spTree>
@@ -4108,7 +3692,7 @@
           <p:cNvPr id="2" name="Title 1">
             <a:extLst>
               <a:ext uri="{FF2B5EF4-FFF2-40B4-BE49-F238E27FC236}">
-                <a16:creationId xmlns:a16="http://schemas.microsoft.com/office/drawing/2014/main" id="{7F476AF3-1C28-4242-8F1E-32BA1545406A}"/>
+                <a16:creationId xmlns:a16="http://schemas.microsoft.com/office/drawing/2014/main" id="{40DE72F3-089E-394F-805A-33E3D2ADEA8C}"/>
               </a:ext>
             </a:extLst>
           </p:cNvPr>
@@ -4124,50 +3708,180 @@
           <a:bodyPr/>
           <a:lstStyle/>
           <a:p>
-            <a:r>
-              <a:rPr lang="en-US" dirty="0" err="1"/>
-              <a:t>Objetivo</a:t>
+            <a:pPr algn="ctr"/>
+            <a:r>
+              <a:rPr lang="en-US" dirty="0" err="1"/>
+              <a:t>Tamanho</a:t>
+            </a:r>
+            <a:r>
+              <a:rPr lang="en-US" dirty="0"/>
+              <a:t> do code snippet tokenized e </a:t>
+            </a:r>
+            <a:r>
+              <a:rPr lang="en-US" dirty="0" err="1"/>
+              <a:t>número</a:t>
+            </a:r>
+            <a:r>
+              <a:rPr lang="en-US" dirty="0"/>
+              <a:t> de </a:t>
+            </a:r>
+            <a:r>
+              <a:rPr lang="en-US" dirty="0" err="1"/>
+              <a:t>palavras</a:t>
             </a:r>
             <a:endParaRPr lang="en-US" dirty="0"/>
+          </a:p>
+        </p:txBody>
+      </p:sp>
+      <p:pic>
+        <p:nvPicPr>
+          <p:cNvPr id="5" name="Content Placeholder 4">
+            <a:extLst>
+              <a:ext uri="{FF2B5EF4-FFF2-40B4-BE49-F238E27FC236}">
+                <a16:creationId xmlns:a16="http://schemas.microsoft.com/office/drawing/2014/main" id="{D44A2BE8-C8FD-7E46-B2C0-44E3C877D5B8}"/>
+              </a:ext>
+            </a:extLst>
+          </p:cNvPr>
+          <p:cNvPicPr>
+            <a:picLocks noGrp="1" noChangeAspect="1"/>
+          </p:cNvPicPr>
+          <p:nvPr>
+            <p:ph idx="1"/>
+          </p:nvPr>
+        </p:nvPicPr>
+        <p:blipFill>
+          <a:blip r:embed="rId2"/>
+          <a:stretch>
+            <a:fillRect/>
+          </a:stretch>
+        </p:blipFill>
+        <p:spPr>
+          <a:xfrm>
+            <a:off x="0" y="1705571"/>
+            <a:ext cx="6362700" cy="3181350"/>
+          </a:xfrm>
+        </p:spPr>
+      </p:pic>
+      <p:pic>
+        <p:nvPicPr>
+          <p:cNvPr id="4" name="Picture 3">
+            <a:extLst>
+              <a:ext uri="{FF2B5EF4-FFF2-40B4-BE49-F238E27FC236}">
+                <a16:creationId xmlns:a16="http://schemas.microsoft.com/office/drawing/2014/main" id="{59F98138-81E3-DE4C-9DD9-03B174CC5146}"/>
+              </a:ext>
+            </a:extLst>
+          </p:cNvPr>
+          <p:cNvPicPr>
+            <a:picLocks noChangeAspect="1"/>
+          </p:cNvPicPr>
+          <p:nvPr/>
+        </p:nvPicPr>
+        <p:blipFill>
+          <a:blip r:embed="rId3"/>
+          <a:stretch>
+            <a:fillRect/>
+          </a:stretch>
+        </p:blipFill>
+        <p:spPr>
+          <a:xfrm>
+            <a:off x="5888832" y="1720454"/>
+            <a:ext cx="6303168" cy="3151584"/>
+          </a:xfrm>
+          <a:prstGeom prst="rect">
+            <a:avLst/>
+          </a:prstGeom>
+        </p:spPr>
+      </p:pic>
+      <p:sp>
+        <p:nvSpPr>
+          <p:cNvPr id="7" name="TextBox 6">
+            <a:extLst>
+              <a:ext uri="{FF2B5EF4-FFF2-40B4-BE49-F238E27FC236}">
+                <a16:creationId xmlns:a16="http://schemas.microsoft.com/office/drawing/2014/main" id="{D87BA6D5-0320-6048-BE03-17770045E6ED}"/>
+              </a:ext>
+            </a:extLst>
+          </p:cNvPr>
+          <p:cNvSpPr txBox="1"/>
+          <p:nvPr/>
+        </p:nvSpPr>
+        <p:spPr>
+          <a:xfrm>
+            <a:off x="838200" y="4743451"/>
+            <a:ext cx="4705350" cy="923330"/>
+          </a:xfrm>
+          <a:prstGeom prst="rect">
+            <a:avLst/>
+          </a:prstGeom>
+          <a:noFill/>
+        </p:spPr>
+        <p:txBody>
+          <a:bodyPr wrap="square" rtlCol="0">
+            <a:spAutoFit/>
+          </a:bodyPr>
+          <a:lstStyle/>
+          <a:p>
+            <a:pPr algn="ctr"/>
+            <a:r>
+              <a:rPr lang="en-US" dirty="0" err="1"/>
+              <a:t>Tamanho</a:t>
+            </a:r>
+            <a:r>
+              <a:rPr lang="en-US" dirty="0"/>
+              <a:t> do code snippet tokenized</a:t>
+            </a:r>
+          </a:p>
+          <a:p>
+            <a:pPr algn="ctr"/>
+            <a:r>
+              <a:rPr lang="en-US" sz="1200" dirty="0">
+                <a:hlinkClick r:id="rId4"/>
+              </a:rPr>
+              <a:t>https://github.com/mrezende/StackOverflow-Question-Code-Dataset/blob/master/data/reports/code_snippet_tokenized_length_hist.png</a:t>
+            </a:r>
+            <a:endParaRPr lang="en-US" sz="1200" dirty="0"/>
           </a:p>
         </p:txBody>
       </p:sp>
       <p:sp>
         <p:nvSpPr>
-          <p:cNvPr id="3" name="Content Placeholder 2">
-            <a:extLst>
-              <a:ext uri="{FF2B5EF4-FFF2-40B4-BE49-F238E27FC236}">
-                <a16:creationId xmlns:a16="http://schemas.microsoft.com/office/drawing/2014/main" id="{DD2F1F20-34C5-E843-955B-C9219F84180B}"/>
-              </a:ext>
-            </a:extLst>
-          </p:cNvPr>
-          <p:cNvSpPr>
-            <a:spLocks noGrp="1"/>
-          </p:cNvSpPr>
-          <p:nvPr>
-            <p:ph idx="1"/>
-          </p:nvPr>
+          <p:cNvPr id="8" name="TextBox 7">
+            <a:extLst>
+              <a:ext uri="{FF2B5EF4-FFF2-40B4-BE49-F238E27FC236}">
+                <a16:creationId xmlns:a16="http://schemas.microsoft.com/office/drawing/2014/main" id="{C8A795A4-5A5B-B646-8ECC-BA0AEF32F5B8}"/>
+              </a:ext>
+            </a:extLst>
+          </p:cNvPr>
+          <p:cNvSpPr txBox="1"/>
+          <p:nvPr/>
         </p:nvSpPr>
-        <p:spPr/>
+        <p:spPr>
+          <a:xfrm>
+            <a:off x="6381750" y="4743748"/>
+            <a:ext cx="4705350" cy="923330"/>
+          </a:xfrm>
+          <a:prstGeom prst="rect">
+            <a:avLst/>
+          </a:prstGeom>
+          <a:noFill/>
+        </p:spPr>
         <p:txBody>
-          <a:bodyPr/>
+          <a:bodyPr wrap="square" rtlCol="0">
+            <a:spAutoFit/>
+          </a:bodyPr>
           <a:lstStyle/>
           <a:p>
-            <a:r>
-              <a:rPr lang="en-US" dirty="0"/>
-              <a:t>A </a:t>
-            </a:r>
-            <a:r>
-              <a:rPr lang="en-US" dirty="0" err="1"/>
-              <a:t>partir</a:t>
-            </a:r>
-            <a:r>
-              <a:rPr lang="en-US" dirty="0"/>
-              <a:t> do dataset </a:t>
-            </a:r>
-            <a:r>
-              <a:rPr lang="en-US" dirty="0" err="1"/>
-              <a:t>disponibilizado</a:t>
+            <a:pPr algn="ctr"/>
+            <a:r>
+              <a:rPr lang="en-US" dirty="0" err="1"/>
+              <a:t>Número</a:t>
+            </a:r>
+            <a:r>
+              <a:rPr lang="en-US" dirty="0"/>
+              <a:t> de </a:t>
+            </a:r>
+            <a:r>
+              <a:rPr lang="en-US" dirty="0" err="1"/>
+              <a:t>palavras</a:t>
             </a:r>
             <a:r>
               <a:rPr lang="en-US" dirty="0"/>
@@ -4175,195 +3889,29 @@
             </a:r>
             <a:r>
               <a:rPr lang="en-US" dirty="0" err="1"/>
-              <a:t>pelo</a:t>
-            </a:r>
-            <a:r>
-              <a:rPr lang="en-US" dirty="0"/>
-              <a:t> </a:t>
-            </a:r>
-            <a:r>
-              <a:rPr lang="en-US" dirty="0" err="1"/>
-              <a:t>Ziyu</a:t>
-            </a:r>
-            <a:r>
-              <a:rPr lang="en-US" dirty="0"/>
-              <a:t> Yao et all. (</a:t>
-            </a:r>
-            <a:r>
-              <a:rPr lang="en-US" dirty="0" err="1"/>
-              <a:t>StaQC</a:t>
-            </a:r>
-            <a:r>
-              <a:rPr lang="en-US" dirty="0"/>
-              <a:t>: A Systematically Mined Question-Code Dataset from Stack Overflow), </a:t>
-            </a:r>
-            <a:r>
-              <a:rPr lang="en-US" dirty="0" err="1"/>
-              <a:t>aplicar</a:t>
-            </a:r>
-            <a:r>
-              <a:rPr lang="en-US" dirty="0"/>
-              <a:t> </a:t>
-            </a:r>
-            <a:r>
-              <a:rPr lang="en-US" dirty="0" err="1"/>
-              <a:t>outras</a:t>
-            </a:r>
-            <a:r>
-              <a:rPr lang="en-US" dirty="0"/>
-              <a:t> </a:t>
-            </a:r>
-            <a:r>
-              <a:rPr lang="en-US" dirty="0" err="1"/>
-              <a:t>técnicas</a:t>
-            </a:r>
-            <a:r>
-              <a:rPr lang="en-US" dirty="0"/>
-              <a:t> de deep learning que </a:t>
-            </a:r>
-            <a:r>
-              <a:rPr lang="en-US" dirty="0" err="1"/>
-              <a:t>não</a:t>
-            </a:r>
-            <a:r>
-              <a:rPr lang="en-US" dirty="0"/>
-              <a:t> </a:t>
-            </a:r>
-            <a:r>
-              <a:rPr lang="en-US" dirty="0" err="1"/>
-              <a:t>foram</a:t>
-            </a:r>
-            <a:r>
-              <a:rPr lang="en-US" dirty="0"/>
-              <a:t> </a:t>
-            </a:r>
-            <a:r>
-              <a:rPr lang="en-US" dirty="0" err="1"/>
-              <a:t>utilizadas</a:t>
-            </a:r>
-            <a:r>
-              <a:rPr lang="en-US" dirty="0"/>
-              <a:t> </a:t>
-            </a:r>
-            <a:r>
-              <a:rPr lang="en-US" dirty="0" err="1"/>
-              <a:t>pelo</a:t>
-            </a:r>
-            <a:r>
-              <a:rPr lang="en-US" dirty="0"/>
-              <a:t> </a:t>
-            </a:r>
-            <a:r>
-              <a:rPr lang="en-US" dirty="0" err="1"/>
-              <a:t>autor</a:t>
-            </a:r>
-            <a:r>
-              <a:rPr lang="en-US" dirty="0"/>
-              <a:t>.</a:t>
-            </a:r>
-          </a:p>
-          <a:p>
-            <a:r>
-              <a:rPr lang="en-US" dirty="0" err="1"/>
-              <a:t>Mais</a:t>
-            </a:r>
-            <a:r>
-              <a:rPr lang="en-US" dirty="0"/>
-              <a:t> </a:t>
-            </a:r>
-            <a:r>
-              <a:rPr lang="en-US" dirty="0" err="1"/>
-              <a:t>especificamente</a:t>
-            </a:r>
-            <a:r>
-              <a:rPr lang="en-US" dirty="0"/>
-              <a:t> </a:t>
-            </a:r>
-            <a:r>
-              <a:rPr lang="en-US" dirty="0" err="1"/>
-              <a:t>aplicar</a:t>
-            </a:r>
-            <a:r>
-              <a:rPr lang="en-US" dirty="0"/>
-              <a:t> </a:t>
-            </a:r>
-            <a:r>
-              <a:rPr lang="en-US" dirty="0" err="1"/>
-              <a:t>técnicas</a:t>
-            </a:r>
-            <a:r>
-              <a:rPr lang="en-US" dirty="0"/>
-              <a:t> </a:t>
-            </a:r>
-            <a:r>
-              <a:rPr lang="en-US" dirty="0" err="1"/>
-              <a:t>já</a:t>
-            </a:r>
-            <a:r>
-              <a:rPr lang="en-US" dirty="0"/>
-              <a:t> </a:t>
-            </a:r>
-            <a:r>
-              <a:rPr lang="en-US" dirty="0" err="1"/>
-              <a:t>consagradas</a:t>
-            </a:r>
-            <a:r>
-              <a:rPr lang="en-US" dirty="0"/>
-              <a:t> </a:t>
-            </a:r>
-            <a:r>
-              <a:rPr lang="en-US" dirty="0" err="1"/>
-              <a:t>em</a:t>
-            </a:r>
-            <a:r>
-              <a:rPr lang="en-US" dirty="0"/>
-              <a:t> outros papers </a:t>
-            </a:r>
-            <a:r>
-              <a:rPr lang="en-US" dirty="0" err="1"/>
-              <a:t>como</a:t>
-            </a:r>
-            <a:r>
-              <a:rPr lang="en-US" dirty="0"/>
-              <a:t> (</a:t>
-            </a:r>
-            <a:r>
-              <a:rPr lang="en-US" dirty="0">
-                <a:hlinkClick r:id="rId2"/>
+              <a:t>por</a:t>
+            </a:r>
+            <a:r>
+              <a:rPr lang="en-US" dirty="0"/>
+              <a:t> code snippet tokenized</a:t>
+            </a:r>
+          </a:p>
+          <a:p>
+            <a:pPr algn="ctr"/>
+            <a:r>
+              <a:rPr lang="en-US" sz="1200" dirty="0">
+                <a:hlinkClick r:id="rId5"/>
               </a:rPr>
-              <a:t>https://github.com/codekansas/keras-language-modeling</a:t>
-            </a:r>
-            <a:r>
-              <a:rPr lang="en-US" dirty="0"/>
-              <a:t>), </a:t>
-            </a:r>
-            <a:r>
-              <a:rPr lang="en-US" u="sng" dirty="0">
-                <a:hlinkClick r:id="rId3"/>
-              </a:rPr>
-              <a:t>Minwei Feng</a:t>
-            </a:r>
-            <a:r>
-              <a:rPr lang="en-US" u="sng" dirty="0"/>
-              <a:t> et all. </a:t>
-            </a:r>
-            <a:r>
-              <a:rPr lang="en-US" dirty="0"/>
-              <a:t>“Applying Deep Learning to Answer Selection: A Study and An Open Task”</a:t>
-            </a:r>
-          </a:p>
-          <a:p>
-            <a:pPr marL="0" indent="0">
-              <a:buNone/>
-            </a:pPr>
-            <a:endParaRPr lang="en-US" dirty="0"/>
+              <a:t>https://github.com/mrezende/StackOverflow-Question-Code-Dataset/blob/master/data/reports/code_snippet_tokenized_number_of_words_hist.png</a:t>
+            </a:r>
+            <a:endParaRPr lang="en-US" sz="1200" dirty="0"/>
           </a:p>
         </p:txBody>
       </p:sp>
     </p:spTree>
     <p:extLst>
       <p:ext uri="{BB962C8B-B14F-4D97-AF65-F5344CB8AC3E}">
-        <p14:creationId xmlns:p14="http://schemas.microsoft.com/office/powerpoint/2010/main" val="785211298"/>
+        <p14:creationId xmlns:p14="http://schemas.microsoft.com/office/powerpoint/2010/main" val="443281968"/>
       </p:ext>
     </p:extLst>
   </p:cSld>
@@ -4373,7 +3921,7 @@
 </p:sld>
 </file>
 
-<file path=ppt/slides/slide4.xml><?xml version="1.0" encoding="utf-8"?>
+<file path=ppt/slides/slide12.xml><?xml version="1.0" encoding="utf-8"?>
 <p:sld xmlns:a="http://schemas.openxmlformats.org/drawingml/2006/main" xmlns:r="http://schemas.openxmlformats.org/officeDocument/2006/relationships" xmlns:p="http://schemas.openxmlformats.org/presentationml/2006/main">
   <p:cSld>
     <p:spTree>
@@ -4395,7 +3943,7 @@
           <p:cNvPr id="2" name="Title 1">
             <a:extLst>
               <a:ext uri="{FF2B5EF4-FFF2-40B4-BE49-F238E27FC236}">
-                <a16:creationId xmlns:a16="http://schemas.microsoft.com/office/drawing/2014/main" id="{DBB06018-B67F-264F-87DE-9B3CC0DFD841}"/>
+                <a16:creationId xmlns:a16="http://schemas.microsoft.com/office/drawing/2014/main" id="{4FF8ED7A-260D-2548-A7EB-3874150F02E3}"/>
               </a:ext>
             </a:extLst>
           </p:cNvPr>
@@ -4413,842 +3961,715 @@
           <a:p>
             <a:r>
               <a:rPr lang="en-US" dirty="0" err="1"/>
-              <a:t>Desafios</a:t>
-            </a:r>
-            <a:r>
-              <a:rPr lang="en-US" dirty="0"/>
-              <a:t> </a:t>
-            </a:r>
-            <a:r>
-              <a:rPr lang="en-US" dirty="0" err="1"/>
-              <a:t>iniciais</a:t>
-            </a:r>
-            <a:endParaRPr lang="en-US" dirty="0"/>
+              <a:t>Preparação</a:t>
+            </a:r>
+            <a:r>
+              <a:rPr lang="en-US" dirty="0"/>
+              <a:t> dos dados</a:t>
+            </a:r>
           </a:p>
         </p:txBody>
       </p:sp>
-      <p:graphicFrame>
-        <p:nvGraphicFramePr>
-          <p:cNvPr id="5" name="Content Placeholder 4">
-            <a:extLst>
-              <a:ext uri="{FF2B5EF4-FFF2-40B4-BE49-F238E27FC236}">
-                <a16:creationId xmlns:a16="http://schemas.microsoft.com/office/drawing/2014/main" id="{66C39637-C2DA-0840-8597-23C5AEFF9192}"/>
-              </a:ext>
-            </a:extLst>
-          </p:cNvPr>
-          <p:cNvGraphicFramePr>
-            <a:graphicFrameLocks noGrp="1"/>
-          </p:cNvGraphicFramePr>
-          <p:nvPr>
-            <p:ph idx="1"/>
-            <p:extLst>
-              <p:ext uri="{D42A27DB-BD31-4B8C-83A1-F6EECF244321}">
-                <p14:modId xmlns:p14="http://schemas.microsoft.com/office/powerpoint/2010/main" val="2884136761"/>
-              </p:ext>
-            </p:extLst>
-          </p:nvPr>
-        </p:nvGraphicFramePr>
-        <p:xfrm>
-          <a:off x="838200" y="1690688"/>
-          <a:ext cx="10515600" cy="5034280"/>
-        </p:xfrm>
-        <a:graphic>
-          <a:graphicData uri="http://schemas.openxmlformats.org/drawingml/2006/table">
-            <a:tbl>
-              <a:tblPr firstRow="1" bandRow="1">
-                <a:tableStyleId>{5C22544A-7EE6-4342-B048-85BDC9FD1C3A}</a:tableStyleId>
-              </a:tblPr>
-              <a:tblGrid>
-                <a:gridCol w="3505200">
-                  <a:extLst>
-                    <a:ext uri="{9D8B030D-6E8A-4147-A177-3AD203B41FA5}">
-                      <a16:colId xmlns:a16="http://schemas.microsoft.com/office/drawing/2014/main" val="2043741477"/>
-                    </a:ext>
-                  </a:extLst>
-                </a:gridCol>
-                <a:gridCol w="3505200">
-                  <a:extLst>
-                    <a:ext uri="{9D8B030D-6E8A-4147-A177-3AD203B41FA5}">
-                      <a16:colId xmlns:a16="http://schemas.microsoft.com/office/drawing/2014/main" val="3686938235"/>
-                    </a:ext>
-                  </a:extLst>
-                </a:gridCol>
-                <a:gridCol w="3505200">
-                  <a:extLst>
-                    <a:ext uri="{9D8B030D-6E8A-4147-A177-3AD203B41FA5}">
-                      <a16:colId xmlns:a16="http://schemas.microsoft.com/office/drawing/2014/main" val="1651112967"/>
-                    </a:ext>
-                  </a:extLst>
-                </a:gridCol>
-              </a:tblGrid>
-              <a:tr h="370840">
-                <a:tc>
-                  <a:txBody>
-                    <a:bodyPr/>
-                    <a:lstStyle/>
-                    <a:p>
-                      <a:r>
-                        <a:rPr lang="en-US" dirty="0" err="1"/>
-                        <a:t>Desafio</a:t>
-                      </a:r>
-                      <a:endParaRPr lang="en-US" dirty="0"/>
-                    </a:p>
-                  </a:txBody>
-                  <a:tcPr/>
-                </a:tc>
-                <a:tc>
-                  <a:txBody>
-                    <a:bodyPr/>
-                    <a:lstStyle/>
-                    <a:p>
-                      <a:r>
-                        <a:rPr lang="en-US" dirty="0"/>
-                        <a:t>Status</a:t>
-                      </a:r>
-                    </a:p>
-                  </a:txBody>
-                  <a:tcPr/>
-                </a:tc>
-                <a:tc>
-                  <a:txBody>
-                    <a:bodyPr/>
-                    <a:lstStyle/>
-                    <a:p>
-                      <a:r>
-                        <a:rPr lang="en-US" dirty="0" err="1"/>
-                        <a:t>Eventuais</a:t>
-                      </a:r>
-                      <a:r>
-                        <a:rPr lang="en-US" dirty="0"/>
-                        <a:t> </a:t>
-                      </a:r>
-                      <a:r>
-                        <a:rPr lang="en-US" dirty="0" err="1"/>
-                        <a:t>problemas</a:t>
-                      </a:r>
-                      <a:endParaRPr lang="en-US" dirty="0"/>
-                    </a:p>
-                  </a:txBody>
-                  <a:tcPr/>
-                </a:tc>
-                <a:extLst>
-                  <a:ext uri="{0D108BD9-81ED-4DB2-BD59-A6C34878D82A}">
-                    <a16:rowId xmlns:a16="http://schemas.microsoft.com/office/drawing/2014/main" val="3229650338"/>
-                  </a:ext>
-                </a:extLst>
-              </a:tr>
-              <a:tr h="370840">
-                <a:tc>
-                  <a:txBody>
-                    <a:bodyPr/>
-                    <a:lstStyle/>
-                    <a:p>
-                      <a:r>
-                        <a:rPr lang="en-US" dirty="0" err="1"/>
-                        <a:t>Rodar</a:t>
-                      </a:r>
-                      <a:r>
-                        <a:rPr lang="en-US" dirty="0"/>
-                        <a:t> o dataset </a:t>
-                      </a:r>
-                      <a:r>
-                        <a:rPr lang="en-US" dirty="0" err="1"/>
-                        <a:t>em</a:t>
-                      </a:r>
-                      <a:r>
-                        <a:rPr lang="en-US" dirty="0"/>
-                        <a:t> </a:t>
-                      </a:r>
-                      <a:r>
-                        <a:rPr lang="en-US" dirty="0" err="1"/>
-                        <a:t>outra</a:t>
-                      </a:r>
-                      <a:r>
-                        <a:rPr lang="en-US" dirty="0"/>
-                        <a:t> </a:t>
-                      </a:r>
-                      <a:r>
-                        <a:rPr lang="en-US" dirty="0" err="1"/>
-                        <a:t>técnica</a:t>
-                      </a:r>
-                      <a:r>
-                        <a:rPr lang="en-US" dirty="0"/>
-                        <a:t> deep learning. Por </a:t>
-                      </a:r>
-                      <a:r>
-                        <a:rPr lang="en-US" dirty="0" err="1"/>
-                        <a:t>exemplo</a:t>
-                      </a:r>
-                      <a:r>
-                        <a:rPr lang="en-US" dirty="0"/>
-                        <a:t>: LSTM+CNN</a:t>
-                      </a:r>
-                    </a:p>
-                  </a:txBody>
-                  <a:tcPr/>
-                </a:tc>
-                <a:tc>
-                  <a:txBody>
-                    <a:bodyPr/>
-                    <a:lstStyle/>
-                    <a:p>
-                      <a:r>
-                        <a:rPr lang="en-US" dirty="0"/>
-                        <a:t>OK</a:t>
-                      </a:r>
-                    </a:p>
-                  </a:txBody>
-                  <a:tcPr/>
-                </a:tc>
-                <a:tc>
-                  <a:txBody>
-                    <a:bodyPr/>
-                    <a:lstStyle/>
-                    <a:p>
-                      <a:r>
-                        <a:rPr lang="en-US" dirty="0"/>
-                        <a:t>Eu </a:t>
-                      </a:r>
-                      <a:r>
-                        <a:rPr lang="en-US" dirty="0" err="1"/>
-                        <a:t>tive</a:t>
-                      </a:r>
-                      <a:r>
-                        <a:rPr lang="en-US" dirty="0"/>
-                        <a:t> que </a:t>
-                      </a:r>
-                      <a:r>
-                        <a:rPr lang="en-US" dirty="0" err="1"/>
-                        <a:t>portar</a:t>
-                      </a:r>
-                      <a:r>
-                        <a:rPr lang="en-US" dirty="0"/>
-                        <a:t> o dataset </a:t>
-                      </a:r>
-                      <a:r>
-                        <a:rPr lang="en-US" dirty="0" err="1"/>
-                        <a:t>pra</a:t>
-                      </a:r>
-                      <a:r>
-                        <a:rPr lang="en-US" dirty="0"/>
-                        <a:t> um outro </a:t>
-                      </a:r>
-                      <a:r>
-                        <a:rPr lang="en-US" dirty="0" err="1"/>
-                        <a:t>código</a:t>
-                      </a:r>
-                      <a:r>
-                        <a:rPr lang="en-US" dirty="0"/>
-                        <a:t> que </a:t>
-                      </a:r>
-                      <a:r>
-                        <a:rPr lang="en-US" dirty="0" err="1"/>
-                        <a:t>contém</a:t>
-                      </a:r>
-                      <a:r>
-                        <a:rPr lang="en-US" dirty="0"/>
-                        <a:t> um </a:t>
-                      </a:r>
-                      <a:r>
-                        <a:rPr lang="en-US" dirty="0" err="1"/>
-                        <a:t>modelo</a:t>
-                      </a:r>
-                      <a:r>
-                        <a:rPr lang="en-US" dirty="0"/>
-                        <a:t> de </a:t>
-                      </a:r>
-                      <a:r>
-                        <a:rPr lang="en-US" dirty="0" err="1"/>
-                        <a:t>rede</a:t>
-                      </a:r>
-                      <a:r>
-                        <a:rPr lang="en-US" dirty="0"/>
-                        <a:t> neural que </a:t>
-                      </a:r>
-                      <a:r>
-                        <a:rPr lang="en-US" dirty="0" err="1"/>
-                        <a:t>é</a:t>
-                      </a:r>
-                      <a:r>
-                        <a:rPr lang="en-US" dirty="0"/>
-                        <a:t> LSTM + CNN.  </a:t>
-                      </a:r>
-                      <a:r>
-                        <a:rPr lang="en-US" dirty="0" err="1"/>
-                        <a:t>Ao</a:t>
-                      </a:r>
-                      <a:r>
-                        <a:rPr lang="en-US" dirty="0"/>
-                        <a:t> </a:t>
-                      </a:r>
-                      <a:r>
-                        <a:rPr lang="en-US" dirty="0" err="1"/>
-                        <a:t>portar</a:t>
-                      </a:r>
-                      <a:r>
-                        <a:rPr lang="en-US" dirty="0"/>
-                        <a:t> o dataset </a:t>
-                      </a:r>
-                      <a:r>
-                        <a:rPr lang="en-US" dirty="0" err="1"/>
-                        <a:t>foi</a:t>
-                      </a:r>
-                      <a:r>
-                        <a:rPr lang="en-US" dirty="0"/>
-                        <a:t> </a:t>
-                      </a:r>
-                      <a:r>
-                        <a:rPr lang="en-US" dirty="0" err="1"/>
-                        <a:t>diminuído</a:t>
-                      </a:r>
-                      <a:r>
-                        <a:rPr lang="en-US" dirty="0"/>
-                        <a:t>. Neste </a:t>
-                      </a:r>
-                      <a:r>
-                        <a:rPr lang="en-US" dirty="0" err="1"/>
-                        <a:t>caso</a:t>
-                      </a:r>
-                      <a:r>
-                        <a:rPr lang="en-US" dirty="0"/>
-                        <a:t>, </a:t>
-                      </a:r>
-                      <a:r>
-                        <a:rPr lang="en-US" dirty="0" err="1"/>
-                        <a:t>não</a:t>
-                      </a:r>
-                      <a:r>
-                        <a:rPr lang="en-US" dirty="0"/>
-                        <a:t> </a:t>
-                      </a:r>
-                      <a:r>
-                        <a:rPr lang="en-US" dirty="0" err="1"/>
-                        <a:t>sei</a:t>
-                      </a:r>
-                      <a:r>
-                        <a:rPr lang="en-US" dirty="0"/>
-                        <a:t> se </a:t>
-                      </a:r>
-                      <a:r>
-                        <a:rPr lang="en-US" dirty="0" err="1"/>
-                        <a:t>ele</a:t>
-                      </a:r>
-                      <a:r>
-                        <a:rPr lang="en-US" dirty="0"/>
-                        <a:t> continua </a:t>
-                      </a:r>
-                      <a:r>
-                        <a:rPr lang="en-US" dirty="0" err="1"/>
-                        <a:t>válido</a:t>
-                      </a:r>
-                      <a:r>
-                        <a:rPr lang="en-US" dirty="0"/>
-                        <a:t> (</a:t>
-                      </a:r>
-                      <a:r>
-                        <a:rPr lang="en-US" dirty="0" err="1"/>
-                        <a:t>preciso</a:t>
-                      </a:r>
-                      <a:r>
-                        <a:rPr lang="en-US" dirty="0"/>
-                        <a:t> responder a </a:t>
-                      </a:r>
-                      <a:r>
-                        <a:rPr lang="en-US" dirty="0" err="1"/>
-                        <a:t>essa</a:t>
-                      </a:r>
-                      <a:r>
-                        <a:rPr lang="en-US" dirty="0"/>
-                        <a:t> </a:t>
-                      </a:r>
-                      <a:r>
-                        <a:rPr lang="en-US" dirty="0" err="1"/>
-                        <a:t>pergunta</a:t>
-                      </a:r>
-                      <a:r>
-                        <a:rPr lang="en-US" dirty="0"/>
-                        <a:t>)</a:t>
-                      </a:r>
-                    </a:p>
-                  </a:txBody>
-                  <a:tcPr/>
-                </a:tc>
-                <a:extLst>
-                  <a:ext uri="{0D108BD9-81ED-4DB2-BD59-A6C34878D82A}">
-                    <a16:rowId xmlns:a16="http://schemas.microsoft.com/office/drawing/2014/main" val="2289548876"/>
-                  </a:ext>
-                </a:extLst>
-              </a:tr>
-              <a:tr h="370840">
-                <a:tc>
-                  <a:txBody>
-                    <a:bodyPr/>
-                    <a:lstStyle/>
-                    <a:p>
-                      <a:r>
-                        <a:rPr lang="en-US" dirty="0" err="1"/>
-                        <a:t>Quais</a:t>
-                      </a:r>
-                      <a:r>
-                        <a:rPr lang="en-US" dirty="0"/>
-                        <a:t> </a:t>
-                      </a:r>
-                      <a:r>
-                        <a:rPr lang="en-US" dirty="0" err="1"/>
-                        <a:t>técnicas</a:t>
-                      </a:r>
-                      <a:r>
-                        <a:rPr lang="en-US" dirty="0"/>
-                        <a:t> </a:t>
-                      </a:r>
-                      <a:r>
-                        <a:rPr lang="en-US" dirty="0" err="1"/>
-                        <a:t>relevantes</a:t>
-                      </a:r>
-                      <a:r>
-                        <a:rPr lang="en-US" dirty="0"/>
-                        <a:t> de deep learning para o </a:t>
-                      </a:r>
-                      <a:r>
-                        <a:rPr lang="en-US" dirty="0" err="1"/>
-                        <a:t>problema</a:t>
-                      </a:r>
-                      <a:r>
-                        <a:rPr lang="en-US" dirty="0"/>
-                        <a:t> “Question answer selection” </a:t>
-                      </a:r>
-                      <a:r>
-                        <a:rPr lang="en-US" dirty="0" err="1"/>
-                        <a:t>existe</a:t>
-                      </a:r>
-                      <a:r>
-                        <a:rPr lang="en-US" dirty="0"/>
-                        <a:t> </a:t>
-                      </a:r>
-                      <a:r>
-                        <a:rPr lang="en-US" dirty="0" err="1"/>
-                        <a:t>atualmente</a:t>
-                      </a:r>
-                      <a:r>
-                        <a:rPr lang="en-US" dirty="0"/>
-                        <a:t> </a:t>
-                      </a:r>
-                      <a:r>
-                        <a:rPr lang="en-US" dirty="0" err="1"/>
-                        <a:t>na</a:t>
-                      </a:r>
-                      <a:r>
-                        <a:rPr lang="en-US" dirty="0"/>
-                        <a:t> literature?</a:t>
-                      </a:r>
-                    </a:p>
-                  </a:txBody>
-                  <a:tcPr/>
-                </a:tc>
-                <a:tc>
-                  <a:txBody>
-                    <a:bodyPr/>
-                    <a:lstStyle/>
-                    <a:p>
-                      <a:r>
-                        <a:rPr lang="en-US" dirty="0" err="1"/>
-                        <a:t>Não</a:t>
-                      </a:r>
-                      <a:r>
-                        <a:rPr lang="en-US" dirty="0"/>
-                        <a:t> </a:t>
-                      </a:r>
-                      <a:r>
-                        <a:rPr lang="en-US" dirty="0" err="1"/>
-                        <a:t>respondi</a:t>
-                      </a:r>
-                      <a:r>
-                        <a:rPr lang="en-US" dirty="0"/>
-                        <a:t> a </a:t>
-                      </a:r>
-                      <a:r>
-                        <a:rPr lang="en-US" dirty="0" err="1"/>
-                        <a:t>esta</a:t>
-                      </a:r>
-                      <a:r>
-                        <a:rPr lang="en-US" dirty="0"/>
-                        <a:t> </a:t>
-                      </a:r>
-                      <a:r>
-                        <a:rPr lang="en-US" dirty="0" err="1"/>
-                        <a:t>pergunta</a:t>
-                      </a:r>
-                      <a:r>
-                        <a:rPr lang="en-US" dirty="0"/>
-                        <a:t>.</a:t>
-                      </a:r>
-                    </a:p>
-                  </a:txBody>
-                  <a:tcPr/>
-                </a:tc>
-                <a:tc>
-                  <a:txBody>
-                    <a:bodyPr/>
-                    <a:lstStyle/>
-                    <a:p>
-                      <a:r>
-                        <a:rPr lang="en-US" dirty="0" err="1"/>
-                        <a:t>Além</a:t>
-                      </a:r>
-                      <a:r>
-                        <a:rPr lang="en-US" dirty="0"/>
-                        <a:t> da </a:t>
-                      </a:r>
-                      <a:r>
-                        <a:rPr lang="en-US" dirty="0" err="1"/>
-                        <a:t>técnica</a:t>
-                      </a:r>
-                      <a:r>
-                        <a:rPr lang="en-US" dirty="0"/>
-                        <a:t> LSTM do </a:t>
-                      </a:r>
-                      <a:r>
-                        <a:rPr lang="en-US" dirty="0" err="1"/>
-                        <a:t>autor</a:t>
-                      </a:r>
-                      <a:r>
-                        <a:rPr lang="en-US" dirty="0"/>
-                        <a:t> do dataset do </a:t>
-                      </a:r>
-                      <a:r>
-                        <a:rPr lang="en-US" dirty="0" err="1"/>
-                        <a:t>stackoverflow</a:t>
-                      </a:r>
-                      <a:r>
-                        <a:rPr lang="en-US" dirty="0"/>
-                        <a:t> (Yao et all), </a:t>
-                      </a:r>
-                      <a:r>
-                        <a:rPr lang="en-US" dirty="0" err="1"/>
-                        <a:t>eu</a:t>
-                      </a:r>
-                      <a:r>
-                        <a:rPr lang="en-US" dirty="0"/>
-                        <a:t> </a:t>
-                      </a:r>
-                      <a:r>
-                        <a:rPr lang="en-US" dirty="0" err="1"/>
-                        <a:t>utilizei</a:t>
-                      </a:r>
-                      <a:r>
-                        <a:rPr lang="en-US" dirty="0"/>
-                        <a:t> a </a:t>
-                      </a:r>
-                      <a:r>
-                        <a:rPr lang="en-US" dirty="0" err="1"/>
-                        <a:t>técnica</a:t>
-                      </a:r>
-                      <a:r>
-                        <a:rPr lang="en-US" dirty="0"/>
-                        <a:t> do </a:t>
-                      </a:r>
-                      <a:r>
-                        <a:rPr lang="en-US" u="sng" dirty="0">
-                          <a:hlinkClick r:id="rId2"/>
-                        </a:rPr>
-                        <a:t>Minwei Feng</a:t>
-                      </a:r>
-                      <a:r>
-                        <a:rPr lang="en-US" u="sng" dirty="0"/>
-                        <a:t> et all</a:t>
-                      </a:r>
-                      <a:r>
-                        <a:rPr lang="en-US" dirty="0"/>
-                        <a:t> . E </a:t>
-                      </a:r>
-                      <a:r>
-                        <a:rPr lang="en-US" dirty="0" err="1"/>
-                        <a:t>esta</a:t>
-                      </a:r>
-                      <a:r>
-                        <a:rPr lang="en-US" dirty="0"/>
-                        <a:t> </a:t>
-                      </a:r>
-                      <a:r>
-                        <a:rPr lang="en-US" dirty="0" err="1"/>
-                        <a:t>última</a:t>
-                      </a:r>
-                      <a:r>
-                        <a:rPr lang="en-US" dirty="0"/>
-                        <a:t> </a:t>
-                      </a:r>
-                      <a:r>
-                        <a:rPr lang="en-US" dirty="0" err="1"/>
-                        <a:t>precisa</a:t>
-                      </a:r>
-                      <a:r>
-                        <a:rPr lang="en-US" dirty="0"/>
-                        <a:t> </a:t>
-                      </a:r>
-                      <a:r>
-                        <a:rPr lang="en-US" dirty="0" err="1"/>
-                        <a:t>melhorar</a:t>
-                      </a:r>
-                      <a:r>
-                        <a:rPr lang="en-US" dirty="0"/>
-                        <a:t>.  </a:t>
-                      </a:r>
-                    </a:p>
-                  </a:txBody>
-                  <a:tcPr/>
-                </a:tc>
-                <a:extLst>
-                  <a:ext uri="{0D108BD9-81ED-4DB2-BD59-A6C34878D82A}">
-                    <a16:rowId xmlns:a16="http://schemas.microsoft.com/office/drawing/2014/main" val="2595467956"/>
-                  </a:ext>
-                </a:extLst>
-              </a:tr>
-              <a:tr h="370840">
-                <a:tc>
-                  <a:txBody>
-                    <a:bodyPr/>
-                    <a:lstStyle/>
-                    <a:p>
-                      <a:r>
-                        <a:rPr lang="en-US" dirty="0" err="1"/>
-                        <a:t>Tratar</a:t>
-                      </a:r>
-                      <a:r>
-                        <a:rPr lang="en-US" dirty="0"/>
-                        <a:t> o </a:t>
-                      </a:r>
-                      <a:r>
-                        <a:rPr lang="en-US" dirty="0" err="1"/>
-                        <a:t>código</a:t>
-                      </a:r>
-                      <a:r>
-                        <a:rPr lang="en-US" dirty="0"/>
-                        <a:t> </a:t>
-                      </a:r>
-                      <a:r>
-                        <a:rPr lang="en-US" dirty="0" err="1"/>
-                        <a:t>fonte</a:t>
-                      </a:r>
-                      <a:r>
-                        <a:rPr lang="en-US" dirty="0"/>
-                        <a:t> </a:t>
-                      </a:r>
-                      <a:r>
-                        <a:rPr lang="en-US" dirty="0" err="1"/>
-                        <a:t>resposta</a:t>
-                      </a:r>
-                      <a:r>
-                        <a:rPr lang="en-US" dirty="0"/>
-                        <a:t>. </a:t>
-                      </a:r>
-                      <a:r>
-                        <a:rPr lang="en-US" dirty="0" err="1"/>
-                        <a:t>Substituir</a:t>
-                      </a:r>
-                      <a:r>
-                        <a:rPr lang="en-US" dirty="0"/>
-                        <a:t> o </a:t>
-                      </a:r>
-                      <a:r>
-                        <a:rPr lang="en-US" dirty="0" err="1"/>
-                        <a:t>nome</a:t>
-                      </a:r>
-                      <a:r>
-                        <a:rPr lang="en-US" dirty="0"/>
-                        <a:t> da </a:t>
-                      </a:r>
-                      <a:r>
-                        <a:rPr lang="en-US" dirty="0" err="1"/>
-                        <a:t>variável</a:t>
-                      </a:r>
-                      <a:r>
-                        <a:rPr lang="en-US" dirty="0"/>
-                        <a:t> </a:t>
-                      </a:r>
-                      <a:r>
-                        <a:rPr lang="en-US" dirty="0" err="1"/>
-                        <a:t>por</a:t>
-                      </a:r>
-                      <a:r>
-                        <a:rPr lang="en-US" dirty="0"/>
-                        <a:t> VAR, \n </a:t>
-                      </a:r>
-                      <a:r>
-                        <a:rPr lang="en-US" dirty="0" err="1"/>
-                        <a:t>por</a:t>
-                      </a:r>
-                      <a:r>
-                        <a:rPr lang="en-US" dirty="0"/>
-                        <a:t> NEWLINE etc.</a:t>
-                      </a:r>
-                    </a:p>
-                  </a:txBody>
-                  <a:tcPr/>
-                </a:tc>
-                <a:tc>
-                  <a:txBody>
-                    <a:bodyPr/>
-                    <a:lstStyle/>
-                    <a:p>
-                      <a:r>
-                        <a:rPr lang="en-US" dirty="0"/>
-                        <a:t>Ok</a:t>
-                      </a:r>
-                    </a:p>
-                  </a:txBody>
-                  <a:tcPr/>
-                </a:tc>
-                <a:tc>
-                  <a:txBody>
-                    <a:bodyPr/>
-                    <a:lstStyle/>
-                    <a:p>
-                      <a:r>
-                        <a:rPr lang="en-US" dirty="0" err="1"/>
-                        <a:t>Nem</a:t>
-                      </a:r>
-                      <a:r>
-                        <a:rPr lang="en-US" dirty="0"/>
-                        <a:t> </a:t>
-                      </a:r>
-                      <a:r>
-                        <a:rPr lang="en-US" dirty="0" err="1"/>
-                        <a:t>todas</a:t>
-                      </a:r>
-                      <a:r>
-                        <a:rPr lang="en-US" dirty="0"/>
-                        <a:t> as </a:t>
-                      </a:r>
-                      <a:r>
-                        <a:rPr lang="en-US" dirty="0" err="1"/>
-                        <a:t>respostas</a:t>
-                      </a:r>
-                      <a:r>
-                        <a:rPr lang="en-US" dirty="0"/>
-                        <a:t> </a:t>
-                      </a:r>
-                      <a:r>
-                        <a:rPr lang="en-US" dirty="0" err="1"/>
-                        <a:t>foram</a:t>
-                      </a:r>
-                      <a:r>
-                        <a:rPr lang="en-US" dirty="0"/>
-                        <a:t> </a:t>
-                      </a:r>
-                      <a:r>
-                        <a:rPr lang="en-US" dirty="0" err="1"/>
-                        <a:t>possíveis</a:t>
-                      </a:r>
-                      <a:r>
-                        <a:rPr lang="en-US" dirty="0"/>
-                        <a:t> </a:t>
-                      </a:r>
-                      <a:r>
-                        <a:rPr lang="en-US" dirty="0" err="1"/>
-                        <a:t>aplicar</a:t>
-                      </a:r>
-                      <a:r>
-                        <a:rPr lang="en-US" dirty="0"/>
-                        <a:t> </a:t>
-                      </a:r>
-                      <a:r>
-                        <a:rPr lang="en-US" dirty="0" err="1"/>
-                        <a:t>esta</a:t>
-                      </a:r>
-                      <a:r>
-                        <a:rPr lang="en-US" dirty="0"/>
-                        <a:t> </a:t>
-                      </a:r>
-                      <a:r>
-                        <a:rPr lang="en-US" dirty="0" err="1"/>
-                        <a:t>técnica</a:t>
-                      </a:r>
-                      <a:r>
-                        <a:rPr lang="en-US" dirty="0"/>
-                        <a:t>. </a:t>
-                      </a:r>
-                      <a:r>
-                        <a:rPr lang="en-US" dirty="0" err="1"/>
-                        <a:t>Algumas</a:t>
-                      </a:r>
-                      <a:r>
-                        <a:rPr lang="en-US" dirty="0"/>
-                        <a:t> </a:t>
-                      </a:r>
-                      <a:r>
-                        <a:rPr lang="en-US" dirty="0" err="1"/>
-                        <a:t>amostras</a:t>
-                      </a:r>
-                      <a:r>
-                        <a:rPr lang="en-US" dirty="0"/>
-                        <a:t> </a:t>
-                      </a:r>
-                      <a:r>
-                        <a:rPr lang="en-US" dirty="0" err="1"/>
-                        <a:t>não</a:t>
-                      </a:r>
-                      <a:r>
-                        <a:rPr lang="en-US" dirty="0"/>
-                        <a:t> </a:t>
-                      </a:r>
-                      <a:r>
-                        <a:rPr lang="en-US" dirty="0" err="1"/>
-                        <a:t>tiveram</a:t>
-                      </a:r>
-                      <a:r>
-                        <a:rPr lang="en-US" dirty="0"/>
-                        <a:t> o </a:t>
-                      </a:r>
-                      <a:r>
-                        <a:rPr lang="en-US" dirty="0" err="1"/>
-                        <a:t>seu</a:t>
-                      </a:r>
-                      <a:r>
-                        <a:rPr lang="en-US" dirty="0"/>
-                        <a:t> </a:t>
-                      </a:r>
-                      <a:r>
-                        <a:rPr lang="en-US" dirty="0" err="1"/>
-                        <a:t>código</a:t>
-                      </a:r>
-                      <a:r>
-                        <a:rPr lang="en-US" dirty="0"/>
-                        <a:t> </a:t>
-                      </a:r>
-                      <a:r>
-                        <a:rPr lang="en-US" dirty="0" err="1"/>
-                        <a:t>fonte</a:t>
-                      </a:r>
-                      <a:r>
-                        <a:rPr lang="en-US" dirty="0"/>
-                        <a:t> </a:t>
-                      </a:r>
-                      <a:r>
-                        <a:rPr lang="en-US" dirty="0" err="1"/>
-                        <a:t>tratado</a:t>
-                      </a:r>
-                      <a:r>
-                        <a:rPr lang="en-US" dirty="0"/>
-                        <a:t>.</a:t>
-                      </a:r>
-                    </a:p>
-                  </a:txBody>
-                  <a:tcPr/>
-                </a:tc>
-                <a:extLst>
-                  <a:ext uri="{0D108BD9-81ED-4DB2-BD59-A6C34878D82A}">
-                    <a16:rowId xmlns:a16="http://schemas.microsoft.com/office/drawing/2014/main" val="2897228801"/>
-                  </a:ext>
-                </a:extLst>
-              </a:tr>
-            </a:tbl>
-          </a:graphicData>
-        </a:graphic>
-      </p:graphicFrame>
+      <p:sp>
+        <p:nvSpPr>
+          <p:cNvPr id="6" name="Magnetic Disk 5">
+            <a:extLst>
+              <a:ext uri="{FF2B5EF4-FFF2-40B4-BE49-F238E27FC236}">
+                <a16:creationId xmlns:a16="http://schemas.microsoft.com/office/drawing/2014/main" id="{68683B78-04E0-D84D-9107-36A6104FA977}"/>
+              </a:ext>
+            </a:extLst>
+          </p:cNvPr>
+          <p:cNvSpPr/>
+          <p:nvPr/>
+        </p:nvSpPr>
+        <p:spPr>
+          <a:xfrm>
+            <a:off x="1147763" y="2143125"/>
+            <a:ext cx="1243013" cy="1228725"/>
+          </a:xfrm>
+          <a:prstGeom prst="flowChartMagneticDisk">
+            <a:avLst/>
+          </a:prstGeom>
+        </p:spPr>
+        <p:style>
+          <a:lnRef idx="2">
+            <a:schemeClr val="accent1">
+              <a:shade val="50000"/>
+            </a:schemeClr>
+          </a:lnRef>
+          <a:fillRef idx="1">
+            <a:schemeClr val="accent1"/>
+          </a:fillRef>
+          <a:effectRef idx="0">
+            <a:schemeClr val="accent1"/>
+          </a:effectRef>
+          <a:fontRef idx="minor">
+            <a:schemeClr val="lt1"/>
+          </a:fontRef>
+        </p:style>
+        <p:txBody>
+          <a:bodyPr rtlCol="0" anchor="ctr"/>
+          <a:lstStyle/>
+          <a:p>
+            <a:pPr algn="ctr"/>
+            <a:r>
+              <a:rPr lang="en-US" dirty="0"/>
+              <a:t>4884 </a:t>
+            </a:r>
+            <a:r>
+              <a:rPr lang="en-US" dirty="0" err="1"/>
+              <a:t>amostras</a:t>
+            </a:r>
+            <a:endParaRPr lang="en-US" dirty="0"/>
+          </a:p>
+        </p:txBody>
+      </p:sp>
+      <p:cxnSp>
+        <p:nvCxnSpPr>
+          <p:cNvPr id="8" name="Straight Arrow Connector 7">
+            <a:extLst>
+              <a:ext uri="{FF2B5EF4-FFF2-40B4-BE49-F238E27FC236}">
+                <a16:creationId xmlns:a16="http://schemas.microsoft.com/office/drawing/2014/main" id="{3CD786D8-32A7-CC44-9C7C-D20992D64B54}"/>
+              </a:ext>
+            </a:extLst>
+          </p:cNvPr>
+          <p:cNvCxnSpPr/>
+          <p:nvPr/>
+        </p:nvCxnSpPr>
+        <p:spPr>
+          <a:xfrm>
+            <a:off x="2390776" y="2757487"/>
+            <a:ext cx="914400" cy="914400"/>
+          </a:xfrm>
+          <a:prstGeom prst="straightConnector1">
+            <a:avLst/>
+          </a:prstGeom>
+          <a:ln w="57150">
+            <a:solidFill>
+              <a:schemeClr val="accent6"/>
+            </a:solidFill>
+            <a:tailEnd type="triangle"/>
+          </a:ln>
+        </p:spPr>
+        <p:style>
+          <a:lnRef idx="1">
+            <a:schemeClr val="accent1"/>
+          </a:lnRef>
+          <a:fillRef idx="0">
+            <a:schemeClr val="accent1"/>
+          </a:fillRef>
+          <a:effectRef idx="0">
+            <a:schemeClr val="accent1"/>
+          </a:effectRef>
+          <a:fontRef idx="minor">
+            <a:schemeClr val="tx1"/>
+          </a:fontRef>
+        </p:style>
+      </p:cxnSp>
+      <p:sp>
+        <p:nvSpPr>
+          <p:cNvPr id="9" name="Magnetic Disk 8">
+            <a:extLst>
+              <a:ext uri="{FF2B5EF4-FFF2-40B4-BE49-F238E27FC236}">
+                <a16:creationId xmlns:a16="http://schemas.microsoft.com/office/drawing/2014/main" id="{136B89C5-41C8-D545-BB80-F90E088E67AC}"/>
+              </a:ext>
+            </a:extLst>
+          </p:cNvPr>
+          <p:cNvSpPr/>
+          <p:nvPr/>
+        </p:nvSpPr>
+        <p:spPr>
+          <a:xfrm>
+            <a:off x="3305176" y="3349624"/>
+            <a:ext cx="1057275" cy="914399"/>
+          </a:xfrm>
+          <a:prstGeom prst="flowChartMagneticDisk">
+            <a:avLst/>
+          </a:prstGeom>
+        </p:spPr>
+        <p:style>
+          <a:lnRef idx="2">
+            <a:schemeClr val="accent1">
+              <a:shade val="50000"/>
+            </a:schemeClr>
+          </a:lnRef>
+          <a:fillRef idx="1">
+            <a:schemeClr val="accent1"/>
+          </a:fillRef>
+          <a:effectRef idx="0">
+            <a:schemeClr val="accent1"/>
+          </a:effectRef>
+          <a:fontRef idx="minor">
+            <a:schemeClr val="lt1"/>
+          </a:fontRef>
+        </p:style>
+        <p:txBody>
+          <a:bodyPr rtlCol="0" anchor="ctr"/>
+          <a:lstStyle/>
+          <a:p>
+            <a:pPr algn="ctr"/>
+            <a:r>
+              <a:rPr lang="en-US" dirty="0"/>
+              <a:t>2169 </a:t>
+            </a:r>
+            <a:r>
+              <a:rPr lang="en-US" dirty="0" err="1"/>
+              <a:t>amostras</a:t>
+            </a:r>
+            <a:endParaRPr lang="en-US" dirty="0"/>
+          </a:p>
+        </p:txBody>
+      </p:sp>
+      <p:cxnSp>
+        <p:nvCxnSpPr>
+          <p:cNvPr id="12" name="Straight Arrow Connector 11">
+            <a:extLst>
+              <a:ext uri="{FF2B5EF4-FFF2-40B4-BE49-F238E27FC236}">
+                <a16:creationId xmlns:a16="http://schemas.microsoft.com/office/drawing/2014/main" id="{CEE33FF1-495B-9C4B-BBA4-4A7F8E0E1C9E}"/>
+              </a:ext>
+            </a:extLst>
+          </p:cNvPr>
+          <p:cNvCxnSpPr>
+            <a:cxnSpLocks/>
+          </p:cNvCxnSpPr>
+          <p:nvPr/>
+        </p:nvCxnSpPr>
+        <p:spPr>
+          <a:xfrm>
+            <a:off x="4362451" y="3804177"/>
+            <a:ext cx="1479549" cy="2646"/>
+          </a:xfrm>
+          <a:prstGeom prst="straightConnector1">
+            <a:avLst/>
+          </a:prstGeom>
+          <a:ln w="57150">
+            <a:solidFill>
+              <a:schemeClr val="accent6"/>
+            </a:solidFill>
+            <a:tailEnd type="triangle"/>
+          </a:ln>
+        </p:spPr>
+        <p:style>
+          <a:lnRef idx="1">
+            <a:schemeClr val="accent1"/>
+          </a:lnRef>
+          <a:fillRef idx="0">
+            <a:schemeClr val="accent1"/>
+          </a:fillRef>
+          <a:effectRef idx="0">
+            <a:schemeClr val="accent1"/>
+          </a:effectRef>
+          <a:fontRef idx="minor">
+            <a:schemeClr val="tx1"/>
+          </a:fontRef>
+        </p:style>
+      </p:cxnSp>
+      <p:sp>
+        <p:nvSpPr>
+          <p:cNvPr id="14" name="Process 13">
+            <a:extLst>
+              <a:ext uri="{FF2B5EF4-FFF2-40B4-BE49-F238E27FC236}">
+                <a16:creationId xmlns:a16="http://schemas.microsoft.com/office/drawing/2014/main" id="{0419CA72-D5ED-8849-8A76-18BD5B51F279}"/>
+              </a:ext>
+            </a:extLst>
+          </p:cNvPr>
+          <p:cNvSpPr/>
+          <p:nvPr/>
+        </p:nvSpPr>
+        <p:spPr>
+          <a:xfrm>
+            <a:off x="5842000" y="3330883"/>
+            <a:ext cx="1524000" cy="1030817"/>
+          </a:xfrm>
+          <a:prstGeom prst="flowChartProcess">
+            <a:avLst/>
+          </a:prstGeom>
+        </p:spPr>
+        <p:style>
+          <a:lnRef idx="2">
+            <a:schemeClr val="accent1">
+              <a:shade val="50000"/>
+            </a:schemeClr>
+          </a:lnRef>
+          <a:fillRef idx="1">
+            <a:schemeClr val="accent1"/>
+          </a:fillRef>
+          <a:effectRef idx="0">
+            <a:schemeClr val="accent1"/>
+          </a:effectRef>
+          <a:fontRef idx="minor">
+            <a:schemeClr val="lt1"/>
+          </a:fontRef>
+        </p:style>
+        <p:txBody>
+          <a:bodyPr rtlCol="0" anchor="ctr"/>
+          <a:lstStyle/>
+          <a:p>
+            <a:pPr algn="ctr"/>
+            <a:r>
+              <a:rPr lang="en-US" dirty="0"/>
+              <a:t>2169 </a:t>
+            </a:r>
+            <a:r>
+              <a:rPr lang="en-US" dirty="0" err="1"/>
+              <a:t>códigos</a:t>
+            </a:r>
+            <a:r>
+              <a:rPr lang="en-US" dirty="0"/>
+              <a:t> </a:t>
+            </a:r>
+            <a:r>
+              <a:rPr lang="en-US" dirty="0" err="1"/>
+              <a:t>tokenizados</a:t>
+            </a:r>
+            <a:endParaRPr lang="en-US" dirty="0"/>
+          </a:p>
+        </p:txBody>
+      </p:sp>
+      <p:sp>
+        <p:nvSpPr>
+          <p:cNvPr id="15" name="TextBox 14">
+            <a:extLst>
+              <a:ext uri="{FF2B5EF4-FFF2-40B4-BE49-F238E27FC236}">
+                <a16:creationId xmlns:a16="http://schemas.microsoft.com/office/drawing/2014/main" id="{106822B0-3C06-8443-8FD6-1E1DE6377EE6}"/>
+              </a:ext>
+            </a:extLst>
+          </p:cNvPr>
+          <p:cNvSpPr txBox="1"/>
+          <p:nvPr/>
+        </p:nvSpPr>
+        <p:spPr>
+          <a:xfrm>
+            <a:off x="4362451" y="3846292"/>
+            <a:ext cx="1479549" cy="369332"/>
+          </a:xfrm>
+          <a:prstGeom prst="rect">
+            <a:avLst/>
+          </a:prstGeom>
+          <a:noFill/>
+        </p:spPr>
+        <p:txBody>
+          <a:bodyPr wrap="square" rtlCol="0">
+            <a:spAutoFit/>
+          </a:bodyPr>
+          <a:lstStyle/>
+          <a:p>
+            <a:r>
+              <a:rPr lang="en-US" b="1" dirty="0" err="1"/>
+              <a:t>Tokenização</a:t>
+            </a:r>
+            <a:endParaRPr lang="en-US" b="1" dirty="0"/>
+          </a:p>
+        </p:txBody>
+      </p:sp>
+      <p:cxnSp>
+        <p:nvCxnSpPr>
+          <p:cNvPr id="17" name="Straight Arrow Connector 16">
+            <a:extLst>
+              <a:ext uri="{FF2B5EF4-FFF2-40B4-BE49-F238E27FC236}">
+                <a16:creationId xmlns:a16="http://schemas.microsoft.com/office/drawing/2014/main" id="{28A370EA-145D-9041-9FAA-D8A6E2489636}"/>
+              </a:ext>
+            </a:extLst>
+          </p:cNvPr>
+          <p:cNvCxnSpPr>
+            <a:cxnSpLocks/>
+          </p:cNvCxnSpPr>
+          <p:nvPr/>
+        </p:nvCxnSpPr>
+        <p:spPr>
+          <a:xfrm>
+            <a:off x="7366000" y="3846291"/>
+            <a:ext cx="1185333" cy="0"/>
+          </a:xfrm>
+          <a:prstGeom prst="straightConnector1">
+            <a:avLst/>
+          </a:prstGeom>
+          <a:ln w="57150">
+            <a:solidFill>
+              <a:schemeClr val="accent6"/>
+            </a:solidFill>
+            <a:tailEnd type="triangle"/>
+          </a:ln>
+        </p:spPr>
+        <p:style>
+          <a:lnRef idx="1">
+            <a:schemeClr val="accent1"/>
+          </a:lnRef>
+          <a:fillRef idx="0">
+            <a:schemeClr val="accent1"/>
+          </a:fillRef>
+          <a:effectRef idx="0">
+            <a:schemeClr val="accent1"/>
+          </a:effectRef>
+          <a:fontRef idx="minor">
+            <a:schemeClr val="tx1"/>
+          </a:fontRef>
+        </p:style>
+      </p:cxnSp>
+      <p:sp>
+        <p:nvSpPr>
+          <p:cNvPr id="19" name="TextBox 18">
+            <a:extLst>
+              <a:ext uri="{FF2B5EF4-FFF2-40B4-BE49-F238E27FC236}">
+                <a16:creationId xmlns:a16="http://schemas.microsoft.com/office/drawing/2014/main" id="{A9C95A81-3066-8048-9B0D-8D97B5B8AA4C}"/>
+              </a:ext>
+            </a:extLst>
+          </p:cNvPr>
+          <p:cNvSpPr txBox="1"/>
+          <p:nvPr/>
+        </p:nvSpPr>
+        <p:spPr>
+          <a:xfrm>
+            <a:off x="7366000" y="3894691"/>
+            <a:ext cx="1479549" cy="369332"/>
+          </a:xfrm>
+          <a:prstGeom prst="rect">
+            <a:avLst/>
+          </a:prstGeom>
+          <a:noFill/>
+        </p:spPr>
+        <p:txBody>
+          <a:bodyPr wrap="square" rtlCol="0">
+            <a:spAutoFit/>
+          </a:bodyPr>
+          <a:lstStyle/>
+          <a:p>
+            <a:r>
+              <a:rPr lang="en-US" b="1" dirty="0"/>
+              <a:t>Word2Vec</a:t>
+            </a:r>
+          </a:p>
+        </p:txBody>
+      </p:sp>
+      <p:sp>
+        <p:nvSpPr>
+          <p:cNvPr id="25" name="Rectangle 24">
+            <a:extLst>
+              <a:ext uri="{FF2B5EF4-FFF2-40B4-BE49-F238E27FC236}">
+                <a16:creationId xmlns:a16="http://schemas.microsoft.com/office/drawing/2014/main" id="{846E5A95-62BC-1A4F-BC0C-B69F1E2AA834}"/>
+              </a:ext>
+            </a:extLst>
+          </p:cNvPr>
+          <p:cNvSpPr/>
+          <p:nvPr/>
+        </p:nvSpPr>
+        <p:spPr>
+          <a:xfrm>
+            <a:off x="8551333" y="3214687"/>
+            <a:ext cx="474134" cy="1425046"/>
+          </a:xfrm>
+          <a:prstGeom prst="rect">
+            <a:avLst/>
+          </a:prstGeom>
+        </p:spPr>
+        <p:style>
+          <a:lnRef idx="2">
+            <a:schemeClr val="accent1">
+              <a:shade val="50000"/>
+            </a:schemeClr>
+          </a:lnRef>
+          <a:fillRef idx="1">
+            <a:schemeClr val="accent1"/>
+          </a:fillRef>
+          <a:effectRef idx="0">
+            <a:schemeClr val="accent1"/>
+          </a:effectRef>
+          <a:fontRef idx="minor">
+            <a:schemeClr val="lt1"/>
+          </a:fontRef>
+        </p:style>
+        <p:txBody>
+          <a:bodyPr rtlCol="0" anchor="ctr"/>
+          <a:lstStyle/>
+          <a:p>
+            <a:pPr algn="ctr"/>
+            <a:endParaRPr lang="en-US"/>
+          </a:p>
+        </p:txBody>
+      </p:sp>
+      <p:cxnSp>
+        <p:nvCxnSpPr>
+          <p:cNvPr id="27" name="Straight Connector 26">
+            <a:extLst>
+              <a:ext uri="{FF2B5EF4-FFF2-40B4-BE49-F238E27FC236}">
+                <a16:creationId xmlns:a16="http://schemas.microsoft.com/office/drawing/2014/main" id="{E033B520-FAE9-584B-8B65-9113B3D3F8F9}"/>
+              </a:ext>
+            </a:extLst>
+          </p:cNvPr>
+          <p:cNvCxnSpPr>
+            <a:cxnSpLocks/>
+          </p:cNvCxnSpPr>
+          <p:nvPr/>
+        </p:nvCxnSpPr>
+        <p:spPr>
+          <a:xfrm>
+            <a:off x="9025467" y="3214687"/>
+            <a:ext cx="474133" cy="372535"/>
+          </a:xfrm>
+          <a:prstGeom prst="line">
+            <a:avLst/>
+          </a:prstGeom>
+        </p:spPr>
+        <p:style>
+          <a:lnRef idx="1">
+            <a:schemeClr val="accent1"/>
+          </a:lnRef>
+          <a:fillRef idx="0">
+            <a:schemeClr val="accent1"/>
+          </a:fillRef>
+          <a:effectRef idx="0">
+            <a:schemeClr val="accent1"/>
+          </a:effectRef>
+          <a:fontRef idx="minor">
+            <a:schemeClr val="tx1"/>
+          </a:fontRef>
+        </p:style>
+      </p:cxnSp>
+      <p:cxnSp>
+        <p:nvCxnSpPr>
+          <p:cNvPr id="28" name="Straight Connector 27">
+            <a:extLst>
+              <a:ext uri="{FF2B5EF4-FFF2-40B4-BE49-F238E27FC236}">
+                <a16:creationId xmlns:a16="http://schemas.microsoft.com/office/drawing/2014/main" id="{8604BEAF-1081-D54D-91CD-827AED947D78}"/>
+              </a:ext>
+            </a:extLst>
+          </p:cNvPr>
+          <p:cNvCxnSpPr>
+            <a:cxnSpLocks/>
+          </p:cNvCxnSpPr>
+          <p:nvPr/>
+        </p:nvCxnSpPr>
+        <p:spPr>
+          <a:xfrm flipH="1">
+            <a:off x="9025467" y="4277035"/>
+            <a:ext cx="474133" cy="362698"/>
+          </a:xfrm>
+          <a:prstGeom prst="line">
+            <a:avLst/>
+          </a:prstGeom>
+        </p:spPr>
+        <p:style>
+          <a:lnRef idx="1">
+            <a:schemeClr val="accent1"/>
+          </a:lnRef>
+          <a:fillRef idx="0">
+            <a:schemeClr val="accent1"/>
+          </a:fillRef>
+          <a:effectRef idx="0">
+            <a:schemeClr val="accent1"/>
+          </a:effectRef>
+          <a:fontRef idx="minor">
+            <a:schemeClr val="tx1"/>
+          </a:fontRef>
+        </p:style>
+      </p:cxnSp>
+      <p:sp>
+        <p:nvSpPr>
+          <p:cNvPr id="31" name="Rectangle 30">
+            <a:extLst>
+              <a:ext uri="{FF2B5EF4-FFF2-40B4-BE49-F238E27FC236}">
+                <a16:creationId xmlns:a16="http://schemas.microsoft.com/office/drawing/2014/main" id="{C76F500E-EAA3-E048-A01D-7BCE42D4BD19}"/>
+              </a:ext>
+            </a:extLst>
+          </p:cNvPr>
+          <p:cNvSpPr/>
+          <p:nvPr/>
+        </p:nvSpPr>
+        <p:spPr>
+          <a:xfrm>
+            <a:off x="10369549" y="3214687"/>
+            <a:ext cx="474134" cy="1425046"/>
+          </a:xfrm>
+          <a:prstGeom prst="rect">
+            <a:avLst/>
+          </a:prstGeom>
+        </p:spPr>
+        <p:style>
+          <a:lnRef idx="2">
+            <a:schemeClr val="accent1">
+              <a:shade val="50000"/>
+            </a:schemeClr>
+          </a:lnRef>
+          <a:fillRef idx="1">
+            <a:schemeClr val="accent1"/>
+          </a:fillRef>
+          <a:effectRef idx="0">
+            <a:schemeClr val="accent1"/>
+          </a:effectRef>
+          <a:fontRef idx="minor">
+            <a:schemeClr val="lt1"/>
+          </a:fontRef>
+        </p:style>
+        <p:txBody>
+          <a:bodyPr rtlCol="0" anchor="ctr"/>
+          <a:lstStyle/>
+          <a:p>
+            <a:pPr algn="ctr"/>
+            <a:endParaRPr lang="en-US"/>
+          </a:p>
+        </p:txBody>
+      </p:sp>
+      <p:cxnSp>
+        <p:nvCxnSpPr>
+          <p:cNvPr id="32" name="Straight Connector 31">
+            <a:extLst>
+              <a:ext uri="{FF2B5EF4-FFF2-40B4-BE49-F238E27FC236}">
+                <a16:creationId xmlns:a16="http://schemas.microsoft.com/office/drawing/2014/main" id="{86A0F146-4F89-C14B-84A6-4C64C6E7CD0B}"/>
+              </a:ext>
+            </a:extLst>
+          </p:cNvPr>
+          <p:cNvCxnSpPr>
+            <a:cxnSpLocks/>
+          </p:cNvCxnSpPr>
+          <p:nvPr/>
+        </p:nvCxnSpPr>
+        <p:spPr>
+          <a:xfrm flipH="1">
+            <a:off x="9902823" y="3214687"/>
+            <a:ext cx="466728" cy="372535"/>
+          </a:xfrm>
+          <a:prstGeom prst="line">
+            <a:avLst/>
+          </a:prstGeom>
+        </p:spPr>
+        <p:style>
+          <a:lnRef idx="1">
+            <a:schemeClr val="accent1"/>
+          </a:lnRef>
+          <a:fillRef idx="0">
+            <a:schemeClr val="accent1"/>
+          </a:fillRef>
+          <a:effectRef idx="0">
+            <a:schemeClr val="accent1"/>
+          </a:effectRef>
+          <a:fontRef idx="minor">
+            <a:schemeClr val="tx1"/>
+          </a:fontRef>
+        </p:style>
+      </p:cxnSp>
+      <p:cxnSp>
+        <p:nvCxnSpPr>
+          <p:cNvPr id="33" name="Straight Connector 32">
+            <a:extLst>
+              <a:ext uri="{FF2B5EF4-FFF2-40B4-BE49-F238E27FC236}">
+                <a16:creationId xmlns:a16="http://schemas.microsoft.com/office/drawing/2014/main" id="{1A850B9C-B327-A647-A75B-DAB69B18E42D}"/>
+              </a:ext>
+            </a:extLst>
+          </p:cNvPr>
+          <p:cNvCxnSpPr>
+            <a:cxnSpLocks/>
+          </p:cNvCxnSpPr>
+          <p:nvPr/>
+        </p:nvCxnSpPr>
+        <p:spPr>
+          <a:xfrm flipH="1" flipV="1">
+            <a:off x="9902823" y="4277035"/>
+            <a:ext cx="466728" cy="362699"/>
+          </a:xfrm>
+          <a:prstGeom prst="line">
+            <a:avLst/>
+          </a:prstGeom>
+        </p:spPr>
+        <p:style>
+          <a:lnRef idx="1">
+            <a:schemeClr val="accent1"/>
+          </a:lnRef>
+          <a:fillRef idx="0">
+            <a:schemeClr val="accent1"/>
+          </a:fillRef>
+          <a:effectRef idx="0">
+            <a:schemeClr val="accent1"/>
+          </a:effectRef>
+          <a:fontRef idx="minor">
+            <a:schemeClr val="tx1"/>
+          </a:fontRef>
+        </p:style>
+      </p:cxnSp>
+      <p:sp>
+        <p:nvSpPr>
+          <p:cNvPr id="42" name="Process 41">
+            <a:extLst>
+              <a:ext uri="{FF2B5EF4-FFF2-40B4-BE49-F238E27FC236}">
+                <a16:creationId xmlns:a16="http://schemas.microsoft.com/office/drawing/2014/main" id="{2907B3A7-27E0-2145-A85F-9F4D9DAA7026}"/>
+              </a:ext>
+            </a:extLst>
+          </p:cNvPr>
+          <p:cNvSpPr/>
+          <p:nvPr/>
+        </p:nvSpPr>
+        <p:spPr>
+          <a:xfrm>
+            <a:off x="9499601" y="3587222"/>
+            <a:ext cx="403222" cy="689813"/>
+          </a:xfrm>
+          <a:prstGeom prst="flowChartProcess">
+            <a:avLst/>
+          </a:prstGeom>
+        </p:spPr>
+        <p:style>
+          <a:lnRef idx="2">
+            <a:schemeClr val="accent1">
+              <a:shade val="50000"/>
+            </a:schemeClr>
+          </a:lnRef>
+          <a:fillRef idx="1">
+            <a:schemeClr val="accent1"/>
+          </a:fillRef>
+          <a:effectRef idx="0">
+            <a:schemeClr val="accent1"/>
+          </a:effectRef>
+          <a:fontRef idx="minor">
+            <a:schemeClr val="lt1"/>
+          </a:fontRef>
+        </p:style>
+        <p:txBody>
+          <a:bodyPr rtlCol="0" anchor="ctr"/>
+          <a:lstStyle/>
+          <a:p>
+            <a:pPr algn="ctr"/>
+            <a:endParaRPr lang="en-US"/>
+          </a:p>
+        </p:txBody>
+      </p:sp>
+      <p:sp>
+        <p:nvSpPr>
+          <p:cNvPr id="52" name="TextBox 51">
+            <a:extLst>
+              <a:ext uri="{FF2B5EF4-FFF2-40B4-BE49-F238E27FC236}">
+                <a16:creationId xmlns:a16="http://schemas.microsoft.com/office/drawing/2014/main" id="{952FB1F1-2904-3649-954C-C5CB390E5154}"/>
+              </a:ext>
+            </a:extLst>
+          </p:cNvPr>
+          <p:cNvSpPr txBox="1"/>
+          <p:nvPr/>
+        </p:nvSpPr>
+        <p:spPr>
+          <a:xfrm>
+            <a:off x="8285692" y="4759361"/>
+            <a:ext cx="1858433" cy="369332"/>
+          </a:xfrm>
+          <a:prstGeom prst="rect">
+            <a:avLst/>
+          </a:prstGeom>
+          <a:noFill/>
+        </p:spPr>
+        <p:txBody>
+          <a:bodyPr wrap="square" rtlCol="0">
+            <a:spAutoFit/>
+          </a:bodyPr>
+          <a:lstStyle/>
+          <a:p>
+            <a:r>
+              <a:rPr lang="en-US" b="1" dirty="0"/>
+              <a:t>Dimension 100</a:t>
+            </a:r>
+          </a:p>
+        </p:txBody>
+      </p:sp>
     </p:spTree>
     <p:extLst>
       <p:ext uri="{BB962C8B-B14F-4D97-AF65-F5344CB8AC3E}">
-        <p14:creationId xmlns:p14="http://schemas.microsoft.com/office/powerpoint/2010/main" val="2442961177"/>
+        <p14:creationId xmlns:p14="http://schemas.microsoft.com/office/powerpoint/2010/main" val="2387253325"/>
       </p:ext>
     </p:extLst>
   </p:cSld>
@@ -5258,7 +4679,7 @@
 </p:sld>
 </file>
 
-<file path=ppt/slides/slide5.xml><?xml version="1.0" encoding="utf-8"?>
+<file path=ppt/slides/slide13.xml><?xml version="1.0" encoding="utf-8"?>
 <p:sld xmlns:a="http://schemas.openxmlformats.org/drawingml/2006/main" xmlns:r="http://schemas.openxmlformats.org/officeDocument/2006/relationships" xmlns:p="http://schemas.openxmlformats.org/presentationml/2006/main">
   <p:cSld>
     <p:spTree>
@@ -5280,7 +4701,7 @@
           <p:cNvPr id="2" name="Title 1">
             <a:extLst>
               <a:ext uri="{FF2B5EF4-FFF2-40B4-BE49-F238E27FC236}">
-                <a16:creationId xmlns:a16="http://schemas.microsoft.com/office/drawing/2014/main" id="{C24728DC-6752-F543-A8AF-B20CDAFC5114}"/>
+                <a16:creationId xmlns:a16="http://schemas.microsoft.com/office/drawing/2014/main" id="{311CD972-418E-C040-BBA7-4625A0D0254D}"/>
               </a:ext>
             </a:extLst>
           </p:cNvPr>
@@ -5298,7 +4719,15 @@
           <a:p>
             <a:r>
               <a:rPr lang="en-US" dirty="0" err="1"/>
-              <a:t>Desafios</a:t>
+              <a:t>Visualização</a:t>
+            </a:r>
+            <a:r>
+              <a:rPr lang="en-US" dirty="0"/>
+              <a:t> das </a:t>
+            </a:r>
+            <a:r>
+              <a:rPr lang="en-US" dirty="0" err="1"/>
+              <a:t>palavras</a:t>
             </a:r>
             <a:r>
               <a:rPr lang="en-US" dirty="0"/>
@@ -5306,880 +4735,86 @@
             </a:r>
             <a:r>
               <a:rPr lang="en-US" dirty="0" err="1"/>
-              <a:t>iniciais</a:t>
-            </a:r>
-            <a:endParaRPr lang="en-US" dirty="0"/>
+              <a:t>similares</a:t>
+            </a:r>
+            <a:r>
+              <a:rPr lang="en-US" dirty="0"/>
+              <a:t> (TSNE)</a:t>
+            </a:r>
           </a:p>
         </p:txBody>
       </p:sp>
-      <p:graphicFrame>
-        <p:nvGraphicFramePr>
-          <p:cNvPr id="4" name="Content Placeholder 3">
-            <a:extLst>
-              <a:ext uri="{FF2B5EF4-FFF2-40B4-BE49-F238E27FC236}">
-                <a16:creationId xmlns:a16="http://schemas.microsoft.com/office/drawing/2014/main" id="{1667B934-9D6B-254F-9EC3-E11B05F1C16E}"/>
-              </a:ext>
-            </a:extLst>
-          </p:cNvPr>
-          <p:cNvGraphicFramePr>
-            <a:graphicFrameLocks noGrp="1"/>
-          </p:cNvGraphicFramePr>
+      <p:pic>
+        <p:nvPicPr>
+          <p:cNvPr id="5" name="Content Placeholder 4">
+            <a:extLst>
+              <a:ext uri="{FF2B5EF4-FFF2-40B4-BE49-F238E27FC236}">
+                <a16:creationId xmlns:a16="http://schemas.microsoft.com/office/drawing/2014/main" id="{06BC6DEE-808C-4D40-AF91-B6D5ECE7D81A}"/>
+              </a:ext>
+            </a:extLst>
+          </p:cNvPr>
+          <p:cNvPicPr>
+            <a:picLocks noGrp="1" noChangeAspect="1"/>
+          </p:cNvPicPr>
           <p:nvPr>
             <p:ph idx="1"/>
-            <p:extLst>
-              <p:ext uri="{D42A27DB-BD31-4B8C-83A1-F6EECF244321}">
-                <p14:modId xmlns:p14="http://schemas.microsoft.com/office/powerpoint/2010/main" val="3652319302"/>
-              </p:ext>
-            </p:extLst>
           </p:nvPr>
-        </p:nvGraphicFramePr>
-        <p:xfrm>
-          <a:off x="838200" y="1330949"/>
-          <a:ext cx="10515600" cy="5217160"/>
-        </p:xfrm>
-        <a:graphic>
-          <a:graphicData uri="http://schemas.openxmlformats.org/drawingml/2006/table">
-            <a:tbl>
-              <a:tblPr firstRow="1" bandRow="1">
-                <a:tableStyleId>{5C22544A-7EE6-4342-B048-85BDC9FD1C3A}</a:tableStyleId>
-              </a:tblPr>
-              <a:tblGrid>
-                <a:gridCol w="3505200">
-                  <a:extLst>
-                    <a:ext uri="{9D8B030D-6E8A-4147-A177-3AD203B41FA5}">
-                      <a16:colId xmlns:a16="http://schemas.microsoft.com/office/drawing/2014/main" val="3486879669"/>
-                    </a:ext>
-                  </a:extLst>
-                </a:gridCol>
-                <a:gridCol w="3505200">
-                  <a:extLst>
-                    <a:ext uri="{9D8B030D-6E8A-4147-A177-3AD203B41FA5}">
-                      <a16:colId xmlns:a16="http://schemas.microsoft.com/office/drawing/2014/main" val="2621349422"/>
-                    </a:ext>
-                  </a:extLst>
-                </a:gridCol>
-                <a:gridCol w="3505200">
-                  <a:extLst>
-                    <a:ext uri="{9D8B030D-6E8A-4147-A177-3AD203B41FA5}">
-                      <a16:colId xmlns:a16="http://schemas.microsoft.com/office/drawing/2014/main" val="1238248214"/>
-                    </a:ext>
-                  </a:extLst>
-                </a:gridCol>
-              </a:tblGrid>
-              <a:tr h="370840">
-                <a:tc>
-                  <a:txBody>
-                    <a:bodyPr/>
-                    <a:lstStyle/>
-                    <a:p>
-                      <a:r>
-                        <a:rPr lang="en-US" dirty="0" err="1"/>
-                        <a:t>Desafio</a:t>
-                      </a:r>
-                      <a:endParaRPr lang="en-US" dirty="0"/>
-                    </a:p>
-                  </a:txBody>
-                  <a:tcPr/>
-                </a:tc>
-                <a:tc>
-                  <a:txBody>
-                    <a:bodyPr/>
-                    <a:lstStyle/>
-                    <a:p>
-                      <a:r>
-                        <a:rPr lang="en-US" dirty="0"/>
-                        <a:t>Status</a:t>
-                      </a:r>
-                    </a:p>
-                  </a:txBody>
-                  <a:tcPr/>
-                </a:tc>
-                <a:tc>
-                  <a:txBody>
-                    <a:bodyPr/>
-                    <a:lstStyle/>
-                    <a:p>
-                      <a:r>
-                        <a:rPr lang="en-US" dirty="0" err="1"/>
-                        <a:t>Eventuais</a:t>
-                      </a:r>
-                      <a:r>
-                        <a:rPr lang="en-US" dirty="0"/>
-                        <a:t> </a:t>
-                      </a:r>
-                      <a:r>
-                        <a:rPr lang="en-US" dirty="0" err="1"/>
-                        <a:t>problemas</a:t>
-                      </a:r>
-                      <a:endParaRPr lang="en-US" dirty="0"/>
-                    </a:p>
-                  </a:txBody>
-                  <a:tcPr/>
-                </a:tc>
-                <a:extLst>
-                  <a:ext uri="{0D108BD9-81ED-4DB2-BD59-A6C34878D82A}">
-                    <a16:rowId xmlns:a16="http://schemas.microsoft.com/office/drawing/2014/main" val="27129029"/>
-                  </a:ext>
-                </a:extLst>
-              </a:tr>
-              <a:tr h="370840">
-                <a:tc>
-                  <a:txBody>
-                    <a:bodyPr/>
-                    <a:lstStyle/>
-                    <a:p>
-                      <a:r>
-                        <a:rPr lang="en-US" dirty="0" err="1"/>
-                        <a:t>Usar</a:t>
-                      </a:r>
-                      <a:r>
-                        <a:rPr lang="en-US" dirty="0"/>
-                        <a:t> o word2vec para o dataset do </a:t>
-                      </a:r>
-                      <a:r>
-                        <a:rPr lang="en-US" dirty="0" err="1"/>
-                        <a:t>stackoverflow</a:t>
-                      </a:r>
-                      <a:endParaRPr lang="en-US" dirty="0"/>
-                    </a:p>
-                  </a:txBody>
-                  <a:tcPr/>
-                </a:tc>
-                <a:tc>
-                  <a:txBody>
-                    <a:bodyPr/>
-                    <a:lstStyle/>
-                    <a:p>
-                      <a:r>
-                        <a:rPr lang="en-US" dirty="0"/>
-                        <a:t>Ok</a:t>
-                      </a:r>
-                    </a:p>
-                  </a:txBody>
-                  <a:tcPr/>
-                </a:tc>
-                <a:tc>
-                  <a:txBody>
-                    <a:bodyPr/>
-                    <a:lstStyle/>
-                    <a:p>
-                      <a:r>
-                        <a:rPr lang="en-US" dirty="0" err="1"/>
-                        <a:t>Usei</a:t>
-                      </a:r>
-                      <a:r>
-                        <a:rPr lang="en-US" dirty="0"/>
-                        <a:t> o word2vec da </a:t>
-                      </a:r>
-                      <a:r>
-                        <a:rPr lang="en-US" dirty="0" err="1"/>
-                        <a:t>biblioteca</a:t>
-                      </a:r>
-                      <a:r>
-                        <a:rPr lang="en-US" dirty="0"/>
-                        <a:t> genism. </a:t>
-                      </a:r>
-                      <a:r>
-                        <a:rPr lang="en-US" dirty="0" err="1"/>
-                        <a:t>Aparentemente</a:t>
-                      </a:r>
-                      <a:r>
-                        <a:rPr lang="en-US" dirty="0"/>
-                        <a:t> </a:t>
-                      </a:r>
-                      <a:r>
-                        <a:rPr lang="en-US" dirty="0" err="1"/>
-                        <a:t>os</a:t>
-                      </a:r>
-                      <a:r>
-                        <a:rPr lang="en-US" dirty="0"/>
-                        <a:t> </a:t>
-                      </a:r>
-                      <a:r>
-                        <a:rPr lang="en-US" dirty="0" err="1"/>
-                        <a:t>parâmetros</a:t>
-                      </a:r>
-                      <a:r>
-                        <a:rPr lang="en-US" dirty="0"/>
-                        <a:t> </a:t>
-                      </a:r>
-                      <a:r>
-                        <a:rPr lang="en-US" dirty="0" err="1"/>
-                        <a:t>passados</a:t>
-                      </a:r>
-                      <a:r>
-                        <a:rPr lang="en-US" dirty="0"/>
-                        <a:t> e o </a:t>
-                      </a:r>
-                      <a:r>
-                        <a:rPr lang="en-US" dirty="0" err="1"/>
-                        <a:t>resultado</a:t>
-                      </a:r>
-                      <a:r>
-                        <a:rPr lang="en-US" dirty="0"/>
-                        <a:t> do word embedding </a:t>
-                      </a:r>
-                      <a:r>
-                        <a:rPr lang="en-US" dirty="0" err="1"/>
-                        <a:t>está</a:t>
-                      </a:r>
-                      <a:r>
-                        <a:rPr lang="en-US" dirty="0"/>
-                        <a:t> ok. </a:t>
-                      </a:r>
-                      <a:r>
-                        <a:rPr lang="en-US" dirty="0" err="1"/>
-                        <a:t>Preciso</a:t>
-                      </a:r>
-                      <a:r>
-                        <a:rPr lang="en-US" dirty="0"/>
-                        <a:t> procurer </a:t>
-                      </a:r>
-                      <a:r>
-                        <a:rPr lang="en-US" dirty="0" err="1"/>
-                        <a:t>mais</a:t>
-                      </a:r>
-                      <a:r>
-                        <a:rPr lang="en-US" dirty="0"/>
-                        <a:t> </a:t>
-                      </a:r>
-                      <a:r>
-                        <a:rPr lang="en-US" dirty="0" err="1"/>
-                        <a:t>referências</a:t>
-                      </a:r>
-                      <a:r>
-                        <a:rPr lang="en-US" dirty="0"/>
-                        <a:t> para </a:t>
-                      </a:r>
-                      <a:r>
-                        <a:rPr lang="en-US" dirty="0" err="1"/>
-                        <a:t>mostrar</a:t>
-                      </a:r>
-                      <a:r>
-                        <a:rPr lang="en-US" dirty="0"/>
-                        <a:t> que </a:t>
-                      </a:r>
-                      <a:r>
-                        <a:rPr lang="en-US" dirty="0" err="1"/>
-                        <a:t>os</a:t>
-                      </a:r>
-                      <a:r>
-                        <a:rPr lang="en-US" dirty="0"/>
-                        <a:t> </a:t>
-                      </a:r>
-                      <a:r>
-                        <a:rPr lang="en-US" dirty="0" err="1"/>
-                        <a:t>parâmetros</a:t>
-                      </a:r>
-                      <a:r>
-                        <a:rPr lang="en-US" dirty="0"/>
-                        <a:t> do </a:t>
-                      </a:r>
-                      <a:r>
-                        <a:rPr lang="en-US" dirty="0" err="1"/>
-                        <a:t>método</a:t>
-                      </a:r>
-                      <a:r>
-                        <a:rPr lang="en-US" dirty="0"/>
-                        <a:t> word2vec </a:t>
-                      </a:r>
-                      <a:r>
-                        <a:rPr lang="en-US" dirty="0" err="1"/>
-                        <a:t>estão</a:t>
-                      </a:r>
-                      <a:r>
-                        <a:rPr lang="en-US" dirty="0"/>
-                        <a:t> </a:t>
-                      </a:r>
-                      <a:r>
-                        <a:rPr lang="en-US" dirty="0" err="1"/>
-                        <a:t>corretos</a:t>
-                      </a:r>
-                      <a:r>
-                        <a:rPr lang="en-US" dirty="0"/>
-                        <a:t>.</a:t>
-                      </a:r>
-                    </a:p>
-                  </a:txBody>
-                  <a:tcPr/>
-                </a:tc>
-                <a:extLst>
-                  <a:ext uri="{0D108BD9-81ED-4DB2-BD59-A6C34878D82A}">
-                    <a16:rowId xmlns:a16="http://schemas.microsoft.com/office/drawing/2014/main" val="2903996860"/>
-                  </a:ext>
-                </a:extLst>
-              </a:tr>
-              <a:tr h="370840">
-                <a:tc>
-                  <a:txBody>
-                    <a:bodyPr/>
-                    <a:lstStyle/>
-                    <a:p>
-                      <a:r>
-                        <a:rPr lang="en-US" dirty="0" err="1"/>
-                        <a:t>Entender</a:t>
-                      </a:r>
-                      <a:r>
-                        <a:rPr lang="en-US" dirty="0"/>
-                        <a:t> deep learning para </a:t>
-                      </a:r>
-                      <a:r>
-                        <a:rPr lang="en-US" dirty="0" err="1"/>
-                        <a:t>textos</a:t>
-                      </a:r>
-                      <a:r>
-                        <a:rPr lang="en-US" dirty="0"/>
-                        <a:t>. </a:t>
-                      </a:r>
-                      <a:r>
-                        <a:rPr lang="en-US" dirty="0" err="1"/>
-                        <a:t>Arquitetura</a:t>
-                      </a:r>
-                      <a:r>
-                        <a:rPr lang="en-US" dirty="0"/>
-                        <a:t> LSTM vs CNN. </a:t>
-                      </a:r>
-                      <a:r>
-                        <a:rPr lang="en-US" dirty="0" err="1"/>
-                        <a:t>Quais</a:t>
-                      </a:r>
-                      <a:r>
-                        <a:rPr lang="en-US" dirty="0"/>
-                        <a:t> </a:t>
-                      </a:r>
-                      <a:r>
-                        <a:rPr lang="en-US" dirty="0" err="1"/>
-                        <a:t>parâmetros</a:t>
-                      </a:r>
-                      <a:r>
-                        <a:rPr lang="en-US" dirty="0"/>
-                        <a:t> </a:t>
-                      </a:r>
-                      <a:r>
-                        <a:rPr lang="en-US" dirty="0" err="1"/>
-                        <a:t>usar</a:t>
-                      </a:r>
-                      <a:r>
-                        <a:rPr lang="en-US" dirty="0"/>
-                        <a:t>, </a:t>
-                      </a:r>
-                      <a:r>
-                        <a:rPr lang="en-US" dirty="0" err="1"/>
-                        <a:t>quais</a:t>
-                      </a:r>
-                      <a:r>
-                        <a:rPr lang="en-US" dirty="0"/>
-                        <a:t> layers, </a:t>
-                      </a:r>
-                      <a:r>
-                        <a:rPr lang="en-US" dirty="0" err="1"/>
-                        <a:t>funções</a:t>
-                      </a:r>
-                      <a:r>
-                        <a:rPr lang="en-US" dirty="0"/>
-                        <a:t> de </a:t>
-                      </a:r>
-                      <a:r>
-                        <a:rPr lang="en-US" dirty="0" err="1"/>
-                        <a:t>similaridade</a:t>
-                      </a:r>
-                      <a:r>
-                        <a:rPr lang="en-US" dirty="0"/>
-                        <a:t>.</a:t>
-                      </a:r>
-                    </a:p>
-                  </a:txBody>
-                  <a:tcPr/>
-                </a:tc>
-                <a:tc>
-                  <a:txBody>
-                    <a:bodyPr/>
-                    <a:lstStyle/>
-                    <a:p>
-                      <a:r>
-                        <a:rPr lang="en-US" dirty="0" err="1"/>
-                        <a:t>Estou</a:t>
-                      </a:r>
-                      <a:r>
-                        <a:rPr lang="en-US" dirty="0"/>
-                        <a:t> </a:t>
-                      </a:r>
-                      <a:r>
-                        <a:rPr lang="en-US" dirty="0" err="1"/>
-                        <a:t>caminhando</a:t>
-                      </a:r>
-                      <a:r>
-                        <a:rPr lang="en-US" dirty="0"/>
-                        <a:t> para </a:t>
-                      </a:r>
-                      <a:r>
-                        <a:rPr lang="en-US" dirty="0" err="1"/>
-                        <a:t>entender</a:t>
-                      </a:r>
-                      <a:r>
-                        <a:rPr lang="en-US" dirty="0"/>
-                        <a:t> as </a:t>
-                      </a:r>
-                      <a:r>
-                        <a:rPr lang="en-US" dirty="0" err="1"/>
-                        <a:t>diversas</a:t>
-                      </a:r>
-                      <a:r>
-                        <a:rPr lang="en-US" dirty="0"/>
-                        <a:t> </a:t>
-                      </a:r>
-                      <a:r>
-                        <a:rPr lang="en-US" dirty="0" err="1"/>
-                        <a:t>arquiteturas</a:t>
-                      </a:r>
-                      <a:r>
-                        <a:rPr lang="en-US" dirty="0"/>
-                        <a:t> de </a:t>
-                      </a:r>
-                      <a:r>
-                        <a:rPr lang="en-US" dirty="0" err="1"/>
-                        <a:t>redes</a:t>
-                      </a:r>
-                      <a:r>
-                        <a:rPr lang="en-US" dirty="0"/>
-                        <a:t> </a:t>
-                      </a:r>
-                      <a:r>
-                        <a:rPr lang="en-US" dirty="0" err="1"/>
-                        <a:t>neurais</a:t>
-                      </a:r>
-                      <a:r>
-                        <a:rPr lang="en-US" dirty="0"/>
-                        <a:t>. </a:t>
-                      </a:r>
-                      <a:r>
-                        <a:rPr lang="en-US" dirty="0" err="1"/>
-                        <a:t>Tem</a:t>
-                      </a:r>
-                      <a:r>
-                        <a:rPr lang="en-US" dirty="0"/>
-                        <a:t> </a:t>
-                      </a:r>
-                      <a:r>
-                        <a:rPr lang="en-US" dirty="0" err="1"/>
-                        <a:t>bastante</a:t>
-                      </a:r>
-                      <a:r>
-                        <a:rPr lang="en-US" dirty="0"/>
-                        <a:t> </a:t>
-                      </a:r>
-                      <a:r>
-                        <a:rPr lang="en-US" dirty="0" err="1"/>
-                        <a:t>coisa</a:t>
-                      </a:r>
-                      <a:r>
-                        <a:rPr lang="en-US" dirty="0"/>
-                        <a:t> para </a:t>
-                      </a:r>
-                      <a:r>
-                        <a:rPr lang="en-US" dirty="0" err="1"/>
-                        <a:t>entender</a:t>
-                      </a:r>
-                      <a:r>
-                        <a:rPr lang="en-US" dirty="0"/>
-                        <a:t>, </a:t>
-                      </a:r>
-                      <a:r>
-                        <a:rPr lang="en-US" dirty="0" err="1"/>
-                        <a:t>por</a:t>
-                      </a:r>
-                      <a:r>
-                        <a:rPr lang="en-US" dirty="0"/>
-                        <a:t> </a:t>
-                      </a:r>
-                      <a:r>
-                        <a:rPr lang="en-US" dirty="0" err="1"/>
-                        <a:t>exemplo</a:t>
-                      </a:r>
-                      <a:r>
-                        <a:rPr lang="en-US" dirty="0"/>
-                        <a:t>:</a:t>
-                      </a:r>
-                    </a:p>
-                    <a:p>
-                      <a:pPr marL="285750" indent="-285750">
-                        <a:buFont typeface="Arial" panose="020B0604020202020204" pitchFamily="34" charset="0"/>
-                        <a:buChar char="•"/>
-                      </a:pPr>
-                      <a:r>
-                        <a:rPr lang="en-US" dirty="0" err="1"/>
-                        <a:t>Parâmetros</a:t>
-                      </a:r>
-                      <a:r>
-                        <a:rPr lang="en-US" dirty="0"/>
-                        <a:t> de </a:t>
-                      </a:r>
-                      <a:r>
-                        <a:rPr lang="en-US" dirty="0" err="1"/>
-                        <a:t>inicialização</a:t>
-                      </a:r>
-                      <a:endParaRPr lang="en-US" dirty="0"/>
-                    </a:p>
-                    <a:p>
-                      <a:pPr marL="285750" indent="-285750">
-                        <a:buFont typeface="Arial" panose="020B0604020202020204" pitchFamily="34" charset="0"/>
-                        <a:buChar char="•"/>
-                      </a:pPr>
-                      <a:r>
-                        <a:rPr lang="en-US" dirty="0" err="1"/>
-                        <a:t>Funções</a:t>
-                      </a:r>
-                      <a:r>
-                        <a:rPr lang="en-US" dirty="0"/>
-                        <a:t> de </a:t>
-                      </a:r>
-                      <a:r>
-                        <a:rPr lang="en-US" dirty="0" err="1"/>
-                        <a:t>ativação</a:t>
-                      </a:r>
-                      <a:r>
-                        <a:rPr lang="en-US" dirty="0"/>
-                        <a:t> e </a:t>
-                      </a:r>
-                      <a:r>
-                        <a:rPr lang="en-US" dirty="0" err="1"/>
-                        <a:t>similaridade</a:t>
-                      </a:r>
-                      <a:r>
-                        <a:rPr lang="en-US" dirty="0"/>
-                        <a:t>(</a:t>
-                      </a:r>
-                      <a:r>
-                        <a:rPr lang="en-US" dirty="0" err="1"/>
-                        <a:t>softmax</a:t>
-                      </a:r>
-                      <a:r>
-                        <a:rPr lang="en-US" dirty="0"/>
-                        <a:t>, </a:t>
-                      </a:r>
-                      <a:r>
-                        <a:rPr lang="en-US" dirty="0" err="1"/>
-                        <a:t>cosine_similarity</a:t>
-                      </a:r>
-                      <a:r>
-                        <a:rPr lang="en-US" dirty="0"/>
-                        <a:t>, </a:t>
-                      </a:r>
-                      <a:r>
-                        <a:rPr lang="en-US" dirty="0" err="1"/>
-                        <a:t>relu</a:t>
-                      </a:r>
-                      <a:r>
-                        <a:rPr lang="en-US" dirty="0"/>
-                        <a:t>)</a:t>
-                      </a:r>
-                    </a:p>
-                    <a:p>
-                      <a:pPr marL="285750" indent="-285750">
-                        <a:buFont typeface="Arial" panose="020B0604020202020204" pitchFamily="34" charset="0"/>
-                        <a:buChar char="•"/>
-                      </a:pPr>
-                      <a:r>
-                        <a:rPr lang="en-US" dirty="0"/>
-                        <a:t>Layers -&gt; Merge, Input, Output</a:t>
-                      </a:r>
-                    </a:p>
-                    <a:p>
-                      <a:pPr marL="285750" indent="-285750">
-                        <a:buFont typeface="Arial" panose="020B0604020202020204" pitchFamily="34" charset="0"/>
-                        <a:buChar char="•"/>
-                      </a:pPr>
-                      <a:r>
-                        <a:rPr lang="en-US" dirty="0"/>
-                        <a:t>Tensors</a:t>
-                      </a:r>
-                    </a:p>
-                  </a:txBody>
-                  <a:tcPr/>
-                </a:tc>
-                <a:tc>
-                  <a:txBody>
-                    <a:bodyPr/>
-                    <a:lstStyle/>
-                    <a:p>
-                      <a:r>
-                        <a:rPr lang="en-US" dirty="0"/>
-                        <a:t>O </a:t>
-                      </a:r>
-                      <a:r>
-                        <a:rPr lang="en-US" dirty="0" err="1"/>
-                        <a:t>maior</a:t>
-                      </a:r>
-                      <a:r>
-                        <a:rPr lang="en-US" dirty="0"/>
-                        <a:t> </a:t>
-                      </a:r>
-                      <a:r>
-                        <a:rPr lang="en-US" dirty="0" err="1"/>
-                        <a:t>desafio</a:t>
-                      </a:r>
-                      <a:r>
-                        <a:rPr lang="en-US" dirty="0"/>
-                        <a:t> </a:t>
-                      </a:r>
-                      <a:r>
-                        <a:rPr lang="en-US" dirty="0" err="1"/>
-                        <a:t>é</a:t>
-                      </a:r>
-                      <a:r>
-                        <a:rPr lang="en-US" dirty="0"/>
-                        <a:t> </a:t>
-                      </a:r>
-                      <a:r>
-                        <a:rPr lang="en-US" dirty="0" err="1"/>
-                        <a:t>conseguir</a:t>
-                      </a:r>
-                      <a:r>
-                        <a:rPr lang="en-US" dirty="0"/>
-                        <a:t> </a:t>
-                      </a:r>
-                      <a:r>
-                        <a:rPr lang="en-US" dirty="0" err="1"/>
-                        <a:t>entender</a:t>
-                      </a:r>
-                      <a:r>
-                        <a:rPr lang="en-US" dirty="0"/>
-                        <a:t> o motive de </a:t>
-                      </a:r>
-                      <a:r>
-                        <a:rPr lang="en-US" dirty="0" err="1"/>
-                        <a:t>uma</a:t>
-                      </a:r>
-                      <a:r>
-                        <a:rPr lang="en-US" dirty="0"/>
-                        <a:t> </a:t>
-                      </a:r>
-                      <a:r>
-                        <a:rPr lang="en-US" dirty="0" err="1"/>
-                        <a:t>arquitetura</a:t>
-                      </a:r>
-                      <a:r>
-                        <a:rPr lang="en-US" dirty="0"/>
-                        <a:t> </a:t>
-                      </a:r>
-                      <a:r>
-                        <a:rPr lang="en-US" dirty="0" err="1"/>
-                        <a:t>ter</a:t>
-                      </a:r>
-                      <a:r>
-                        <a:rPr lang="en-US" dirty="0"/>
-                        <a:t> </a:t>
-                      </a:r>
-                      <a:r>
-                        <a:rPr lang="en-US" dirty="0" err="1"/>
-                        <a:t>uma</a:t>
-                      </a:r>
-                      <a:r>
-                        <a:rPr lang="en-US" dirty="0"/>
-                        <a:t> performance </a:t>
-                      </a:r>
-                      <a:r>
-                        <a:rPr lang="en-US" dirty="0" err="1"/>
-                        <a:t>melhor</a:t>
-                      </a:r>
-                      <a:r>
-                        <a:rPr lang="en-US" dirty="0"/>
-                        <a:t> que </a:t>
-                      </a:r>
-                      <a:r>
-                        <a:rPr lang="en-US" dirty="0" err="1"/>
-                        <a:t>outra</a:t>
-                      </a:r>
-                      <a:r>
-                        <a:rPr lang="en-US" dirty="0"/>
-                        <a:t>. E </a:t>
-                      </a:r>
-                      <a:r>
-                        <a:rPr lang="en-US" dirty="0" err="1"/>
-                        <a:t>ser</a:t>
-                      </a:r>
-                      <a:r>
-                        <a:rPr lang="en-US" dirty="0"/>
-                        <a:t> </a:t>
-                      </a:r>
-                      <a:r>
-                        <a:rPr lang="en-US" dirty="0" err="1"/>
-                        <a:t>capaz</a:t>
-                      </a:r>
-                      <a:r>
-                        <a:rPr lang="en-US" dirty="0"/>
-                        <a:t> (</a:t>
-                      </a:r>
-                      <a:r>
-                        <a:rPr lang="en-US" dirty="0" err="1"/>
-                        <a:t>não</a:t>
-                      </a:r>
-                      <a:r>
-                        <a:rPr lang="en-US" dirty="0"/>
-                        <a:t> </a:t>
-                      </a:r>
-                      <a:r>
-                        <a:rPr lang="en-US" dirty="0" err="1"/>
-                        <a:t>sei</a:t>
-                      </a:r>
-                      <a:r>
-                        <a:rPr lang="en-US" dirty="0"/>
-                        <a:t> se </a:t>
-                      </a:r>
-                      <a:r>
-                        <a:rPr lang="en-US" dirty="0" err="1"/>
-                        <a:t>será</a:t>
-                      </a:r>
-                      <a:r>
-                        <a:rPr lang="en-US" dirty="0"/>
-                        <a:t> </a:t>
-                      </a:r>
-                      <a:r>
-                        <a:rPr lang="en-US" dirty="0" err="1"/>
-                        <a:t>possível</a:t>
-                      </a:r>
-                      <a:r>
-                        <a:rPr lang="en-US" dirty="0"/>
-                        <a:t>) </a:t>
-                      </a:r>
-                      <a:r>
-                        <a:rPr lang="en-US" dirty="0" err="1"/>
-                        <a:t>propor</a:t>
-                      </a:r>
-                      <a:r>
-                        <a:rPr lang="en-US" dirty="0"/>
-                        <a:t> </a:t>
-                      </a:r>
-                      <a:r>
-                        <a:rPr lang="en-US" dirty="0" err="1"/>
-                        <a:t>uma</a:t>
-                      </a:r>
-                      <a:r>
-                        <a:rPr lang="en-US" dirty="0"/>
-                        <a:t> </a:t>
-                      </a:r>
-                      <a:r>
-                        <a:rPr lang="en-US" dirty="0" err="1"/>
-                        <a:t>arquitetura</a:t>
-                      </a:r>
-                      <a:r>
-                        <a:rPr lang="en-US" dirty="0"/>
-                        <a:t> propria para o </a:t>
-                      </a:r>
-                      <a:r>
-                        <a:rPr lang="en-US" dirty="0" err="1"/>
-                        <a:t>problema</a:t>
-                      </a:r>
-                      <a:r>
-                        <a:rPr lang="en-US" dirty="0"/>
-                        <a:t> </a:t>
-                      </a:r>
-                      <a:r>
-                        <a:rPr lang="en-US" dirty="0" err="1"/>
-                        <a:t>em</a:t>
-                      </a:r>
-                      <a:r>
-                        <a:rPr lang="en-US" dirty="0"/>
-                        <a:t> </a:t>
-                      </a:r>
-                      <a:r>
-                        <a:rPr lang="en-US" dirty="0" err="1"/>
-                        <a:t>questão</a:t>
-                      </a:r>
-                      <a:r>
-                        <a:rPr lang="en-US" dirty="0"/>
-                        <a:t>. </a:t>
-                      </a:r>
-                      <a:r>
-                        <a:rPr lang="en-US" dirty="0" err="1"/>
-                        <a:t>Isto</a:t>
-                      </a:r>
-                      <a:r>
-                        <a:rPr lang="en-US" dirty="0"/>
-                        <a:t> </a:t>
-                      </a:r>
-                      <a:r>
-                        <a:rPr lang="en-US" dirty="0" err="1"/>
-                        <a:t>é</a:t>
-                      </a:r>
-                      <a:r>
-                        <a:rPr lang="en-US" dirty="0"/>
-                        <a:t> um requisite </a:t>
-                      </a:r>
-                      <a:r>
-                        <a:rPr lang="en-US" dirty="0" err="1"/>
-                        <a:t>importante</a:t>
-                      </a:r>
-                      <a:r>
-                        <a:rPr lang="en-US" dirty="0"/>
-                        <a:t> a </a:t>
-                      </a:r>
-                      <a:r>
-                        <a:rPr lang="en-US" dirty="0" err="1"/>
-                        <a:t>ser</a:t>
-                      </a:r>
-                      <a:r>
-                        <a:rPr lang="en-US" dirty="0"/>
-                        <a:t> </a:t>
-                      </a:r>
-                      <a:r>
-                        <a:rPr lang="en-US" dirty="0" err="1"/>
-                        <a:t>conquistado</a:t>
-                      </a:r>
-                      <a:r>
-                        <a:rPr lang="en-US" dirty="0"/>
-                        <a:t> </a:t>
-                      </a:r>
-                      <a:r>
-                        <a:rPr lang="en-US" dirty="0" err="1"/>
-                        <a:t>durante</a:t>
-                      </a:r>
-                      <a:r>
-                        <a:rPr lang="en-US" dirty="0"/>
-                        <a:t> a </a:t>
-                      </a:r>
-                      <a:r>
-                        <a:rPr lang="en-US" dirty="0" err="1"/>
-                        <a:t>escrita</a:t>
-                      </a:r>
-                      <a:r>
-                        <a:rPr lang="en-US" dirty="0"/>
-                        <a:t> da </a:t>
-                      </a:r>
-                      <a:r>
-                        <a:rPr lang="en-US" dirty="0" err="1"/>
-                        <a:t>dissertação</a:t>
-                      </a:r>
-                      <a:r>
-                        <a:rPr lang="en-US" dirty="0"/>
-                        <a:t>. Saber </a:t>
-                      </a:r>
-                      <a:r>
-                        <a:rPr lang="en-US" dirty="0" err="1"/>
-                        <a:t>explicar</a:t>
-                      </a:r>
-                      <a:r>
-                        <a:rPr lang="en-US" dirty="0"/>
-                        <a:t>.</a:t>
-                      </a:r>
-                    </a:p>
-                  </a:txBody>
-                  <a:tcPr/>
-                </a:tc>
-                <a:extLst>
-                  <a:ext uri="{0D108BD9-81ED-4DB2-BD59-A6C34878D82A}">
-                    <a16:rowId xmlns:a16="http://schemas.microsoft.com/office/drawing/2014/main" val="1690675655"/>
-                  </a:ext>
-                </a:extLst>
-              </a:tr>
-            </a:tbl>
-          </a:graphicData>
-        </a:graphic>
-      </p:graphicFrame>
+        </p:nvPicPr>
+        <p:blipFill>
+          <a:blip r:embed="rId2"/>
+          <a:stretch>
+            <a:fillRect/>
+          </a:stretch>
+        </p:blipFill>
+        <p:spPr>
+          <a:xfrm>
+            <a:off x="985837" y="1311275"/>
+            <a:ext cx="8978902" cy="4489451"/>
+          </a:xfrm>
+        </p:spPr>
+      </p:pic>
+      <p:sp>
+        <p:nvSpPr>
+          <p:cNvPr id="6" name="TextBox 5">
+            <a:extLst>
+              <a:ext uri="{FF2B5EF4-FFF2-40B4-BE49-F238E27FC236}">
+                <a16:creationId xmlns:a16="http://schemas.microsoft.com/office/drawing/2014/main" id="{A839C2A3-D079-584F-ADBA-585237634552}"/>
+              </a:ext>
+            </a:extLst>
+          </p:cNvPr>
+          <p:cNvSpPr txBox="1"/>
+          <p:nvPr/>
+        </p:nvSpPr>
+        <p:spPr>
+          <a:xfrm>
+            <a:off x="3707609" y="5457825"/>
+            <a:ext cx="4179091" cy="461665"/>
+          </a:xfrm>
+          <a:prstGeom prst="rect">
+            <a:avLst/>
+          </a:prstGeom>
+          <a:noFill/>
+        </p:spPr>
+        <p:txBody>
+          <a:bodyPr wrap="square" rtlCol="0">
+            <a:spAutoFit/>
+          </a:bodyPr>
+          <a:lstStyle/>
+          <a:p>
+            <a:r>
+              <a:rPr lang="en-US" sz="1200" dirty="0">
+                <a:hlinkClick r:id="rId3"/>
+              </a:rPr>
+              <a:t>https://github.com/mrezende/StackOverflow-Question-Code-Dataset/blob/master/data/reports/tsne-output.png</a:t>
+            </a:r>
+            <a:endParaRPr lang="en-US" sz="1200" dirty="0"/>
+          </a:p>
+        </p:txBody>
+      </p:sp>
     </p:spTree>
     <p:extLst>
       <p:ext uri="{BB962C8B-B14F-4D97-AF65-F5344CB8AC3E}">
-        <p14:creationId xmlns:p14="http://schemas.microsoft.com/office/powerpoint/2010/main" val="3969237190"/>
+        <p14:creationId xmlns:p14="http://schemas.microsoft.com/office/powerpoint/2010/main" val="956262425"/>
       </p:ext>
     </p:extLst>
   </p:cSld>
@@ -6189,7 +4824,7 @@
 </p:sld>
 </file>
 
-<file path=ppt/slides/slide6.xml><?xml version="1.0" encoding="utf-8"?>
+<file path=ppt/slides/slide14.xml><?xml version="1.0" encoding="utf-8"?>
 <p:sld xmlns:a="http://schemas.openxmlformats.org/drawingml/2006/main" xmlns:r="http://schemas.openxmlformats.org/officeDocument/2006/relationships" xmlns:p="http://schemas.openxmlformats.org/presentationml/2006/main">
   <p:cSld>
     <p:spTree>
@@ -6211,7 +4846,7 @@
           <p:cNvPr id="2" name="Title 1">
             <a:extLst>
               <a:ext uri="{FF2B5EF4-FFF2-40B4-BE49-F238E27FC236}">
-                <a16:creationId xmlns:a16="http://schemas.microsoft.com/office/drawing/2014/main" id="{A4F69B0D-D070-D247-B54A-F0C377B9E276}"/>
+                <a16:creationId xmlns:a16="http://schemas.microsoft.com/office/drawing/2014/main" id="{C7859068-48F2-0C42-A31C-F77CCF9A5507}"/>
               </a:ext>
             </a:extLst>
           </p:cNvPr>
@@ -6229,7 +4864,7 @@
           <a:p>
             <a:r>
               <a:rPr lang="en-US" dirty="0" err="1"/>
-              <a:t>Desafios</a:t>
+              <a:t>Alguns</a:t>
             </a:r>
             <a:r>
               <a:rPr lang="en-US" dirty="0"/>
@@ -6237,328 +4872,47 @@
             </a:r>
             <a:r>
               <a:rPr lang="en-US" dirty="0" err="1"/>
-              <a:t>iniciais</a:t>
-            </a:r>
-            <a:endParaRPr lang="en-US" dirty="0"/>
+              <a:t>exemplos</a:t>
+            </a:r>
+            <a:r>
+              <a:rPr lang="en-US" dirty="0"/>
+              <a:t> do word2vec</a:t>
+            </a:r>
           </a:p>
         </p:txBody>
       </p:sp>
-      <p:graphicFrame>
-        <p:nvGraphicFramePr>
-          <p:cNvPr id="4" name="Content Placeholder 3">
-            <a:extLst>
-              <a:ext uri="{FF2B5EF4-FFF2-40B4-BE49-F238E27FC236}">
-                <a16:creationId xmlns:a16="http://schemas.microsoft.com/office/drawing/2014/main" id="{D5DC5192-D82B-6F43-954C-0A286F88FCB4}"/>
-              </a:ext>
-            </a:extLst>
-          </p:cNvPr>
-          <p:cNvGraphicFramePr>
-            <a:graphicFrameLocks noGrp="1"/>
-          </p:cNvGraphicFramePr>
+      <p:sp>
+        <p:nvSpPr>
+          <p:cNvPr id="3" name="Content Placeholder 2">
+            <a:extLst>
+              <a:ext uri="{FF2B5EF4-FFF2-40B4-BE49-F238E27FC236}">
+                <a16:creationId xmlns:a16="http://schemas.microsoft.com/office/drawing/2014/main" id="{D9CCF217-7F3E-AD4D-AC76-49C3259621C5}"/>
+              </a:ext>
+            </a:extLst>
+          </p:cNvPr>
+          <p:cNvSpPr>
+            <a:spLocks noGrp="1"/>
+          </p:cNvSpPr>
           <p:nvPr>
             <p:ph idx="1"/>
-            <p:extLst>
-              <p:ext uri="{D42A27DB-BD31-4B8C-83A1-F6EECF244321}">
-                <p14:modId xmlns:p14="http://schemas.microsoft.com/office/powerpoint/2010/main" val="3116948526"/>
-              </p:ext>
-            </p:extLst>
           </p:nvPr>
-        </p:nvGraphicFramePr>
-        <p:xfrm>
-          <a:off x="838200" y="1825625"/>
-          <a:ext cx="10515600" cy="1833880"/>
-        </p:xfrm>
-        <a:graphic>
-          <a:graphicData uri="http://schemas.openxmlformats.org/drawingml/2006/table">
-            <a:tbl>
-              <a:tblPr firstRow="1" bandRow="1">
-                <a:tableStyleId>{5C22544A-7EE6-4342-B048-85BDC9FD1C3A}</a:tableStyleId>
-              </a:tblPr>
-              <a:tblGrid>
-                <a:gridCol w="3505200">
-                  <a:extLst>
-                    <a:ext uri="{9D8B030D-6E8A-4147-A177-3AD203B41FA5}">
-                      <a16:colId xmlns:a16="http://schemas.microsoft.com/office/drawing/2014/main" val="1242011457"/>
-                    </a:ext>
-                  </a:extLst>
-                </a:gridCol>
-                <a:gridCol w="3505200">
-                  <a:extLst>
-                    <a:ext uri="{9D8B030D-6E8A-4147-A177-3AD203B41FA5}">
-                      <a16:colId xmlns:a16="http://schemas.microsoft.com/office/drawing/2014/main" val="510290429"/>
-                    </a:ext>
-                  </a:extLst>
-                </a:gridCol>
-                <a:gridCol w="3505200">
-                  <a:extLst>
-                    <a:ext uri="{9D8B030D-6E8A-4147-A177-3AD203B41FA5}">
-                      <a16:colId xmlns:a16="http://schemas.microsoft.com/office/drawing/2014/main" val="1405089840"/>
-                    </a:ext>
-                  </a:extLst>
-                </a:gridCol>
-              </a:tblGrid>
-              <a:tr h="370840">
-                <a:tc>
-                  <a:txBody>
-                    <a:bodyPr/>
-                    <a:lstStyle/>
-                    <a:p>
-                      <a:r>
-                        <a:rPr lang="en-US" dirty="0" err="1"/>
-                        <a:t>Desafios</a:t>
-                      </a:r>
-                      <a:endParaRPr lang="en-US" dirty="0"/>
-                    </a:p>
-                  </a:txBody>
-                  <a:tcPr/>
-                </a:tc>
-                <a:tc>
-                  <a:txBody>
-                    <a:bodyPr/>
-                    <a:lstStyle/>
-                    <a:p>
-                      <a:r>
-                        <a:rPr lang="en-US" dirty="0"/>
-                        <a:t>Status</a:t>
-                      </a:r>
-                    </a:p>
-                  </a:txBody>
-                  <a:tcPr/>
-                </a:tc>
-                <a:tc>
-                  <a:txBody>
-                    <a:bodyPr/>
-                    <a:lstStyle/>
-                    <a:p>
-                      <a:r>
-                        <a:rPr lang="en-US" dirty="0" err="1"/>
-                        <a:t>Eventuais</a:t>
-                      </a:r>
-                      <a:r>
-                        <a:rPr lang="en-US" dirty="0"/>
-                        <a:t> </a:t>
-                      </a:r>
-                      <a:r>
-                        <a:rPr lang="en-US" dirty="0" err="1"/>
-                        <a:t>problemas</a:t>
-                      </a:r>
-                      <a:endParaRPr lang="en-US" dirty="0"/>
-                    </a:p>
-                  </a:txBody>
-                  <a:tcPr/>
-                </a:tc>
-                <a:extLst>
-                  <a:ext uri="{0D108BD9-81ED-4DB2-BD59-A6C34878D82A}">
-                    <a16:rowId xmlns:a16="http://schemas.microsoft.com/office/drawing/2014/main" val="3662228028"/>
-                  </a:ext>
-                </a:extLst>
-              </a:tr>
-              <a:tr h="370840">
-                <a:tc>
-                  <a:txBody>
-                    <a:bodyPr/>
-                    <a:lstStyle/>
-                    <a:p>
-                      <a:r>
-                        <a:rPr lang="en-US" dirty="0" err="1"/>
-                        <a:t>Os</a:t>
-                      </a:r>
-                      <a:r>
-                        <a:rPr lang="en-US" dirty="0"/>
-                        <a:t> </a:t>
-                      </a:r>
-                      <a:r>
-                        <a:rPr lang="en-US" dirty="0" err="1"/>
-                        <a:t>resultados</a:t>
-                      </a:r>
-                      <a:r>
-                        <a:rPr lang="en-US" dirty="0"/>
-                        <a:t> </a:t>
-                      </a:r>
-                      <a:r>
-                        <a:rPr lang="en-US" dirty="0" err="1"/>
-                        <a:t>são</a:t>
-                      </a:r>
-                      <a:r>
-                        <a:rPr lang="en-US" dirty="0"/>
-                        <a:t> </a:t>
-                      </a:r>
-                      <a:r>
-                        <a:rPr lang="en-US" dirty="0" err="1"/>
-                        <a:t>válidos</a:t>
-                      </a:r>
-                      <a:r>
-                        <a:rPr lang="en-US" dirty="0"/>
-                        <a:t>?</a:t>
-                      </a:r>
-                    </a:p>
-                  </a:txBody>
-                  <a:tcPr/>
-                </a:tc>
-                <a:tc>
-                  <a:txBody>
-                    <a:bodyPr/>
-                    <a:lstStyle/>
-                    <a:p>
-                      <a:r>
-                        <a:rPr lang="en-US" dirty="0" err="1"/>
-                        <a:t>Não</a:t>
-                      </a:r>
-                      <a:r>
-                        <a:rPr lang="en-US" dirty="0"/>
-                        <a:t> </a:t>
-                      </a:r>
-                      <a:r>
-                        <a:rPr lang="en-US" dirty="0" err="1"/>
-                        <a:t>sei</a:t>
-                      </a:r>
-                      <a:r>
-                        <a:rPr lang="en-US" dirty="0"/>
-                        <a:t> responder</a:t>
-                      </a:r>
-                    </a:p>
-                  </a:txBody>
-                  <a:tcPr/>
-                </a:tc>
-                <a:tc>
-                  <a:txBody>
-                    <a:bodyPr/>
-                    <a:lstStyle/>
-                    <a:p>
-                      <a:r>
-                        <a:rPr lang="en-US" dirty="0"/>
-                        <a:t>Dado o dataset do </a:t>
-                      </a:r>
-                      <a:r>
-                        <a:rPr lang="en-US" dirty="0" err="1"/>
-                        <a:t>stackoverflow</a:t>
-                      </a:r>
-                      <a:r>
-                        <a:rPr lang="en-US" dirty="0"/>
-                        <a:t>, com um </a:t>
-                      </a:r>
-                      <a:r>
-                        <a:rPr lang="en-US" dirty="0" err="1"/>
-                        <a:t>tamanho</a:t>
-                      </a:r>
-                      <a:r>
-                        <a:rPr lang="en-US" dirty="0"/>
-                        <a:t> </a:t>
-                      </a:r>
-                      <a:r>
-                        <a:rPr lang="en-US" dirty="0" err="1"/>
-                        <a:t>inicial</a:t>
-                      </a:r>
-                      <a:r>
-                        <a:rPr lang="en-US" dirty="0"/>
-                        <a:t> </a:t>
-                      </a:r>
-                      <a:r>
-                        <a:rPr lang="en-US" dirty="0" err="1"/>
-                        <a:t>em</a:t>
-                      </a:r>
-                      <a:r>
-                        <a:rPr lang="en-US" dirty="0"/>
-                        <a:t> </a:t>
-                      </a:r>
-                      <a:r>
-                        <a:rPr lang="en-US" dirty="0" err="1"/>
-                        <a:t>torno</a:t>
-                      </a:r>
-                      <a:r>
-                        <a:rPr lang="en-US" dirty="0"/>
-                        <a:t> de 2000 e 4000 </a:t>
-                      </a:r>
-                      <a:r>
-                        <a:rPr lang="en-US" dirty="0" err="1"/>
-                        <a:t>registros</a:t>
-                      </a:r>
-                      <a:r>
-                        <a:rPr lang="en-US" dirty="0"/>
-                        <a:t>. Como saber se o </a:t>
-                      </a:r>
-                      <a:r>
-                        <a:rPr lang="en-US" dirty="0" err="1"/>
-                        <a:t>resultado</a:t>
-                      </a:r>
-                      <a:r>
-                        <a:rPr lang="en-US" dirty="0"/>
-                        <a:t> </a:t>
-                      </a:r>
-                      <a:r>
-                        <a:rPr lang="en-US" dirty="0" err="1"/>
-                        <a:t>é</a:t>
-                      </a:r>
-                      <a:r>
-                        <a:rPr lang="en-US" dirty="0"/>
-                        <a:t> </a:t>
-                      </a:r>
-                      <a:r>
-                        <a:rPr lang="en-US" dirty="0" err="1"/>
-                        <a:t>válido</a:t>
-                      </a:r>
-                      <a:r>
-                        <a:rPr lang="en-US" dirty="0"/>
-                        <a:t>? </a:t>
-                      </a:r>
-                      <a:r>
-                        <a:rPr lang="en-US" dirty="0" err="1"/>
-                        <a:t>Ele</a:t>
-                      </a:r>
-                      <a:r>
-                        <a:rPr lang="en-US" dirty="0"/>
-                        <a:t> </a:t>
-                      </a:r>
-                      <a:r>
-                        <a:rPr lang="en-US" dirty="0" err="1"/>
-                        <a:t>é</a:t>
-                      </a:r>
-                      <a:r>
-                        <a:rPr lang="en-US" dirty="0"/>
-                        <a:t> </a:t>
-                      </a:r>
-                      <a:r>
-                        <a:rPr lang="en-US" dirty="0" err="1"/>
-                        <a:t>aplicável</a:t>
-                      </a:r>
-                      <a:r>
-                        <a:rPr lang="en-US" dirty="0"/>
-                        <a:t> </a:t>
-                      </a:r>
-                      <a:r>
-                        <a:rPr lang="en-US" dirty="0" err="1"/>
-                        <a:t>em</a:t>
-                      </a:r>
-                      <a:r>
-                        <a:rPr lang="en-US" dirty="0"/>
-                        <a:t> outros </a:t>
-                      </a:r>
-                      <a:r>
-                        <a:rPr lang="en-US" dirty="0" err="1"/>
-                        <a:t>problemas</a:t>
-                      </a:r>
-                      <a:r>
-                        <a:rPr lang="en-US" dirty="0"/>
-                        <a:t>?</a:t>
-                      </a:r>
-                    </a:p>
-                  </a:txBody>
-                  <a:tcPr/>
-                </a:tc>
-                <a:extLst>
-                  <a:ext uri="{0D108BD9-81ED-4DB2-BD59-A6C34878D82A}">
-                    <a16:rowId xmlns:a16="http://schemas.microsoft.com/office/drawing/2014/main" val="1861777844"/>
-                  </a:ext>
-                </a:extLst>
-              </a:tr>
-            </a:tbl>
-          </a:graphicData>
-        </a:graphic>
-      </p:graphicFrame>
+        </p:nvSpPr>
+        <p:spPr/>
+        <p:txBody>
+          <a:bodyPr/>
+          <a:lstStyle/>
+          <a:p>
+            <a:pPr marL="0" indent="0">
+              <a:buNone/>
+            </a:pPr>
+            <a:endParaRPr lang="en-US" dirty="0"/>
+          </a:p>
+        </p:txBody>
+      </p:sp>
     </p:spTree>
     <p:extLst>
       <p:ext uri="{BB962C8B-B14F-4D97-AF65-F5344CB8AC3E}">
-        <p14:creationId xmlns:p14="http://schemas.microsoft.com/office/powerpoint/2010/main" val="202880569"/>
+        <p14:creationId xmlns:p14="http://schemas.microsoft.com/office/powerpoint/2010/main" val="1199827659"/>
       </p:ext>
     </p:extLst>
   </p:cSld>
@@ -6568,7 +4922,7 @@
 </p:sld>
 </file>
 
-<file path=ppt/slides/slide7.xml><?xml version="1.0" encoding="utf-8"?>
+<file path=ppt/slides/slide15.xml><?xml version="1.0" encoding="utf-8"?>
 <p:sld xmlns:a="http://schemas.openxmlformats.org/drawingml/2006/main" xmlns:r="http://schemas.openxmlformats.org/officeDocument/2006/relationships" xmlns:p="http://schemas.openxmlformats.org/presentationml/2006/main">
   <p:cSld>
     <p:spTree>
@@ -7043,7 +5397,7 @@
 </p:sld>
 </file>
 
-<file path=ppt/slides/slide8.xml><?xml version="1.0" encoding="utf-8"?>
+<file path=ppt/slides/slide16.xml><?xml version="1.0" encoding="utf-8"?>
 <p:sld xmlns:a="http://schemas.openxmlformats.org/drawingml/2006/main" xmlns:r="http://schemas.openxmlformats.org/officeDocument/2006/relationships" xmlns:p="http://schemas.openxmlformats.org/presentationml/2006/main">
   <p:cSld>
     <p:spTree>
@@ -7684,7 +6038,7 @@
 </p:sld>
 </file>
 
-<file path=ppt/slides/slide9.xml><?xml version="1.0" encoding="utf-8"?>
+<file path=ppt/slides/slide17.xml><?xml version="1.0" encoding="utf-8"?>
 <p:sld xmlns:a="http://schemas.openxmlformats.org/drawingml/2006/main" xmlns:r="http://schemas.openxmlformats.org/officeDocument/2006/relationships" xmlns:p="http://schemas.openxmlformats.org/presentationml/2006/main">
   <p:cSld>
     <p:spTree>
@@ -8159,6 +6513,4062 @@
     <p:extLst>
       <p:ext uri="{BB962C8B-B14F-4D97-AF65-F5344CB8AC3E}">
         <p14:creationId xmlns:p14="http://schemas.microsoft.com/office/powerpoint/2010/main" val="3302351604"/>
+      </p:ext>
+    </p:extLst>
+  </p:cSld>
+  <p:clrMapOvr>
+    <a:masterClrMapping/>
+  </p:clrMapOvr>
+</p:sld>
+</file>
+
+<file path=ppt/slides/slide2.xml><?xml version="1.0" encoding="utf-8"?>
+<p:sld xmlns:a="http://schemas.openxmlformats.org/drawingml/2006/main" xmlns:r="http://schemas.openxmlformats.org/officeDocument/2006/relationships" xmlns:p="http://schemas.openxmlformats.org/presentationml/2006/main">
+  <p:cSld>
+    <p:spTree>
+      <p:nvGrpSpPr>
+        <p:cNvPr id="1" name=""/>
+        <p:cNvGrpSpPr/>
+        <p:nvPr/>
+      </p:nvGrpSpPr>
+      <p:grpSpPr>
+        <a:xfrm>
+          <a:off x="0" y="0"/>
+          <a:ext cx="0" cy="0"/>
+          <a:chOff x="0" y="0"/>
+          <a:chExt cx="0" cy="0"/>
+        </a:xfrm>
+      </p:grpSpPr>
+      <p:sp>
+        <p:nvSpPr>
+          <p:cNvPr id="2" name="Title 1">
+            <a:extLst>
+              <a:ext uri="{FF2B5EF4-FFF2-40B4-BE49-F238E27FC236}">
+                <a16:creationId xmlns:a16="http://schemas.microsoft.com/office/drawing/2014/main" id="{D7685F75-406E-4B45-A233-7E75B9F3F82A}"/>
+              </a:ext>
+            </a:extLst>
+          </p:cNvPr>
+          <p:cNvSpPr>
+            <a:spLocks noGrp="1"/>
+          </p:cNvSpPr>
+          <p:nvPr>
+            <p:ph type="title"/>
+          </p:nvPr>
+        </p:nvSpPr>
+        <p:spPr/>
+        <p:txBody>
+          <a:bodyPr/>
+          <a:lstStyle/>
+          <a:p>
+            <a:r>
+              <a:rPr lang="en-US" dirty="0" err="1"/>
+              <a:t>Problema</a:t>
+            </a:r>
+            <a:r>
+              <a:rPr lang="en-US" dirty="0"/>
+              <a:t>:</a:t>
+            </a:r>
+          </a:p>
+        </p:txBody>
+      </p:sp>
+      <p:sp>
+        <p:nvSpPr>
+          <p:cNvPr id="3" name="Content Placeholder 2">
+            <a:extLst>
+              <a:ext uri="{FF2B5EF4-FFF2-40B4-BE49-F238E27FC236}">
+                <a16:creationId xmlns:a16="http://schemas.microsoft.com/office/drawing/2014/main" id="{A95C27CF-F127-F249-BE09-C85F3674842A}"/>
+              </a:ext>
+            </a:extLst>
+          </p:cNvPr>
+          <p:cNvSpPr>
+            <a:spLocks noGrp="1"/>
+          </p:cNvSpPr>
+          <p:nvPr>
+            <p:ph idx="1"/>
+          </p:nvPr>
+        </p:nvSpPr>
+        <p:spPr/>
+        <p:txBody>
+          <a:bodyPr>
+            <a:normAutofit fontScale="70000" lnSpcReduction="20000"/>
+          </a:bodyPr>
+          <a:lstStyle/>
+          <a:p>
+            <a:r>
+              <a:rPr lang="en-US" dirty="0"/>
+              <a:t>Given a question q and an answer candidate pool {a1, a2, ..., as} for that question (s is the pool size), the goal is to find the best answer candidate </a:t>
+            </a:r>
+            <a:r>
+              <a:rPr lang="en-US" dirty="0" err="1"/>
+              <a:t>ak</a:t>
+            </a:r>
+            <a:r>
+              <a:rPr lang="en-US" dirty="0"/>
+              <a:t>, 1 ≤ k ≤ s .</a:t>
+            </a:r>
+          </a:p>
+          <a:p>
+            <a:r>
+              <a:rPr lang="en-US" dirty="0" err="1"/>
+              <a:t>Vários</a:t>
+            </a:r>
+            <a:r>
+              <a:rPr lang="en-US" dirty="0"/>
+              <a:t> papers </a:t>
+            </a:r>
+            <a:r>
+              <a:rPr lang="en-US" dirty="0" err="1"/>
+              <a:t>aplicaram</a:t>
+            </a:r>
+            <a:r>
+              <a:rPr lang="en-US" dirty="0"/>
+              <a:t> </a:t>
+            </a:r>
+            <a:r>
+              <a:rPr lang="en-US" dirty="0" err="1"/>
+              <a:t>diversas</a:t>
+            </a:r>
+            <a:r>
+              <a:rPr lang="en-US" dirty="0"/>
+              <a:t> </a:t>
+            </a:r>
+            <a:r>
+              <a:rPr lang="en-US" dirty="0" err="1"/>
+              <a:t>técnicas</a:t>
+            </a:r>
+            <a:r>
+              <a:rPr lang="en-US" dirty="0"/>
+              <a:t> </a:t>
+            </a:r>
+            <a:r>
+              <a:rPr lang="en-US" dirty="0" err="1"/>
+              <a:t>neste</a:t>
+            </a:r>
+            <a:r>
+              <a:rPr lang="en-US" dirty="0"/>
+              <a:t> </a:t>
+            </a:r>
+            <a:r>
+              <a:rPr lang="en-US" dirty="0" err="1"/>
+              <a:t>problema</a:t>
+            </a:r>
+            <a:r>
+              <a:rPr lang="en-US" dirty="0"/>
+              <a:t>.</a:t>
+            </a:r>
+          </a:p>
+          <a:p>
+            <a:r>
+              <a:rPr lang="en-US" dirty="0"/>
+              <a:t>Segundo Yao et al., </a:t>
+            </a:r>
+            <a:r>
+              <a:rPr lang="en-US" dirty="0" err="1"/>
+              <a:t>não</a:t>
+            </a:r>
+            <a:r>
+              <a:rPr lang="en-US" dirty="0"/>
+              <a:t> </a:t>
+            </a:r>
+            <a:r>
+              <a:rPr lang="en-US" dirty="0" err="1"/>
+              <a:t>foram</a:t>
+            </a:r>
+            <a:r>
+              <a:rPr lang="en-US" dirty="0"/>
+              <a:t> </a:t>
+            </a:r>
+            <a:r>
+              <a:rPr lang="en-US" dirty="0" err="1"/>
+              <a:t>encontrados</a:t>
+            </a:r>
+            <a:r>
+              <a:rPr lang="en-US" dirty="0"/>
+              <a:t> papers </a:t>
+            </a:r>
+            <a:r>
+              <a:rPr lang="en-US" dirty="0" err="1"/>
+              <a:t>significativos</a:t>
+            </a:r>
+            <a:r>
+              <a:rPr lang="en-US" dirty="0"/>
+              <a:t> </a:t>
+            </a:r>
+            <a:r>
+              <a:rPr lang="en-US" dirty="0" err="1"/>
+              <a:t>aplicando</a:t>
+            </a:r>
+            <a:r>
+              <a:rPr lang="en-US" dirty="0"/>
+              <a:t> </a:t>
+            </a:r>
+            <a:r>
+              <a:rPr lang="en-US" dirty="0" err="1"/>
+              <a:t>estas</a:t>
+            </a:r>
+            <a:r>
+              <a:rPr lang="en-US" dirty="0"/>
+              <a:t> </a:t>
+            </a:r>
+            <a:r>
+              <a:rPr lang="en-US" dirty="0" err="1"/>
+              <a:t>técnicas</a:t>
+            </a:r>
+            <a:r>
+              <a:rPr lang="en-US" dirty="0"/>
+              <a:t> no dataset do </a:t>
+            </a:r>
+            <a:r>
+              <a:rPr lang="en-US" dirty="0" err="1"/>
+              <a:t>StackOverFlow</a:t>
+            </a:r>
+            <a:r>
+              <a:rPr lang="en-US" dirty="0"/>
+              <a:t>.</a:t>
+            </a:r>
+          </a:p>
+          <a:p>
+            <a:r>
+              <a:rPr lang="en-US" dirty="0"/>
+              <a:t>No paper “</a:t>
+            </a:r>
+            <a:r>
+              <a:rPr lang="en-US" dirty="0" err="1"/>
+              <a:t>StaQC</a:t>
+            </a:r>
+            <a:r>
+              <a:rPr lang="en-US" dirty="0"/>
+              <a:t>: A Systematically Mined Question-Code Dataset from Stack Overflow”, </a:t>
+            </a:r>
+            <a:r>
+              <a:rPr lang="en-US" dirty="0" err="1"/>
+              <a:t>ele</a:t>
+            </a:r>
+            <a:r>
+              <a:rPr lang="en-US" dirty="0"/>
+              <a:t> </a:t>
+            </a:r>
+            <a:r>
+              <a:rPr lang="en-US" dirty="0" err="1"/>
+              <a:t>aplica</a:t>
+            </a:r>
+            <a:r>
+              <a:rPr lang="en-US" dirty="0"/>
+              <a:t> </a:t>
+            </a:r>
+            <a:r>
+              <a:rPr lang="en-US" dirty="0" err="1"/>
+              <a:t>uma</a:t>
+            </a:r>
+            <a:r>
+              <a:rPr lang="en-US" dirty="0"/>
+              <a:t> </a:t>
+            </a:r>
+            <a:r>
+              <a:rPr lang="en-US" dirty="0" err="1"/>
+              <a:t>rede</a:t>
+            </a:r>
+            <a:r>
+              <a:rPr lang="en-US" dirty="0"/>
+              <a:t> neural </a:t>
+            </a:r>
+            <a:r>
+              <a:rPr lang="en-US" dirty="0" err="1"/>
+              <a:t>recorrente</a:t>
+            </a:r>
+            <a:r>
+              <a:rPr lang="en-US" dirty="0"/>
+              <a:t> LSTM para </a:t>
+            </a:r>
+            <a:r>
+              <a:rPr lang="en-US" dirty="0" err="1"/>
+              <a:t>aprender</a:t>
+            </a:r>
+            <a:r>
+              <a:rPr lang="en-US" dirty="0"/>
+              <a:t> a </a:t>
+            </a:r>
+            <a:r>
+              <a:rPr lang="en-US" dirty="0" err="1"/>
+              <a:t>selecionar</a:t>
+            </a:r>
+            <a:r>
+              <a:rPr lang="en-US" dirty="0"/>
+              <a:t> a </a:t>
+            </a:r>
+            <a:r>
+              <a:rPr lang="en-US" dirty="0" err="1"/>
+              <a:t>melhor</a:t>
+            </a:r>
+            <a:r>
+              <a:rPr lang="en-US" dirty="0"/>
+              <a:t> </a:t>
+            </a:r>
+            <a:r>
+              <a:rPr lang="en-US" dirty="0" err="1"/>
+              <a:t>resposta</a:t>
+            </a:r>
+            <a:r>
+              <a:rPr lang="en-US" dirty="0"/>
+              <a:t>.</a:t>
+            </a:r>
+          </a:p>
+          <a:p>
+            <a:r>
+              <a:rPr lang="en-US" dirty="0"/>
+              <a:t>No final, o </a:t>
+            </a:r>
+            <a:r>
+              <a:rPr lang="en-US" dirty="0" err="1"/>
+              <a:t>autor</a:t>
+            </a:r>
+            <a:r>
+              <a:rPr lang="en-US" dirty="0"/>
+              <a:t> </a:t>
+            </a:r>
+            <a:r>
+              <a:rPr lang="en-US" dirty="0" err="1"/>
+              <a:t>sugere</a:t>
+            </a:r>
+            <a:r>
+              <a:rPr lang="en-US" dirty="0"/>
+              <a:t> </a:t>
+            </a:r>
+            <a:r>
+              <a:rPr lang="en-US" dirty="0" err="1"/>
+              <a:t>como</a:t>
+            </a:r>
+            <a:r>
+              <a:rPr lang="en-US" dirty="0"/>
+              <a:t> </a:t>
+            </a:r>
+            <a:r>
+              <a:rPr lang="en-US" dirty="0" err="1"/>
+              <a:t>trabalho</a:t>
+            </a:r>
+            <a:r>
+              <a:rPr lang="en-US" dirty="0"/>
+              <a:t> </a:t>
+            </a:r>
+            <a:r>
+              <a:rPr lang="en-US" dirty="0" err="1"/>
+              <a:t>futuro</a:t>
+            </a:r>
+            <a:r>
+              <a:rPr lang="en-US" dirty="0"/>
+              <a:t> </a:t>
+            </a:r>
+            <a:r>
+              <a:rPr lang="en-US" dirty="0" err="1"/>
+              <a:t>verificar</a:t>
+            </a:r>
+            <a:r>
+              <a:rPr lang="en-US" dirty="0"/>
+              <a:t> o </a:t>
+            </a:r>
+            <a:r>
+              <a:rPr lang="en-US" dirty="0" err="1"/>
+              <a:t>comportamento</a:t>
+            </a:r>
+            <a:r>
+              <a:rPr lang="en-US" dirty="0"/>
+              <a:t> </a:t>
+            </a:r>
+            <a:r>
+              <a:rPr lang="en-US" dirty="0" err="1"/>
+              <a:t>utilizando</a:t>
+            </a:r>
+            <a:r>
+              <a:rPr lang="en-US" dirty="0"/>
+              <a:t> CNN e </a:t>
+            </a:r>
+            <a:r>
+              <a:rPr lang="en-US" dirty="0" err="1"/>
+              <a:t>outras</a:t>
+            </a:r>
+            <a:r>
+              <a:rPr lang="en-US" dirty="0"/>
+              <a:t> </a:t>
+            </a:r>
+            <a:r>
+              <a:rPr lang="en-US" dirty="0" err="1"/>
+              <a:t>técnicas</a:t>
+            </a:r>
+            <a:r>
+              <a:rPr lang="en-US" dirty="0"/>
+              <a:t>.</a:t>
+            </a:r>
+          </a:p>
+          <a:p>
+            <a:r>
+              <a:rPr lang="en-US" dirty="0"/>
+              <a:t>O dataset </a:t>
+            </a:r>
+            <a:r>
+              <a:rPr lang="en-US" dirty="0" err="1"/>
+              <a:t>é</a:t>
+            </a:r>
+            <a:r>
+              <a:rPr lang="en-US" dirty="0"/>
+              <a:t> </a:t>
+            </a:r>
+            <a:r>
+              <a:rPr lang="en-US" dirty="0" err="1"/>
+              <a:t>formado</a:t>
+            </a:r>
+            <a:r>
+              <a:rPr lang="en-US" dirty="0"/>
+              <a:t> </a:t>
+            </a:r>
+            <a:r>
+              <a:rPr lang="en-US" dirty="0" err="1"/>
+              <a:t>por</a:t>
+            </a:r>
+            <a:r>
+              <a:rPr lang="en-US" dirty="0"/>
+              <a:t> </a:t>
+            </a:r>
+            <a:r>
+              <a:rPr lang="en-US" dirty="0" err="1"/>
+              <a:t>questões</a:t>
+            </a:r>
+            <a:r>
+              <a:rPr lang="en-US" dirty="0"/>
+              <a:t> “How-to” de Python e SQL. São </a:t>
+            </a:r>
+            <a:r>
+              <a:rPr lang="en-US" dirty="0" err="1"/>
+              <a:t>questões</a:t>
+            </a:r>
+            <a:r>
+              <a:rPr lang="en-US" dirty="0"/>
+              <a:t> que </a:t>
+            </a:r>
+            <a:r>
+              <a:rPr lang="en-US" dirty="0" err="1"/>
+              <a:t>normalmente</a:t>
+            </a:r>
+            <a:r>
+              <a:rPr lang="en-US" dirty="0"/>
+              <a:t> a </a:t>
+            </a:r>
+            <a:r>
+              <a:rPr lang="en-US" dirty="0" err="1"/>
+              <a:t>resposta</a:t>
+            </a:r>
+            <a:r>
+              <a:rPr lang="en-US" dirty="0"/>
+              <a:t> </a:t>
+            </a:r>
+            <a:r>
+              <a:rPr lang="en-US" dirty="0" err="1"/>
+              <a:t>é</a:t>
+            </a:r>
+            <a:r>
+              <a:rPr lang="en-US" dirty="0"/>
+              <a:t> um code snippet. </a:t>
+            </a:r>
+            <a:r>
+              <a:rPr lang="en-US" dirty="0" err="1"/>
+              <a:t>Mais</a:t>
+            </a:r>
+            <a:r>
+              <a:rPr lang="en-US" dirty="0"/>
+              <a:t> de </a:t>
+            </a:r>
+            <a:r>
+              <a:rPr lang="en-US" dirty="0" err="1"/>
+              <a:t>uma</a:t>
+            </a:r>
+            <a:r>
+              <a:rPr lang="en-US" dirty="0"/>
+              <a:t> </a:t>
+            </a:r>
+            <a:r>
+              <a:rPr lang="en-US" dirty="0" err="1"/>
+              <a:t>resposta</a:t>
+            </a:r>
+            <a:r>
+              <a:rPr lang="en-US" dirty="0"/>
+              <a:t> </a:t>
+            </a:r>
+            <a:r>
+              <a:rPr lang="en-US" dirty="0" err="1"/>
+              <a:t>correta</a:t>
+            </a:r>
+            <a:r>
+              <a:rPr lang="en-US" dirty="0"/>
+              <a:t> </a:t>
+            </a:r>
+            <a:r>
+              <a:rPr lang="en-US" dirty="0" err="1"/>
+              <a:t>é</a:t>
+            </a:r>
+            <a:r>
+              <a:rPr lang="en-US" dirty="0"/>
+              <a:t> </a:t>
+            </a:r>
+            <a:r>
+              <a:rPr lang="en-US" dirty="0" err="1"/>
+              <a:t>possível</a:t>
+            </a:r>
+            <a:r>
+              <a:rPr lang="en-US" dirty="0"/>
+              <a:t> para </a:t>
+            </a:r>
+            <a:r>
+              <a:rPr lang="en-US" dirty="0" err="1"/>
+              <a:t>uma</a:t>
+            </a:r>
+            <a:r>
+              <a:rPr lang="en-US" dirty="0"/>
+              <a:t> </a:t>
+            </a:r>
+            <a:r>
+              <a:rPr lang="en-US" dirty="0" err="1"/>
+              <a:t>mesma</a:t>
+            </a:r>
+            <a:r>
+              <a:rPr lang="en-US" dirty="0"/>
+              <a:t> </a:t>
+            </a:r>
+            <a:r>
+              <a:rPr lang="en-US" dirty="0" err="1"/>
+              <a:t>pergunta</a:t>
+            </a:r>
+            <a:r>
+              <a:rPr lang="en-US" dirty="0"/>
+              <a:t>.</a:t>
+            </a:r>
+          </a:p>
+          <a:p>
+            <a:r>
+              <a:rPr lang="en-US" dirty="0" err="1"/>
+              <a:t>Após</a:t>
+            </a:r>
+            <a:r>
+              <a:rPr lang="en-US" dirty="0"/>
+              <a:t> </a:t>
+            </a:r>
+            <a:r>
+              <a:rPr lang="en-US" dirty="0" err="1"/>
+              <a:t>extrair</a:t>
+            </a:r>
+            <a:r>
+              <a:rPr lang="en-US" dirty="0"/>
+              <a:t> do stack over flow as </a:t>
+            </a:r>
+            <a:r>
+              <a:rPr lang="en-US" dirty="0" err="1"/>
+              <a:t>perguntas</a:t>
+            </a:r>
+            <a:r>
+              <a:rPr lang="en-US" dirty="0"/>
+              <a:t> “How-to” de Python, </a:t>
+            </a:r>
+            <a:r>
+              <a:rPr lang="en-US" dirty="0" err="1"/>
+              <a:t>por</a:t>
+            </a:r>
+            <a:r>
+              <a:rPr lang="en-US" dirty="0"/>
+              <a:t> </a:t>
+            </a:r>
+            <a:r>
+              <a:rPr lang="en-US" dirty="0" err="1"/>
+              <a:t>exemplo</a:t>
+            </a:r>
+            <a:r>
+              <a:rPr lang="en-US" dirty="0"/>
+              <a:t>, 3 </a:t>
+            </a:r>
+            <a:r>
+              <a:rPr lang="en-US" dirty="0" err="1"/>
+              <a:t>alunos</a:t>
+            </a:r>
+            <a:r>
+              <a:rPr lang="en-US" dirty="0"/>
+              <a:t> de </a:t>
+            </a:r>
+            <a:r>
+              <a:rPr lang="en-US" dirty="0" err="1"/>
+              <a:t>gradução</a:t>
+            </a:r>
+            <a:r>
+              <a:rPr lang="en-US" dirty="0"/>
+              <a:t> da </a:t>
+            </a:r>
+            <a:r>
+              <a:rPr lang="en-US" dirty="0" err="1"/>
+              <a:t>universidade</a:t>
+            </a:r>
+            <a:r>
+              <a:rPr lang="en-US" dirty="0"/>
+              <a:t> </a:t>
+            </a:r>
+            <a:r>
+              <a:rPr lang="en-US" dirty="0" err="1"/>
+              <a:t>marcaram</a:t>
+            </a:r>
+            <a:r>
+              <a:rPr lang="en-US" dirty="0"/>
+              <a:t> </a:t>
+            </a:r>
+            <a:r>
+              <a:rPr lang="en-US" dirty="0" err="1"/>
+              <a:t>quais</a:t>
+            </a:r>
+            <a:r>
+              <a:rPr lang="en-US" dirty="0"/>
+              <a:t> </a:t>
+            </a:r>
+            <a:r>
+              <a:rPr lang="en-US" dirty="0" err="1"/>
+              <a:t>respostas</a:t>
+            </a:r>
+            <a:r>
+              <a:rPr lang="en-US" dirty="0"/>
+              <a:t> </a:t>
+            </a:r>
+            <a:r>
+              <a:rPr lang="en-US" dirty="0" err="1"/>
+              <a:t>estavam</a:t>
+            </a:r>
+            <a:r>
+              <a:rPr lang="en-US" dirty="0"/>
+              <a:t> </a:t>
+            </a:r>
+            <a:r>
+              <a:rPr lang="en-US" dirty="0" err="1"/>
+              <a:t>certas</a:t>
+            </a:r>
+            <a:r>
+              <a:rPr lang="en-US" dirty="0"/>
+              <a:t> </a:t>
+            </a:r>
+            <a:r>
+              <a:rPr lang="en-US" dirty="0" err="1"/>
+              <a:t>ou</a:t>
+            </a:r>
+            <a:r>
+              <a:rPr lang="en-US" dirty="0"/>
+              <a:t> </a:t>
+            </a:r>
+            <a:r>
+              <a:rPr lang="en-US" dirty="0" err="1"/>
+              <a:t>erradas</a:t>
+            </a:r>
+            <a:r>
+              <a:rPr lang="en-US" dirty="0"/>
+              <a:t>. </a:t>
+            </a:r>
+            <a:r>
+              <a:rPr lang="en-US" dirty="0" err="1"/>
+              <a:t>Foram</a:t>
+            </a:r>
+            <a:r>
+              <a:rPr lang="en-US" dirty="0"/>
+              <a:t> </a:t>
+            </a:r>
+            <a:r>
+              <a:rPr lang="en-US" dirty="0" err="1"/>
+              <a:t>marcadas</a:t>
+            </a:r>
+            <a:r>
+              <a:rPr lang="en-US" dirty="0"/>
+              <a:t> um total de 4845 </a:t>
+            </a:r>
+            <a:r>
+              <a:rPr lang="en-US" dirty="0" err="1"/>
+              <a:t>respostas</a:t>
+            </a:r>
+            <a:r>
+              <a:rPr lang="en-US" dirty="0"/>
+              <a:t> para Python.</a:t>
+            </a:r>
+          </a:p>
+        </p:txBody>
+      </p:sp>
+    </p:spTree>
+    <p:extLst>
+      <p:ext uri="{BB962C8B-B14F-4D97-AF65-F5344CB8AC3E}">
+        <p14:creationId xmlns:p14="http://schemas.microsoft.com/office/powerpoint/2010/main" val="741761872"/>
+      </p:ext>
+    </p:extLst>
+  </p:cSld>
+  <p:clrMapOvr>
+    <a:masterClrMapping/>
+  </p:clrMapOvr>
+</p:sld>
+</file>
+
+<file path=ppt/slides/slide3.xml><?xml version="1.0" encoding="utf-8"?>
+<p:sld xmlns:a="http://schemas.openxmlformats.org/drawingml/2006/main" xmlns:r="http://schemas.openxmlformats.org/officeDocument/2006/relationships" xmlns:p="http://schemas.openxmlformats.org/presentationml/2006/main">
+  <p:cSld>
+    <p:spTree>
+      <p:nvGrpSpPr>
+        <p:cNvPr id="1" name=""/>
+        <p:cNvGrpSpPr/>
+        <p:nvPr/>
+      </p:nvGrpSpPr>
+      <p:grpSpPr>
+        <a:xfrm>
+          <a:off x="0" y="0"/>
+          <a:ext cx="0" cy="0"/>
+          <a:chOff x="0" y="0"/>
+          <a:chExt cx="0" cy="0"/>
+        </a:xfrm>
+      </p:grpSpPr>
+      <p:sp>
+        <p:nvSpPr>
+          <p:cNvPr id="2" name="Title 1">
+            <a:extLst>
+              <a:ext uri="{FF2B5EF4-FFF2-40B4-BE49-F238E27FC236}">
+                <a16:creationId xmlns:a16="http://schemas.microsoft.com/office/drawing/2014/main" id="{7F476AF3-1C28-4242-8F1E-32BA1545406A}"/>
+              </a:ext>
+            </a:extLst>
+          </p:cNvPr>
+          <p:cNvSpPr>
+            <a:spLocks noGrp="1"/>
+          </p:cNvSpPr>
+          <p:nvPr>
+            <p:ph type="title"/>
+          </p:nvPr>
+        </p:nvSpPr>
+        <p:spPr/>
+        <p:txBody>
+          <a:bodyPr/>
+          <a:lstStyle/>
+          <a:p>
+            <a:r>
+              <a:rPr lang="en-US" dirty="0" err="1"/>
+              <a:t>Objetivo</a:t>
+            </a:r>
+            <a:endParaRPr lang="en-US" dirty="0"/>
+          </a:p>
+        </p:txBody>
+      </p:sp>
+      <p:sp>
+        <p:nvSpPr>
+          <p:cNvPr id="3" name="Content Placeholder 2">
+            <a:extLst>
+              <a:ext uri="{FF2B5EF4-FFF2-40B4-BE49-F238E27FC236}">
+                <a16:creationId xmlns:a16="http://schemas.microsoft.com/office/drawing/2014/main" id="{DD2F1F20-34C5-E843-955B-C9219F84180B}"/>
+              </a:ext>
+            </a:extLst>
+          </p:cNvPr>
+          <p:cNvSpPr>
+            <a:spLocks noGrp="1"/>
+          </p:cNvSpPr>
+          <p:nvPr>
+            <p:ph idx="1"/>
+          </p:nvPr>
+        </p:nvSpPr>
+        <p:spPr/>
+        <p:txBody>
+          <a:bodyPr/>
+          <a:lstStyle/>
+          <a:p>
+            <a:r>
+              <a:rPr lang="en-US" dirty="0"/>
+              <a:t>A </a:t>
+            </a:r>
+            <a:r>
+              <a:rPr lang="en-US" dirty="0" err="1"/>
+              <a:t>partir</a:t>
+            </a:r>
+            <a:r>
+              <a:rPr lang="en-US" dirty="0"/>
+              <a:t> do dataset </a:t>
+            </a:r>
+            <a:r>
+              <a:rPr lang="en-US" dirty="0" err="1"/>
+              <a:t>disponibilizado</a:t>
+            </a:r>
+            <a:r>
+              <a:rPr lang="en-US" dirty="0"/>
+              <a:t> </a:t>
+            </a:r>
+            <a:r>
+              <a:rPr lang="en-US" dirty="0" err="1"/>
+              <a:t>pelo</a:t>
+            </a:r>
+            <a:r>
+              <a:rPr lang="en-US" dirty="0"/>
+              <a:t> </a:t>
+            </a:r>
+            <a:r>
+              <a:rPr lang="en-US" dirty="0" err="1"/>
+              <a:t>Ziyu</a:t>
+            </a:r>
+            <a:r>
+              <a:rPr lang="en-US" dirty="0"/>
+              <a:t> Yao et al. (</a:t>
+            </a:r>
+            <a:r>
+              <a:rPr lang="en-US" dirty="0" err="1"/>
+              <a:t>StaQC</a:t>
+            </a:r>
+            <a:r>
+              <a:rPr lang="en-US" dirty="0"/>
+              <a:t>: A Systematically Mined Question-Code Dataset from Stack Overflow), </a:t>
+            </a:r>
+            <a:r>
+              <a:rPr lang="en-US" dirty="0" err="1"/>
+              <a:t>aplicar</a:t>
+            </a:r>
+            <a:r>
+              <a:rPr lang="en-US" dirty="0"/>
+              <a:t> </a:t>
+            </a:r>
+            <a:r>
+              <a:rPr lang="en-US" dirty="0" err="1"/>
+              <a:t>outras</a:t>
+            </a:r>
+            <a:r>
+              <a:rPr lang="en-US" dirty="0"/>
+              <a:t> </a:t>
+            </a:r>
+            <a:r>
+              <a:rPr lang="en-US" dirty="0" err="1"/>
+              <a:t>técnicas</a:t>
+            </a:r>
+            <a:r>
+              <a:rPr lang="en-US" dirty="0"/>
+              <a:t> de deep learning que </a:t>
+            </a:r>
+            <a:r>
+              <a:rPr lang="en-US" dirty="0" err="1"/>
+              <a:t>não</a:t>
+            </a:r>
+            <a:r>
+              <a:rPr lang="en-US" dirty="0"/>
+              <a:t> </a:t>
+            </a:r>
+            <a:r>
+              <a:rPr lang="en-US" dirty="0" err="1"/>
+              <a:t>foram</a:t>
+            </a:r>
+            <a:r>
+              <a:rPr lang="en-US" dirty="0"/>
+              <a:t> </a:t>
+            </a:r>
+            <a:r>
+              <a:rPr lang="en-US" dirty="0" err="1"/>
+              <a:t>utilizadas</a:t>
+            </a:r>
+            <a:r>
+              <a:rPr lang="en-US" dirty="0"/>
+              <a:t> </a:t>
+            </a:r>
+            <a:r>
+              <a:rPr lang="en-US" dirty="0" err="1"/>
+              <a:t>pelo</a:t>
+            </a:r>
+            <a:r>
+              <a:rPr lang="en-US" dirty="0"/>
+              <a:t> </a:t>
+            </a:r>
+            <a:r>
+              <a:rPr lang="en-US" dirty="0" err="1"/>
+              <a:t>autor</a:t>
+            </a:r>
+            <a:r>
+              <a:rPr lang="en-US" dirty="0"/>
+              <a:t>.</a:t>
+            </a:r>
+          </a:p>
+          <a:p>
+            <a:r>
+              <a:rPr lang="en-US" dirty="0" err="1"/>
+              <a:t>Mais</a:t>
+            </a:r>
+            <a:r>
+              <a:rPr lang="en-US" dirty="0"/>
+              <a:t> </a:t>
+            </a:r>
+            <a:r>
+              <a:rPr lang="en-US" dirty="0" err="1"/>
+              <a:t>especificamente</a:t>
+            </a:r>
+            <a:r>
+              <a:rPr lang="en-US" dirty="0"/>
+              <a:t> </a:t>
+            </a:r>
+            <a:r>
+              <a:rPr lang="en-US" dirty="0" err="1"/>
+              <a:t>aplicar</a:t>
+            </a:r>
+            <a:r>
+              <a:rPr lang="en-US" dirty="0"/>
+              <a:t> </a:t>
+            </a:r>
+            <a:r>
+              <a:rPr lang="en-US" dirty="0" err="1"/>
+              <a:t>técnicas</a:t>
+            </a:r>
+            <a:r>
+              <a:rPr lang="en-US" dirty="0"/>
+              <a:t> </a:t>
+            </a:r>
+            <a:r>
+              <a:rPr lang="en-US" dirty="0" err="1"/>
+              <a:t>já</a:t>
+            </a:r>
+            <a:r>
+              <a:rPr lang="en-US" dirty="0"/>
+              <a:t> </a:t>
+            </a:r>
+            <a:r>
+              <a:rPr lang="en-US" dirty="0" err="1"/>
+              <a:t>consagradas</a:t>
+            </a:r>
+            <a:r>
+              <a:rPr lang="en-US" dirty="0"/>
+              <a:t> </a:t>
+            </a:r>
+            <a:r>
+              <a:rPr lang="en-US" dirty="0" err="1"/>
+              <a:t>em</a:t>
+            </a:r>
+            <a:r>
+              <a:rPr lang="en-US" dirty="0"/>
+              <a:t> outros papers </a:t>
+            </a:r>
+            <a:r>
+              <a:rPr lang="en-US" dirty="0" err="1"/>
+              <a:t>como</a:t>
+            </a:r>
+            <a:r>
+              <a:rPr lang="en-US" dirty="0"/>
+              <a:t> (</a:t>
+            </a:r>
+            <a:r>
+              <a:rPr lang="en-US" dirty="0">
+                <a:hlinkClick r:id="rId2"/>
+              </a:rPr>
+              <a:t>https://github.com/codekansas/keras-language-modeling</a:t>
+            </a:r>
+            <a:r>
+              <a:rPr lang="en-US" dirty="0"/>
+              <a:t>), </a:t>
+            </a:r>
+            <a:r>
+              <a:rPr lang="en-US" u="sng" dirty="0">
+                <a:hlinkClick r:id="rId3"/>
+              </a:rPr>
+              <a:t>Minwei Feng</a:t>
+            </a:r>
+            <a:r>
+              <a:rPr lang="en-US" u="sng" dirty="0"/>
+              <a:t> et all. </a:t>
+            </a:r>
+            <a:r>
+              <a:rPr lang="en-US" dirty="0"/>
+              <a:t>“Applying Deep Learning to Answer Selection: A Study and An Open Task”</a:t>
+            </a:r>
+          </a:p>
+          <a:p>
+            <a:pPr marL="0" indent="0">
+              <a:buNone/>
+            </a:pPr>
+            <a:endParaRPr lang="en-US" dirty="0"/>
+          </a:p>
+        </p:txBody>
+      </p:sp>
+    </p:spTree>
+    <p:extLst>
+      <p:ext uri="{BB962C8B-B14F-4D97-AF65-F5344CB8AC3E}">
+        <p14:creationId xmlns:p14="http://schemas.microsoft.com/office/powerpoint/2010/main" val="785211298"/>
+      </p:ext>
+    </p:extLst>
+  </p:cSld>
+  <p:clrMapOvr>
+    <a:masterClrMapping/>
+  </p:clrMapOvr>
+</p:sld>
+</file>
+
+<file path=ppt/slides/slide4.xml><?xml version="1.0" encoding="utf-8"?>
+<p:sld xmlns:a="http://schemas.openxmlformats.org/drawingml/2006/main" xmlns:r="http://schemas.openxmlformats.org/officeDocument/2006/relationships" xmlns:p="http://schemas.openxmlformats.org/presentationml/2006/main">
+  <p:cSld>
+    <p:spTree>
+      <p:nvGrpSpPr>
+        <p:cNvPr id="1" name=""/>
+        <p:cNvGrpSpPr/>
+        <p:nvPr/>
+      </p:nvGrpSpPr>
+      <p:grpSpPr>
+        <a:xfrm>
+          <a:off x="0" y="0"/>
+          <a:ext cx="0" cy="0"/>
+          <a:chOff x="0" y="0"/>
+          <a:chExt cx="0" cy="0"/>
+        </a:xfrm>
+      </p:grpSpPr>
+      <p:sp>
+        <p:nvSpPr>
+          <p:cNvPr id="2" name="Title 1">
+            <a:extLst>
+              <a:ext uri="{FF2B5EF4-FFF2-40B4-BE49-F238E27FC236}">
+                <a16:creationId xmlns:a16="http://schemas.microsoft.com/office/drawing/2014/main" id="{DBB06018-B67F-264F-87DE-9B3CC0DFD841}"/>
+              </a:ext>
+            </a:extLst>
+          </p:cNvPr>
+          <p:cNvSpPr>
+            <a:spLocks noGrp="1"/>
+          </p:cNvSpPr>
+          <p:nvPr>
+            <p:ph type="title"/>
+          </p:nvPr>
+        </p:nvSpPr>
+        <p:spPr/>
+        <p:txBody>
+          <a:bodyPr/>
+          <a:lstStyle/>
+          <a:p>
+            <a:r>
+              <a:rPr lang="en-US" dirty="0" err="1"/>
+              <a:t>Desafios</a:t>
+            </a:r>
+            <a:r>
+              <a:rPr lang="en-US" dirty="0"/>
+              <a:t> </a:t>
+            </a:r>
+            <a:r>
+              <a:rPr lang="en-US" dirty="0" err="1"/>
+              <a:t>iniciais</a:t>
+            </a:r>
+            <a:endParaRPr lang="en-US" dirty="0"/>
+          </a:p>
+        </p:txBody>
+      </p:sp>
+      <p:graphicFrame>
+        <p:nvGraphicFramePr>
+          <p:cNvPr id="5" name="Content Placeholder 4">
+            <a:extLst>
+              <a:ext uri="{FF2B5EF4-FFF2-40B4-BE49-F238E27FC236}">
+                <a16:creationId xmlns:a16="http://schemas.microsoft.com/office/drawing/2014/main" id="{66C39637-C2DA-0840-8597-23C5AEFF9192}"/>
+              </a:ext>
+            </a:extLst>
+          </p:cNvPr>
+          <p:cNvGraphicFramePr>
+            <a:graphicFrameLocks noGrp="1"/>
+          </p:cNvGraphicFramePr>
+          <p:nvPr>
+            <p:ph idx="1"/>
+            <p:extLst>
+              <p:ext uri="{D42A27DB-BD31-4B8C-83A1-F6EECF244321}">
+                <p14:modId xmlns:p14="http://schemas.microsoft.com/office/powerpoint/2010/main" val="2884136761"/>
+              </p:ext>
+            </p:extLst>
+          </p:nvPr>
+        </p:nvGraphicFramePr>
+        <p:xfrm>
+          <a:off x="838200" y="1690688"/>
+          <a:ext cx="10515600" cy="5034280"/>
+        </p:xfrm>
+        <a:graphic>
+          <a:graphicData uri="http://schemas.openxmlformats.org/drawingml/2006/table">
+            <a:tbl>
+              <a:tblPr firstRow="1" bandRow="1">
+                <a:tableStyleId>{5C22544A-7EE6-4342-B048-85BDC9FD1C3A}</a:tableStyleId>
+              </a:tblPr>
+              <a:tblGrid>
+                <a:gridCol w="3505200">
+                  <a:extLst>
+                    <a:ext uri="{9D8B030D-6E8A-4147-A177-3AD203B41FA5}">
+                      <a16:colId xmlns:a16="http://schemas.microsoft.com/office/drawing/2014/main" val="2043741477"/>
+                    </a:ext>
+                  </a:extLst>
+                </a:gridCol>
+                <a:gridCol w="3505200">
+                  <a:extLst>
+                    <a:ext uri="{9D8B030D-6E8A-4147-A177-3AD203B41FA5}">
+                      <a16:colId xmlns:a16="http://schemas.microsoft.com/office/drawing/2014/main" val="3686938235"/>
+                    </a:ext>
+                  </a:extLst>
+                </a:gridCol>
+                <a:gridCol w="3505200">
+                  <a:extLst>
+                    <a:ext uri="{9D8B030D-6E8A-4147-A177-3AD203B41FA5}">
+                      <a16:colId xmlns:a16="http://schemas.microsoft.com/office/drawing/2014/main" val="1651112967"/>
+                    </a:ext>
+                  </a:extLst>
+                </a:gridCol>
+              </a:tblGrid>
+              <a:tr h="370840">
+                <a:tc>
+                  <a:txBody>
+                    <a:bodyPr/>
+                    <a:lstStyle/>
+                    <a:p>
+                      <a:r>
+                        <a:rPr lang="en-US" dirty="0" err="1"/>
+                        <a:t>Desafio</a:t>
+                      </a:r>
+                      <a:endParaRPr lang="en-US" dirty="0"/>
+                    </a:p>
+                  </a:txBody>
+                  <a:tcPr/>
+                </a:tc>
+                <a:tc>
+                  <a:txBody>
+                    <a:bodyPr/>
+                    <a:lstStyle/>
+                    <a:p>
+                      <a:r>
+                        <a:rPr lang="en-US" dirty="0"/>
+                        <a:t>Status</a:t>
+                      </a:r>
+                    </a:p>
+                  </a:txBody>
+                  <a:tcPr/>
+                </a:tc>
+                <a:tc>
+                  <a:txBody>
+                    <a:bodyPr/>
+                    <a:lstStyle/>
+                    <a:p>
+                      <a:r>
+                        <a:rPr lang="en-US" dirty="0" err="1"/>
+                        <a:t>Eventuais</a:t>
+                      </a:r>
+                      <a:r>
+                        <a:rPr lang="en-US" dirty="0"/>
+                        <a:t> </a:t>
+                      </a:r>
+                      <a:r>
+                        <a:rPr lang="en-US" dirty="0" err="1"/>
+                        <a:t>problemas</a:t>
+                      </a:r>
+                      <a:endParaRPr lang="en-US" dirty="0"/>
+                    </a:p>
+                  </a:txBody>
+                  <a:tcPr/>
+                </a:tc>
+                <a:extLst>
+                  <a:ext uri="{0D108BD9-81ED-4DB2-BD59-A6C34878D82A}">
+                    <a16:rowId xmlns:a16="http://schemas.microsoft.com/office/drawing/2014/main" val="3229650338"/>
+                  </a:ext>
+                </a:extLst>
+              </a:tr>
+              <a:tr h="370840">
+                <a:tc>
+                  <a:txBody>
+                    <a:bodyPr/>
+                    <a:lstStyle/>
+                    <a:p>
+                      <a:r>
+                        <a:rPr lang="en-US" dirty="0" err="1"/>
+                        <a:t>Rodar</a:t>
+                      </a:r>
+                      <a:r>
+                        <a:rPr lang="en-US" dirty="0"/>
+                        <a:t> o dataset </a:t>
+                      </a:r>
+                      <a:r>
+                        <a:rPr lang="en-US" dirty="0" err="1"/>
+                        <a:t>em</a:t>
+                      </a:r>
+                      <a:r>
+                        <a:rPr lang="en-US" dirty="0"/>
+                        <a:t> </a:t>
+                      </a:r>
+                      <a:r>
+                        <a:rPr lang="en-US" dirty="0" err="1"/>
+                        <a:t>outra</a:t>
+                      </a:r>
+                      <a:r>
+                        <a:rPr lang="en-US" dirty="0"/>
+                        <a:t> </a:t>
+                      </a:r>
+                      <a:r>
+                        <a:rPr lang="en-US" dirty="0" err="1"/>
+                        <a:t>técnica</a:t>
+                      </a:r>
+                      <a:r>
+                        <a:rPr lang="en-US" dirty="0"/>
+                        <a:t> deep learning. Por </a:t>
+                      </a:r>
+                      <a:r>
+                        <a:rPr lang="en-US" dirty="0" err="1"/>
+                        <a:t>exemplo</a:t>
+                      </a:r>
+                      <a:r>
+                        <a:rPr lang="en-US" dirty="0"/>
+                        <a:t>: LSTM+CNN</a:t>
+                      </a:r>
+                    </a:p>
+                  </a:txBody>
+                  <a:tcPr/>
+                </a:tc>
+                <a:tc>
+                  <a:txBody>
+                    <a:bodyPr/>
+                    <a:lstStyle/>
+                    <a:p>
+                      <a:r>
+                        <a:rPr lang="en-US" dirty="0"/>
+                        <a:t>OK</a:t>
+                      </a:r>
+                    </a:p>
+                  </a:txBody>
+                  <a:tcPr/>
+                </a:tc>
+                <a:tc>
+                  <a:txBody>
+                    <a:bodyPr/>
+                    <a:lstStyle/>
+                    <a:p>
+                      <a:r>
+                        <a:rPr lang="en-US" dirty="0"/>
+                        <a:t>Eu </a:t>
+                      </a:r>
+                      <a:r>
+                        <a:rPr lang="en-US" dirty="0" err="1"/>
+                        <a:t>tive</a:t>
+                      </a:r>
+                      <a:r>
+                        <a:rPr lang="en-US" dirty="0"/>
+                        <a:t> que </a:t>
+                      </a:r>
+                      <a:r>
+                        <a:rPr lang="en-US" dirty="0" err="1"/>
+                        <a:t>portar</a:t>
+                      </a:r>
+                      <a:r>
+                        <a:rPr lang="en-US" dirty="0"/>
+                        <a:t> o dataset </a:t>
+                      </a:r>
+                      <a:r>
+                        <a:rPr lang="en-US" dirty="0" err="1"/>
+                        <a:t>pra</a:t>
+                      </a:r>
+                      <a:r>
+                        <a:rPr lang="en-US" dirty="0"/>
+                        <a:t> um outro </a:t>
+                      </a:r>
+                      <a:r>
+                        <a:rPr lang="en-US" dirty="0" err="1"/>
+                        <a:t>código</a:t>
+                      </a:r>
+                      <a:r>
+                        <a:rPr lang="en-US" dirty="0"/>
+                        <a:t> que </a:t>
+                      </a:r>
+                      <a:r>
+                        <a:rPr lang="en-US" dirty="0" err="1"/>
+                        <a:t>contém</a:t>
+                      </a:r>
+                      <a:r>
+                        <a:rPr lang="en-US" dirty="0"/>
+                        <a:t> um </a:t>
+                      </a:r>
+                      <a:r>
+                        <a:rPr lang="en-US" dirty="0" err="1"/>
+                        <a:t>modelo</a:t>
+                      </a:r>
+                      <a:r>
+                        <a:rPr lang="en-US" dirty="0"/>
+                        <a:t> de </a:t>
+                      </a:r>
+                      <a:r>
+                        <a:rPr lang="en-US" dirty="0" err="1"/>
+                        <a:t>rede</a:t>
+                      </a:r>
+                      <a:r>
+                        <a:rPr lang="en-US" dirty="0"/>
+                        <a:t> neural que </a:t>
+                      </a:r>
+                      <a:r>
+                        <a:rPr lang="en-US" dirty="0" err="1"/>
+                        <a:t>é</a:t>
+                      </a:r>
+                      <a:r>
+                        <a:rPr lang="en-US" dirty="0"/>
+                        <a:t> LSTM + CNN.  </a:t>
+                      </a:r>
+                      <a:r>
+                        <a:rPr lang="en-US" dirty="0" err="1"/>
+                        <a:t>Ao</a:t>
+                      </a:r>
+                      <a:r>
+                        <a:rPr lang="en-US" dirty="0"/>
+                        <a:t> </a:t>
+                      </a:r>
+                      <a:r>
+                        <a:rPr lang="en-US" dirty="0" err="1"/>
+                        <a:t>portar</a:t>
+                      </a:r>
+                      <a:r>
+                        <a:rPr lang="en-US" dirty="0"/>
+                        <a:t> o dataset </a:t>
+                      </a:r>
+                      <a:r>
+                        <a:rPr lang="en-US" dirty="0" err="1"/>
+                        <a:t>foi</a:t>
+                      </a:r>
+                      <a:r>
+                        <a:rPr lang="en-US" dirty="0"/>
+                        <a:t> </a:t>
+                      </a:r>
+                      <a:r>
+                        <a:rPr lang="en-US" dirty="0" err="1"/>
+                        <a:t>diminuído</a:t>
+                      </a:r>
+                      <a:r>
+                        <a:rPr lang="en-US" dirty="0"/>
+                        <a:t>. Neste </a:t>
+                      </a:r>
+                      <a:r>
+                        <a:rPr lang="en-US" dirty="0" err="1"/>
+                        <a:t>caso</a:t>
+                      </a:r>
+                      <a:r>
+                        <a:rPr lang="en-US" dirty="0"/>
+                        <a:t>, </a:t>
+                      </a:r>
+                      <a:r>
+                        <a:rPr lang="en-US" dirty="0" err="1"/>
+                        <a:t>não</a:t>
+                      </a:r>
+                      <a:r>
+                        <a:rPr lang="en-US" dirty="0"/>
+                        <a:t> </a:t>
+                      </a:r>
+                      <a:r>
+                        <a:rPr lang="en-US" dirty="0" err="1"/>
+                        <a:t>sei</a:t>
+                      </a:r>
+                      <a:r>
+                        <a:rPr lang="en-US" dirty="0"/>
+                        <a:t> se </a:t>
+                      </a:r>
+                      <a:r>
+                        <a:rPr lang="en-US" dirty="0" err="1"/>
+                        <a:t>ele</a:t>
+                      </a:r>
+                      <a:r>
+                        <a:rPr lang="en-US" dirty="0"/>
+                        <a:t> continua </a:t>
+                      </a:r>
+                      <a:r>
+                        <a:rPr lang="en-US" dirty="0" err="1"/>
+                        <a:t>válido</a:t>
+                      </a:r>
+                      <a:r>
+                        <a:rPr lang="en-US" dirty="0"/>
+                        <a:t> (</a:t>
+                      </a:r>
+                      <a:r>
+                        <a:rPr lang="en-US" dirty="0" err="1"/>
+                        <a:t>preciso</a:t>
+                      </a:r>
+                      <a:r>
+                        <a:rPr lang="en-US" dirty="0"/>
+                        <a:t> responder a </a:t>
+                      </a:r>
+                      <a:r>
+                        <a:rPr lang="en-US" dirty="0" err="1"/>
+                        <a:t>essa</a:t>
+                      </a:r>
+                      <a:r>
+                        <a:rPr lang="en-US" dirty="0"/>
+                        <a:t> </a:t>
+                      </a:r>
+                      <a:r>
+                        <a:rPr lang="en-US" dirty="0" err="1"/>
+                        <a:t>pergunta</a:t>
+                      </a:r>
+                      <a:r>
+                        <a:rPr lang="en-US" dirty="0"/>
+                        <a:t>)</a:t>
+                      </a:r>
+                    </a:p>
+                  </a:txBody>
+                  <a:tcPr/>
+                </a:tc>
+                <a:extLst>
+                  <a:ext uri="{0D108BD9-81ED-4DB2-BD59-A6C34878D82A}">
+                    <a16:rowId xmlns:a16="http://schemas.microsoft.com/office/drawing/2014/main" val="2289548876"/>
+                  </a:ext>
+                </a:extLst>
+              </a:tr>
+              <a:tr h="370840">
+                <a:tc>
+                  <a:txBody>
+                    <a:bodyPr/>
+                    <a:lstStyle/>
+                    <a:p>
+                      <a:r>
+                        <a:rPr lang="en-US" dirty="0" err="1"/>
+                        <a:t>Quais</a:t>
+                      </a:r>
+                      <a:r>
+                        <a:rPr lang="en-US" dirty="0"/>
+                        <a:t> </a:t>
+                      </a:r>
+                      <a:r>
+                        <a:rPr lang="en-US" dirty="0" err="1"/>
+                        <a:t>técnicas</a:t>
+                      </a:r>
+                      <a:r>
+                        <a:rPr lang="en-US" dirty="0"/>
+                        <a:t> </a:t>
+                      </a:r>
+                      <a:r>
+                        <a:rPr lang="en-US" dirty="0" err="1"/>
+                        <a:t>relevantes</a:t>
+                      </a:r>
+                      <a:r>
+                        <a:rPr lang="en-US" dirty="0"/>
+                        <a:t> de deep learning para o </a:t>
+                      </a:r>
+                      <a:r>
+                        <a:rPr lang="en-US" dirty="0" err="1"/>
+                        <a:t>problema</a:t>
+                      </a:r>
+                      <a:r>
+                        <a:rPr lang="en-US" dirty="0"/>
+                        <a:t> “Question answer selection” </a:t>
+                      </a:r>
+                      <a:r>
+                        <a:rPr lang="en-US" dirty="0" err="1"/>
+                        <a:t>existe</a:t>
+                      </a:r>
+                      <a:r>
+                        <a:rPr lang="en-US" dirty="0"/>
+                        <a:t> </a:t>
+                      </a:r>
+                      <a:r>
+                        <a:rPr lang="en-US" dirty="0" err="1"/>
+                        <a:t>atualmente</a:t>
+                      </a:r>
+                      <a:r>
+                        <a:rPr lang="en-US" dirty="0"/>
+                        <a:t> </a:t>
+                      </a:r>
+                      <a:r>
+                        <a:rPr lang="en-US" dirty="0" err="1"/>
+                        <a:t>na</a:t>
+                      </a:r>
+                      <a:r>
+                        <a:rPr lang="en-US" dirty="0"/>
+                        <a:t> literature?</a:t>
+                      </a:r>
+                    </a:p>
+                  </a:txBody>
+                  <a:tcPr/>
+                </a:tc>
+                <a:tc>
+                  <a:txBody>
+                    <a:bodyPr/>
+                    <a:lstStyle/>
+                    <a:p>
+                      <a:r>
+                        <a:rPr lang="en-US" dirty="0" err="1"/>
+                        <a:t>Não</a:t>
+                      </a:r>
+                      <a:r>
+                        <a:rPr lang="en-US" dirty="0"/>
+                        <a:t> </a:t>
+                      </a:r>
+                      <a:r>
+                        <a:rPr lang="en-US" dirty="0" err="1"/>
+                        <a:t>respondi</a:t>
+                      </a:r>
+                      <a:r>
+                        <a:rPr lang="en-US" dirty="0"/>
+                        <a:t> a </a:t>
+                      </a:r>
+                      <a:r>
+                        <a:rPr lang="en-US" dirty="0" err="1"/>
+                        <a:t>esta</a:t>
+                      </a:r>
+                      <a:r>
+                        <a:rPr lang="en-US" dirty="0"/>
+                        <a:t> </a:t>
+                      </a:r>
+                      <a:r>
+                        <a:rPr lang="en-US" dirty="0" err="1"/>
+                        <a:t>pergunta</a:t>
+                      </a:r>
+                      <a:r>
+                        <a:rPr lang="en-US" dirty="0"/>
+                        <a:t>.</a:t>
+                      </a:r>
+                    </a:p>
+                  </a:txBody>
+                  <a:tcPr/>
+                </a:tc>
+                <a:tc>
+                  <a:txBody>
+                    <a:bodyPr/>
+                    <a:lstStyle/>
+                    <a:p>
+                      <a:r>
+                        <a:rPr lang="en-US" dirty="0" err="1"/>
+                        <a:t>Além</a:t>
+                      </a:r>
+                      <a:r>
+                        <a:rPr lang="en-US" dirty="0"/>
+                        <a:t> da </a:t>
+                      </a:r>
+                      <a:r>
+                        <a:rPr lang="en-US" dirty="0" err="1"/>
+                        <a:t>técnica</a:t>
+                      </a:r>
+                      <a:r>
+                        <a:rPr lang="en-US" dirty="0"/>
+                        <a:t> LSTM do </a:t>
+                      </a:r>
+                      <a:r>
+                        <a:rPr lang="en-US" dirty="0" err="1"/>
+                        <a:t>autor</a:t>
+                      </a:r>
+                      <a:r>
+                        <a:rPr lang="en-US" dirty="0"/>
+                        <a:t> do dataset do </a:t>
+                      </a:r>
+                      <a:r>
+                        <a:rPr lang="en-US" dirty="0" err="1"/>
+                        <a:t>stackoverflow</a:t>
+                      </a:r>
+                      <a:r>
+                        <a:rPr lang="en-US" dirty="0"/>
+                        <a:t> (Yao et all), </a:t>
+                      </a:r>
+                      <a:r>
+                        <a:rPr lang="en-US" dirty="0" err="1"/>
+                        <a:t>eu</a:t>
+                      </a:r>
+                      <a:r>
+                        <a:rPr lang="en-US" dirty="0"/>
+                        <a:t> </a:t>
+                      </a:r>
+                      <a:r>
+                        <a:rPr lang="en-US" dirty="0" err="1"/>
+                        <a:t>utilizei</a:t>
+                      </a:r>
+                      <a:r>
+                        <a:rPr lang="en-US" dirty="0"/>
+                        <a:t> a </a:t>
+                      </a:r>
+                      <a:r>
+                        <a:rPr lang="en-US" dirty="0" err="1"/>
+                        <a:t>técnica</a:t>
+                      </a:r>
+                      <a:r>
+                        <a:rPr lang="en-US" dirty="0"/>
+                        <a:t> do </a:t>
+                      </a:r>
+                      <a:r>
+                        <a:rPr lang="en-US" u="sng" dirty="0">
+                          <a:hlinkClick r:id="rId2"/>
+                        </a:rPr>
+                        <a:t>Minwei Feng</a:t>
+                      </a:r>
+                      <a:r>
+                        <a:rPr lang="en-US" u="sng" dirty="0"/>
+                        <a:t> et all</a:t>
+                      </a:r>
+                      <a:r>
+                        <a:rPr lang="en-US" dirty="0"/>
+                        <a:t> . E </a:t>
+                      </a:r>
+                      <a:r>
+                        <a:rPr lang="en-US" dirty="0" err="1"/>
+                        <a:t>esta</a:t>
+                      </a:r>
+                      <a:r>
+                        <a:rPr lang="en-US" dirty="0"/>
+                        <a:t> </a:t>
+                      </a:r>
+                      <a:r>
+                        <a:rPr lang="en-US" dirty="0" err="1"/>
+                        <a:t>última</a:t>
+                      </a:r>
+                      <a:r>
+                        <a:rPr lang="en-US" dirty="0"/>
+                        <a:t> </a:t>
+                      </a:r>
+                      <a:r>
+                        <a:rPr lang="en-US" dirty="0" err="1"/>
+                        <a:t>precisa</a:t>
+                      </a:r>
+                      <a:r>
+                        <a:rPr lang="en-US" dirty="0"/>
+                        <a:t> </a:t>
+                      </a:r>
+                      <a:r>
+                        <a:rPr lang="en-US" dirty="0" err="1"/>
+                        <a:t>melhorar</a:t>
+                      </a:r>
+                      <a:r>
+                        <a:rPr lang="en-US" dirty="0"/>
+                        <a:t>.  </a:t>
+                      </a:r>
+                    </a:p>
+                  </a:txBody>
+                  <a:tcPr/>
+                </a:tc>
+                <a:extLst>
+                  <a:ext uri="{0D108BD9-81ED-4DB2-BD59-A6C34878D82A}">
+                    <a16:rowId xmlns:a16="http://schemas.microsoft.com/office/drawing/2014/main" val="2595467956"/>
+                  </a:ext>
+                </a:extLst>
+              </a:tr>
+              <a:tr h="370840">
+                <a:tc>
+                  <a:txBody>
+                    <a:bodyPr/>
+                    <a:lstStyle/>
+                    <a:p>
+                      <a:r>
+                        <a:rPr lang="en-US" dirty="0" err="1"/>
+                        <a:t>Tratar</a:t>
+                      </a:r>
+                      <a:r>
+                        <a:rPr lang="en-US" dirty="0"/>
+                        <a:t> o </a:t>
+                      </a:r>
+                      <a:r>
+                        <a:rPr lang="en-US" dirty="0" err="1"/>
+                        <a:t>código</a:t>
+                      </a:r>
+                      <a:r>
+                        <a:rPr lang="en-US" dirty="0"/>
+                        <a:t> </a:t>
+                      </a:r>
+                      <a:r>
+                        <a:rPr lang="en-US" dirty="0" err="1"/>
+                        <a:t>fonte</a:t>
+                      </a:r>
+                      <a:r>
+                        <a:rPr lang="en-US" dirty="0"/>
+                        <a:t> </a:t>
+                      </a:r>
+                      <a:r>
+                        <a:rPr lang="en-US" dirty="0" err="1"/>
+                        <a:t>resposta</a:t>
+                      </a:r>
+                      <a:r>
+                        <a:rPr lang="en-US" dirty="0"/>
+                        <a:t>. </a:t>
+                      </a:r>
+                      <a:r>
+                        <a:rPr lang="en-US" dirty="0" err="1"/>
+                        <a:t>Substituir</a:t>
+                      </a:r>
+                      <a:r>
+                        <a:rPr lang="en-US" dirty="0"/>
+                        <a:t> o </a:t>
+                      </a:r>
+                      <a:r>
+                        <a:rPr lang="en-US" dirty="0" err="1"/>
+                        <a:t>nome</a:t>
+                      </a:r>
+                      <a:r>
+                        <a:rPr lang="en-US" dirty="0"/>
+                        <a:t> da </a:t>
+                      </a:r>
+                      <a:r>
+                        <a:rPr lang="en-US" dirty="0" err="1"/>
+                        <a:t>variável</a:t>
+                      </a:r>
+                      <a:r>
+                        <a:rPr lang="en-US" dirty="0"/>
+                        <a:t> </a:t>
+                      </a:r>
+                      <a:r>
+                        <a:rPr lang="en-US" dirty="0" err="1"/>
+                        <a:t>por</a:t>
+                      </a:r>
+                      <a:r>
+                        <a:rPr lang="en-US" dirty="0"/>
+                        <a:t> VAR, \n </a:t>
+                      </a:r>
+                      <a:r>
+                        <a:rPr lang="en-US" dirty="0" err="1"/>
+                        <a:t>por</a:t>
+                      </a:r>
+                      <a:r>
+                        <a:rPr lang="en-US" dirty="0"/>
+                        <a:t> NEWLINE etc.</a:t>
+                      </a:r>
+                    </a:p>
+                  </a:txBody>
+                  <a:tcPr/>
+                </a:tc>
+                <a:tc>
+                  <a:txBody>
+                    <a:bodyPr/>
+                    <a:lstStyle/>
+                    <a:p>
+                      <a:r>
+                        <a:rPr lang="en-US" dirty="0"/>
+                        <a:t>Ok</a:t>
+                      </a:r>
+                    </a:p>
+                  </a:txBody>
+                  <a:tcPr/>
+                </a:tc>
+                <a:tc>
+                  <a:txBody>
+                    <a:bodyPr/>
+                    <a:lstStyle/>
+                    <a:p>
+                      <a:r>
+                        <a:rPr lang="en-US" dirty="0" err="1"/>
+                        <a:t>Nem</a:t>
+                      </a:r>
+                      <a:r>
+                        <a:rPr lang="en-US" dirty="0"/>
+                        <a:t> </a:t>
+                      </a:r>
+                      <a:r>
+                        <a:rPr lang="en-US" dirty="0" err="1"/>
+                        <a:t>todas</a:t>
+                      </a:r>
+                      <a:r>
+                        <a:rPr lang="en-US" dirty="0"/>
+                        <a:t> as </a:t>
+                      </a:r>
+                      <a:r>
+                        <a:rPr lang="en-US" dirty="0" err="1"/>
+                        <a:t>respostas</a:t>
+                      </a:r>
+                      <a:r>
+                        <a:rPr lang="en-US" dirty="0"/>
+                        <a:t> </a:t>
+                      </a:r>
+                      <a:r>
+                        <a:rPr lang="en-US" dirty="0" err="1"/>
+                        <a:t>foram</a:t>
+                      </a:r>
+                      <a:r>
+                        <a:rPr lang="en-US" dirty="0"/>
+                        <a:t> </a:t>
+                      </a:r>
+                      <a:r>
+                        <a:rPr lang="en-US" dirty="0" err="1"/>
+                        <a:t>possíveis</a:t>
+                      </a:r>
+                      <a:r>
+                        <a:rPr lang="en-US" dirty="0"/>
+                        <a:t> </a:t>
+                      </a:r>
+                      <a:r>
+                        <a:rPr lang="en-US" dirty="0" err="1"/>
+                        <a:t>aplicar</a:t>
+                      </a:r>
+                      <a:r>
+                        <a:rPr lang="en-US" dirty="0"/>
+                        <a:t> </a:t>
+                      </a:r>
+                      <a:r>
+                        <a:rPr lang="en-US" dirty="0" err="1"/>
+                        <a:t>esta</a:t>
+                      </a:r>
+                      <a:r>
+                        <a:rPr lang="en-US" dirty="0"/>
+                        <a:t> </a:t>
+                      </a:r>
+                      <a:r>
+                        <a:rPr lang="en-US" dirty="0" err="1"/>
+                        <a:t>técnica</a:t>
+                      </a:r>
+                      <a:r>
+                        <a:rPr lang="en-US" dirty="0"/>
+                        <a:t>. </a:t>
+                      </a:r>
+                      <a:r>
+                        <a:rPr lang="en-US" dirty="0" err="1"/>
+                        <a:t>Algumas</a:t>
+                      </a:r>
+                      <a:r>
+                        <a:rPr lang="en-US" dirty="0"/>
+                        <a:t> </a:t>
+                      </a:r>
+                      <a:r>
+                        <a:rPr lang="en-US" dirty="0" err="1"/>
+                        <a:t>amostras</a:t>
+                      </a:r>
+                      <a:r>
+                        <a:rPr lang="en-US" dirty="0"/>
+                        <a:t> </a:t>
+                      </a:r>
+                      <a:r>
+                        <a:rPr lang="en-US" dirty="0" err="1"/>
+                        <a:t>não</a:t>
+                      </a:r>
+                      <a:r>
+                        <a:rPr lang="en-US" dirty="0"/>
+                        <a:t> </a:t>
+                      </a:r>
+                      <a:r>
+                        <a:rPr lang="en-US" dirty="0" err="1"/>
+                        <a:t>tiveram</a:t>
+                      </a:r>
+                      <a:r>
+                        <a:rPr lang="en-US" dirty="0"/>
+                        <a:t> o </a:t>
+                      </a:r>
+                      <a:r>
+                        <a:rPr lang="en-US" dirty="0" err="1"/>
+                        <a:t>seu</a:t>
+                      </a:r>
+                      <a:r>
+                        <a:rPr lang="en-US" dirty="0"/>
+                        <a:t> </a:t>
+                      </a:r>
+                      <a:r>
+                        <a:rPr lang="en-US" dirty="0" err="1"/>
+                        <a:t>código</a:t>
+                      </a:r>
+                      <a:r>
+                        <a:rPr lang="en-US" dirty="0"/>
+                        <a:t> </a:t>
+                      </a:r>
+                      <a:r>
+                        <a:rPr lang="en-US" dirty="0" err="1"/>
+                        <a:t>fonte</a:t>
+                      </a:r>
+                      <a:r>
+                        <a:rPr lang="en-US" dirty="0"/>
+                        <a:t> </a:t>
+                      </a:r>
+                      <a:r>
+                        <a:rPr lang="en-US" dirty="0" err="1"/>
+                        <a:t>tratado</a:t>
+                      </a:r>
+                      <a:r>
+                        <a:rPr lang="en-US" dirty="0"/>
+                        <a:t>.</a:t>
+                      </a:r>
+                    </a:p>
+                  </a:txBody>
+                  <a:tcPr/>
+                </a:tc>
+                <a:extLst>
+                  <a:ext uri="{0D108BD9-81ED-4DB2-BD59-A6C34878D82A}">
+                    <a16:rowId xmlns:a16="http://schemas.microsoft.com/office/drawing/2014/main" val="2897228801"/>
+                  </a:ext>
+                </a:extLst>
+              </a:tr>
+            </a:tbl>
+          </a:graphicData>
+        </a:graphic>
+      </p:graphicFrame>
+    </p:spTree>
+    <p:extLst>
+      <p:ext uri="{BB962C8B-B14F-4D97-AF65-F5344CB8AC3E}">
+        <p14:creationId xmlns:p14="http://schemas.microsoft.com/office/powerpoint/2010/main" val="2442961177"/>
+      </p:ext>
+    </p:extLst>
+  </p:cSld>
+  <p:clrMapOvr>
+    <a:masterClrMapping/>
+  </p:clrMapOvr>
+</p:sld>
+</file>
+
+<file path=ppt/slides/slide5.xml><?xml version="1.0" encoding="utf-8"?>
+<p:sld xmlns:a="http://schemas.openxmlformats.org/drawingml/2006/main" xmlns:r="http://schemas.openxmlformats.org/officeDocument/2006/relationships" xmlns:p="http://schemas.openxmlformats.org/presentationml/2006/main">
+  <p:cSld>
+    <p:spTree>
+      <p:nvGrpSpPr>
+        <p:cNvPr id="1" name=""/>
+        <p:cNvGrpSpPr/>
+        <p:nvPr/>
+      </p:nvGrpSpPr>
+      <p:grpSpPr>
+        <a:xfrm>
+          <a:off x="0" y="0"/>
+          <a:ext cx="0" cy="0"/>
+          <a:chOff x="0" y="0"/>
+          <a:chExt cx="0" cy="0"/>
+        </a:xfrm>
+      </p:grpSpPr>
+      <p:sp>
+        <p:nvSpPr>
+          <p:cNvPr id="2" name="Title 1">
+            <a:extLst>
+              <a:ext uri="{FF2B5EF4-FFF2-40B4-BE49-F238E27FC236}">
+                <a16:creationId xmlns:a16="http://schemas.microsoft.com/office/drawing/2014/main" id="{C24728DC-6752-F543-A8AF-B20CDAFC5114}"/>
+              </a:ext>
+            </a:extLst>
+          </p:cNvPr>
+          <p:cNvSpPr>
+            <a:spLocks noGrp="1"/>
+          </p:cNvSpPr>
+          <p:nvPr>
+            <p:ph type="title"/>
+          </p:nvPr>
+        </p:nvSpPr>
+        <p:spPr/>
+        <p:txBody>
+          <a:bodyPr/>
+          <a:lstStyle/>
+          <a:p>
+            <a:r>
+              <a:rPr lang="en-US" dirty="0" err="1"/>
+              <a:t>Desafios</a:t>
+            </a:r>
+            <a:r>
+              <a:rPr lang="en-US" dirty="0"/>
+              <a:t> </a:t>
+            </a:r>
+            <a:r>
+              <a:rPr lang="en-US" dirty="0" err="1"/>
+              <a:t>iniciais</a:t>
+            </a:r>
+            <a:endParaRPr lang="en-US" dirty="0"/>
+          </a:p>
+        </p:txBody>
+      </p:sp>
+      <p:graphicFrame>
+        <p:nvGraphicFramePr>
+          <p:cNvPr id="4" name="Content Placeholder 3">
+            <a:extLst>
+              <a:ext uri="{FF2B5EF4-FFF2-40B4-BE49-F238E27FC236}">
+                <a16:creationId xmlns:a16="http://schemas.microsoft.com/office/drawing/2014/main" id="{1667B934-9D6B-254F-9EC3-E11B05F1C16E}"/>
+              </a:ext>
+            </a:extLst>
+          </p:cNvPr>
+          <p:cNvGraphicFramePr>
+            <a:graphicFrameLocks noGrp="1"/>
+          </p:cNvGraphicFramePr>
+          <p:nvPr>
+            <p:ph idx="1"/>
+            <p:extLst>
+              <p:ext uri="{D42A27DB-BD31-4B8C-83A1-F6EECF244321}">
+                <p14:modId xmlns:p14="http://schemas.microsoft.com/office/powerpoint/2010/main" val="3652319302"/>
+              </p:ext>
+            </p:extLst>
+          </p:nvPr>
+        </p:nvGraphicFramePr>
+        <p:xfrm>
+          <a:off x="838200" y="1330949"/>
+          <a:ext cx="10515600" cy="5217160"/>
+        </p:xfrm>
+        <a:graphic>
+          <a:graphicData uri="http://schemas.openxmlformats.org/drawingml/2006/table">
+            <a:tbl>
+              <a:tblPr firstRow="1" bandRow="1">
+                <a:tableStyleId>{5C22544A-7EE6-4342-B048-85BDC9FD1C3A}</a:tableStyleId>
+              </a:tblPr>
+              <a:tblGrid>
+                <a:gridCol w="3505200">
+                  <a:extLst>
+                    <a:ext uri="{9D8B030D-6E8A-4147-A177-3AD203B41FA5}">
+                      <a16:colId xmlns:a16="http://schemas.microsoft.com/office/drawing/2014/main" val="3486879669"/>
+                    </a:ext>
+                  </a:extLst>
+                </a:gridCol>
+                <a:gridCol w="3505200">
+                  <a:extLst>
+                    <a:ext uri="{9D8B030D-6E8A-4147-A177-3AD203B41FA5}">
+                      <a16:colId xmlns:a16="http://schemas.microsoft.com/office/drawing/2014/main" val="2621349422"/>
+                    </a:ext>
+                  </a:extLst>
+                </a:gridCol>
+                <a:gridCol w="3505200">
+                  <a:extLst>
+                    <a:ext uri="{9D8B030D-6E8A-4147-A177-3AD203B41FA5}">
+                      <a16:colId xmlns:a16="http://schemas.microsoft.com/office/drawing/2014/main" val="1238248214"/>
+                    </a:ext>
+                  </a:extLst>
+                </a:gridCol>
+              </a:tblGrid>
+              <a:tr h="370840">
+                <a:tc>
+                  <a:txBody>
+                    <a:bodyPr/>
+                    <a:lstStyle/>
+                    <a:p>
+                      <a:r>
+                        <a:rPr lang="en-US" dirty="0" err="1"/>
+                        <a:t>Desafio</a:t>
+                      </a:r>
+                      <a:endParaRPr lang="en-US" dirty="0"/>
+                    </a:p>
+                  </a:txBody>
+                  <a:tcPr/>
+                </a:tc>
+                <a:tc>
+                  <a:txBody>
+                    <a:bodyPr/>
+                    <a:lstStyle/>
+                    <a:p>
+                      <a:r>
+                        <a:rPr lang="en-US" dirty="0"/>
+                        <a:t>Status</a:t>
+                      </a:r>
+                    </a:p>
+                  </a:txBody>
+                  <a:tcPr/>
+                </a:tc>
+                <a:tc>
+                  <a:txBody>
+                    <a:bodyPr/>
+                    <a:lstStyle/>
+                    <a:p>
+                      <a:r>
+                        <a:rPr lang="en-US" dirty="0" err="1"/>
+                        <a:t>Eventuais</a:t>
+                      </a:r>
+                      <a:r>
+                        <a:rPr lang="en-US" dirty="0"/>
+                        <a:t> </a:t>
+                      </a:r>
+                      <a:r>
+                        <a:rPr lang="en-US" dirty="0" err="1"/>
+                        <a:t>problemas</a:t>
+                      </a:r>
+                      <a:endParaRPr lang="en-US" dirty="0"/>
+                    </a:p>
+                  </a:txBody>
+                  <a:tcPr/>
+                </a:tc>
+                <a:extLst>
+                  <a:ext uri="{0D108BD9-81ED-4DB2-BD59-A6C34878D82A}">
+                    <a16:rowId xmlns:a16="http://schemas.microsoft.com/office/drawing/2014/main" val="27129029"/>
+                  </a:ext>
+                </a:extLst>
+              </a:tr>
+              <a:tr h="370840">
+                <a:tc>
+                  <a:txBody>
+                    <a:bodyPr/>
+                    <a:lstStyle/>
+                    <a:p>
+                      <a:r>
+                        <a:rPr lang="en-US" dirty="0" err="1"/>
+                        <a:t>Usar</a:t>
+                      </a:r>
+                      <a:r>
+                        <a:rPr lang="en-US" dirty="0"/>
+                        <a:t> o word2vec para o dataset do </a:t>
+                      </a:r>
+                      <a:r>
+                        <a:rPr lang="en-US" dirty="0" err="1"/>
+                        <a:t>stackoverflow</a:t>
+                      </a:r>
+                      <a:endParaRPr lang="en-US" dirty="0"/>
+                    </a:p>
+                  </a:txBody>
+                  <a:tcPr/>
+                </a:tc>
+                <a:tc>
+                  <a:txBody>
+                    <a:bodyPr/>
+                    <a:lstStyle/>
+                    <a:p>
+                      <a:r>
+                        <a:rPr lang="en-US" dirty="0"/>
+                        <a:t>Ok</a:t>
+                      </a:r>
+                    </a:p>
+                  </a:txBody>
+                  <a:tcPr/>
+                </a:tc>
+                <a:tc>
+                  <a:txBody>
+                    <a:bodyPr/>
+                    <a:lstStyle/>
+                    <a:p>
+                      <a:r>
+                        <a:rPr lang="en-US" dirty="0" err="1"/>
+                        <a:t>Usei</a:t>
+                      </a:r>
+                      <a:r>
+                        <a:rPr lang="en-US" dirty="0"/>
+                        <a:t> o word2vec da </a:t>
+                      </a:r>
+                      <a:r>
+                        <a:rPr lang="en-US" dirty="0" err="1"/>
+                        <a:t>biblioteca</a:t>
+                      </a:r>
+                      <a:r>
+                        <a:rPr lang="en-US" dirty="0"/>
+                        <a:t> genism. </a:t>
+                      </a:r>
+                      <a:r>
+                        <a:rPr lang="en-US" dirty="0" err="1"/>
+                        <a:t>Aparentemente</a:t>
+                      </a:r>
+                      <a:r>
+                        <a:rPr lang="en-US" dirty="0"/>
+                        <a:t> </a:t>
+                      </a:r>
+                      <a:r>
+                        <a:rPr lang="en-US" dirty="0" err="1"/>
+                        <a:t>os</a:t>
+                      </a:r>
+                      <a:r>
+                        <a:rPr lang="en-US" dirty="0"/>
+                        <a:t> </a:t>
+                      </a:r>
+                      <a:r>
+                        <a:rPr lang="en-US" dirty="0" err="1"/>
+                        <a:t>parâmetros</a:t>
+                      </a:r>
+                      <a:r>
+                        <a:rPr lang="en-US" dirty="0"/>
+                        <a:t> </a:t>
+                      </a:r>
+                      <a:r>
+                        <a:rPr lang="en-US" dirty="0" err="1"/>
+                        <a:t>passados</a:t>
+                      </a:r>
+                      <a:r>
+                        <a:rPr lang="en-US" dirty="0"/>
+                        <a:t> e o </a:t>
+                      </a:r>
+                      <a:r>
+                        <a:rPr lang="en-US" dirty="0" err="1"/>
+                        <a:t>resultado</a:t>
+                      </a:r>
+                      <a:r>
+                        <a:rPr lang="en-US" dirty="0"/>
+                        <a:t> do word embedding </a:t>
+                      </a:r>
+                      <a:r>
+                        <a:rPr lang="en-US" dirty="0" err="1"/>
+                        <a:t>está</a:t>
+                      </a:r>
+                      <a:r>
+                        <a:rPr lang="en-US" dirty="0"/>
+                        <a:t> ok. </a:t>
+                      </a:r>
+                      <a:r>
+                        <a:rPr lang="en-US" dirty="0" err="1"/>
+                        <a:t>Preciso</a:t>
+                      </a:r>
+                      <a:r>
+                        <a:rPr lang="en-US" dirty="0"/>
+                        <a:t> procurer </a:t>
+                      </a:r>
+                      <a:r>
+                        <a:rPr lang="en-US" dirty="0" err="1"/>
+                        <a:t>mais</a:t>
+                      </a:r>
+                      <a:r>
+                        <a:rPr lang="en-US" dirty="0"/>
+                        <a:t> </a:t>
+                      </a:r>
+                      <a:r>
+                        <a:rPr lang="en-US" dirty="0" err="1"/>
+                        <a:t>referências</a:t>
+                      </a:r>
+                      <a:r>
+                        <a:rPr lang="en-US" dirty="0"/>
+                        <a:t> para </a:t>
+                      </a:r>
+                      <a:r>
+                        <a:rPr lang="en-US" dirty="0" err="1"/>
+                        <a:t>mostrar</a:t>
+                      </a:r>
+                      <a:r>
+                        <a:rPr lang="en-US" dirty="0"/>
+                        <a:t> que </a:t>
+                      </a:r>
+                      <a:r>
+                        <a:rPr lang="en-US" dirty="0" err="1"/>
+                        <a:t>os</a:t>
+                      </a:r>
+                      <a:r>
+                        <a:rPr lang="en-US" dirty="0"/>
+                        <a:t> </a:t>
+                      </a:r>
+                      <a:r>
+                        <a:rPr lang="en-US" dirty="0" err="1"/>
+                        <a:t>parâmetros</a:t>
+                      </a:r>
+                      <a:r>
+                        <a:rPr lang="en-US" dirty="0"/>
+                        <a:t> do </a:t>
+                      </a:r>
+                      <a:r>
+                        <a:rPr lang="en-US" dirty="0" err="1"/>
+                        <a:t>método</a:t>
+                      </a:r>
+                      <a:r>
+                        <a:rPr lang="en-US" dirty="0"/>
+                        <a:t> word2vec </a:t>
+                      </a:r>
+                      <a:r>
+                        <a:rPr lang="en-US" dirty="0" err="1"/>
+                        <a:t>estão</a:t>
+                      </a:r>
+                      <a:r>
+                        <a:rPr lang="en-US" dirty="0"/>
+                        <a:t> </a:t>
+                      </a:r>
+                      <a:r>
+                        <a:rPr lang="en-US" dirty="0" err="1"/>
+                        <a:t>corretos</a:t>
+                      </a:r>
+                      <a:r>
+                        <a:rPr lang="en-US" dirty="0"/>
+                        <a:t>.</a:t>
+                      </a:r>
+                    </a:p>
+                  </a:txBody>
+                  <a:tcPr/>
+                </a:tc>
+                <a:extLst>
+                  <a:ext uri="{0D108BD9-81ED-4DB2-BD59-A6C34878D82A}">
+                    <a16:rowId xmlns:a16="http://schemas.microsoft.com/office/drawing/2014/main" val="2903996860"/>
+                  </a:ext>
+                </a:extLst>
+              </a:tr>
+              <a:tr h="370840">
+                <a:tc>
+                  <a:txBody>
+                    <a:bodyPr/>
+                    <a:lstStyle/>
+                    <a:p>
+                      <a:r>
+                        <a:rPr lang="en-US" dirty="0" err="1"/>
+                        <a:t>Entender</a:t>
+                      </a:r>
+                      <a:r>
+                        <a:rPr lang="en-US" dirty="0"/>
+                        <a:t> deep learning para </a:t>
+                      </a:r>
+                      <a:r>
+                        <a:rPr lang="en-US" dirty="0" err="1"/>
+                        <a:t>textos</a:t>
+                      </a:r>
+                      <a:r>
+                        <a:rPr lang="en-US" dirty="0"/>
+                        <a:t>. </a:t>
+                      </a:r>
+                      <a:r>
+                        <a:rPr lang="en-US" dirty="0" err="1"/>
+                        <a:t>Arquitetura</a:t>
+                      </a:r>
+                      <a:r>
+                        <a:rPr lang="en-US" dirty="0"/>
+                        <a:t> LSTM vs CNN. </a:t>
+                      </a:r>
+                      <a:r>
+                        <a:rPr lang="en-US" dirty="0" err="1"/>
+                        <a:t>Quais</a:t>
+                      </a:r>
+                      <a:r>
+                        <a:rPr lang="en-US" dirty="0"/>
+                        <a:t> </a:t>
+                      </a:r>
+                      <a:r>
+                        <a:rPr lang="en-US" dirty="0" err="1"/>
+                        <a:t>parâmetros</a:t>
+                      </a:r>
+                      <a:r>
+                        <a:rPr lang="en-US" dirty="0"/>
+                        <a:t> </a:t>
+                      </a:r>
+                      <a:r>
+                        <a:rPr lang="en-US" dirty="0" err="1"/>
+                        <a:t>usar</a:t>
+                      </a:r>
+                      <a:r>
+                        <a:rPr lang="en-US" dirty="0"/>
+                        <a:t>, </a:t>
+                      </a:r>
+                      <a:r>
+                        <a:rPr lang="en-US" dirty="0" err="1"/>
+                        <a:t>quais</a:t>
+                      </a:r>
+                      <a:r>
+                        <a:rPr lang="en-US" dirty="0"/>
+                        <a:t> layers, </a:t>
+                      </a:r>
+                      <a:r>
+                        <a:rPr lang="en-US" dirty="0" err="1"/>
+                        <a:t>funções</a:t>
+                      </a:r>
+                      <a:r>
+                        <a:rPr lang="en-US" dirty="0"/>
+                        <a:t> de </a:t>
+                      </a:r>
+                      <a:r>
+                        <a:rPr lang="en-US" dirty="0" err="1"/>
+                        <a:t>similaridade</a:t>
+                      </a:r>
+                      <a:r>
+                        <a:rPr lang="en-US" dirty="0"/>
+                        <a:t>.</a:t>
+                      </a:r>
+                    </a:p>
+                  </a:txBody>
+                  <a:tcPr/>
+                </a:tc>
+                <a:tc>
+                  <a:txBody>
+                    <a:bodyPr/>
+                    <a:lstStyle/>
+                    <a:p>
+                      <a:r>
+                        <a:rPr lang="en-US" dirty="0" err="1"/>
+                        <a:t>Estou</a:t>
+                      </a:r>
+                      <a:r>
+                        <a:rPr lang="en-US" dirty="0"/>
+                        <a:t> </a:t>
+                      </a:r>
+                      <a:r>
+                        <a:rPr lang="en-US" dirty="0" err="1"/>
+                        <a:t>caminhando</a:t>
+                      </a:r>
+                      <a:r>
+                        <a:rPr lang="en-US" dirty="0"/>
+                        <a:t> para </a:t>
+                      </a:r>
+                      <a:r>
+                        <a:rPr lang="en-US" dirty="0" err="1"/>
+                        <a:t>entender</a:t>
+                      </a:r>
+                      <a:r>
+                        <a:rPr lang="en-US" dirty="0"/>
+                        <a:t> as </a:t>
+                      </a:r>
+                      <a:r>
+                        <a:rPr lang="en-US" dirty="0" err="1"/>
+                        <a:t>diversas</a:t>
+                      </a:r>
+                      <a:r>
+                        <a:rPr lang="en-US" dirty="0"/>
+                        <a:t> </a:t>
+                      </a:r>
+                      <a:r>
+                        <a:rPr lang="en-US" dirty="0" err="1"/>
+                        <a:t>arquiteturas</a:t>
+                      </a:r>
+                      <a:r>
+                        <a:rPr lang="en-US" dirty="0"/>
+                        <a:t> de </a:t>
+                      </a:r>
+                      <a:r>
+                        <a:rPr lang="en-US" dirty="0" err="1"/>
+                        <a:t>redes</a:t>
+                      </a:r>
+                      <a:r>
+                        <a:rPr lang="en-US" dirty="0"/>
+                        <a:t> </a:t>
+                      </a:r>
+                      <a:r>
+                        <a:rPr lang="en-US" dirty="0" err="1"/>
+                        <a:t>neurais</a:t>
+                      </a:r>
+                      <a:r>
+                        <a:rPr lang="en-US" dirty="0"/>
+                        <a:t>. </a:t>
+                      </a:r>
+                      <a:r>
+                        <a:rPr lang="en-US" dirty="0" err="1"/>
+                        <a:t>Tem</a:t>
+                      </a:r>
+                      <a:r>
+                        <a:rPr lang="en-US" dirty="0"/>
+                        <a:t> </a:t>
+                      </a:r>
+                      <a:r>
+                        <a:rPr lang="en-US" dirty="0" err="1"/>
+                        <a:t>bastante</a:t>
+                      </a:r>
+                      <a:r>
+                        <a:rPr lang="en-US" dirty="0"/>
+                        <a:t> </a:t>
+                      </a:r>
+                      <a:r>
+                        <a:rPr lang="en-US" dirty="0" err="1"/>
+                        <a:t>coisa</a:t>
+                      </a:r>
+                      <a:r>
+                        <a:rPr lang="en-US" dirty="0"/>
+                        <a:t> para </a:t>
+                      </a:r>
+                      <a:r>
+                        <a:rPr lang="en-US" dirty="0" err="1"/>
+                        <a:t>entender</a:t>
+                      </a:r>
+                      <a:r>
+                        <a:rPr lang="en-US" dirty="0"/>
+                        <a:t>, </a:t>
+                      </a:r>
+                      <a:r>
+                        <a:rPr lang="en-US" dirty="0" err="1"/>
+                        <a:t>por</a:t>
+                      </a:r>
+                      <a:r>
+                        <a:rPr lang="en-US" dirty="0"/>
+                        <a:t> </a:t>
+                      </a:r>
+                      <a:r>
+                        <a:rPr lang="en-US" dirty="0" err="1"/>
+                        <a:t>exemplo</a:t>
+                      </a:r>
+                      <a:r>
+                        <a:rPr lang="en-US" dirty="0"/>
+                        <a:t>:</a:t>
+                      </a:r>
+                    </a:p>
+                    <a:p>
+                      <a:pPr marL="285750" indent="-285750">
+                        <a:buFont typeface="Arial" panose="020B0604020202020204" pitchFamily="34" charset="0"/>
+                        <a:buChar char="•"/>
+                      </a:pPr>
+                      <a:r>
+                        <a:rPr lang="en-US" dirty="0" err="1"/>
+                        <a:t>Parâmetros</a:t>
+                      </a:r>
+                      <a:r>
+                        <a:rPr lang="en-US" dirty="0"/>
+                        <a:t> de </a:t>
+                      </a:r>
+                      <a:r>
+                        <a:rPr lang="en-US" dirty="0" err="1"/>
+                        <a:t>inicialização</a:t>
+                      </a:r>
+                      <a:endParaRPr lang="en-US" dirty="0"/>
+                    </a:p>
+                    <a:p>
+                      <a:pPr marL="285750" indent="-285750">
+                        <a:buFont typeface="Arial" panose="020B0604020202020204" pitchFamily="34" charset="0"/>
+                        <a:buChar char="•"/>
+                      </a:pPr>
+                      <a:r>
+                        <a:rPr lang="en-US" dirty="0" err="1"/>
+                        <a:t>Funções</a:t>
+                      </a:r>
+                      <a:r>
+                        <a:rPr lang="en-US" dirty="0"/>
+                        <a:t> de </a:t>
+                      </a:r>
+                      <a:r>
+                        <a:rPr lang="en-US" dirty="0" err="1"/>
+                        <a:t>ativação</a:t>
+                      </a:r>
+                      <a:r>
+                        <a:rPr lang="en-US" dirty="0"/>
+                        <a:t> e </a:t>
+                      </a:r>
+                      <a:r>
+                        <a:rPr lang="en-US" dirty="0" err="1"/>
+                        <a:t>similaridade</a:t>
+                      </a:r>
+                      <a:r>
+                        <a:rPr lang="en-US" dirty="0"/>
+                        <a:t>(</a:t>
+                      </a:r>
+                      <a:r>
+                        <a:rPr lang="en-US" dirty="0" err="1"/>
+                        <a:t>softmax</a:t>
+                      </a:r>
+                      <a:r>
+                        <a:rPr lang="en-US" dirty="0"/>
+                        <a:t>, </a:t>
+                      </a:r>
+                      <a:r>
+                        <a:rPr lang="en-US" dirty="0" err="1"/>
+                        <a:t>cosine_similarity</a:t>
+                      </a:r>
+                      <a:r>
+                        <a:rPr lang="en-US" dirty="0"/>
+                        <a:t>, </a:t>
+                      </a:r>
+                      <a:r>
+                        <a:rPr lang="en-US" dirty="0" err="1"/>
+                        <a:t>relu</a:t>
+                      </a:r>
+                      <a:r>
+                        <a:rPr lang="en-US" dirty="0"/>
+                        <a:t>)</a:t>
+                      </a:r>
+                    </a:p>
+                    <a:p>
+                      <a:pPr marL="285750" indent="-285750">
+                        <a:buFont typeface="Arial" panose="020B0604020202020204" pitchFamily="34" charset="0"/>
+                        <a:buChar char="•"/>
+                      </a:pPr>
+                      <a:r>
+                        <a:rPr lang="en-US" dirty="0"/>
+                        <a:t>Layers -&gt; Merge, Input, Output</a:t>
+                      </a:r>
+                    </a:p>
+                    <a:p>
+                      <a:pPr marL="285750" indent="-285750">
+                        <a:buFont typeface="Arial" panose="020B0604020202020204" pitchFamily="34" charset="0"/>
+                        <a:buChar char="•"/>
+                      </a:pPr>
+                      <a:r>
+                        <a:rPr lang="en-US" dirty="0"/>
+                        <a:t>Tensors</a:t>
+                      </a:r>
+                    </a:p>
+                  </a:txBody>
+                  <a:tcPr/>
+                </a:tc>
+                <a:tc>
+                  <a:txBody>
+                    <a:bodyPr/>
+                    <a:lstStyle/>
+                    <a:p>
+                      <a:r>
+                        <a:rPr lang="en-US" dirty="0"/>
+                        <a:t>O </a:t>
+                      </a:r>
+                      <a:r>
+                        <a:rPr lang="en-US" dirty="0" err="1"/>
+                        <a:t>maior</a:t>
+                      </a:r>
+                      <a:r>
+                        <a:rPr lang="en-US" dirty="0"/>
+                        <a:t> </a:t>
+                      </a:r>
+                      <a:r>
+                        <a:rPr lang="en-US" dirty="0" err="1"/>
+                        <a:t>desafio</a:t>
+                      </a:r>
+                      <a:r>
+                        <a:rPr lang="en-US" dirty="0"/>
+                        <a:t> </a:t>
+                      </a:r>
+                      <a:r>
+                        <a:rPr lang="en-US" dirty="0" err="1"/>
+                        <a:t>é</a:t>
+                      </a:r>
+                      <a:r>
+                        <a:rPr lang="en-US" dirty="0"/>
+                        <a:t> </a:t>
+                      </a:r>
+                      <a:r>
+                        <a:rPr lang="en-US" dirty="0" err="1"/>
+                        <a:t>conseguir</a:t>
+                      </a:r>
+                      <a:r>
+                        <a:rPr lang="en-US" dirty="0"/>
+                        <a:t> </a:t>
+                      </a:r>
+                      <a:r>
+                        <a:rPr lang="en-US" dirty="0" err="1"/>
+                        <a:t>entender</a:t>
+                      </a:r>
+                      <a:r>
+                        <a:rPr lang="en-US" dirty="0"/>
+                        <a:t> o motive de </a:t>
+                      </a:r>
+                      <a:r>
+                        <a:rPr lang="en-US" dirty="0" err="1"/>
+                        <a:t>uma</a:t>
+                      </a:r>
+                      <a:r>
+                        <a:rPr lang="en-US" dirty="0"/>
+                        <a:t> </a:t>
+                      </a:r>
+                      <a:r>
+                        <a:rPr lang="en-US" dirty="0" err="1"/>
+                        <a:t>arquitetura</a:t>
+                      </a:r>
+                      <a:r>
+                        <a:rPr lang="en-US" dirty="0"/>
+                        <a:t> </a:t>
+                      </a:r>
+                      <a:r>
+                        <a:rPr lang="en-US" dirty="0" err="1"/>
+                        <a:t>ter</a:t>
+                      </a:r>
+                      <a:r>
+                        <a:rPr lang="en-US" dirty="0"/>
+                        <a:t> </a:t>
+                      </a:r>
+                      <a:r>
+                        <a:rPr lang="en-US" dirty="0" err="1"/>
+                        <a:t>uma</a:t>
+                      </a:r>
+                      <a:r>
+                        <a:rPr lang="en-US" dirty="0"/>
+                        <a:t> performance </a:t>
+                      </a:r>
+                      <a:r>
+                        <a:rPr lang="en-US" dirty="0" err="1"/>
+                        <a:t>melhor</a:t>
+                      </a:r>
+                      <a:r>
+                        <a:rPr lang="en-US" dirty="0"/>
+                        <a:t> que </a:t>
+                      </a:r>
+                      <a:r>
+                        <a:rPr lang="en-US" dirty="0" err="1"/>
+                        <a:t>outra</a:t>
+                      </a:r>
+                      <a:r>
+                        <a:rPr lang="en-US" dirty="0"/>
+                        <a:t>. E </a:t>
+                      </a:r>
+                      <a:r>
+                        <a:rPr lang="en-US" dirty="0" err="1"/>
+                        <a:t>ser</a:t>
+                      </a:r>
+                      <a:r>
+                        <a:rPr lang="en-US" dirty="0"/>
+                        <a:t> </a:t>
+                      </a:r>
+                      <a:r>
+                        <a:rPr lang="en-US" dirty="0" err="1"/>
+                        <a:t>capaz</a:t>
+                      </a:r>
+                      <a:r>
+                        <a:rPr lang="en-US" dirty="0"/>
+                        <a:t> (</a:t>
+                      </a:r>
+                      <a:r>
+                        <a:rPr lang="en-US" dirty="0" err="1"/>
+                        <a:t>não</a:t>
+                      </a:r>
+                      <a:r>
+                        <a:rPr lang="en-US" dirty="0"/>
+                        <a:t> </a:t>
+                      </a:r>
+                      <a:r>
+                        <a:rPr lang="en-US" dirty="0" err="1"/>
+                        <a:t>sei</a:t>
+                      </a:r>
+                      <a:r>
+                        <a:rPr lang="en-US" dirty="0"/>
+                        <a:t> se </a:t>
+                      </a:r>
+                      <a:r>
+                        <a:rPr lang="en-US" dirty="0" err="1"/>
+                        <a:t>será</a:t>
+                      </a:r>
+                      <a:r>
+                        <a:rPr lang="en-US" dirty="0"/>
+                        <a:t> </a:t>
+                      </a:r>
+                      <a:r>
+                        <a:rPr lang="en-US" dirty="0" err="1"/>
+                        <a:t>possível</a:t>
+                      </a:r>
+                      <a:r>
+                        <a:rPr lang="en-US" dirty="0"/>
+                        <a:t>) </a:t>
+                      </a:r>
+                      <a:r>
+                        <a:rPr lang="en-US" dirty="0" err="1"/>
+                        <a:t>propor</a:t>
+                      </a:r>
+                      <a:r>
+                        <a:rPr lang="en-US" dirty="0"/>
+                        <a:t> </a:t>
+                      </a:r>
+                      <a:r>
+                        <a:rPr lang="en-US" dirty="0" err="1"/>
+                        <a:t>uma</a:t>
+                      </a:r>
+                      <a:r>
+                        <a:rPr lang="en-US" dirty="0"/>
+                        <a:t> </a:t>
+                      </a:r>
+                      <a:r>
+                        <a:rPr lang="en-US" dirty="0" err="1"/>
+                        <a:t>arquitetura</a:t>
+                      </a:r>
+                      <a:r>
+                        <a:rPr lang="en-US" dirty="0"/>
+                        <a:t> propria para o </a:t>
+                      </a:r>
+                      <a:r>
+                        <a:rPr lang="en-US" dirty="0" err="1"/>
+                        <a:t>problema</a:t>
+                      </a:r>
+                      <a:r>
+                        <a:rPr lang="en-US" dirty="0"/>
+                        <a:t> </a:t>
+                      </a:r>
+                      <a:r>
+                        <a:rPr lang="en-US" dirty="0" err="1"/>
+                        <a:t>em</a:t>
+                      </a:r>
+                      <a:r>
+                        <a:rPr lang="en-US" dirty="0"/>
+                        <a:t> </a:t>
+                      </a:r>
+                      <a:r>
+                        <a:rPr lang="en-US" dirty="0" err="1"/>
+                        <a:t>questão</a:t>
+                      </a:r>
+                      <a:r>
+                        <a:rPr lang="en-US" dirty="0"/>
+                        <a:t>. </a:t>
+                      </a:r>
+                      <a:r>
+                        <a:rPr lang="en-US" dirty="0" err="1"/>
+                        <a:t>Isto</a:t>
+                      </a:r>
+                      <a:r>
+                        <a:rPr lang="en-US" dirty="0"/>
+                        <a:t> </a:t>
+                      </a:r>
+                      <a:r>
+                        <a:rPr lang="en-US" dirty="0" err="1"/>
+                        <a:t>é</a:t>
+                      </a:r>
+                      <a:r>
+                        <a:rPr lang="en-US" dirty="0"/>
+                        <a:t> um requisite </a:t>
+                      </a:r>
+                      <a:r>
+                        <a:rPr lang="en-US" dirty="0" err="1"/>
+                        <a:t>importante</a:t>
+                      </a:r>
+                      <a:r>
+                        <a:rPr lang="en-US" dirty="0"/>
+                        <a:t> a </a:t>
+                      </a:r>
+                      <a:r>
+                        <a:rPr lang="en-US" dirty="0" err="1"/>
+                        <a:t>ser</a:t>
+                      </a:r>
+                      <a:r>
+                        <a:rPr lang="en-US" dirty="0"/>
+                        <a:t> </a:t>
+                      </a:r>
+                      <a:r>
+                        <a:rPr lang="en-US" dirty="0" err="1"/>
+                        <a:t>conquistado</a:t>
+                      </a:r>
+                      <a:r>
+                        <a:rPr lang="en-US" dirty="0"/>
+                        <a:t> </a:t>
+                      </a:r>
+                      <a:r>
+                        <a:rPr lang="en-US" dirty="0" err="1"/>
+                        <a:t>durante</a:t>
+                      </a:r>
+                      <a:r>
+                        <a:rPr lang="en-US" dirty="0"/>
+                        <a:t> a </a:t>
+                      </a:r>
+                      <a:r>
+                        <a:rPr lang="en-US" dirty="0" err="1"/>
+                        <a:t>escrita</a:t>
+                      </a:r>
+                      <a:r>
+                        <a:rPr lang="en-US" dirty="0"/>
+                        <a:t> da </a:t>
+                      </a:r>
+                      <a:r>
+                        <a:rPr lang="en-US" dirty="0" err="1"/>
+                        <a:t>dissertação</a:t>
+                      </a:r>
+                      <a:r>
+                        <a:rPr lang="en-US" dirty="0"/>
+                        <a:t>. Saber </a:t>
+                      </a:r>
+                      <a:r>
+                        <a:rPr lang="en-US" dirty="0" err="1"/>
+                        <a:t>explicar</a:t>
+                      </a:r>
+                      <a:r>
+                        <a:rPr lang="en-US" dirty="0"/>
+                        <a:t>.</a:t>
+                      </a:r>
+                    </a:p>
+                  </a:txBody>
+                  <a:tcPr/>
+                </a:tc>
+                <a:extLst>
+                  <a:ext uri="{0D108BD9-81ED-4DB2-BD59-A6C34878D82A}">
+                    <a16:rowId xmlns:a16="http://schemas.microsoft.com/office/drawing/2014/main" val="1690675655"/>
+                  </a:ext>
+                </a:extLst>
+              </a:tr>
+            </a:tbl>
+          </a:graphicData>
+        </a:graphic>
+      </p:graphicFrame>
+    </p:spTree>
+    <p:extLst>
+      <p:ext uri="{BB962C8B-B14F-4D97-AF65-F5344CB8AC3E}">
+        <p14:creationId xmlns:p14="http://schemas.microsoft.com/office/powerpoint/2010/main" val="3969237190"/>
+      </p:ext>
+    </p:extLst>
+  </p:cSld>
+  <p:clrMapOvr>
+    <a:masterClrMapping/>
+  </p:clrMapOvr>
+</p:sld>
+</file>
+
+<file path=ppt/slides/slide6.xml><?xml version="1.0" encoding="utf-8"?>
+<p:sld xmlns:a="http://schemas.openxmlformats.org/drawingml/2006/main" xmlns:r="http://schemas.openxmlformats.org/officeDocument/2006/relationships" xmlns:p="http://schemas.openxmlformats.org/presentationml/2006/main">
+  <p:cSld>
+    <p:spTree>
+      <p:nvGrpSpPr>
+        <p:cNvPr id="1" name=""/>
+        <p:cNvGrpSpPr/>
+        <p:nvPr/>
+      </p:nvGrpSpPr>
+      <p:grpSpPr>
+        <a:xfrm>
+          <a:off x="0" y="0"/>
+          <a:ext cx="0" cy="0"/>
+          <a:chOff x="0" y="0"/>
+          <a:chExt cx="0" cy="0"/>
+        </a:xfrm>
+      </p:grpSpPr>
+      <p:sp>
+        <p:nvSpPr>
+          <p:cNvPr id="2" name="Title 1">
+            <a:extLst>
+              <a:ext uri="{FF2B5EF4-FFF2-40B4-BE49-F238E27FC236}">
+                <a16:creationId xmlns:a16="http://schemas.microsoft.com/office/drawing/2014/main" id="{A4F69B0D-D070-D247-B54A-F0C377B9E276}"/>
+              </a:ext>
+            </a:extLst>
+          </p:cNvPr>
+          <p:cNvSpPr>
+            <a:spLocks noGrp="1"/>
+          </p:cNvSpPr>
+          <p:nvPr>
+            <p:ph type="title"/>
+          </p:nvPr>
+        </p:nvSpPr>
+        <p:spPr/>
+        <p:txBody>
+          <a:bodyPr/>
+          <a:lstStyle/>
+          <a:p>
+            <a:r>
+              <a:rPr lang="en-US" dirty="0" err="1"/>
+              <a:t>Desafios</a:t>
+            </a:r>
+            <a:r>
+              <a:rPr lang="en-US" dirty="0"/>
+              <a:t> </a:t>
+            </a:r>
+            <a:r>
+              <a:rPr lang="en-US" dirty="0" err="1"/>
+              <a:t>iniciais</a:t>
+            </a:r>
+            <a:endParaRPr lang="en-US" dirty="0"/>
+          </a:p>
+        </p:txBody>
+      </p:sp>
+      <p:graphicFrame>
+        <p:nvGraphicFramePr>
+          <p:cNvPr id="4" name="Content Placeholder 3">
+            <a:extLst>
+              <a:ext uri="{FF2B5EF4-FFF2-40B4-BE49-F238E27FC236}">
+                <a16:creationId xmlns:a16="http://schemas.microsoft.com/office/drawing/2014/main" id="{D5DC5192-D82B-6F43-954C-0A286F88FCB4}"/>
+              </a:ext>
+            </a:extLst>
+          </p:cNvPr>
+          <p:cNvGraphicFramePr>
+            <a:graphicFrameLocks noGrp="1"/>
+          </p:cNvGraphicFramePr>
+          <p:nvPr>
+            <p:ph idx="1"/>
+            <p:extLst>
+              <p:ext uri="{D42A27DB-BD31-4B8C-83A1-F6EECF244321}">
+                <p14:modId xmlns:p14="http://schemas.microsoft.com/office/powerpoint/2010/main" val="3116948526"/>
+              </p:ext>
+            </p:extLst>
+          </p:nvPr>
+        </p:nvGraphicFramePr>
+        <p:xfrm>
+          <a:off x="838200" y="1825625"/>
+          <a:ext cx="10515600" cy="1833880"/>
+        </p:xfrm>
+        <a:graphic>
+          <a:graphicData uri="http://schemas.openxmlformats.org/drawingml/2006/table">
+            <a:tbl>
+              <a:tblPr firstRow="1" bandRow="1">
+                <a:tableStyleId>{5C22544A-7EE6-4342-B048-85BDC9FD1C3A}</a:tableStyleId>
+              </a:tblPr>
+              <a:tblGrid>
+                <a:gridCol w="3505200">
+                  <a:extLst>
+                    <a:ext uri="{9D8B030D-6E8A-4147-A177-3AD203B41FA5}">
+                      <a16:colId xmlns:a16="http://schemas.microsoft.com/office/drawing/2014/main" val="1242011457"/>
+                    </a:ext>
+                  </a:extLst>
+                </a:gridCol>
+                <a:gridCol w="3505200">
+                  <a:extLst>
+                    <a:ext uri="{9D8B030D-6E8A-4147-A177-3AD203B41FA5}">
+                      <a16:colId xmlns:a16="http://schemas.microsoft.com/office/drawing/2014/main" val="510290429"/>
+                    </a:ext>
+                  </a:extLst>
+                </a:gridCol>
+                <a:gridCol w="3505200">
+                  <a:extLst>
+                    <a:ext uri="{9D8B030D-6E8A-4147-A177-3AD203B41FA5}">
+                      <a16:colId xmlns:a16="http://schemas.microsoft.com/office/drawing/2014/main" val="1405089840"/>
+                    </a:ext>
+                  </a:extLst>
+                </a:gridCol>
+              </a:tblGrid>
+              <a:tr h="370840">
+                <a:tc>
+                  <a:txBody>
+                    <a:bodyPr/>
+                    <a:lstStyle/>
+                    <a:p>
+                      <a:r>
+                        <a:rPr lang="en-US" dirty="0" err="1"/>
+                        <a:t>Desafios</a:t>
+                      </a:r>
+                      <a:endParaRPr lang="en-US" dirty="0"/>
+                    </a:p>
+                  </a:txBody>
+                  <a:tcPr/>
+                </a:tc>
+                <a:tc>
+                  <a:txBody>
+                    <a:bodyPr/>
+                    <a:lstStyle/>
+                    <a:p>
+                      <a:r>
+                        <a:rPr lang="en-US" dirty="0"/>
+                        <a:t>Status</a:t>
+                      </a:r>
+                    </a:p>
+                  </a:txBody>
+                  <a:tcPr/>
+                </a:tc>
+                <a:tc>
+                  <a:txBody>
+                    <a:bodyPr/>
+                    <a:lstStyle/>
+                    <a:p>
+                      <a:r>
+                        <a:rPr lang="en-US" dirty="0" err="1"/>
+                        <a:t>Eventuais</a:t>
+                      </a:r>
+                      <a:r>
+                        <a:rPr lang="en-US" dirty="0"/>
+                        <a:t> </a:t>
+                      </a:r>
+                      <a:r>
+                        <a:rPr lang="en-US" dirty="0" err="1"/>
+                        <a:t>problemas</a:t>
+                      </a:r>
+                      <a:endParaRPr lang="en-US" dirty="0"/>
+                    </a:p>
+                  </a:txBody>
+                  <a:tcPr/>
+                </a:tc>
+                <a:extLst>
+                  <a:ext uri="{0D108BD9-81ED-4DB2-BD59-A6C34878D82A}">
+                    <a16:rowId xmlns:a16="http://schemas.microsoft.com/office/drawing/2014/main" val="3662228028"/>
+                  </a:ext>
+                </a:extLst>
+              </a:tr>
+              <a:tr h="370840">
+                <a:tc>
+                  <a:txBody>
+                    <a:bodyPr/>
+                    <a:lstStyle/>
+                    <a:p>
+                      <a:r>
+                        <a:rPr lang="en-US" dirty="0" err="1"/>
+                        <a:t>Os</a:t>
+                      </a:r>
+                      <a:r>
+                        <a:rPr lang="en-US" dirty="0"/>
+                        <a:t> </a:t>
+                      </a:r>
+                      <a:r>
+                        <a:rPr lang="en-US" dirty="0" err="1"/>
+                        <a:t>resultados</a:t>
+                      </a:r>
+                      <a:r>
+                        <a:rPr lang="en-US" dirty="0"/>
+                        <a:t> </a:t>
+                      </a:r>
+                      <a:r>
+                        <a:rPr lang="en-US" dirty="0" err="1"/>
+                        <a:t>são</a:t>
+                      </a:r>
+                      <a:r>
+                        <a:rPr lang="en-US" dirty="0"/>
+                        <a:t> </a:t>
+                      </a:r>
+                      <a:r>
+                        <a:rPr lang="en-US" dirty="0" err="1"/>
+                        <a:t>válidos</a:t>
+                      </a:r>
+                      <a:r>
+                        <a:rPr lang="en-US" dirty="0"/>
+                        <a:t>?</a:t>
+                      </a:r>
+                    </a:p>
+                  </a:txBody>
+                  <a:tcPr/>
+                </a:tc>
+                <a:tc>
+                  <a:txBody>
+                    <a:bodyPr/>
+                    <a:lstStyle/>
+                    <a:p>
+                      <a:r>
+                        <a:rPr lang="en-US" dirty="0" err="1"/>
+                        <a:t>Não</a:t>
+                      </a:r>
+                      <a:r>
+                        <a:rPr lang="en-US" dirty="0"/>
+                        <a:t> </a:t>
+                      </a:r>
+                      <a:r>
+                        <a:rPr lang="en-US" dirty="0" err="1"/>
+                        <a:t>sei</a:t>
+                      </a:r>
+                      <a:r>
+                        <a:rPr lang="en-US" dirty="0"/>
+                        <a:t> responder</a:t>
+                      </a:r>
+                    </a:p>
+                  </a:txBody>
+                  <a:tcPr/>
+                </a:tc>
+                <a:tc>
+                  <a:txBody>
+                    <a:bodyPr/>
+                    <a:lstStyle/>
+                    <a:p>
+                      <a:r>
+                        <a:rPr lang="en-US" dirty="0"/>
+                        <a:t>Dado o dataset do </a:t>
+                      </a:r>
+                      <a:r>
+                        <a:rPr lang="en-US" dirty="0" err="1"/>
+                        <a:t>stackoverflow</a:t>
+                      </a:r>
+                      <a:r>
+                        <a:rPr lang="en-US" dirty="0"/>
+                        <a:t>, com um </a:t>
+                      </a:r>
+                      <a:r>
+                        <a:rPr lang="en-US" dirty="0" err="1"/>
+                        <a:t>tamanho</a:t>
+                      </a:r>
+                      <a:r>
+                        <a:rPr lang="en-US" dirty="0"/>
+                        <a:t> </a:t>
+                      </a:r>
+                      <a:r>
+                        <a:rPr lang="en-US" dirty="0" err="1"/>
+                        <a:t>inicial</a:t>
+                      </a:r>
+                      <a:r>
+                        <a:rPr lang="en-US" dirty="0"/>
+                        <a:t> </a:t>
+                      </a:r>
+                      <a:r>
+                        <a:rPr lang="en-US" dirty="0" err="1"/>
+                        <a:t>em</a:t>
+                      </a:r>
+                      <a:r>
+                        <a:rPr lang="en-US" dirty="0"/>
+                        <a:t> </a:t>
+                      </a:r>
+                      <a:r>
+                        <a:rPr lang="en-US" dirty="0" err="1"/>
+                        <a:t>torno</a:t>
+                      </a:r>
+                      <a:r>
+                        <a:rPr lang="en-US" dirty="0"/>
+                        <a:t> de 2000 e 4000 </a:t>
+                      </a:r>
+                      <a:r>
+                        <a:rPr lang="en-US" dirty="0" err="1"/>
+                        <a:t>registros</a:t>
+                      </a:r>
+                      <a:r>
+                        <a:rPr lang="en-US" dirty="0"/>
+                        <a:t>. Como saber se o </a:t>
+                      </a:r>
+                      <a:r>
+                        <a:rPr lang="en-US" dirty="0" err="1"/>
+                        <a:t>resultado</a:t>
+                      </a:r>
+                      <a:r>
+                        <a:rPr lang="en-US" dirty="0"/>
+                        <a:t> </a:t>
+                      </a:r>
+                      <a:r>
+                        <a:rPr lang="en-US" dirty="0" err="1"/>
+                        <a:t>é</a:t>
+                      </a:r>
+                      <a:r>
+                        <a:rPr lang="en-US" dirty="0"/>
+                        <a:t> </a:t>
+                      </a:r>
+                      <a:r>
+                        <a:rPr lang="en-US" dirty="0" err="1"/>
+                        <a:t>válido</a:t>
+                      </a:r>
+                      <a:r>
+                        <a:rPr lang="en-US" dirty="0"/>
+                        <a:t>? </a:t>
+                      </a:r>
+                      <a:r>
+                        <a:rPr lang="en-US" dirty="0" err="1"/>
+                        <a:t>Ele</a:t>
+                      </a:r>
+                      <a:r>
+                        <a:rPr lang="en-US" dirty="0"/>
+                        <a:t> </a:t>
+                      </a:r>
+                      <a:r>
+                        <a:rPr lang="en-US" dirty="0" err="1"/>
+                        <a:t>é</a:t>
+                      </a:r>
+                      <a:r>
+                        <a:rPr lang="en-US" dirty="0"/>
+                        <a:t> </a:t>
+                      </a:r>
+                      <a:r>
+                        <a:rPr lang="en-US" dirty="0" err="1"/>
+                        <a:t>aplicável</a:t>
+                      </a:r>
+                      <a:r>
+                        <a:rPr lang="en-US" dirty="0"/>
+                        <a:t> </a:t>
+                      </a:r>
+                      <a:r>
+                        <a:rPr lang="en-US" dirty="0" err="1"/>
+                        <a:t>em</a:t>
+                      </a:r>
+                      <a:r>
+                        <a:rPr lang="en-US" dirty="0"/>
+                        <a:t> outros </a:t>
+                      </a:r>
+                      <a:r>
+                        <a:rPr lang="en-US" dirty="0" err="1"/>
+                        <a:t>problemas</a:t>
+                      </a:r>
+                      <a:r>
+                        <a:rPr lang="en-US" dirty="0"/>
+                        <a:t>?</a:t>
+                      </a:r>
+                    </a:p>
+                  </a:txBody>
+                  <a:tcPr/>
+                </a:tc>
+                <a:extLst>
+                  <a:ext uri="{0D108BD9-81ED-4DB2-BD59-A6C34878D82A}">
+                    <a16:rowId xmlns:a16="http://schemas.microsoft.com/office/drawing/2014/main" val="1861777844"/>
+                  </a:ext>
+                </a:extLst>
+              </a:tr>
+            </a:tbl>
+          </a:graphicData>
+        </a:graphic>
+      </p:graphicFrame>
+    </p:spTree>
+    <p:extLst>
+      <p:ext uri="{BB962C8B-B14F-4D97-AF65-F5344CB8AC3E}">
+        <p14:creationId xmlns:p14="http://schemas.microsoft.com/office/powerpoint/2010/main" val="202880569"/>
+      </p:ext>
+    </p:extLst>
+  </p:cSld>
+  <p:clrMapOvr>
+    <a:masterClrMapping/>
+  </p:clrMapOvr>
+</p:sld>
+</file>
+
+<file path=ppt/slides/slide7.xml><?xml version="1.0" encoding="utf-8"?>
+<p:sld xmlns:a="http://schemas.openxmlformats.org/drawingml/2006/main" xmlns:r="http://schemas.openxmlformats.org/officeDocument/2006/relationships" xmlns:p="http://schemas.openxmlformats.org/presentationml/2006/main">
+  <p:cSld>
+    <p:spTree>
+      <p:nvGrpSpPr>
+        <p:cNvPr id="1" name=""/>
+        <p:cNvGrpSpPr/>
+        <p:nvPr/>
+      </p:nvGrpSpPr>
+      <p:grpSpPr>
+        <a:xfrm>
+          <a:off x="0" y="0"/>
+          <a:ext cx="0" cy="0"/>
+          <a:chOff x="0" y="0"/>
+          <a:chExt cx="0" cy="0"/>
+        </a:xfrm>
+      </p:grpSpPr>
+      <p:sp>
+        <p:nvSpPr>
+          <p:cNvPr id="2" name="Title 1">
+            <a:extLst>
+              <a:ext uri="{FF2B5EF4-FFF2-40B4-BE49-F238E27FC236}">
+                <a16:creationId xmlns:a16="http://schemas.microsoft.com/office/drawing/2014/main" id="{8EEAF9FA-41C7-8349-A563-4DF233BA2624}"/>
+              </a:ext>
+            </a:extLst>
+          </p:cNvPr>
+          <p:cNvSpPr>
+            <a:spLocks noGrp="1"/>
+          </p:cNvSpPr>
+          <p:nvPr>
+            <p:ph type="title"/>
+          </p:nvPr>
+        </p:nvSpPr>
+        <p:spPr/>
+        <p:txBody>
+          <a:bodyPr/>
+          <a:lstStyle/>
+          <a:p>
+            <a:r>
+              <a:rPr lang="en-US" dirty="0"/>
+              <a:t>Dataset para o </a:t>
+            </a:r>
+            <a:r>
+              <a:rPr lang="en-US" dirty="0" err="1"/>
+              <a:t>modelo</a:t>
+            </a:r>
+            <a:r>
+              <a:rPr lang="en-US" dirty="0"/>
+              <a:t> LSTM-CNN</a:t>
+            </a:r>
+          </a:p>
+        </p:txBody>
+      </p:sp>
+      <p:graphicFrame>
+        <p:nvGraphicFramePr>
+          <p:cNvPr id="8" name="Content Placeholder 7">
+            <a:extLst>
+              <a:ext uri="{FF2B5EF4-FFF2-40B4-BE49-F238E27FC236}">
+                <a16:creationId xmlns:a16="http://schemas.microsoft.com/office/drawing/2014/main" id="{69984F6D-7D69-4249-88CD-15EADA1568E7}"/>
+              </a:ext>
+            </a:extLst>
+          </p:cNvPr>
+          <p:cNvGraphicFramePr>
+            <a:graphicFrameLocks noGrp="1"/>
+          </p:cNvGraphicFramePr>
+          <p:nvPr>
+            <p:ph idx="1"/>
+            <p:extLst>
+              <p:ext uri="{D42A27DB-BD31-4B8C-83A1-F6EECF244321}">
+                <p14:modId xmlns:p14="http://schemas.microsoft.com/office/powerpoint/2010/main" val="2728877288"/>
+              </p:ext>
+            </p:extLst>
+          </p:nvPr>
+        </p:nvGraphicFramePr>
+        <p:xfrm>
+          <a:off x="838200" y="1825625"/>
+          <a:ext cx="10515600" cy="2225040"/>
+        </p:xfrm>
+        <a:graphic>
+          <a:graphicData uri="http://schemas.openxmlformats.org/drawingml/2006/table">
+            <a:tbl>
+              <a:tblPr firstRow="1" bandRow="1">
+                <a:tableStyleId>{5C22544A-7EE6-4342-B048-85BDC9FD1C3A}</a:tableStyleId>
+              </a:tblPr>
+              <a:tblGrid>
+                <a:gridCol w="5257800">
+                  <a:extLst>
+                    <a:ext uri="{9D8B030D-6E8A-4147-A177-3AD203B41FA5}">
+                      <a16:colId xmlns:a16="http://schemas.microsoft.com/office/drawing/2014/main" val="1618778350"/>
+                    </a:ext>
+                  </a:extLst>
+                </a:gridCol>
+                <a:gridCol w="5257800">
+                  <a:extLst>
+                    <a:ext uri="{9D8B030D-6E8A-4147-A177-3AD203B41FA5}">
+                      <a16:colId xmlns:a16="http://schemas.microsoft.com/office/drawing/2014/main" val="3544325905"/>
+                    </a:ext>
+                  </a:extLst>
+                </a:gridCol>
+              </a:tblGrid>
+              <a:tr h="370840">
+                <a:tc gridSpan="2">
+                  <a:txBody>
+                    <a:bodyPr/>
+                    <a:lstStyle/>
+                    <a:p>
+                      <a:pPr algn="r"/>
+                      <a:r>
+                        <a:rPr lang="en-US" dirty="0"/>
+                        <a:t># of question code pair</a:t>
+                      </a:r>
+                    </a:p>
+                  </a:txBody>
+                  <a:tcPr/>
+                </a:tc>
+                <a:tc hMerge="1">
+                  <a:txBody>
+                    <a:bodyPr/>
+                    <a:lstStyle/>
+                    <a:p>
+                      <a:endParaRPr lang="en-US" dirty="0"/>
+                    </a:p>
+                  </a:txBody>
+                  <a:tcPr/>
+                </a:tc>
+                <a:extLst>
+                  <a:ext uri="{0D108BD9-81ED-4DB2-BD59-A6C34878D82A}">
+                    <a16:rowId xmlns:a16="http://schemas.microsoft.com/office/drawing/2014/main" val="2038508077"/>
+                  </a:ext>
+                </a:extLst>
+              </a:tr>
+              <a:tr h="370840">
+                <a:tc>
+                  <a:txBody>
+                    <a:bodyPr/>
+                    <a:lstStyle/>
+                    <a:p>
+                      <a:r>
+                        <a:rPr lang="en-US" b="1" dirty="0" err="1"/>
+                        <a:t>Amostras</a:t>
+                      </a:r>
+                      <a:endParaRPr lang="en-US" b="1" dirty="0"/>
+                    </a:p>
+                  </a:txBody>
+                  <a:tcPr/>
+                </a:tc>
+                <a:tc>
+                  <a:txBody>
+                    <a:bodyPr/>
+                    <a:lstStyle/>
+                    <a:p>
+                      <a:r>
+                        <a:rPr lang="en-US" b="1" dirty="0"/>
+                        <a:t>Python</a:t>
+                      </a:r>
+                    </a:p>
+                  </a:txBody>
+                  <a:tcPr/>
+                </a:tc>
+                <a:extLst>
+                  <a:ext uri="{0D108BD9-81ED-4DB2-BD59-A6C34878D82A}">
+                    <a16:rowId xmlns:a16="http://schemas.microsoft.com/office/drawing/2014/main" val="1034248462"/>
+                  </a:ext>
+                </a:extLst>
+              </a:tr>
+              <a:tr h="370840">
+                <a:tc>
+                  <a:txBody>
+                    <a:bodyPr/>
+                    <a:lstStyle/>
+                    <a:p>
+                      <a:r>
+                        <a:rPr lang="en-US" dirty="0"/>
+                        <a:t>Total de </a:t>
+                      </a:r>
+                      <a:r>
+                        <a:rPr lang="en-US" dirty="0" err="1"/>
+                        <a:t>amostras</a:t>
+                      </a:r>
+                      <a:endParaRPr lang="en-US" dirty="0"/>
+                    </a:p>
+                  </a:txBody>
+                  <a:tcPr/>
+                </a:tc>
+                <a:tc>
+                  <a:txBody>
+                    <a:bodyPr/>
+                    <a:lstStyle/>
+                    <a:p>
+                      <a:r>
+                        <a:rPr lang="en-US" dirty="0"/>
+                        <a:t>4884</a:t>
+                      </a:r>
+                    </a:p>
+                  </a:txBody>
+                  <a:tcPr/>
+                </a:tc>
+                <a:extLst>
+                  <a:ext uri="{0D108BD9-81ED-4DB2-BD59-A6C34878D82A}">
+                    <a16:rowId xmlns:a16="http://schemas.microsoft.com/office/drawing/2014/main" val="1587790663"/>
+                  </a:ext>
+                </a:extLst>
+              </a:tr>
+              <a:tr h="370840">
+                <a:tc>
+                  <a:txBody>
+                    <a:bodyPr/>
+                    <a:lstStyle/>
+                    <a:p>
+                      <a:r>
+                        <a:rPr lang="en-US" dirty="0"/>
+                        <a:t>Total de </a:t>
+                      </a:r>
+                      <a:r>
+                        <a:rPr lang="en-US" dirty="0" err="1"/>
+                        <a:t>amostras</a:t>
+                      </a:r>
+                      <a:r>
+                        <a:rPr lang="en-US" dirty="0"/>
+                        <a:t> </a:t>
+                      </a:r>
+                      <a:r>
+                        <a:rPr lang="en-US" dirty="0" err="1"/>
+                        <a:t>efetivamente</a:t>
+                      </a:r>
+                      <a:r>
+                        <a:rPr lang="en-US" dirty="0"/>
+                        <a:t> </a:t>
+                      </a:r>
+                      <a:r>
+                        <a:rPr lang="en-US" dirty="0" err="1"/>
+                        <a:t>utilizadas</a:t>
+                      </a:r>
+                      <a:r>
+                        <a:rPr lang="en-US" dirty="0"/>
+                        <a:t> no </a:t>
+                      </a:r>
+                      <a:r>
+                        <a:rPr lang="en-US" dirty="0" err="1"/>
+                        <a:t>modelo</a:t>
+                      </a:r>
+                      <a:r>
+                        <a:rPr lang="en-US" dirty="0"/>
+                        <a:t>*</a:t>
+                      </a:r>
+                    </a:p>
+                  </a:txBody>
+                  <a:tcPr/>
+                </a:tc>
+                <a:tc>
+                  <a:txBody>
+                    <a:bodyPr/>
+                    <a:lstStyle/>
+                    <a:p>
+                      <a:r>
+                        <a:rPr lang="en-US" dirty="0"/>
+                        <a:t>2169</a:t>
+                      </a:r>
+                    </a:p>
+                  </a:txBody>
+                  <a:tcPr/>
+                </a:tc>
+                <a:extLst>
+                  <a:ext uri="{0D108BD9-81ED-4DB2-BD59-A6C34878D82A}">
+                    <a16:rowId xmlns:a16="http://schemas.microsoft.com/office/drawing/2014/main" val="600994295"/>
+                  </a:ext>
+                </a:extLst>
+              </a:tr>
+              <a:tr h="370840">
+                <a:tc>
+                  <a:txBody>
+                    <a:bodyPr/>
+                    <a:lstStyle/>
+                    <a:p>
+                      <a:r>
+                        <a:rPr lang="en-US" dirty="0" err="1"/>
+                        <a:t>Amostras</a:t>
+                      </a:r>
+                      <a:r>
+                        <a:rPr lang="en-US" dirty="0"/>
+                        <a:t> de </a:t>
+                      </a:r>
+                      <a:r>
+                        <a:rPr lang="en-US" dirty="0" err="1"/>
+                        <a:t>treinamento</a:t>
+                      </a:r>
+                      <a:endParaRPr lang="en-US" dirty="0"/>
+                    </a:p>
+                  </a:txBody>
+                  <a:tcPr/>
+                </a:tc>
+                <a:tc>
+                  <a:txBody>
+                    <a:bodyPr/>
+                    <a:lstStyle/>
+                    <a:p>
+                      <a:r>
+                        <a:rPr lang="en-US" dirty="0"/>
+                        <a:t>1454</a:t>
+                      </a:r>
+                    </a:p>
+                  </a:txBody>
+                  <a:tcPr/>
+                </a:tc>
+                <a:extLst>
+                  <a:ext uri="{0D108BD9-81ED-4DB2-BD59-A6C34878D82A}">
+                    <a16:rowId xmlns:a16="http://schemas.microsoft.com/office/drawing/2014/main" val="1464532890"/>
+                  </a:ext>
+                </a:extLst>
+              </a:tr>
+              <a:tr h="370840">
+                <a:tc>
+                  <a:txBody>
+                    <a:bodyPr/>
+                    <a:lstStyle/>
+                    <a:p>
+                      <a:r>
+                        <a:rPr lang="en-US" dirty="0" err="1"/>
+                        <a:t>Amostras</a:t>
+                      </a:r>
+                      <a:r>
+                        <a:rPr lang="en-US" dirty="0"/>
+                        <a:t> para </a:t>
+                      </a:r>
+                      <a:r>
+                        <a:rPr lang="en-US" dirty="0" err="1"/>
+                        <a:t>validação</a:t>
+                      </a:r>
+                      <a:endParaRPr lang="en-US" dirty="0"/>
+                    </a:p>
+                  </a:txBody>
+                  <a:tcPr/>
+                </a:tc>
+                <a:tc>
+                  <a:txBody>
+                    <a:bodyPr/>
+                    <a:lstStyle/>
+                    <a:p>
+                      <a:r>
+                        <a:rPr lang="en-US" dirty="0"/>
+                        <a:t>715</a:t>
+                      </a:r>
+                    </a:p>
+                  </a:txBody>
+                  <a:tcPr/>
+                </a:tc>
+                <a:extLst>
+                  <a:ext uri="{0D108BD9-81ED-4DB2-BD59-A6C34878D82A}">
+                    <a16:rowId xmlns:a16="http://schemas.microsoft.com/office/drawing/2014/main" val="4036779689"/>
+                  </a:ext>
+                </a:extLst>
+              </a:tr>
+            </a:tbl>
+          </a:graphicData>
+        </a:graphic>
+      </p:graphicFrame>
+      <p:sp>
+        <p:nvSpPr>
+          <p:cNvPr id="9" name="TextBox 8">
+            <a:extLst>
+              <a:ext uri="{FF2B5EF4-FFF2-40B4-BE49-F238E27FC236}">
+                <a16:creationId xmlns:a16="http://schemas.microsoft.com/office/drawing/2014/main" id="{35D30B06-004F-C342-86A9-8901C5F7ED98}"/>
+              </a:ext>
+            </a:extLst>
+          </p:cNvPr>
+          <p:cNvSpPr txBox="1"/>
+          <p:nvPr/>
+        </p:nvSpPr>
+        <p:spPr>
+          <a:xfrm>
+            <a:off x="838200" y="4529138"/>
+            <a:ext cx="10391775" cy="369332"/>
+          </a:xfrm>
+          <a:prstGeom prst="rect">
+            <a:avLst/>
+          </a:prstGeom>
+          <a:noFill/>
+        </p:spPr>
+        <p:txBody>
+          <a:bodyPr wrap="square" rtlCol="0">
+            <a:spAutoFit/>
+          </a:bodyPr>
+          <a:lstStyle/>
+          <a:p>
+            <a:r>
+              <a:rPr lang="en-US" dirty="0"/>
+              <a:t>* </a:t>
+            </a:r>
+            <a:r>
+              <a:rPr lang="en-US" dirty="0" err="1"/>
+              <a:t>Utilizei</a:t>
+            </a:r>
+            <a:r>
+              <a:rPr lang="en-US" dirty="0"/>
+              <a:t> </a:t>
+            </a:r>
+            <a:r>
+              <a:rPr lang="en-US" dirty="0" err="1"/>
+              <a:t>apenas</a:t>
+            </a:r>
+            <a:r>
+              <a:rPr lang="en-US" dirty="0"/>
+              <a:t> </a:t>
+            </a:r>
+            <a:r>
+              <a:rPr lang="en-US" dirty="0" err="1"/>
+              <a:t>questões</a:t>
+            </a:r>
+            <a:r>
+              <a:rPr lang="en-US" dirty="0"/>
+              <a:t> que </a:t>
+            </a:r>
+            <a:r>
+              <a:rPr lang="en-US" dirty="0" err="1"/>
+              <a:t>tinham</a:t>
+            </a:r>
+            <a:r>
+              <a:rPr lang="en-US" dirty="0"/>
+              <a:t> </a:t>
+            </a:r>
+            <a:r>
+              <a:rPr lang="en-US" dirty="0" err="1"/>
+              <a:t>pelo</a:t>
+            </a:r>
+            <a:r>
+              <a:rPr lang="en-US" dirty="0"/>
+              <a:t> </a:t>
+            </a:r>
+            <a:r>
+              <a:rPr lang="en-US" dirty="0" err="1"/>
+              <a:t>menos</a:t>
+            </a:r>
+            <a:r>
+              <a:rPr lang="en-US" dirty="0"/>
+              <a:t> 1 </a:t>
+            </a:r>
+            <a:r>
+              <a:rPr lang="en-US" dirty="0" err="1"/>
+              <a:t>resposta</a:t>
+            </a:r>
+            <a:r>
+              <a:rPr lang="en-US" dirty="0"/>
+              <a:t> </a:t>
+            </a:r>
+            <a:r>
+              <a:rPr lang="en-US" dirty="0" err="1"/>
+              <a:t>correta</a:t>
+            </a:r>
+            <a:r>
+              <a:rPr lang="en-US" dirty="0"/>
+              <a:t>. </a:t>
+            </a:r>
+          </a:p>
+        </p:txBody>
+      </p:sp>
+    </p:spTree>
+    <p:extLst>
+      <p:ext uri="{BB962C8B-B14F-4D97-AF65-F5344CB8AC3E}">
+        <p14:creationId xmlns:p14="http://schemas.microsoft.com/office/powerpoint/2010/main" val="4146704698"/>
+      </p:ext>
+    </p:extLst>
+  </p:cSld>
+  <p:clrMapOvr>
+    <a:masterClrMapping/>
+  </p:clrMapOvr>
+</p:sld>
+</file>
+
+<file path=ppt/slides/slide8.xml><?xml version="1.0" encoding="utf-8"?>
+<p:sld xmlns:a="http://schemas.openxmlformats.org/drawingml/2006/main" xmlns:r="http://schemas.openxmlformats.org/officeDocument/2006/relationships" xmlns:p="http://schemas.openxmlformats.org/presentationml/2006/main">
+  <p:cSld>
+    <p:spTree>
+      <p:nvGrpSpPr>
+        <p:cNvPr id="1" name=""/>
+        <p:cNvGrpSpPr/>
+        <p:nvPr/>
+      </p:nvGrpSpPr>
+      <p:grpSpPr>
+        <a:xfrm>
+          <a:off x="0" y="0"/>
+          <a:ext cx="0" cy="0"/>
+          <a:chOff x="0" y="0"/>
+          <a:chExt cx="0" cy="0"/>
+        </a:xfrm>
+      </p:grpSpPr>
+      <p:sp>
+        <p:nvSpPr>
+          <p:cNvPr id="2" name="Title 1">
+            <a:extLst>
+              <a:ext uri="{FF2B5EF4-FFF2-40B4-BE49-F238E27FC236}">
+                <a16:creationId xmlns:a16="http://schemas.microsoft.com/office/drawing/2014/main" id="{40DE72F3-089E-394F-805A-33E3D2ADEA8C}"/>
+              </a:ext>
+            </a:extLst>
+          </p:cNvPr>
+          <p:cNvSpPr>
+            <a:spLocks noGrp="1"/>
+          </p:cNvSpPr>
+          <p:nvPr>
+            <p:ph type="title"/>
+          </p:nvPr>
+        </p:nvSpPr>
+        <p:spPr/>
+        <p:txBody>
+          <a:bodyPr/>
+          <a:lstStyle/>
+          <a:p>
+            <a:r>
+              <a:rPr lang="en-US" dirty="0" err="1"/>
+              <a:t>Número</a:t>
+            </a:r>
+            <a:r>
+              <a:rPr lang="en-US" dirty="0"/>
+              <a:t> de </a:t>
+            </a:r>
+            <a:r>
+              <a:rPr lang="en-US" dirty="0" err="1"/>
+              <a:t>respostas</a:t>
+            </a:r>
+            <a:r>
+              <a:rPr lang="en-US" dirty="0"/>
+              <a:t> </a:t>
+            </a:r>
+            <a:r>
+              <a:rPr lang="en-US" dirty="0" err="1"/>
+              <a:t>corretas</a:t>
+            </a:r>
+            <a:r>
+              <a:rPr lang="en-US" dirty="0"/>
+              <a:t> </a:t>
+            </a:r>
+            <a:r>
+              <a:rPr lang="en-US" dirty="0" err="1"/>
+              <a:t>por</a:t>
+            </a:r>
+            <a:r>
+              <a:rPr lang="en-US" dirty="0"/>
+              <a:t> </a:t>
+            </a:r>
+            <a:r>
+              <a:rPr lang="en-US" dirty="0" err="1"/>
+              <a:t>questão</a:t>
+            </a:r>
+            <a:endParaRPr lang="en-US" dirty="0"/>
+          </a:p>
+        </p:txBody>
+      </p:sp>
+      <p:pic>
+        <p:nvPicPr>
+          <p:cNvPr id="5" name="Content Placeholder 4">
+            <a:extLst>
+              <a:ext uri="{FF2B5EF4-FFF2-40B4-BE49-F238E27FC236}">
+                <a16:creationId xmlns:a16="http://schemas.microsoft.com/office/drawing/2014/main" id="{D44A2BE8-C8FD-7E46-B2C0-44E3C877D5B8}"/>
+              </a:ext>
+            </a:extLst>
+          </p:cNvPr>
+          <p:cNvPicPr>
+            <a:picLocks noGrp="1" noChangeAspect="1"/>
+          </p:cNvPicPr>
+          <p:nvPr>
+            <p:ph idx="1"/>
+          </p:nvPr>
+        </p:nvPicPr>
+        <p:blipFill>
+          <a:blip r:embed="rId2"/>
+          <a:stretch>
+            <a:fillRect/>
+          </a:stretch>
+        </p:blipFill>
+        <p:spPr>
+          <a:xfrm>
+            <a:off x="1423987" y="1413668"/>
+            <a:ext cx="8716962" cy="4358481"/>
+          </a:xfrm>
+        </p:spPr>
+      </p:pic>
+      <p:sp>
+        <p:nvSpPr>
+          <p:cNvPr id="6" name="TextBox 5">
+            <a:extLst>
+              <a:ext uri="{FF2B5EF4-FFF2-40B4-BE49-F238E27FC236}">
+                <a16:creationId xmlns:a16="http://schemas.microsoft.com/office/drawing/2014/main" id="{CE0D3044-E782-114B-AA52-0617CBFF4B78}"/>
+              </a:ext>
+            </a:extLst>
+          </p:cNvPr>
+          <p:cNvSpPr txBox="1"/>
+          <p:nvPr/>
+        </p:nvSpPr>
+        <p:spPr>
+          <a:xfrm>
+            <a:off x="1546225" y="5633649"/>
+            <a:ext cx="9201150" cy="276999"/>
+          </a:xfrm>
+          <a:prstGeom prst="rect">
+            <a:avLst/>
+          </a:prstGeom>
+          <a:noFill/>
+        </p:spPr>
+        <p:txBody>
+          <a:bodyPr wrap="square" rtlCol="0">
+            <a:spAutoFit/>
+          </a:bodyPr>
+          <a:lstStyle/>
+          <a:p>
+            <a:r>
+              <a:rPr lang="en-US" sz="1200" dirty="0">
+                <a:hlinkClick r:id="rId3"/>
+              </a:rPr>
+              <a:t>https://github.com/mrezende/StackOverflow-Question-Code-Dataset/blob/master/data/reports/correct_answers_per_question_hist.png</a:t>
+            </a:r>
+            <a:endParaRPr lang="en-US" sz="1200" dirty="0"/>
+          </a:p>
+        </p:txBody>
+      </p:sp>
+    </p:spTree>
+    <p:extLst>
+      <p:ext uri="{BB962C8B-B14F-4D97-AF65-F5344CB8AC3E}">
+        <p14:creationId xmlns:p14="http://schemas.microsoft.com/office/powerpoint/2010/main" val="1450259610"/>
+      </p:ext>
+    </p:extLst>
+  </p:cSld>
+  <p:clrMapOvr>
+    <a:masterClrMapping/>
+  </p:clrMapOvr>
+</p:sld>
+</file>
+
+<file path=ppt/slides/slide9.xml><?xml version="1.0" encoding="utf-8"?>
+<p:sld xmlns:a="http://schemas.openxmlformats.org/drawingml/2006/main" xmlns:r="http://schemas.openxmlformats.org/officeDocument/2006/relationships" xmlns:p="http://schemas.openxmlformats.org/presentationml/2006/main">
+  <p:cSld>
+    <p:spTree>
+      <p:nvGrpSpPr>
+        <p:cNvPr id="1" name=""/>
+        <p:cNvGrpSpPr/>
+        <p:nvPr/>
+      </p:nvGrpSpPr>
+      <p:grpSpPr>
+        <a:xfrm>
+          <a:off x="0" y="0"/>
+          <a:ext cx="0" cy="0"/>
+          <a:chOff x="0" y="0"/>
+          <a:chExt cx="0" cy="0"/>
+        </a:xfrm>
+      </p:grpSpPr>
+      <p:sp>
+        <p:nvSpPr>
+          <p:cNvPr id="2" name="Title 1">
+            <a:extLst>
+              <a:ext uri="{FF2B5EF4-FFF2-40B4-BE49-F238E27FC236}">
+                <a16:creationId xmlns:a16="http://schemas.microsoft.com/office/drawing/2014/main" id="{40DE72F3-089E-394F-805A-33E3D2ADEA8C}"/>
+              </a:ext>
+            </a:extLst>
+          </p:cNvPr>
+          <p:cNvSpPr>
+            <a:spLocks noGrp="1"/>
+          </p:cNvSpPr>
+          <p:nvPr>
+            <p:ph type="title"/>
+          </p:nvPr>
+        </p:nvSpPr>
+        <p:spPr/>
+        <p:txBody>
+          <a:bodyPr/>
+          <a:lstStyle/>
+          <a:p>
+            <a:r>
+              <a:rPr lang="en-US" dirty="0" err="1"/>
+              <a:t>Tamanho</a:t>
+            </a:r>
+            <a:r>
+              <a:rPr lang="en-US" dirty="0"/>
+              <a:t> da </a:t>
+            </a:r>
+            <a:r>
+              <a:rPr lang="en-US" dirty="0" err="1"/>
+              <a:t>questão</a:t>
+            </a:r>
+            <a:r>
+              <a:rPr lang="en-US" dirty="0"/>
+              <a:t> e </a:t>
+            </a:r>
+            <a:r>
+              <a:rPr lang="en-US" dirty="0" err="1"/>
+              <a:t>número</a:t>
+            </a:r>
+            <a:r>
+              <a:rPr lang="en-US" dirty="0"/>
+              <a:t> de </a:t>
+            </a:r>
+            <a:r>
+              <a:rPr lang="en-US" dirty="0" err="1"/>
+              <a:t>palavras</a:t>
+            </a:r>
+            <a:endParaRPr lang="en-US" dirty="0"/>
+          </a:p>
+        </p:txBody>
+      </p:sp>
+      <p:pic>
+        <p:nvPicPr>
+          <p:cNvPr id="5" name="Content Placeholder 4">
+            <a:extLst>
+              <a:ext uri="{FF2B5EF4-FFF2-40B4-BE49-F238E27FC236}">
+                <a16:creationId xmlns:a16="http://schemas.microsoft.com/office/drawing/2014/main" id="{D44A2BE8-C8FD-7E46-B2C0-44E3C877D5B8}"/>
+              </a:ext>
+            </a:extLst>
+          </p:cNvPr>
+          <p:cNvPicPr>
+            <a:picLocks noGrp="1" noChangeAspect="1"/>
+          </p:cNvPicPr>
+          <p:nvPr>
+            <p:ph idx="1"/>
+          </p:nvPr>
+        </p:nvPicPr>
+        <p:blipFill>
+          <a:blip r:embed="rId2"/>
+          <a:stretch>
+            <a:fillRect/>
+          </a:stretch>
+        </p:blipFill>
+        <p:spPr>
+          <a:xfrm>
+            <a:off x="0" y="1705571"/>
+            <a:ext cx="6362700" cy="3181350"/>
+          </a:xfrm>
+        </p:spPr>
+      </p:pic>
+      <p:pic>
+        <p:nvPicPr>
+          <p:cNvPr id="4" name="Picture 3">
+            <a:extLst>
+              <a:ext uri="{FF2B5EF4-FFF2-40B4-BE49-F238E27FC236}">
+                <a16:creationId xmlns:a16="http://schemas.microsoft.com/office/drawing/2014/main" id="{59F98138-81E3-DE4C-9DD9-03B174CC5146}"/>
+              </a:ext>
+            </a:extLst>
+          </p:cNvPr>
+          <p:cNvPicPr>
+            <a:picLocks noChangeAspect="1"/>
+          </p:cNvPicPr>
+          <p:nvPr/>
+        </p:nvPicPr>
+        <p:blipFill>
+          <a:blip r:embed="rId3"/>
+          <a:stretch>
+            <a:fillRect/>
+          </a:stretch>
+        </p:blipFill>
+        <p:spPr>
+          <a:xfrm>
+            <a:off x="5888832" y="1720454"/>
+            <a:ext cx="6303168" cy="3151584"/>
+          </a:xfrm>
+          <a:prstGeom prst="rect">
+            <a:avLst/>
+          </a:prstGeom>
+        </p:spPr>
+      </p:pic>
+      <p:sp>
+        <p:nvSpPr>
+          <p:cNvPr id="7" name="TextBox 6">
+            <a:extLst>
+              <a:ext uri="{FF2B5EF4-FFF2-40B4-BE49-F238E27FC236}">
+                <a16:creationId xmlns:a16="http://schemas.microsoft.com/office/drawing/2014/main" id="{D87BA6D5-0320-6048-BE03-17770045E6ED}"/>
+              </a:ext>
+            </a:extLst>
+          </p:cNvPr>
+          <p:cNvSpPr txBox="1"/>
+          <p:nvPr/>
+        </p:nvSpPr>
+        <p:spPr>
+          <a:xfrm>
+            <a:off x="838200" y="4743451"/>
+            <a:ext cx="4705350" cy="738664"/>
+          </a:xfrm>
+          <a:prstGeom prst="rect">
+            <a:avLst/>
+          </a:prstGeom>
+          <a:noFill/>
+        </p:spPr>
+        <p:txBody>
+          <a:bodyPr wrap="square" rtlCol="0">
+            <a:spAutoFit/>
+          </a:bodyPr>
+          <a:lstStyle/>
+          <a:p>
+            <a:pPr algn="ctr"/>
+            <a:r>
+              <a:rPr lang="en-US" dirty="0" err="1"/>
+              <a:t>Tamanho</a:t>
+            </a:r>
+            <a:r>
+              <a:rPr lang="en-US" dirty="0"/>
+              <a:t> da </a:t>
+            </a:r>
+            <a:r>
+              <a:rPr lang="en-US" dirty="0" err="1"/>
+              <a:t>questão</a:t>
+            </a:r>
+            <a:endParaRPr lang="en-US" dirty="0"/>
+          </a:p>
+          <a:p>
+            <a:pPr algn="ctr"/>
+            <a:r>
+              <a:rPr lang="en-US" sz="1200" dirty="0">
+                <a:hlinkClick r:id="rId4"/>
+              </a:rPr>
+              <a:t>https://github.com/mrezende/StackOverflow-Question-Code-Dataset/blob/master/data/reports/question_length_hist.png</a:t>
+            </a:r>
+            <a:endParaRPr lang="en-US" sz="1200" dirty="0"/>
+          </a:p>
+        </p:txBody>
+      </p:sp>
+      <p:sp>
+        <p:nvSpPr>
+          <p:cNvPr id="8" name="TextBox 7">
+            <a:extLst>
+              <a:ext uri="{FF2B5EF4-FFF2-40B4-BE49-F238E27FC236}">
+                <a16:creationId xmlns:a16="http://schemas.microsoft.com/office/drawing/2014/main" id="{C8A795A4-5A5B-B646-8ECC-BA0AEF32F5B8}"/>
+              </a:ext>
+            </a:extLst>
+          </p:cNvPr>
+          <p:cNvSpPr txBox="1"/>
+          <p:nvPr/>
+        </p:nvSpPr>
+        <p:spPr>
+          <a:xfrm>
+            <a:off x="6381750" y="4743748"/>
+            <a:ext cx="4705350" cy="923330"/>
+          </a:xfrm>
+          <a:prstGeom prst="rect">
+            <a:avLst/>
+          </a:prstGeom>
+          <a:noFill/>
+        </p:spPr>
+        <p:txBody>
+          <a:bodyPr wrap="square" rtlCol="0">
+            <a:spAutoFit/>
+          </a:bodyPr>
+          <a:lstStyle/>
+          <a:p>
+            <a:pPr algn="ctr"/>
+            <a:r>
+              <a:rPr lang="en-US" dirty="0" err="1"/>
+              <a:t>Número</a:t>
+            </a:r>
+            <a:r>
+              <a:rPr lang="en-US" dirty="0"/>
+              <a:t> de </a:t>
+            </a:r>
+            <a:r>
+              <a:rPr lang="en-US" dirty="0" err="1"/>
+              <a:t>palavras</a:t>
+            </a:r>
+            <a:r>
+              <a:rPr lang="en-US" dirty="0"/>
+              <a:t> </a:t>
+            </a:r>
+            <a:r>
+              <a:rPr lang="en-US" dirty="0" err="1"/>
+              <a:t>por</a:t>
+            </a:r>
+            <a:r>
+              <a:rPr lang="en-US" dirty="0"/>
+              <a:t> </a:t>
+            </a:r>
+            <a:r>
+              <a:rPr lang="en-US" dirty="0" err="1"/>
+              <a:t>questão</a:t>
+            </a:r>
+            <a:endParaRPr lang="en-US" dirty="0"/>
+          </a:p>
+          <a:p>
+            <a:pPr algn="ctr"/>
+            <a:r>
+              <a:rPr lang="en-US" sz="1200" dirty="0">
+                <a:hlinkClick r:id="rId5"/>
+              </a:rPr>
+              <a:t>https://github.com/mrezende/StackOverflow-Question-Code-Dataset/blob/master/data/reports/question_number_of_words_hist.png</a:t>
+            </a:r>
+            <a:endParaRPr lang="en-US" sz="1200" dirty="0"/>
+          </a:p>
+        </p:txBody>
+      </p:sp>
+    </p:spTree>
+    <p:extLst>
+      <p:ext uri="{BB962C8B-B14F-4D97-AF65-F5344CB8AC3E}">
+        <p14:creationId xmlns:p14="http://schemas.microsoft.com/office/powerpoint/2010/main" val="808818723"/>
       </p:ext>
     </p:extLst>
   </p:cSld>

--- a/draft/presentation_draft.pptx
+++ b/draft/presentation_draft.pptx
@@ -19,9 +19,12 @@
     <p:sldId id="270" r:id="rId13"/>
     <p:sldId id="271" r:id="rId14"/>
     <p:sldId id="272" r:id="rId15"/>
-    <p:sldId id="262" r:id="rId16"/>
-    <p:sldId id="263" r:id="rId17"/>
-    <p:sldId id="264" r:id="rId18"/>
+    <p:sldId id="273" r:id="rId16"/>
+    <p:sldId id="274" r:id="rId17"/>
+    <p:sldId id="275" r:id="rId18"/>
+    <p:sldId id="262" r:id="rId19"/>
+    <p:sldId id="263" r:id="rId20"/>
+    <p:sldId id="264" r:id="rId21"/>
   </p:sldIdLst>
   <p:sldSz cx="12192000" cy="6858000"/>
   <p:notesSz cx="6858000" cy="9144000"/>
@@ -275,7 +278,7 @@
           <a:p>
             <a:fld id="{D5F65742-485F-AF4F-A10E-2A244E8B6659}" type="datetimeFigureOut">
               <a:rPr lang="en-US" smtClean="0"/>
-              <a:t>3/6/19</a:t>
+              <a:t>3/9/19</a:t>
             </a:fld>
             <a:endParaRPr lang="en-US"/>
           </a:p>
@@ -473,7 +476,7 @@
           <a:p>
             <a:fld id="{D5F65742-485F-AF4F-A10E-2A244E8B6659}" type="datetimeFigureOut">
               <a:rPr lang="en-US" smtClean="0"/>
-              <a:t>3/6/19</a:t>
+              <a:t>3/9/19</a:t>
             </a:fld>
             <a:endParaRPr lang="en-US"/>
           </a:p>
@@ -681,7 +684,7 @@
           <a:p>
             <a:fld id="{D5F65742-485F-AF4F-A10E-2A244E8B6659}" type="datetimeFigureOut">
               <a:rPr lang="en-US" smtClean="0"/>
-              <a:t>3/6/19</a:t>
+              <a:t>3/9/19</a:t>
             </a:fld>
             <a:endParaRPr lang="en-US"/>
           </a:p>
@@ -879,7 +882,7 @@
           <a:p>
             <a:fld id="{D5F65742-485F-AF4F-A10E-2A244E8B6659}" type="datetimeFigureOut">
               <a:rPr lang="en-US" smtClean="0"/>
-              <a:t>3/6/19</a:t>
+              <a:t>3/9/19</a:t>
             </a:fld>
             <a:endParaRPr lang="en-US"/>
           </a:p>
@@ -1154,7 +1157,7 @@
           <a:p>
             <a:fld id="{D5F65742-485F-AF4F-A10E-2A244E8B6659}" type="datetimeFigureOut">
               <a:rPr lang="en-US" smtClean="0"/>
-              <a:t>3/6/19</a:t>
+              <a:t>3/9/19</a:t>
             </a:fld>
             <a:endParaRPr lang="en-US"/>
           </a:p>
@@ -1419,7 +1422,7 @@
           <a:p>
             <a:fld id="{D5F65742-485F-AF4F-A10E-2A244E8B6659}" type="datetimeFigureOut">
               <a:rPr lang="en-US" smtClean="0"/>
-              <a:t>3/6/19</a:t>
+              <a:t>3/9/19</a:t>
             </a:fld>
             <a:endParaRPr lang="en-US"/>
           </a:p>
@@ -1831,7 +1834,7 @@
           <a:p>
             <a:fld id="{D5F65742-485F-AF4F-A10E-2A244E8B6659}" type="datetimeFigureOut">
               <a:rPr lang="en-US" smtClean="0"/>
-              <a:t>3/6/19</a:t>
+              <a:t>3/9/19</a:t>
             </a:fld>
             <a:endParaRPr lang="en-US"/>
           </a:p>
@@ -1972,7 +1975,7 @@
           <a:p>
             <a:fld id="{D5F65742-485F-AF4F-A10E-2A244E8B6659}" type="datetimeFigureOut">
               <a:rPr lang="en-US" smtClean="0"/>
-              <a:t>3/6/19</a:t>
+              <a:t>3/9/19</a:t>
             </a:fld>
             <a:endParaRPr lang="en-US"/>
           </a:p>
@@ -2085,7 +2088,7 @@
           <a:p>
             <a:fld id="{D5F65742-485F-AF4F-A10E-2A244E8B6659}" type="datetimeFigureOut">
               <a:rPr lang="en-US" smtClean="0"/>
-              <a:t>3/6/19</a:t>
+              <a:t>3/9/19</a:t>
             </a:fld>
             <a:endParaRPr lang="en-US"/>
           </a:p>
@@ -2396,7 +2399,7 @@
           <a:p>
             <a:fld id="{D5F65742-485F-AF4F-A10E-2A244E8B6659}" type="datetimeFigureOut">
               <a:rPr lang="en-US" smtClean="0"/>
-              <a:t>3/6/19</a:t>
+              <a:t>3/9/19</a:t>
             </a:fld>
             <a:endParaRPr lang="en-US"/>
           </a:p>
@@ -2684,7 +2687,7 @@
           <a:p>
             <a:fld id="{D5F65742-485F-AF4F-A10E-2A244E8B6659}" type="datetimeFigureOut">
               <a:rPr lang="en-US" smtClean="0"/>
-              <a:t>3/6/19</a:t>
+              <a:t>3/9/19</a:t>
             </a:fld>
             <a:endParaRPr lang="en-US"/>
           </a:p>
@@ -2925,7 +2928,7 @@
           <a:p>
             <a:fld id="{D5F65742-485F-AF4F-A10E-2A244E8B6659}" type="datetimeFigureOut">
               <a:rPr lang="en-US" smtClean="0"/>
-              <a:t>3/6/19</a:t>
+              <a:t>3/9/19</a:t>
             </a:fld>
             <a:endParaRPr lang="en-US"/>
           </a:p>
@@ -4881,31 +4884,512 @@
           </a:p>
         </p:txBody>
       </p:sp>
-      <p:sp>
-        <p:nvSpPr>
-          <p:cNvPr id="3" name="Content Placeholder 2">
-            <a:extLst>
-              <a:ext uri="{FF2B5EF4-FFF2-40B4-BE49-F238E27FC236}">
-                <a16:creationId xmlns:a16="http://schemas.microsoft.com/office/drawing/2014/main" id="{D9CCF217-7F3E-AD4D-AC76-49C3259621C5}"/>
-              </a:ext>
-            </a:extLst>
-          </p:cNvPr>
-          <p:cNvSpPr>
-            <a:spLocks noGrp="1"/>
-          </p:cNvSpPr>
+      <p:pic>
+        <p:nvPicPr>
+          <p:cNvPr id="5" name="Content Placeholder 4">
+            <a:extLst>
+              <a:ext uri="{FF2B5EF4-FFF2-40B4-BE49-F238E27FC236}">
+                <a16:creationId xmlns:a16="http://schemas.microsoft.com/office/drawing/2014/main" id="{65893D3E-79B9-6145-921B-0BA980EB495C}"/>
+              </a:ext>
+            </a:extLst>
+          </p:cNvPr>
+          <p:cNvPicPr>
+            <a:picLocks noGrp="1" noChangeAspect="1"/>
+          </p:cNvPicPr>
           <p:nvPr>
             <p:ph idx="1"/>
           </p:nvPr>
+        </p:nvPicPr>
+        <p:blipFill>
+          <a:blip r:embed="rId2"/>
+          <a:stretch>
+            <a:fillRect/>
+          </a:stretch>
+        </p:blipFill>
+        <p:spPr>
+          <a:xfrm>
+            <a:off x="982663" y="1527384"/>
+            <a:ext cx="8712200" cy="850900"/>
+          </a:xfrm>
+        </p:spPr>
+      </p:pic>
+      <p:pic>
+        <p:nvPicPr>
+          <p:cNvPr id="9" name="Picture 8">
+            <a:extLst>
+              <a:ext uri="{FF2B5EF4-FFF2-40B4-BE49-F238E27FC236}">
+                <a16:creationId xmlns:a16="http://schemas.microsoft.com/office/drawing/2014/main" id="{0DBEDFF2-D939-BC4F-B7FC-3EC001FB802F}"/>
+              </a:ext>
+            </a:extLst>
+          </p:cNvPr>
+          <p:cNvPicPr>
+            <a:picLocks noChangeAspect="1"/>
+          </p:cNvPicPr>
+          <p:nvPr/>
+        </p:nvPicPr>
+        <p:blipFill>
+          <a:blip r:embed="rId3"/>
+          <a:stretch>
+            <a:fillRect/>
+          </a:stretch>
+        </p:blipFill>
+        <p:spPr>
+          <a:xfrm>
+            <a:off x="982663" y="2572820"/>
+            <a:ext cx="8686800" cy="876300"/>
+          </a:xfrm>
+          <a:prstGeom prst="rect">
+            <a:avLst/>
+          </a:prstGeom>
+        </p:spPr>
+      </p:pic>
+      <p:cxnSp>
+        <p:nvCxnSpPr>
+          <p:cNvPr id="11" name="Straight Arrow Connector 10">
+            <a:extLst>
+              <a:ext uri="{FF2B5EF4-FFF2-40B4-BE49-F238E27FC236}">
+                <a16:creationId xmlns:a16="http://schemas.microsoft.com/office/drawing/2014/main" id="{B25F429A-5C91-8B4A-9558-99BCB8C9E146}"/>
+              </a:ext>
+            </a:extLst>
+          </p:cNvPr>
+          <p:cNvCxnSpPr>
+            <a:cxnSpLocks/>
+          </p:cNvCxnSpPr>
+          <p:nvPr/>
+        </p:nvCxnSpPr>
+        <p:spPr>
+          <a:xfrm flipH="1" flipV="1">
+            <a:off x="1493045" y="3161255"/>
+            <a:ext cx="1100137" cy="849311"/>
+          </a:xfrm>
+          <a:prstGeom prst="straightConnector1">
+            <a:avLst/>
+          </a:prstGeom>
+          <a:ln w="57150">
+            <a:solidFill>
+              <a:srgbClr val="00B0F0"/>
+            </a:solidFill>
+            <a:tailEnd type="triangle"/>
+          </a:ln>
+        </p:spPr>
+        <p:style>
+          <a:lnRef idx="1">
+            <a:schemeClr val="accent1"/>
+          </a:lnRef>
+          <a:fillRef idx="0">
+            <a:schemeClr val="accent1"/>
+          </a:fillRef>
+          <a:effectRef idx="0">
+            <a:schemeClr val="accent1"/>
+          </a:effectRef>
+          <a:fontRef idx="minor">
+            <a:schemeClr val="tx1"/>
+          </a:fontRef>
+        </p:style>
+      </p:cxnSp>
+      <p:cxnSp>
+        <p:nvCxnSpPr>
+          <p:cNvPr id="13" name="Straight Arrow Connector 12">
+            <a:extLst>
+              <a:ext uri="{FF2B5EF4-FFF2-40B4-BE49-F238E27FC236}">
+                <a16:creationId xmlns:a16="http://schemas.microsoft.com/office/drawing/2014/main" id="{57AC8755-E743-4E44-9407-D2EE9A9D263B}"/>
+              </a:ext>
+            </a:extLst>
+          </p:cNvPr>
+          <p:cNvCxnSpPr/>
+          <p:nvPr/>
+        </p:nvCxnSpPr>
+        <p:spPr>
+          <a:xfrm flipH="1" flipV="1">
+            <a:off x="1600200" y="1994300"/>
+            <a:ext cx="1657350" cy="1960164"/>
+          </a:xfrm>
+          <a:prstGeom prst="straightConnector1">
+            <a:avLst/>
+          </a:prstGeom>
+          <a:ln w="57150">
+            <a:solidFill>
+              <a:srgbClr val="00B0F0"/>
+            </a:solidFill>
+            <a:tailEnd type="triangle"/>
+          </a:ln>
+        </p:spPr>
+        <p:style>
+          <a:lnRef idx="1">
+            <a:schemeClr val="accent1"/>
+          </a:lnRef>
+          <a:fillRef idx="0">
+            <a:schemeClr val="accent1"/>
+          </a:fillRef>
+          <a:effectRef idx="0">
+            <a:schemeClr val="accent1"/>
+          </a:effectRef>
+          <a:fontRef idx="minor">
+            <a:schemeClr val="tx1"/>
+          </a:fontRef>
+        </p:style>
+      </p:cxnSp>
+      <p:sp>
+        <p:nvSpPr>
+          <p:cNvPr id="15" name="TextBox 14">
+            <a:extLst>
+              <a:ext uri="{FF2B5EF4-FFF2-40B4-BE49-F238E27FC236}">
+                <a16:creationId xmlns:a16="http://schemas.microsoft.com/office/drawing/2014/main" id="{0DC541D4-45D2-5346-B9FE-551ECF23EBA8}"/>
+              </a:ext>
+            </a:extLst>
+          </p:cNvPr>
+          <p:cNvSpPr txBox="1"/>
+          <p:nvPr/>
         </p:nvSpPr>
-        <p:spPr/>
+        <p:spPr>
+          <a:xfrm>
+            <a:off x="2595563" y="3883971"/>
+            <a:ext cx="3500437" cy="646331"/>
+          </a:xfrm>
+          <a:prstGeom prst="rect">
+            <a:avLst/>
+          </a:prstGeom>
+          <a:noFill/>
+        </p:spPr>
         <p:txBody>
-          <a:bodyPr/>
+          <a:bodyPr wrap="square" rtlCol="0">
+            <a:spAutoFit/>
+          </a:bodyPr>
           <a:lstStyle/>
           <a:p>
-            <a:pPr marL="0" indent="0">
-              <a:buNone/>
-            </a:pPr>
-            <a:endParaRPr lang="en-US" dirty="0"/>
+            <a:r>
+              <a:rPr lang="en-US" dirty="0" err="1"/>
+              <a:t>Palavras</a:t>
+            </a:r>
+            <a:r>
+              <a:rPr lang="en-US" dirty="0"/>
+              <a:t> </a:t>
+            </a:r>
+            <a:r>
+              <a:rPr lang="en-US" dirty="0" err="1"/>
+              <a:t>similares</a:t>
+            </a:r>
+            <a:r>
+              <a:rPr lang="en-US" dirty="0"/>
+              <a:t> </a:t>
+            </a:r>
+            <a:r>
+              <a:rPr lang="en-US" dirty="0" err="1"/>
+              <a:t>ao</a:t>
+            </a:r>
+            <a:r>
+              <a:rPr lang="en-US" dirty="0"/>
+              <a:t> “for” e “def” </a:t>
+            </a:r>
+            <a:r>
+              <a:rPr lang="en-US" dirty="0" err="1"/>
+              <a:t>estão</a:t>
+            </a:r>
+            <a:r>
+              <a:rPr lang="en-US" dirty="0"/>
+              <a:t> “ok”. </a:t>
+            </a:r>
+          </a:p>
+        </p:txBody>
+      </p:sp>
+      <p:pic>
+        <p:nvPicPr>
+          <p:cNvPr id="17" name="Picture 16">
+            <a:extLst>
+              <a:ext uri="{FF2B5EF4-FFF2-40B4-BE49-F238E27FC236}">
+                <a16:creationId xmlns:a16="http://schemas.microsoft.com/office/drawing/2014/main" id="{B2A26805-B984-4F48-9979-5B572C54470C}"/>
+              </a:ext>
+            </a:extLst>
+          </p:cNvPr>
+          <p:cNvPicPr>
+            <a:picLocks noChangeAspect="1"/>
+          </p:cNvPicPr>
+          <p:nvPr/>
+        </p:nvPicPr>
+        <p:blipFill>
+          <a:blip r:embed="rId4"/>
+          <a:stretch>
+            <a:fillRect/>
+          </a:stretch>
+        </p:blipFill>
+        <p:spPr>
+          <a:xfrm>
+            <a:off x="982663" y="4542899"/>
+            <a:ext cx="8674100" cy="812800"/>
+          </a:xfrm>
+          <a:prstGeom prst="rect">
+            <a:avLst/>
+          </a:prstGeom>
+        </p:spPr>
+      </p:pic>
+      <p:sp>
+        <p:nvSpPr>
+          <p:cNvPr id="18" name="TextBox 17">
+            <a:extLst>
+              <a:ext uri="{FF2B5EF4-FFF2-40B4-BE49-F238E27FC236}">
+                <a16:creationId xmlns:a16="http://schemas.microsoft.com/office/drawing/2014/main" id="{C057FC9E-71BF-5940-B2E8-F00F798623F7}"/>
+              </a:ext>
+            </a:extLst>
+          </p:cNvPr>
+          <p:cNvSpPr txBox="1"/>
+          <p:nvPr/>
+        </p:nvSpPr>
+        <p:spPr>
+          <a:xfrm>
+            <a:off x="982663" y="5599167"/>
+            <a:ext cx="10115549" cy="923330"/>
+          </a:xfrm>
+          <a:prstGeom prst="rect">
+            <a:avLst/>
+          </a:prstGeom>
+          <a:noFill/>
+        </p:spPr>
+        <p:txBody>
+          <a:bodyPr wrap="square" rtlCol="0">
+            <a:spAutoFit/>
+          </a:bodyPr>
+          <a:lstStyle/>
+          <a:p>
+            <a:r>
+              <a:rPr lang="en-US" dirty="0" err="1"/>
+              <a:t>Porém</a:t>
+            </a:r>
+            <a:r>
+              <a:rPr lang="en-US" dirty="0"/>
+              <a:t> no </a:t>
+            </a:r>
+            <a:r>
+              <a:rPr lang="en-US" dirty="0" err="1"/>
+              <a:t>caso</a:t>
+            </a:r>
+            <a:r>
+              <a:rPr lang="en-US" dirty="0"/>
+              <a:t> do break, </a:t>
+            </a:r>
+            <a:r>
+              <a:rPr lang="en-US" dirty="0" err="1"/>
+              <a:t>ele</a:t>
+            </a:r>
+            <a:r>
+              <a:rPr lang="en-US" dirty="0"/>
+              <a:t> </a:t>
+            </a:r>
+            <a:r>
+              <a:rPr lang="en-US" dirty="0" err="1"/>
+              <a:t>associou</a:t>
+            </a:r>
+            <a:r>
+              <a:rPr lang="en-US" dirty="0"/>
+              <a:t> </a:t>
+            </a:r>
+            <a:r>
+              <a:rPr lang="en-US" dirty="0" err="1"/>
+              <a:t>ao</a:t>
+            </a:r>
+            <a:r>
+              <a:rPr lang="en-US" dirty="0"/>
+              <a:t> commando “</a:t>
+            </a:r>
+            <a:r>
+              <a:rPr lang="en-US" dirty="0" err="1"/>
+              <a:t>getch</a:t>
+            </a:r>
+            <a:r>
+              <a:rPr lang="en-US" dirty="0"/>
+              <a:t>” que </a:t>
+            </a:r>
+            <a:r>
+              <a:rPr lang="en-US" dirty="0" err="1"/>
+              <a:t>obtém</a:t>
+            </a:r>
+            <a:r>
+              <a:rPr lang="en-US" dirty="0"/>
+              <a:t> um </a:t>
+            </a:r>
+            <a:r>
+              <a:rPr lang="en-US" dirty="0" err="1"/>
+              <a:t>caractere</a:t>
+            </a:r>
+            <a:r>
+              <a:rPr lang="en-US" dirty="0"/>
+              <a:t> a </a:t>
+            </a:r>
+            <a:r>
+              <a:rPr lang="en-US" dirty="0" err="1"/>
+              <a:t>partir</a:t>
+            </a:r>
+            <a:r>
+              <a:rPr lang="en-US" dirty="0"/>
+              <a:t> do </a:t>
+            </a:r>
+            <a:r>
+              <a:rPr lang="en-US" dirty="0" err="1"/>
+              <a:t>teclado</a:t>
+            </a:r>
+            <a:r>
+              <a:rPr lang="en-US" dirty="0"/>
+              <a:t>. </a:t>
+            </a:r>
+            <a:r>
+              <a:rPr lang="en-US" dirty="0" err="1"/>
+              <a:t>Não</a:t>
+            </a:r>
+            <a:r>
+              <a:rPr lang="en-US" dirty="0"/>
+              <a:t> </a:t>
+            </a:r>
+            <a:r>
+              <a:rPr lang="en-US" dirty="0" err="1"/>
+              <a:t>haveria</a:t>
+            </a:r>
+            <a:r>
+              <a:rPr lang="en-US" dirty="0"/>
+              <a:t> </a:t>
+            </a:r>
+            <a:r>
+              <a:rPr lang="en-US" dirty="0" err="1"/>
+              <a:t>problema</a:t>
+            </a:r>
+            <a:r>
+              <a:rPr lang="en-US" dirty="0"/>
+              <a:t> </a:t>
+            </a:r>
+            <a:r>
+              <a:rPr lang="en-US" dirty="0" err="1"/>
+              <a:t>em</a:t>
+            </a:r>
+            <a:r>
+              <a:rPr lang="en-US" dirty="0"/>
+              <a:t> </a:t>
+            </a:r>
+            <a:r>
+              <a:rPr lang="en-US" dirty="0" err="1"/>
+              <a:t>associar</a:t>
+            </a:r>
+            <a:r>
+              <a:rPr lang="en-US" dirty="0"/>
+              <a:t>, </a:t>
+            </a:r>
+            <a:r>
+              <a:rPr lang="en-US" dirty="0" err="1"/>
+              <a:t>não</a:t>
+            </a:r>
+            <a:r>
+              <a:rPr lang="en-US" dirty="0"/>
+              <a:t> </a:t>
+            </a:r>
+            <a:r>
+              <a:rPr lang="en-US" dirty="0" err="1"/>
+              <a:t>é</a:t>
+            </a:r>
+            <a:r>
+              <a:rPr lang="en-US" dirty="0"/>
+              <a:t> a </a:t>
+            </a:r>
+            <a:r>
+              <a:rPr lang="en-US" dirty="0" err="1"/>
+              <a:t>mais</a:t>
+            </a:r>
+            <a:r>
+              <a:rPr lang="en-US" dirty="0"/>
+              <a:t> </a:t>
+            </a:r>
+            <a:r>
+              <a:rPr lang="en-US" dirty="0" err="1"/>
+              <a:t>intuitiva</a:t>
+            </a:r>
+            <a:r>
+              <a:rPr lang="en-US" dirty="0"/>
+              <a:t> e </a:t>
+            </a:r>
+            <a:r>
+              <a:rPr lang="en-US" dirty="0" err="1"/>
+              <a:t>lógica</a:t>
+            </a:r>
+            <a:r>
+              <a:rPr lang="en-US" dirty="0"/>
+              <a:t> a </a:t>
+            </a:r>
+            <a:r>
+              <a:rPr lang="en-US" dirty="0" err="1"/>
+              <a:t>partir</a:t>
+            </a:r>
+            <a:r>
+              <a:rPr lang="en-US" dirty="0"/>
+              <a:t> do </a:t>
+            </a:r>
+            <a:r>
+              <a:rPr lang="en-US" dirty="0" err="1"/>
+              <a:t>ponto</a:t>
+            </a:r>
+            <a:r>
+              <a:rPr lang="en-US" dirty="0"/>
+              <a:t> de vista de </a:t>
+            </a:r>
+            <a:r>
+              <a:rPr lang="en-US" dirty="0" err="1"/>
+              <a:t>programação</a:t>
+            </a:r>
+            <a:r>
+              <a:rPr lang="en-US" dirty="0"/>
+              <a:t>. </a:t>
+            </a:r>
+            <a:r>
+              <a:rPr lang="en-US" dirty="0" err="1"/>
+              <a:t>Porém</a:t>
+            </a:r>
+            <a:r>
+              <a:rPr lang="en-US" dirty="0"/>
+              <a:t> as </a:t>
+            </a:r>
+            <a:r>
+              <a:rPr lang="en-US" dirty="0" err="1"/>
+              <a:t>outras</a:t>
+            </a:r>
+            <a:r>
+              <a:rPr lang="en-US" dirty="0"/>
+              <a:t> </a:t>
+            </a:r>
+            <a:r>
+              <a:rPr lang="en-US" dirty="0" err="1"/>
+              <a:t>palavras</a:t>
+            </a:r>
+            <a:r>
+              <a:rPr lang="en-US" dirty="0"/>
+              <a:t> </a:t>
+            </a:r>
+            <a:r>
+              <a:rPr lang="en-US" dirty="0" err="1"/>
+              <a:t>são</a:t>
+            </a:r>
+            <a:r>
+              <a:rPr lang="en-US" dirty="0"/>
+              <a:t> </a:t>
+            </a:r>
+            <a:r>
+              <a:rPr lang="en-US" dirty="0" err="1"/>
+              <a:t>menos</a:t>
+            </a:r>
+            <a:r>
+              <a:rPr lang="en-US" dirty="0"/>
+              <a:t> </a:t>
+            </a:r>
+            <a:r>
+              <a:rPr lang="en-US" dirty="0" err="1"/>
+              <a:t>intuitivas</a:t>
+            </a:r>
+            <a:r>
+              <a:rPr lang="en-US" dirty="0"/>
+              <a:t> </a:t>
+            </a:r>
+            <a:r>
+              <a:rPr lang="en-US" dirty="0" err="1"/>
+              <a:t>ainda</a:t>
+            </a:r>
+            <a:r>
+              <a:rPr lang="en-US" dirty="0"/>
+              <a:t>. </a:t>
+            </a:r>
           </a:p>
         </p:txBody>
       </p:sp>
@@ -4923,6 +5407,1106 @@
 </file>
 
 <file path=ppt/slides/slide15.xml><?xml version="1.0" encoding="utf-8"?>
+<p:sld xmlns:a="http://schemas.openxmlformats.org/drawingml/2006/main" xmlns:r="http://schemas.openxmlformats.org/officeDocument/2006/relationships" xmlns:p="http://schemas.openxmlformats.org/presentationml/2006/main">
+  <p:cSld>
+    <p:spTree>
+      <p:nvGrpSpPr>
+        <p:cNvPr id="1" name=""/>
+        <p:cNvGrpSpPr/>
+        <p:nvPr/>
+      </p:nvGrpSpPr>
+      <p:grpSpPr>
+        <a:xfrm>
+          <a:off x="0" y="0"/>
+          <a:ext cx="0" cy="0"/>
+          <a:chOff x="0" y="0"/>
+          <a:chExt cx="0" cy="0"/>
+        </a:xfrm>
+      </p:grpSpPr>
+      <p:pic>
+        <p:nvPicPr>
+          <p:cNvPr id="7" name="Content Placeholder 6">
+            <a:extLst>
+              <a:ext uri="{FF2B5EF4-FFF2-40B4-BE49-F238E27FC236}">
+                <a16:creationId xmlns:a16="http://schemas.microsoft.com/office/drawing/2014/main" id="{328F7151-B856-B04F-9195-12894C0C81B4}"/>
+              </a:ext>
+            </a:extLst>
+          </p:cNvPr>
+          <p:cNvPicPr>
+            <a:picLocks noGrp="1" noChangeAspect="1"/>
+          </p:cNvPicPr>
+          <p:nvPr>
+            <p:ph idx="1"/>
+          </p:nvPr>
+        </p:nvPicPr>
+        <p:blipFill>
+          <a:blip r:embed="rId2"/>
+          <a:stretch>
+            <a:fillRect/>
+          </a:stretch>
+        </p:blipFill>
+        <p:spPr>
+          <a:xfrm>
+            <a:off x="1562524" y="1690687"/>
+            <a:ext cx="7467176" cy="3944053"/>
+          </a:xfrm>
+        </p:spPr>
+      </p:pic>
+      <p:sp>
+        <p:nvSpPr>
+          <p:cNvPr id="2" name="Title 1">
+            <a:extLst>
+              <a:ext uri="{FF2B5EF4-FFF2-40B4-BE49-F238E27FC236}">
+                <a16:creationId xmlns:a16="http://schemas.microsoft.com/office/drawing/2014/main" id="{C7859068-48F2-0C42-A31C-F77CCF9A5507}"/>
+              </a:ext>
+            </a:extLst>
+          </p:cNvPr>
+          <p:cNvSpPr>
+            <a:spLocks noGrp="1"/>
+          </p:cNvSpPr>
+          <p:nvPr>
+            <p:ph type="title"/>
+          </p:nvPr>
+        </p:nvSpPr>
+        <p:spPr/>
+        <p:txBody>
+          <a:bodyPr/>
+          <a:lstStyle/>
+          <a:p>
+            <a:r>
+              <a:rPr lang="en-US" dirty="0" err="1"/>
+              <a:t>Modelo</a:t>
+            </a:r>
+            <a:r>
+              <a:rPr lang="en-US" dirty="0"/>
+              <a:t> deep learning </a:t>
+            </a:r>
+            <a:r>
+              <a:rPr lang="en-US" dirty="0" err="1"/>
+              <a:t>utilizado</a:t>
+            </a:r>
+            <a:endParaRPr lang="en-US" dirty="0"/>
+          </a:p>
+        </p:txBody>
+      </p:sp>
+      <p:cxnSp>
+        <p:nvCxnSpPr>
+          <p:cNvPr id="10" name="Straight Arrow Connector 9">
+            <a:extLst>
+              <a:ext uri="{FF2B5EF4-FFF2-40B4-BE49-F238E27FC236}">
+                <a16:creationId xmlns:a16="http://schemas.microsoft.com/office/drawing/2014/main" id="{5EF4F57B-CE8A-234D-BF40-708EEED1C2D4}"/>
+              </a:ext>
+            </a:extLst>
+          </p:cNvPr>
+          <p:cNvCxnSpPr>
+            <a:cxnSpLocks/>
+            <a:stCxn id="12" idx="1"/>
+          </p:cNvCxnSpPr>
+          <p:nvPr/>
+        </p:nvCxnSpPr>
+        <p:spPr>
+          <a:xfrm flipH="1">
+            <a:off x="8729663" y="3138964"/>
+            <a:ext cx="785812" cy="383018"/>
+          </a:xfrm>
+          <a:prstGeom prst="straightConnector1">
+            <a:avLst/>
+          </a:prstGeom>
+          <a:ln w="57150">
+            <a:tailEnd type="triangle"/>
+          </a:ln>
+        </p:spPr>
+        <p:style>
+          <a:lnRef idx="1">
+            <a:schemeClr val="accent1"/>
+          </a:lnRef>
+          <a:fillRef idx="0">
+            <a:schemeClr val="accent1"/>
+          </a:fillRef>
+          <a:effectRef idx="0">
+            <a:schemeClr val="accent1"/>
+          </a:effectRef>
+          <a:fontRef idx="minor">
+            <a:schemeClr val="tx1"/>
+          </a:fontRef>
+        </p:style>
+      </p:cxnSp>
+      <p:sp>
+        <p:nvSpPr>
+          <p:cNvPr id="12" name="TextBox 11">
+            <a:extLst>
+              <a:ext uri="{FF2B5EF4-FFF2-40B4-BE49-F238E27FC236}">
+                <a16:creationId xmlns:a16="http://schemas.microsoft.com/office/drawing/2014/main" id="{1224FB46-4E77-7A40-AF64-8BED4BDC9928}"/>
+              </a:ext>
+            </a:extLst>
+          </p:cNvPr>
+          <p:cNvSpPr txBox="1"/>
+          <p:nvPr/>
+        </p:nvSpPr>
+        <p:spPr>
+          <a:xfrm>
+            <a:off x="9515475" y="2400300"/>
+            <a:ext cx="2286000" cy="1477328"/>
+          </a:xfrm>
+          <a:prstGeom prst="rect">
+            <a:avLst/>
+          </a:prstGeom>
+          <a:noFill/>
+        </p:spPr>
+        <p:txBody>
+          <a:bodyPr wrap="square" rtlCol="0">
+            <a:spAutoFit/>
+          </a:bodyPr>
+          <a:lstStyle/>
+          <a:p>
+            <a:r>
+              <a:rPr lang="en-US" dirty="0" err="1"/>
+              <a:t>Esta</a:t>
+            </a:r>
+            <a:r>
+              <a:rPr lang="en-US" dirty="0"/>
+              <a:t> </a:t>
+            </a:r>
+            <a:r>
+              <a:rPr lang="en-US" dirty="0" err="1"/>
+              <a:t>imagem</a:t>
+            </a:r>
+            <a:r>
+              <a:rPr lang="en-US" dirty="0"/>
+              <a:t> </a:t>
+            </a:r>
+            <a:r>
+              <a:rPr lang="en-US" dirty="0" err="1"/>
+              <a:t>foi</a:t>
+            </a:r>
+            <a:r>
+              <a:rPr lang="en-US" dirty="0"/>
+              <a:t> </a:t>
+            </a:r>
+            <a:r>
+              <a:rPr lang="en-US" dirty="0" err="1"/>
+              <a:t>copiada</a:t>
+            </a:r>
+            <a:r>
+              <a:rPr lang="en-US" dirty="0"/>
+              <a:t>. Vou </a:t>
+            </a:r>
+            <a:r>
+              <a:rPr lang="en-US" dirty="0" err="1"/>
+              <a:t>criar</a:t>
+            </a:r>
+            <a:r>
+              <a:rPr lang="en-US" dirty="0"/>
+              <a:t> </a:t>
+            </a:r>
+            <a:r>
+              <a:rPr lang="en-US" dirty="0" err="1"/>
+              <a:t>uma</a:t>
+            </a:r>
+            <a:r>
+              <a:rPr lang="en-US" dirty="0"/>
+              <a:t> para </a:t>
+            </a:r>
+            <a:r>
+              <a:rPr lang="en-US" dirty="0" err="1"/>
+              <a:t>mim</a:t>
+            </a:r>
+            <a:r>
+              <a:rPr lang="en-US" dirty="0"/>
+              <a:t>. </a:t>
+            </a:r>
+            <a:r>
+              <a:rPr lang="en-US" dirty="0" err="1"/>
+              <a:t>Só</a:t>
+            </a:r>
+            <a:r>
+              <a:rPr lang="en-US" dirty="0"/>
+              <a:t> para </a:t>
+            </a:r>
+            <a:r>
+              <a:rPr lang="en-US" dirty="0" err="1"/>
+              <a:t>exemplificar</a:t>
+            </a:r>
+            <a:r>
+              <a:rPr lang="en-US" dirty="0"/>
+              <a:t> no </a:t>
+            </a:r>
+            <a:r>
+              <a:rPr lang="en-US" dirty="0" err="1"/>
+              <a:t>momento</a:t>
+            </a:r>
+            <a:r>
+              <a:rPr lang="en-US" dirty="0"/>
+              <a:t>.</a:t>
+            </a:r>
+          </a:p>
+        </p:txBody>
+      </p:sp>
+    </p:spTree>
+    <p:extLst>
+      <p:ext uri="{BB962C8B-B14F-4D97-AF65-F5344CB8AC3E}">
+        <p14:creationId xmlns:p14="http://schemas.microsoft.com/office/powerpoint/2010/main" val="1949619846"/>
+      </p:ext>
+    </p:extLst>
+  </p:cSld>
+  <p:clrMapOvr>
+    <a:masterClrMapping/>
+  </p:clrMapOvr>
+</p:sld>
+</file>
+
+<file path=ppt/slides/slide16.xml><?xml version="1.0" encoding="utf-8"?>
+<p:sld xmlns:a="http://schemas.openxmlformats.org/drawingml/2006/main" xmlns:r="http://schemas.openxmlformats.org/officeDocument/2006/relationships" xmlns:p="http://schemas.openxmlformats.org/presentationml/2006/main">
+  <p:cSld>
+    <p:spTree>
+      <p:nvGrpSpPr>
+        <p:cNvPr id="1" name=""/>
+        <p:cNvGrpSpPr/>
+        <p:nvPr/>
+      </p:nvGrpSpPr>
+      <p:grpSpPr>
+        <a:xfrm>
+          <a:off x="0" y="0"/>
+          <a:ext cx="0" cy="0"/>
+          <a:chOff x="0" y="0"/>
+          <a:chExt cx="0" cy="0"/>
+        </a:xfrm>
+      </p:grpSpPr>
+      <p:sp>
+        <p:nvSpPr>
+          <p:cNvPr id="2" name="Title 1">
+            <a:extLst>
+              <a:ext uri="{FF2B5EF4-FFF2-40B4-BE49-F238E27FC236}">
+                <a16:creationId xmlns:a16="http://schemas.microsoft.com/office/drawing/2014/main" id="{DCE7FE42-E089-E847-AD82-762E82E95B1E}"/>
+              </a:ext>
+            </a:extLst>
+          </p:cNvPr>
+          <p:cNvSpPr>
+            <a:spLocks noGrp="1"/>
+          </p:cNvSpPr>
+          <p:nvPr>
+            <p:ph type="title"/>
+          </p:nvPr>
+        </p:nvSpPr>
+        <p:spPr/>
+        <p:txBody>
+          <a:bodyPr/>
+          <a:lstStyle/>
+          <a:p>
+            <a:r>
+              <a:rPr lang="en-US" dirty="0" err="1"/>
+              <a:t>Visualizando</a:t>
+            </a:r>
+            <a:r>
+              <a:rPr lang="en-US" dirty="0"/>
+              <a:t> o </a:t>
+            </a:r>
+            <a:r>
+              <a:rPr lang="en-US" dirty="0" err="1"/>
+              <a:t>modelo</a:t>
+            </a:r>
+            <a:r>
+              <a:rPr lang="en-US" dirty="0"/>
+              <a:t> </a:t>
+            </a:r>
+            <a:r>
+              <a:rPr lang="en-US" dirty="0" err="1"/>
+              <a:t>mais</a:t>
+            </a:r>
+            <a:r>
+              <a:rPr lang="en-US" dirty="0"/>
+              <a:t> de </a:t>
+            </a:r>
+            <a:r>
+              <a:rPr lang="en-US" dirty="0" err="1"/>
+              <a:t>perto</a:t>
+            </a:r>
+            <a:endParaRPr lang="en-US" dirty="0"/>
+          </a:p>
+        </p:txBody>
+      </p:sp>
+      <p:pic>
+        <p:nvPicPr>
+          <p:cNvPr id="5" name="Content Placeholder 4">
+            <a:extLst>
+              <a:ext uri="{FF2B5EF4-FFF2-40B4-BE49-F238E27FC236}">
+                <a16:creationId xmlns:a16="http://schemas.microsoft.com/office/drawing/2014/main" id="{5F4BE554-1570-3C42-B93C-EEB71DE25462}"/>
+              </a:ext>
+            </a:extLst>
+          </p:cNvPr>
+          <p:cNvPicPr>
+            <a:picLocks noGrp="1" noChangeAspect="1"/>
+          </p:cNvPicPr>
+          <p:nvPr>
+            <p:ph idx="1"/>
+          </p:nvPr>
+        </p:nvPicPr>
+        <p:blipFill>
+          <a:blip r:embed="rId2"/>
+          <a:stretch>
+            <a:fillRect/>
+          </a:stretch>
+        </p:blipFill>
+        <p:spPr>
+          <a:xfrm>
+            <a:off x="3216969" y="1379014"/>
+            <a:ext cx="3626744" cy="3316812"/>
+          </a:xfrm>
+        </p:spPr>
+      </p:pic>
+      <p:sp>
+        <p:nvSpPr>
+          <p:cNvPr id="6" name="Rectangle 5">
+            <a:extLst>
+              <a:ext uri="{FF2B5EF4-FFF2-40B4-BE49-F238E27FC236}">
+                <a16:creationId xmlns:a16="http://schemas.microsoft.com/office/drawing/2014/main" id="{053D8737-C50B-CE47-99A1-A3C50BAE9C8E}"/>
+              </a:ext>
+            </a:extLst>
+          </p:cNvPr>
+          <p:cNvSpPr/>
+          <p:nvPr/>
+        </p:nvSpPr>
+        <p:spPr>
+          <a:xfrm>
+            <a:off x="4343400" y="5295377"/>
+            <a:ext cx="2500313" cy="414338"/>
+          </a:xfrm>
+          <a:prstGeom prst="rect">
+            <a:avLst/>
+          </a:prstGeom>
+          <a:solidFill>
+            <a:schemeClr val="accent6"/>
+          </a:solidFill>
+          <a:ln>
+            <a:solidFill>
+              <a:schemeClr val="accent6"/>
+            </a:solidFill>
+          </a:ln>
+        </p:spPr>
+        <p:style>
+          <a:lnRef idx="2">
+            <a:schemeClr val="accent1">
+              <a:shade val="50000"/>
+            </a:schemeClr>
+          </a:lnRef>
+          <a:fillRef idx="1">
+            <a:schemeClr val="accent1"/>
+          </a:fillRef>
+          <a:effectRef idx="0">
+            <a:schemeClr val="accent1"/>
+          </a:effectRef>
+          <a:fontRef idx="minor">
+            <a:schemeClr val="lt1"/>
+          </a:fontRef>
+        </p:style>
+        <p:txBody>
+          <a:bodyPr rtlCol="0" anchor="ctr"/>
+          <a:lstStyle/>
+          <a:p>
+            <a:pPr algn="ctr"/>
+            <a:r>
+              <a:rPr lang="en-US" dirty="0"/>
+              <a:t>Embedding Layer</a:t>
+            </a:r>
+          </a:p>
+        </p:txBody>
+      </p:sp>
+      <p:cxnSp>
+        <p:nvCxnSpPr>
+          <p:cNvPr id="8" name="Straight Arrow Connector 7">
+            <a:extLst>
+              <a:ext uri="{FF2B5EF4-FFF2-40B4-BE49-F238E27FC236}">
+                <a16:creationId xmlns:a16="http://schemas.microsoft.com/office/drawing/2014/main" id="{F2E385C9-C2E5-F349-A993-2E7C5C51E001}"/>
+              </a:ext>
+            </a:extLst>
+          </p:cNvPr>
+          <p:cNvCxnSpPr>
+            <a:cxnSpLocks/>
+            <a:stCxn id="9" idx="1"/>
+          </p:cNvCxnSpPr>
+          <p:nvPr/>
+        </p:nvCxnSpPr>
+        <p:spPr>
+          <a:xfrm flipH="1">
+            <a:off x="6991350" y="5386550"/>
+            <a:ext cx="590549" cy="128425"/>
+          </a:xfrm>
+          <a:prstGeom prst="straightConnector1">
+            <a:avLst/>
+          </a:prstGeom>
+          <a:ln w="57150">
+            <a:solidFill>
+              <a:schemeClr val="accent1"/>
+            </a:solidFill>
+            <a:tailEnd type="triangle"/>
+          </a:ln>
+        </p:spPr>
+        <p:style>
+          <a:lnRef idx="1">
+            <a:schemeClr val="accent1"/>
+          </a:lnRef>
+          <a:fillRef idx="0">
+            <a:schemeClr val="accent1"/>
+          </a:fillRef>
+          <a:effectRef idx="0">
+            <a:schemeClr val="accent1"/>
+          </a:effectRef>
+          <a:fontRef idx="minor">
+            <a:schemeClr val="tx1"/>
+          </a:fontRef>
+        </p:style>
+      </p:cxnSp>
+      <p:sp>
+        <p:nvSpPr>
+          <p:cNvPr id="9" name="TextBox 8">
+            <a:extLst>
+              <a:ext uri="{FF2B5EF4-FFF2-40B4-BE49-F238E27FC236}">
+                <a16:creationId xmlns:a16="http://schemas.microsoft.com/office/drawing/2014/main" id="{F119F041-37F1-6548-83D3-EC13D0CEB67D}"/>
+              </a:ext>
+            </a:extLst>
+          </p:cNvPr>
+          <p:cNvSpPr txBox="1"/>
+          <p:nvPr/>
+        </p:nvSpPr>
+        <p:spPr>
+          <a:xfrm>
+            <a:off x="7581899" y="5063384"/>
+            <a:ext cx="2228850" cy="646331"/>
+          </a:xfrm>
+          <a:prstGeom prst="rect">
+            <a:avLst/>
+          </a:prstGeom>
+          <a:noFill/>
+        </p:spPr>
+        <p:txBody>
+          <a:bodyPr wrap="square" rtlCol="0">
+            <a:spAutoFit/>
+          </a:bodyPr>
+          <a:lstStyle/>
+          <a:p>
+            <a:r>
+              <a:rPr lang="en-US" dirty="0"/>
+              <a:t>Word2Vec – Pre-trained weights</a:t>
+            </a:r>
+          </a:p>
+        </p:txBody>
+      </p:sp>
+      <p:cxnSp>
+        <p:nvCxnSpPr>
+          <p:cNvPr id="11" name="Straight Arrow Connector 10">
+            <a:extLst>
+              <a:ext uri="{FF2B5EF4-FFF2-40B4-BE49-F238E27FC236}">
+                <a16:creationId xmlns:a16="http://schemas.microsoft.com/office/drawing/2014/main" id="{1190D882-FA92-C240-A260-C408F59CF18A}"/>
+              </a:ext>
+            </a:extLst>
+          </p:cNvPr>
+          <p:cNvCxnSpPr/>
+          <p:nvPr/>
+        </p:nvCxnSpPr>
+        <p:spPr>
+          <a:xfrm flipV="1">
+            <a:off x="4638675" y="5815013"/>
+            <a:ext cx="0" cy="500062"/>
+          </a:xfrm>
+          <a:prstGeom prst="straightConnector1">
+            <a:avLst/>
+          </a:prstGeom>
+          <a:ln w="57150">
+            <a:tailEnd type="triangle"/>
+          </a:ln>
+        </p:spPr>
+        <p:style>
+          <a:lnRef idx="1">
+            <a:schemeClr val="accent1"/>
+          </a:lnRef>
+          <a:fillRef idx="0">
+            <a:schemeClr val="accent1"/>
+          </a:fillRef>
+          <a:effectRef idx="0">
+            <a:schemeClr val="accent1"/>
+          </a:effectRef>
+          <a:fontRef idx="minor">
+            <a:schemeClr val="tx1"/>
+          </a:fontRef>
+        </p:style>
+      </p:cxnSp>
+      <p:cxnSp>
+        <p:nvCxnSpPr>
+          <p:cNvPr id="12" name="Straight Arrow Connector 11">
+            <a:extLst>
+              <a:ext uri="{FF2B5EF4-FFF2-40B4-BE49-F238E27FC236}">
+                <a16:creationId xmlns:a16="http://schemas.microsoft.com/office/drawing/2014/main" id="{067A3BE5-E270-BE48-BFD4-578795B80F60}"/>
+              </a:ext>
+            </a:extLst>
+          </p:cNvPr>
+          <p:cNvCxnSpPr/>
+          <p:nvPr/>
+        </p:nvCxnSpPr>
+        <p:spPr>
+          <a:xfrm flipV="1">
+            <a:off x="4638675" y="4695826"/>
+            <a:ext cx="0" cy="500062"/>
+          </a:xfrm>
+          <a:prstGeom prst="straightConnector1">
+            <a:avLst/>
+          </a:prstGeom>
+          <a:ln w="57150">
+            <a:tailEnd type="triangle"/>
+          </a:ln>
+        </p:spPr>
+        <p:style>
+          <a:lnRef idx="1">
+            <a:schemeClr val="accent1"/>
+          </a:lnRef>
+          <a:fillRef idx="0">
+            <a:schemeClr val="accent1"/>
+          </a:fillRef>
+          <a:effectRef idx="0">
+            <a:schemeClr val="accent1"/>
+          </a:effectRef>
+          <a:fontRef idx="minor">
+            <a:schemeClr val="tx1"/>
+          </a:fontRef>
+        </p:style>
+      </p:cxnSp>
+      <p:cxnSp>
+        <p:nvCxnSpPr>
+          <p:cNvPr id="13" name="Straight Arrow Connector 12">
+            <a:extLst>
+              <a:ext uri="{FF2B5EF4-FFF2-40B4-BE49-F238E27FC236}">
+                <a16:creationId xmlns:a16="http://schemas.microsoft.com/office/drawing/2014/main" id="{400A067C-B940-424D-A831-38946CB6335D}"/>
+              </a:ext>
+            </a:extLst>
+          </p:cNvPr>
+          <p:cNvCxnSpPr/>
+          <p:nvPr/>
+        </p:nvCxnSpPr>
+        <p:spPr>
+          <a:xfrm flipV="1">
+            <a:off x="5063678" y="4695826"/>
+            <a:ext cx="0" cy="500062"/>
+          </a:xfrm>
+          <a:prstGeom prst="straightConnector1">
+            <a:avLst/>
+          </a:prstGeom>
+          <a:ln w="57150">
+            <a:tailEnd type="triangle"/>
+          </a:ln>
+        </p:spPr>
+        <p:style>
+          <a:lnRef idx="1">
+            <a:schemeClr val="accent1"/>
+          </a:lnRef>
+          <a:fillRef idx="0">
+            <a:schemeClr val="accent1"/>
+          </a:fillRef>
+          <a:effectRef idx="0">
+            <a:schemeClr val="accent1"/>
+          </a:effectRef>
+          <a:fontRef idx="minor">
+            <a:schemeClr val="tx1"/>
+          </a:fontRef>
+        </p:style>
+      </p:cxnSp>
+      <p:cxnSp>
+        <p:nvCxnSpPr>
+          <p:cNvPr id="14" name="Straight Arrow Connector 13">
+            <a:extLst>
+              <a:ext uri="{FF2B5EF4-FFF2-40B4-BE49-F238E27FC236}">
+                <a16:creationId xmlns:a16="http://schemas.microsoft.com/office/drawing/2014/main" id="{70C4A3EB-14F6-7C49-BC1F-03E7E0304D7B}"/>
+              </a:ext>
+            </a:extLst>
+          </p:cNvPr>
+          <p:cNvCxnSpPr/>
+          <p:nvPr/>
+        </p:nvCxnSpPr>
+        <p:spPr>
+          <a:xfrm flipV="1">
+            <a:off x="5507831" y="4695826"/>
+            <a:ext cx="0" cy="500062"/>
+          </a:xfrm>
+          <a:prstGeom prst="straightConnector1">
+            <a:avLst/>
+          </a:prstGeom>
+          <a:ln w="57150">
+            <a:tailEnd type="triangle"/>
+          </a:ln>
+        </p:spPr>
+        <p:style>
+          <a:lnRef idx="1">
+            <a:schemeClr val="accent1"/>
+          </a:lnRef>
+          <a:fillRef idx="0">
+            <a:schemeClr val="accent1"/>
+          </a:fillRef>
+          <a:effectRef idx="0">
+            <a:schemeClr val="accent1"/>
+          </a:effectRef>
+          <a:fontRef idx="minor">
+            <a:schemeClr val="tx1"/>
+          </a:fontRef>
+        </p:style>
+      </p:cxnSp>
+      <p:cxnSp>
+        <p:nvCxnSpPr>
+          <p:cNvPr id="15" name="Straight Arrow Connector 14">
+            <a:extLst>
+              <a:ext uri="{FF2B5EF4-FFF2-40B4-BE49-F238E27FC236}">
+                <a16:creationId xmlns:a16="http://schemas.microsoft.com/office/drawing/2014/main" id="{0FA1AFA7-B45C-7A47-B6FB-CD109EBAF937}"/>
+              </a:ext>
+            </a:extLst>
+          </p:cNvPr>
+          <p:cNvCxnSpPr/>
+          <p:nvPr/>
+        </p:nvCxnSpPr>
+        <p:spPr>
+          <a:xfrm flipV="1">
+            <a:off x="5953125" y="4695826"/>
+            <a:ext cx="0" cy="500062"/>
+          </a:xfrm>
+          <a:prstGeom prst="straightConnector1">
+            <a:avLst/>
+          </a:prstGeom>
+          <a:ln w="57150">
+            <a:tailEnd type="triangle"/>
+          </a:ln>
+        </p:spPr>
+        <p:style>
+          <a:lnRef idx="1">
+            <a:schemeClr val="accent1"/>
+          </a:lnRef>
+          <a:fillRef idx="0">
+            <a:schemeClr val="accent1"/>
+          </a:fillRef>
+          <a:effectRef idx="0">
+            <a:schemeClr val="accent1"/>
+          </a:effectRef>
+          <a:fontRef idx="minor">
+            <a:schemeClr val="tx1"/>
+          </a:fontRef>
+        </p:style>
+      </p:cxnSp>
+      <p:cxnSp>
+        <p:nvCxnSpPr>
+          <p:cNvPr id="16" name="Straight Arrow Connector 15">
+            <a:extLst>
+              <a:ext uri="{FF2B5EF4-FFF2-40B4-BE49-F238E27FC236}">
+                <a16:creationId xmlns:a16="http://schemas.microsoft.com/office/drawing/2014/main" id="{3519ACCB-7ACE-634B-AB99-17ECEA0B97DF}"/>
+              </a:ext>
+            </a:extLst>
+          </p:cNvPr>
+          <p:cNvCxnSpPr/>
+          <p:nvPr/>
+        </p:nvCxnSpPr>
+        <p:spPr>
+          <a:xfrm flipV="1">
+            <a:off x="6338887" y="4698207"/>
+            <a:ext cx="0" cy="500062"/>
+          </a:xfrm>
+          <a:prstGeom prst="straightConnector1">
+            <a:avLst/>
+          </a:prstGeom>
+          <a:ln w="57150">
+            <a:tailEnd type="triangle"/>
+          </a:ln>
+        </p:spPr>
+        <p:style>
+          <a:lnRef idx="1">
+            <a:schemeClr val="accent1"/>
+          </a:lnRef>
+          <a:fillRef idx="0">
+            <a:schemeClr val="accent1"/>
+          </a:fillRef>
+          <a:effectRef idx="0">
+            <a:schemeClr val="accent1"/>
+          </a:effectRef>
+          <a:fontRef idx="minor">
+            <a:schemeClr val="tx1"/>
+          </a:fontRef>
+        </p:style>
+      </p:cxnSp>
+      <p:cxnSp>
+        <p:nvCxnSpPr>
+          <p:cNvPr id="17" name="Straight Arrow Connector 16">
+            <a:extLst>
+              <a:ext uri="{FF2B5EF4-FFF2-40B4-BE49-F238E27FC236}">
+                <a16:creationId xmlns:a16="http://schemas.microsoft.com/office/drawing/2014/main" id="{115D3AD2-12F6-E945-866D-68FFC9283A54}"/>
+              </a:ext>
+            </a:extLst>
+          </p:cNvPr>
+          <p:cNvCxnSpPr/>
+          <p:nvPr/>
+        </p:nvCxnSpPr>
+        <p:spPr>
+          <a:xfrm flipV="1">
+            <a:off x="6691312" y="4695826"/>
+            <a:ext cx="0" cy="500062"/>
+          </a:xfrm>
+          <a:prstGeom prst="straightConnector1">
+            <a:avLst/>
+          </a:prstGeom>
+          <a:ln w="57150">
+            <a:tailEnd type="triangle"/>
+          </a:ln>
+        </p:spPr>
+        <p:style>
+          <a:lnRef idx="1">
+            <a:schemeClr val="accent1"/>
+          </a:lnRef>
+          <a:fillRef idx="0">
+            <a:schemeClr val="accent1"/>
+          </a:fillRef>
+          <a:effectRef idx="0">
+            <a:schemeClr val="accent1"/>
+          </a:effectRef>
+          <a:fontRef idx="minor">
+            <a:schemeClr val="tx1"/>
+          </a:fontRef>
+        </p:style>
+      </p:cxnSp>
+      <p:cxnSp>
+        <p:nvCxnSpPr>
+          <p:cNvPr id="21" name="Straight Arrow Connector 20">
+            <a:extLst>
+              <a:ext uri="{FF2B5EF4-FFF2-40B4-BE49-F238E27FC236}">
+                <a16:creationId xmlns:a16="http://schemas.microsoft.com/office/drawing/2014/main" id="{9AED0379-89C8-244F-A574-51926D22BC09}"/>
+              </a:ext>
+            </a:extLst>
+          </p:cNvPr>
+          <p:cNvCxnSpPr/>
+          <p:nvPr/>
+        </p:nvCxnSpPr>
+        <p:spPr>
+          <a:xfrm flipV="1">
+            <a:off x="5063678" y="5815013"/>
+            <a:ext cx="0" cy="500062"/>
+          </a:xfrm>
+          <a:prstGeom prst="straightConnector1">
+            <a:avLst/>
+          </a:prstGeom>
+          <a:ln w="57150">
+            <a:tailEnd type="triangle"/>
+          </a:ln>
+        </p:spPr>
+        <p:style>
+          <a:lnRef idx="1">
+            <a:schemeClr val="accent1"/>
+          </a:lnRef>
+          <a:fillRef idx="0">
+            <a:schemeClr val="accent1"/>
+          </a:fillRef>
+          <a:effectRef idx="0">
+            <a:schemeClr val="accent1"/>
+          </a:effectRef>
+          <a:fontRef idx="minor">
+            <a:schemeClr val="tx1"/>
+          </a:fontRef>
+        </p:style>
+      </p:cxnSp>
+      <p:cxnSp>
+        <p:nvCxnSpPr>
+          <p:cNvPr id="22" name="Straight Arrow Connector 21">
+            <a:extLst>
+              <a:ext uri="{FF2B5EF4-FFF2-40B4-BE49-F238E27FC236}">
+                <a16:creationId xmlns:a16="http://schemas.microsoft.com/office/drawing/2014/main" id="{718DB970-F425-8C42-AE7B-43F82A825A7E}"/>
+              </a:ext>
+            </a:extLst>
+          </p:cNvPr>
+          <p:cNvCxnSpPr/>
+          <p:nvPr/>
+        </p:nvCxnSpPr>
+        <p:spPr>
+          <a:xfrm flipV="1">
+            <a:off x="6691312" y="5815013"/>
+            <a:ext cx="0" cy="500062"/>
+          </a:xfrm>
+          <a:prstGeom prst="straightConnector1">
+            <a:avLst/>
+          </a:prstGeom>
+          <a:ln w="57150">
+            <a:tailEnd type="triangle"/>
+          </a:ln>
+        </p:spPr>
+        <p:style>
+          <a:lnRef idx="1">
+            <a:schemeClr val="accent1"/>
+          </a:lnRef>
+          <a:fillRef idx="0">
+            <a:schemeClr val="accent1"/>
+          </a:fillRef>
+          <a:effectRef idx="0">
+            <a:schemeClr val="accent1"/>
+          </a:effectRef>
+          <a:fontRef idx="minor">
+            <a:schemeClr val="tx1"/>
+          </a:fontRef>
+        </p:style>
+      </p:cxnSp>
+      <p:cxnSp>
+        <p:nvCxnSpPr>
+          <p:cNvPr id="23" name="Straight Arrow Connector 22">
+            <a:extLst>
+              <a:ext uri="{FF2B5EF4-FFF2-40B4-BE49-F238E27FC236}">
+                <a16:creationId xmlns:a16="http://schemas.microsoft.com/office/drawing/2014/main" id="{0C23D539-1D7C-6C44-8A57-CD72E6BAFFFF}"/>
+              </a:ext>
+            </a:extLst>
+          </p:cNvPr>
+          <p:cNvCxnSpPr/>
+          <p:nvPr/>
+        </p:nvCxnSpPr>
+        <p:spPr>
+          <a:xfrm flipV="1">
+            <a:off x="5494684" y="5815013"/>
+            <a:ext cx="0" cy="500062"/>
+          </a:xfrm>
+          <a:prstGeom prst="straightConnector1">
+            <a:avLst/>
+          </a:prstGeom>
+          <a:ln w="57150">
+            <a:tailEnd type="triangle"/>
+          </a:ln>
+        </p:spPr>
+        <p:style>
+          <a:lnRef idx="1">
+            <a:schemeClr val="accent1"/>
+          </a:lnRef>
+          <a:fillRef idx="0">
+            <a:schemeClr val="accent1"/>
+          </a:fillRef>
+          <a:effectRef idx="0">
+            <a:schemeClr val="accent1"/>
+          </a:effectRef>
+          <a:fontRef idx="minor">
+            <a:schemeClr val="tx1"/>
+          </a:fontRef>
+        </p:style>
+      </p:cxnSp>
+      <p:cxnSp>
+        <p:nvCxnSpPr>
+          <p:cNvPr id="24" name="Straight Arrow Connector 23">
+            <a:extLst>
+              <a:ext uri="{FF2B5EF4-FFF2-40B4-BE49-F238E27FC236}">
+                <a16:creationId xmlns:a16="http://schemas.microsoft.com/office/drawing/2014/main" id="{B57D55E5-371F-CA46-A11B-F26D2437139C}"/>
+              </a:ext>
+            </a:extLst>
+          </p:cNvPr>
+          <p:cNvCxnSpPr/>
+          <p:nvPr/>
+        </p:nvCxnSpPr>
+        <p:spPr>
+          <a:xfrm flipV="1">
+            <a:off x="5953125" y="5815013"/>
+            <a:ext cx="0" cy="500062"/>
+          </a:xfrm>
+          <a:prstGeom prst="straightConnector1">
+            <a:avLst/>
+          </a:prstGeom>
+          <a:ln w="57150">
+            <a:tailEnd type="triangle"/>
+          </a:ln>
+        </p:spPr>
+        <p:style>
+          <a:lnRef idx="1">
+            <a:schemeClr val="accent1"/>
+          </a:lnRef>
+          <a:fillRef idx="0">
+            <a:schemeClr val="accent1"/>
+          </a:fillRef>
+          <a:effectRef idx="0">
+            <a:schemeClr val="accent1"/>
+          </a:effectRef>
+          <a:fontRef idx="minor">
+            <a:schemeClr val="tx1"/>
+          </a:fontRef>
+        </p:style>
+      </p:cxnSp>
+      <p:cxnSp>
+        <p:nvCxnSpPr>
+          <p:cNvPr id="25" name="Straight Arrow Connector 24">
+            <a:extLst>
+              <a:ext uri="{FF2B5EF4-FFF2-40B4-BE49-F238E27FC236}">
+                <a16:creationId xmlns:a16="http://schemas.microsoft.com/office/drawing/2014/main" id="{EB3BCB2F-2E4C-654B-B3D3-55746BC7815B}"/>
+              </a:ext>
+            </a:extLst>
+          </p:cNvPr>
+          <p:cNvCxnSpPr/>
+          <p:nvPr/>
+        </p:nvCxnSpPr>
+        <p:spPr>
+          <a:xfrm flipV="1">
+            <a:off x="6338887" y="5815013"/>
+            <a:ext cx="0" cy="500062"/>
+          </a:xfrm>
+          <a:prstGeom prst="straightConnector1">
+            <a:avLst/>
+          </a:prstGeom>
+          <a:ln w="57150">
+            <a:tailEnd type="triangle"/>
+          </a:ln>
+        </p:spPr>
+        <p:style>
+          <a:lnRef idx="1">
+            <a:schemeClr val="accent1"/>
+          </a:lnRef>
+          <a:fillRef idx="0">
+            <a:schemeClr val="accent1"/>
+          </a:fillRef>
+          <a:effectRef idx="0">
+            <a:schemeClr val="accent1"/>
+          </a:effectRef>
+          <a:fontRef idx="minor">
+            <a:schemeClr val="tx1"/>
+          </a:fontRef>
+        </p:style>
+      </p:cxnSp>
+      <p:sp>
+        <p:nvSpPr>
+          <p:cNvPr id="26" name="TextBox 25">
+            <a:extLst>
+              <a:ext uri="{FF2B5EF4-FFF2-40B4-BE49-F238E27FC236}">
+                <a16:creationId xmlns:a16="http://schemas.microsoft.com/office/drawing/2014/main" id="{A27231FB-61B0-E04E-A464-5202D40BA3B7}"/>
+              </a:ext>
+            </a:extLst>
+          </p:cNvPr>
+          <p:cNvSpPr txBox="1"/>
+          <p:nvPr/>
+        </p:nvSpPr>
+        <p:spPr>
+          <a:xfrm>
+            <a:off x="4343400" y="6406085"/>
+            <a:ext cx="2819400" cy="369332"/>
+          </a:xfrm>
+          <a:prstGeom prst="rect">
+            <a:avLst/>
+          </a:prstGeom>
+          <a:noFill/>
+        </p:spPr>
+        <p:txBody>
+          <a:bodyPr wrap="square" rtlCol="0">
+            <a:spAutoFit/>
+          </a:bodyPr>
+          <a:lstStyle/>
+          <a:p>
+            <a:r>
+              <a:rPr lang="en-US" dirty="0"/>
+              <a:t>Input vectors tokenized</a:t>
+            </a:r>
+          </a:p>
+        </p:txBody>
+      </p:sp>
+    </p:spTree>
+    <p:extLst>
+      <p:ext uri="{BB962C8B-B14F-4D97-AF65-F5344CB8AC3E}">
+        <p14:creationId xmlns:p14="http://schemas.microsoft.com/office/powerpoint/2010/main" val="3671147881"/>
+      </p:ext>
+    </p:extLst>
+  </p:cSld>
+  <p:clrMapOvr>
+    <a:masterClrMapping/>
+  </p:clrMapOvr>
+</p:sld>
+</file>
+
+<file path=ppt/slides/slide17.xml><?xml version="1.0" encoding="utf-8"?>
+<p:sld xmlns:a="http://schemas.openxmlformats.org/drawingml/2006/main" xmlns:r="http://schemas.openxmlformats.org/officeDocument/2006/relationships" xmlns:p="http://schemas.openxmlformats.org/presentationml/2006/main">
+  <p:cSld>
+    <p:spTree>
+      <p:nvGrpSpPr>
+        <p:cNvPr id="1" name=""/>
+        <p:cNvGrpSpPr/>
+        <p:nvPr/>
+      </p:nvGrpSpPr>
+      <p:grpSpPr>
+        <a:xfrm>
+          <a:off x="0" y="0"/>
+          <a:ext cx="0" cy="0"/>
+          <a:chOff x="0" y="0"/>
+          <a:chExt cx="0" cy="0"/>
+        </a:xfrm>
+      </p:grpSpPr>
+      <p:sp>
+        <p:nvSpPr>
+          <p:cNvPr id="2" name="Title 1">
+            <a:extLst>
+              <a:ext uri="{FF2B5EF4-FFF2-40B4-BE49-F238E27FC236}">
+                <a16:creationId xmlns:a16="http://schemas.microsoft.com/office/drawing/2014/main" id="{DCE7FE42-E089-E847-AD82-762E82E95B1E}"/>
+              </a:ext>
+            </a:extLst>
+          </p:cNvPr>
+          <p:cNvSpPr>
+            <a:spLocks noGrp="1"/>
+          </p:cNvSpPr>
+          <p:nvPr>
+            <p:ph type="title"/>
+          </p:nvPr>
+        </p:nvSpPr>
+        <p:spPr/>
+        <p:txBody>
+          <a:bodyPr/>
+          <a:lstStyle/>
+          <a:p>
+            <a:r>
+              <a:rPr lang="en-US" dirty="0"/>
+              <a:t>Taxa de </a:t>
+            </a:r>
+            <a:r>
+              <a:rPr lang="en-US" dirty="0" err="1"/>
+              <a:t>precisão</a:t>
+            </a:r>
+            <a:r>
+              <a:rPr lang="en-US" dirty="0"/>
+              <a:t> e overfitting </a:t>
+            </a:r>
+            <a:r>
+              <a:rPr lang="en-US" dirty="0" err="1"/>
+              <a:t>em</a:t>
+            </a:r>
+            <a:r>
+              <a:rPr lang="en-US" dirty="0"/>
+              <a:t> small dataset</a:t>
+            </a:r>
+          </a:p>
+        </p:txBody>
+      </p:sp>
+      <p:sp>
+        <p:nvSpPr>
+          <p:cNvPr id="18" name="Content Placeholder 17">
+            <a:extLst>
+              <a:ext uri="{FF2B5EF4-FFF2-40B4-BE49-F238E27FC236}">
+                <a16:creationId xmlns:a16="http://schemas.microsoft.com/office/drawing/2014/main" id="{5F60F2B3-A87A-494C-8C0A-867181A532E7}"/>
+              </a:ext>
+            </a:extLst>
+          </p:cNvPr>
+          <p:cNvSpPr>
+            <a:spLocks noGrp="1"/>
+          </p:cNvSpPr>
+          <p:nvPr>
+            <p:ph idx="1"/>
+          </p:nvPr>
+        </p:nvSpPr>
+        <p:spPr/>
+        <p:txBody>
+          <a:bodyPr/>
+          <a:lstStyle/>
+          <a:p>
+            <a:endParaRPr lang="en-US"/>
+          </a:p>
+        </p:txBody>
+      </p:sp>
+    </p:spTree>
+    <p:extLst>
+      <p:ext uri="{BB962C8B-B14F-4D97-AF65-F5344CB8AC3E}">
+        <p14:creationId xmlns:p14="http://schemas.microsoft.com/office/powerpoint/2010/main" val="1604994752"/>
+      </p:ext>
+    </p:extLst>
+  </p:cSld>
+  <p:clrMapOvr>
+    <a:masterClrMapping/>
+  </p:clrMapOvr>
+</p:sld>
+</file>
+
+<file path=ppt/slides/slide18.xml><?xml version="1.0" encoding="utf-8"?>
 <p:sld xmlns:a="http://schemas.openxmlformats.org/drawingml/2006/main" xmlns:r="http://schemas.openxmlformats.org/officeDocument/2006/relationships" xmlns:p="http://schemas.openxmlformats.org/presentationml/2006/main">
   <p:cSld>
     <p:spTree>
@@ -5397,7 +6981,7 @@
 </p:sld>
 </file>
 
-<file path=ppt/slides/slide16.xml><?xml version="1.0" encoding="utf-8"?>
+<file path=ppt/slides/slide19.xml><?xml version="1.0" encoding="utf-8"?>
 <p:sld xmlns:a="http://schemas.openxmlformats.org/drawingml/2006/main" xmlns:r="http://schemas.openxmlformats.org/officeDocument/2006/relationships" xmlns:p="http://schemas.openxmlformats.org/presentationml/2006/main">
   <p:cSld>
     <p:spTree>
@@ -6038,7 +7622,687 @@
 </p:sld>
 </file>
 
-<file path=ppt/slides/slide17.xml><?xml version="1.0" encoding="utf-8"?>
+<file path=ppt/slides/slide2.xml><?xml version="1.0" encoding="utf-8"?>
+<p:sld xmlns:a="http://schemas.openxmlformats.org/drawingml/2006/main" xmlns:r="http://schemas.openxmlformats.org/officeDocument/2006/relationships" xmlns:p="http://schemas.openxmlformats.org/presentationml/2006/main">
+  <p:cSld>
+    <p:spTree>
+      <p:nvGrpSpPr>
+        <p:cNvPr id="1" name=""/>
+        <p:cNvGrpSpPr/>
+        <p:nvPr/>
+      </p:nvGrpSpPr>
+      <p:grpSpPr>
+        <a:xfrm>
+          <a:off x="0" y="0"/>
+          <a:ext cx="0" cy="0"/>
+          <a:chOff x="0" y="0"/>
+          <a:chExt cx="0" cy="0"/>
+        </a:xfrm>
+      </p:grpSpPr>
+      <p:sp>
+        <p:nvSpPr>
+          <p:cNvPr id="2" name="Title 1">
+            <a:extLst>
+              <a:ext uri="{FF2B5EF4-FFF2-40B4-BE49-F238E27FC236}">
+                <a16:creationId xmlns:a16="http://schemas.microsoft.com/office/drawing/2014/main" id="{D7685F75-406E-4B45-A233-7E75B9F3F82A}"/>
+              </a:ext>
+            </a:extLst>
+          </p:cNvPr>
+          <p:cNvSpPr>
+            <a:spLocks noGrp="1"/>
+          </p:cNvSpPr>
+          <p:nvPr>
+            <p:ph type="title"/>
+          </p:nvPr>
+        </p:nvSpPr>
+        <p:spPr/>
+        <p:txBody>
+          <a:bodyPr/>
+          <a:lstStyle/>
+          <a:p>
+            <a:r>
+              <a:rPr lang="en-US" dirty="0" err="1"/>
+              <a:t>Problema</a:t>
+            </a:r>
+            <a:r>
+              <a:rPr lang="en-US" dirty="0"/>
+              <a:t>:</a:t>
+            </a:r>
+          </a:p>
+        </p:txBody>
+      </p:sp>
+      <p:sp>
+        <p:nvSpPr>
+          <p:cNvPr id="3" name="Content Placeholder 2">
+            <a:extLst>
+              <a:ext uri="{FF2B5EF4-FFF2-40B4-BE49-F238E27FC236}">
+                <a16:creationId xmlns:a16="http://schemas.microsoft.com/office/drawing/2014/main" id="{A95C27CF-F127-F249-BE09-C85F3674842A}"/>
+              </a:ext>
+            </a:extLst>
+          </p:cNvPr>
+          <p:cNvSpPr>
+            <a:spLocks noGrp="1"/>
+          </p:cNvSpPr>
+          <p:nvPr>
+            <p:ph idx="1"/>
+          </p:nvPr>
+        </p:nvSpPr>
+        <p:spPr/>
+        <p:txBody>
+          <a:bodyPr>
+            <a:normAutofit fontScale="70000" lnSpcReduction="20000"/>
+          </a:bodyPr>
+          <a:lstStyle/>
+          <a:p>
+            <a:r>
+              <a:rPr lang="en-US" dirty="0"/>
+              <a:t>Given a question q and an answer candidate pool {a1, a2, ..., as} for that question (s is the pool size), the goal is to find the best answer candidate </a:t>
+            </a:r>
+            <a:r>
+              <a:rPr lang="en-US" dirty="0" err="1"/>
+              <a:t>ak</a:t>
+            </a:r>
+            <a:r>
+              <a:rPr lang="en-US" dirty="0"/>
+              <a:t>, 1 ≤ k ≤ s .</a:t>
+            </a:r>
+          </a:p>
+          <a:p>
+            <a:r>
+              <a:rPr lang="en-US" dirty="0" err="1"/>
+              <a:t>Vários</a:t>
+            </a:r>
+            <a:r>
+              <a:rPr lang="en-US" dirty="0"/>
+              <a:t> papers </a:t>
+            </a:r>
+            <a:r>
+              <a:rPr lang="en-US" dirty="0" err="1"/>
+              <a:t>aplicaram</a:t>
+            </a:r>
+            <a:r>
+              <a:rPr lang="en-US" dirty="0"/>
+              <a:t> </a:t>
+            </a:r>
+            <a:r>
+              <a:rPr lang="en-US" dirty="0" err="1"/>
+              <a:t>diversas</a:t>
+            </a:r>
+            <a:r>
+              <a:rPr lang="en-US" dirty="0"/>
+              <a:t> </a:t>
+            </a:r>
+            <a:r>
+              <a:rPr lang="en-US" dirty="0" err="1"/>
+              <a:t>técnicas</a:t>
+            </a:r>
+            <a:r>
+              <a:rPr lang="en-US" dirty="0"/>
+              <a:t> </a:t>
+            </a:r>
+            <a:r>
+              <a:rPr lang="en-US" dirty="0" err="1"/>
+              <a:t>neste</a:t>
+            </a:r>
+            <a:r>
+              <a:rPr lang="en-US" dirty="0"/>
+              <a:t> </a:t>
+            </a:r>
+            <a:r>
+              <a:rPr lang="en-US" dirty="0" err="1"/>
+              <a:t>problema</a:t>
+            </a:r>
+            <a:r>
+              <a:rPr lang="en-US" dirty="0"/>
+              <a:t>.</a:t>
+            </a:r>
+          </a:p>
+          <a:p>
+            <a:r>
+              <a:rPr lang="en-US" dirty="0"/>
+              <a:t>Segundo Yao et al., </a:t>
+            </a:r>
+            <a:r>
+              <a:rPr lang="en-US" dirty="0" err="1"/>
+              <a:t>não</a:t>
+            </a:r>
+            <a:r>
+              <a:rPr lang="en-US" dirty="0"/>
+              <a:t> </a:t>
+            </a:r>
+            <a:r>
+              <a:rPr lang="en-US" dirty="0" err="1"/>
+              <a:t>foram</a:t>
+            </a:r>
+            <a:r>
+              <a:rPr lang="en-US" dirty="0"/>
+              <a:t> </a:t>
+            </a:r>
+            <a:r>
+              <a:rPr lang="en-US" dirty="0" err="1"/>
+              <a:t>encontrados</a:t>
+            </a:r>
+            <a:r>
+              <a:rPr lang="en-US" dirty="0"/>
+              <a:t> papers </a:t>
+            </a:r>
+            <a:r>
+              <a:rPr lang="en-US" dirty="0" err="1"/>
+              <a:t>significativos</a:t>
+            </a:r>
+            <a:r>
+              <a:rPr lang="en-US" dirty="0"/>
+              <a:t> </a:t>
+            </a:r>
+            <a:r>
+              <a:rPr lang="en-US" dirty="0" err="1"/>
+              <a:t>aplicando</a:t>
+            </a:r>
+            <a:r>
+              <a:rPr lang="en-US" dirty="0"/>
+              <a:t> </a:t>
+            </a:r>
+            <a:r>
+              <a:rPr lang="en-US" dirty="0" err="1"/>
+              <a:t>estas</a:t>
+            </a:r>
+            <a:r>
+              <a:rPr lang="en-US" dirty="0"/>
+              <a:t> </a:t>
+            </a:r>
+            <a:r>
+              <a:rPr lang="en-US" dirty="0" err="1"/>
+              <a:t>técnicas</a:t>
+            </a:r>
+            <a:r>
+              <a:rPr lang="en-US" dirty="0"/>
+              <a:t> no dataset do </a:t>
+            </a:r>
+            <a:r>
+              <a:rPr lang="en-US" dirty="0" err="1"/>
+              <a:t>StackOverFlow</a:t>
+            </a:r>
+            <a:r>
+              <a:rPr lang="en-US" dirty="0"/>
+              <a:t>.</a:t>
+            </a:r>
+          </a:p>
+          <a:p>
+            <a:r>
+              <a:rPr lang="en-US" dirty="0"/>
+              <a:t>No paper “</a:t>
+            </a:r>
+            <a:r>
+              <a:rPr lang="en-US" dirty="0" err="1"/>
+              <a:t>StaQC</a:t>
+            </a:r>
+            <a:r>
+              <a:rPr lang="en-US" dirty="0"/>
+              <a:t>: A Systematically Mined Question-Code Dataset from Stack Overflow”, </a:t>
+            </a:r>
+            <a:r>
+              <a:rPr lang="en-US" dirty="0" err="1"/>
+              <a:t>ele</a:t>
+            </a:r>
+            <a:r>
+              <a:rPr lang="en-US" dirty="0"/>
+              <a:t> </a:t>
+            </a:r>
+            <a:r>
+              <a:rPr lang="en-US" dirty="0" err="1"/>
+              <a:t>aplica</a:t>
+            </a:r>
+            <a:r>
+              <a:rPr lang="en-US" dirty="0"/>
+              <a:t> </a:t>
+            </a:r>
+            <a:r>
+              <a:rPr lang="en-US" dirty="0" err="1"/>
+              <a:t>uma</a:t>
+            </a:r>
+            <a:r>
+              <a:rPr lang="en-US" dirty="0"/>
+              <a:t> </a:t>
+            </a:r>
+            <a:r>
+              <a:rPr lang="en-US" dirty="0" err="1"/>
+              <a:t>rede</a:t>
+            </a:r>
+            <a:r>
+              <a:rPr lang="en-US" dirty="0"/>
+              <a:t> neural </a:t>
+            </a:r>
+            <a:r>
+              <a:rPr lang="en-US" dirty="0" err="1"/>
+              <a:t>recorrente</a:t>
+            </a:r>
+            <a:r>
+              <a:rPr lang="en-US" dirty="0"/>
+              <a:t> LSTM para </a:t>
+            </a:r>
+            <a:r>
+              <a:rPr lang="en-US" dirty="0" err="1"/>
+              <a:t>aprender</a:t>
+            </a:r>
+            <a:r>
+              <a:rPr lang="en-US" dirty="0"/>
+              <a:t> a </a:t>
+            </a:r>
+            <a:r>
+              <a:rPr lang="en-US" dirty="0" err="1"/>
+              <a:t>selecionar</a:t>
+            </a:r>
+            <a:r>
+              <a:rPr lang="en-US" dirty="0"/>
+              <a:t> a </a:t>
+            </a:r>
+            <a:r>
+              <a:rPr lang="en-US" dirty="0" err="1"/>
+              <a:t>melhor</a:t>
+            </a:r>
+            <a:r>
+              <a:rPr lang="en-US" dirty="0"/>
+              <a:t> </a:t>
+            </a:r>
+            <a:r>
+              <a:rPr lang="en-US" dirty="0" err="1"/>
+              <a:t>resposta</a:t>
+            </a:r>
+            <a:r>
+              <a:rPr lang="en-US" dirty="0"/>
+              <a:t>.</a:t>
+            </a:r>
+          </a:p>
+          <a:p>
+            <a:r>
+              <a:rPr lang="en-US" dirty="0"/>
+              <a:t>No final, o </a:t>
+            </a:r>
+            <a:r>
+              <a:rPr lang="en-US" dirty="0" err="1"/>
+              <a:t>autor</a:t>
+            </a:r>
+            <a:r>
+              <a:rPr lang="en-US" dirty="0"/>
+              <a:t> </a:t>
+            </a:r>
+            <a:r>
+              <a:rPr lang="en-US" dirty="0" err="1"/>
+              <a:t>sugere</a:t>
+            </a:r>
+            <a:r>
+              <a:rPr lang="en-US" dirty="0"/>
+              <a:t> </a:t>
+            </a:r>
+            <a:r>
+              <a:rPr lang="en-US" dirty="0" err="1"/>
+              <a:t>como</a:t>
+            </a:r>
+            <a:r>
+              <a:rPr lang="en-US" dirty="0"/>
+              <a:t> </a:t>
+            </a:r>
+            <a:r>
+              <a:rPr lang="en-US" dirty="0" err="1"/>
+              <a:t>trabalho</a:t>
+            </a:r>
+            <a:r>
+              <a:rPr lang="en-US" dirty="0"/>
+              <a:t> </a:t>
+            </a:r>
+            <a:r>
+              <a:rPr lang="en-US" dirty="0" err="1"/>
+              <a:t>futuro</a:t>
+            </a:r>
+            <a:r>
+              <a:rPr lang="en-US" dirty="0"/>
+              <a:t> </a:t>
+            </a:r>
+            <a:r>
+              <a:rPr lang="en-US" dirty="0" err="1"/>
+              <a:t>verificar</a:t>
+            </a:r>
+            <a:r>
+              <a:rPr lang="en-US" dirty="0"/>
+              <a:t> o </a:t>
+            </a:r>
+            <a:r>
+              <a:rPr lang="en-US" dirty="0" err="1"/>
+              <a:t>comportamento</a:t>
+            </a:r>
+            <a:r>
+              <a:rPr lang="en-US" dirty="0"/>
+              <a:t> </a:t>
+            </a:r>
+            <a:r>
+              <a:rPr lang="en-US" dirty="0" err="1"/>
+              <a:t>utilizando</a:t>
+            </a:r>
+            <a:r>
+              <a:rPr lang="en-US" dirty="0"/>
+              <a:t> CNN e </a:t>
+            </a:r>
+            <a:r>
+              <a:rPr lang="en-US" dirty="0" err="1"/>
+              <a:t>outras</a:t>
+            </a:r>
+            <a:r>
+              <a:rPr lang="en-US" dirty="0"/>
+              <a:t> </a:t>
+            </a:r>
+            <a:r>
+              <a:rPr lang="en-US" dirty="0" err="1"/>
+              <a:t>técnicas</a:t>
+            </a:r>
+            <a:r>
+              <a:rPr lang="en-US" dirty="0"/>
+              <a:t>.</a:t>
+            </a:r>
+          </a:p>
+          <a:p>
+            <a:r>
+              <a:rPr lang="en-US" dirty="0"/>
+              <a:t>O dataset </a:t>
+            </a:r>
+            <a:r>
+              <a:rPr lang="en-US" dirty="0" err="1"/>
+              <a:t>é</a:t>
+            </a:r>
+            <a:r>
+              <a:rPr lang="en-US" dirty="0"/>
+              <a:t> </a:t>
+            </a:r>
+            <a:r>
+              <a:rPr lang="en-US" dirty="0" err="1"/>
+              <a:t>formado</a:t>
+            </a:r>
+            <a:r>
+              <a:rPr lang="en-US" dirty="0"/>
+              <a:t> </a:t>
+            </a:r>
+            <a:r>
+              <a:rPr lang="en-US" dirty="0" err="1"/>
+              <a:t>por</a:t>
+            </a:r>
+            <a:r>
+              <a:rPr lang="en-US" dirty="0"/>
+              <a:t> </a:t>
+            </a:r>
+            <a:r>
+              <a:rPr lang="en-US" dirty="0" err="1"/>
+              <a:t>questões</a:t>
+            </a:r>
+            <a:r>
+              <a:rPr lang="en-US" dirty="0"/>
+              <a:t> “How-to” de Python e SQL. São </a:t>
+            </a:r>
+            <a:r>
+              <a:rPr lang="en-US" dirty="0" err="1"/>
+              <a:t>questões</a:t>
+            </a:r>
+            <a:r>
+              <a:rPr lang="en-US" dirty="0"/>
+              <a:t> que </a:t>
+            </a:r>
+            <a:r>
+              <a:rPr lang="en-US" dirty="0" err="1"/>
+              <a:t>normalmente</a:t>
+            </a:r>
+            <a:r>
+              <a:rPr lang="en-US" dirty="0"/>
+              <a:t> a </a:t>
+            </a:r>
+            <a:r>
+              <a:rPr lang="en-US" dirty="0" err="1"/>
+              <a:t>resposta</a:t>
+            </a:r>
+            <a:r>
+              <a:rPr lang="en-US" dirty="0"/>
+              <a:t> </a:t>
+            </a:r>
+            <a:r>
+              <a:rPr lang="en-US" dirty="0" err="1"/>
+              <a:t>é</a:t>
+            </a:r>
+            <a:r>
+              <a:rPr lang="en-US" dirty="0"/>
+              <a:t> um code snippet. </a:t>
+            </a:r>
+            <a:r>
+              <a:rPr lang="en-US" dirty="0" err="1"/>
+              <a:t>Mais</a:t>
+            </a:r>
+            <a:r>
+              <a:rPr lang="en-US" dirty="0"/>
+              <a:t> de </a:t>
+            </a:r>
+            <a:r>
+              <a:rPr lang="en-US" dirty="0" err="1"/>
+              <a:t>uma</a:t>
+            </a:r>
+            <a:r>
+              <a:rPr lang="en-US" dirty="0"/>
+              <a:t> </a:t>
+            </a:r>
+            <a:r>
+              <a:rPr lang="en-US" dirty="0" err="1"/>
+              <a:t>resposta</a:t>
+            </a:r>
+            <a:r>
+              <a:rPr lang="en-US" dirty="0"/>
+              <a:t> </a:t>
+            </a:r>
+            <a:r>
+              <a:rPr lang="en-US" dirty="0" err="1"/>
+              <a:t>correta</a:t>
+            </a:r>
+            <a:r>
+              <a:rPr lang="en-US" dirty="0"/>
+              <a:t> </a:t>
+            </a:r>
+            <a:r>
+              <a:rPr lang="en-US" dirty="0" err="1"/>
+              <a:t>é</a:t>
+            </a:r>
+            <a:r>
+              <a:rPr lang="en-US" dirty="0"/>
+              <a:t> </a:t>
+            </a:r>
+            <a:r>
+              <a:rPr lang="en-US" dirty="0" err="1"/>
+              <a:t>possível</a:t>
+            </a:r>
+            <a:r>
+              <a:rPr lang="en-US" dirty="0"/>
+              <a:t> para </a:t>
+            </a:r>
+            <a:r>
+              <a:rPr lang="en-US" dirty="0" err="1"/>
+              <a:t>uma</a:t>
+            </a:r>
+            <a:r>
+              <a:rPr lang="en-US" dirty="0"/>
+              <a:t> </a:t>
+            </a:r>
+            <a:r>
+              <a:rPr lang="en-US" dirty="0" err="1"/>
+              <a:t>mesma</a:t>
+            </a:r>
+            <a:r>
+              <a:rPr lang="en-US" dirty="0"/>
+              <a:t> </a:t>
+            </a:r>
+            <a:r>
+              <a:rPr lang="en-US" dirty="0" err="1"/>
+              <a:t>pergunta</a:t>
+            </a:r>
+            <a:r>
+              <a:rPr lang="en-US" dirty="0"/>
+              <a:t>.</a:t>
+            </a:r>
+          </a:p>
+          <a:p>
+            <a:r>
+              <a:rPr lang="en-US" dirty="0" err="1"/>
+              <a:t>Após</a:t>
+            </a:r>
+            <a:r>
+              <a:rPr lang="en-US" dirty="0"/>
+              <a:t> </a:t>
+            </a:r>
+            <a:r>
+              <a:rPr lang="en-US" dirty="0" err="1"/>
+              <a:t>extrair</a:t>
+            </a:r>
+            <a:r>
+              <a:rPr lang="en-US" dirty="0"/>
+              <a:t> do stack over flow as </a:t>
+            </a:r>
+            <a:r>
+              <a:rPr lang="en-US" dirty="0" err="1"/>
+              <a:t>perguntas</a:t>
+            </a:r>
+            <a:r>
+              <a:rPr lang="en-US" dirty="0"/>
+              <a:t> “How-to” de Python, </a:t>
+            </a:r>
+            <a:r>
+              <a:rPr lang="en-US" dirty="0" err="1"/>
+              <a:t>por</a:t>
+            </a:r>
+            <a:r>
+              <a:rPr lang="en-US" dirty="0"/>
+              <a:t> </a:t>
+            </a:r>
+            <a:r>
+              <a:rPr lang="en-US" dirty="0" err="1"/>
+              <a:t>exemplo</a:t>
+            </a:r>
+            <a:r>
+              <a:rPr lang="en-US" dirty="0"/>
+              <a:t>, 3 </a:t>
+            </a:r>
+            <a:r>
+              <a:rPr lang="en-US" dirty="0" err="1"/>
+              <a:t>alunos</a:t>
+            </a:r>
+            <a:r>
+              <a:rPr lang="en-US" dirty="0"/>
+              <a:t> de </a:t>
+            </a:r>
+            <a:r>
+              <a:rPr lang="en-US" dirty="0" err="1"/>
+              <a:t>gradução</a:t>
+            </a:r>
+            <a:r>
+              <a:rPr lang="en-US" dirty="0"/>
+              <a:t> da </a:t>
+            </a:r>
+            <a:r>
+              <a:rPr lang="en-US" dirty="0" err="1"/>
+              <a:t>universidade</a:t>
+            </a:r>
+            <a:r>
+              <a:rPr lang="en-US" dirty="0"/>
+              <a:t> </a:t>
+            </a:r>
+            <a:r>
+              <a:rPr lang="en-US" dirty="0" err="1"/>
+              <a:t>marcaram</a:t>
+            </a:r>
+            <a:r>
+              <a:rPr lang="en-US" dirty="0"/>
+              <a:t> </a:t>
+            </a:r>
+            <a:r>
+              <a:rPr lang="en-US" dirty="0" err="1"/>
+              <a:t>quais</a:t>
+            </a:r>
+            <a:r>
+              <a:rPr lang="en-US" dirty="0"/>
+              <a:t> </a:t>
+            </a:r>
+            <a:r>
+              <a:rPr lang="en-US" dirty="0" err="1"/>
+              <a:t>respostas</a:t>
+            </a:r>
+            <a:r>
+              <a:rPr lang="en-US" dirty="0"/>
+              <a:t> </a:t>
+            </a:r>
+            <a:r>
+              <a:rPr lang="en-US" dirty="0" err="1"/>
+              <a:t>estavam</a:t>
+            </a:r>
+            <a:r>
+              <a:rPr lang="en-US" dirty="0"/>
+              <a:t> </a:t>
+            </a:r>
+            <a:r>
+              <a:rPr lang="en-US" dirty="0" err="1"/>
+              <a:t>certas</a:t>
+            </a:r>
+            <a:r>
+              <a:rPr lang="en-US" dirty="0"/>
+              <a:t> </a:t>
+            </a:r>
+            <a:r>
+              <a:rPr lang="en-US" dirty="0" err="1"/>
+              <a:t>ou</a:t>
+            </a:r>
+            <a:r>
+              <a:rPr lang="en-US" dirty="0"/>
+              <a:t> </a:t>
+            </a:r>
+            <a:r>
+              <a:rPr lang="en-US" dirty="0" err="1"/>
+              <a:t>erradas</a:t>
+            </a:r>
+            <a:r>
+              <a:rPr lang="en-US" dirty="0"/>
+              <a:t>. </a:t>
+            </a:r>
+            <a:r>
+              <a:rPr lang="en-US" dirty="0" err="1"/>
+              <a:t>Foram</a:t>
+            </a:r>
+            <a:r>
+              <a:rPr lang="en-US" dirty="0"/>
+              <a:t> </a:t>
+            </a:r>
+            <a:r>
+              <a:rPr lang="en-US" dirty="0" err="1"/>
+              <a:t>marcadas</a:t>
+            </a:r>
+            <a:r>
+              <a:rPr lang="en-US" dirty="0"/>
+              <a:t> um total de 4845 </a:t>
+            </a:r>
+            <a:r>
+              <a:rPr lang="en-US" dirty="0" err="1"/>
+              <a:t>respostas</a:t>
+            </a:r>
+            <a:r>
+              <a:rPr lang="en-US" dirty="0"/>
+              <a:t> para Python.</a:t>
+            </a:r>
+          </a:p>
+        </p:txBody>
+      </p:sp>
+    </p:spTree>
+    <p:extLst>
+      <p:ext uri="{BB962C8B-B14F-4D97-AF65-F5344CB8AC3E}">
+        <p14:creationId xmlns:p14="http://schemas.microsoft.com/office/powerpoint/2010/main" val="741761872"/>
+      </p:ext>
+    </p:extLst>
+  </p:cSld>
+  <p:clrMapOvr>
+    <a:masterClrMapping/>
+  </p:clrMapOvr>
+</p:sld>
+</file>
+
+<file path=ppt/slides/slide20.xml><?xml version="1.0" encoding="utf-8"?>
 <p:sld xmlns:a="http://schemas.openxmlformats.org/drawingml/2006/main" xmlns:r="http://schemas.openxmlformats.org/officeDocument/2006/relationships" xmlns:p="http://schemas.openxmlformats.org/presentationml/2006/main">
   <p:cSld>
     <p:spTree>
@@ -6513,686 +8777,6 @@
     <p:extLst>
       <p:ext uri="{BB962C8B-B14F-4D97-AF65-F5344CB8AC3E}">
         <p14:creationId xmlns:p14="http://schemas.microsoft.com/office/powerpoint/2010/main" val="3302351604"/>
-      </p:ext>
-    </p:extLst>
-  </p:cSld>
-  <p:clrMapOvr>
-    <a:masterClrMapping/>
-  </p:clrMapOvr>
-</p:sld>
-</file>
-
-<file path=ppt/slides/slide2.xml><?xml version="1.0" encoding="utf-8"?>
-<p:sld xmlns:a="http://schemas.openxmlformats.org/drawingml/2006/main" xmlns:r="http://schemas.openxmlformats.org/officeDocument/2006/relationships" xmlns:p="http://schemas.openxmlformats.org/presentationml/2006/main">
-  <p:cSld>
-    <p:spTree>
-      <p:nvGrpSpPr>
-        <p:cNvPr id="1" name=""/>
-        <p:cNvGrpSpPr/>
-        <p:nvPr/>
-      </p:nvGrpSpPr>
-      <p:grpSpPr>
-        <a:xfrm>
-          <a:off x="0" y="0"/>
-          <a:ext cx="0" cy="0"/>
-          <a:chOff x="0" y="0"/>
-          <a:chExt cx="0" cy="0"/>
-        </a:xfrm>
-      </p:grpSpPr>
-      <p:sp>
-        <p:nvSpPr>
-          <p:cNvPr id="2" name="Title 1">
-            <a:extLst>
-              <a:ext uri="{FF2B5EF4-FFF2-40B4-BE49-F238E27FC236}">
-                <a16:creationId xmlns:a16="http://schemas.microsoft.com/office/drawing/2014/main" id="{D7685F75-406E-4B45-A233-7E75B9F3F82A}"/>
-              </a:ext>
-            </a:extLst>
-          </p:cNvPr>
-          <p:cNvSpPr>
-            <a:spLocks noGrp="1"/>
-          </p:cNvSpPr>
-          <p:nvPr>
-            <p:ph type="title"/>
-          </p:nvPr>
-        </p:nvSpPr>
-        <p:spPr/>
-        <p:txBody>
-          <a:bodyPr/>
-          <a:lstStyle/>
-          <a:p>
-            <a:r>
-              <a:rPr lang="en-US" dirty="0" err="1"/>
-              <a:t>Problema</a:t>
-            </a:r>
-            <a:r>
-              <a:rPr lang="en-US" dirty="0"/>
-              <a:t>:</a:t>
-            </a:r>
-          </a:p>
-        </p:txBody>
-      </p:sp>
-      <p:sp>
-        <p:nvSpPr>
-          <p:cNvPr id="3" name="Content Placeholder 2">
-            <a:extLst>
-              <a:ext uri="{FF2B5EF4-FFF2-40B4-BE49-F238E27FC236}">
-                <a16:creationId xmlns:a16="http://schemas.microsoft.com/office/drawing/2014/main" id="{A95C27CF-F127-F249-BE09-C85F3674842A}"/>
-              </a:ext>
-            </a:extLst>
-          </p:cNvPr>
-          <p:cNvSpPr>
-            <a:spLocks noGrp="1"/>
-          </p:cNvSpPr>
-          <p:nvPr>
-            <p:ph idx="1"/>
-          </p:nvPr>
-        </p:nvSpPr>
-        <p:spPr/>
-        <p:txBody>
-          <a:bodyPr>
-            <a:normAutofit fontScale="70000" lnSpcReduction="20000"/>
-          </a:bodyPr>
-          <a:lstStyle/>
-          <a:p>
-            <a:r>
-              <a:rPr lang="en-US" dirty="0"/>
-              <a:t>Given a question q and an answer candidate pool {a1, a2, ..., as} for that question (s is the pool size), the goal is to find the best answer candidate </a:t>
-            </a:r>
-            <a:r>
-              <a:rPr lang="en-US" dirty="0" err="1"/>
-              <a:t>ak</a:t>
-            </a:r>
-            <a:r>
-              <a:rPr lang="en-US" dirty="0"/>
-              <a:t>, 1 ≤ k ≤ s .</a:t>
-            </a:r>
-          </a:p>
-          <a:p>
-            <a:r>
-              <a:rPr lang="en-US" dirty="0" err="1"/>
-              <a:t>Vários</a:t>
-            </a:r>
-            <a:r>
-              <a:rPr lang="en-US" dirty="0"/>
-              <a:t> papers </a:t>
-            </a:r>
-            <a:r>
-              <a:rPr lang="en-US" dirty="0" err="1"/>
-              <a:t>aplicaram</a:t>
-            </a:r>
-            <a:r>
-              <a:rPr lang="en-US" dirty="0"/>
-              <a:t> </a:t>
-            </a:r>
-            <a:r>
-              <a:rPr lang="en-US" dirty="0" err="1"/>
-              <a:t>diversas</a:t>
-            </a:r>
-            <a:r>
-              <a:rPr lang="en-US" dirty="0"/>
-              <a:t> </a:t>
-            </a:r>
-            <a:r>
-              <a:rPr lang="en-US" dirty="0" err="1"/>
-              <a:t>técnicas</a:t>
-            </a:r>
-            <a:r>
-              <a:rPr lang="en-US" dirty="0"/>
-              <a:t> </a:t>
-            </a:r>
-            <a:r>
-              <a:rPr lang="en-US" dirty="0" err="1"/>
-              <a:t>neste</a:t>
-            </a:r>
-            <a:r>
-              <a:rPr lang="en-US" dirty="0"/>
-              <a:t> </a:t>
-            </a:r>
-            <a:r>
-              <a:rPr lang="en-US" dirty="0" err="1"/>
-              <a:t>problema</a:t>
-            </a:r>
-            <a:r>
-              <a:rPr lang="en-US" dirty="0"/>
-              <a:t>.</a:t>
-            </a:r>
-          </a:p>
-          <a:p>
-            <a:r>
-              <a:rPr lang="en-US" dirty="0"/>
-              <a:t>Segundo Yao et al., </a:t>
-            </a:r>
-            <a:r>
-              <a:rPr lang="en-US" dirty="0" err="1"/>
-              <a:t>não</a:t>
-            </a:r>
-            <a:r>
-              <a:rPr lang="en-US" dirty="0"/>
-              <a:t> </a:t>
-            </a:r>
-            <a:r>
-              <a:rPr lang="en-US" dirty="0" err="1"/>
-              <a:t>foram</a:t>
-            </a:r>
-            <a:r>
-              <a:rPr lang="en-US" dirty="0"/>
-              <a:t> </a:t>
-            </a:r>
-            <a:r>
-              <a:rPr lang="en-US" dirty="0" err="1"/>
-              <a:t>encontrados</a:t>
-            </a:r>
-            <a:r>
-              <a:rPr lang="en-US" dirty="0"/>
-              <a:t> papers </a:t>
-            </a:r>
-            <a:r>
-              <a:rPr lang="en-US" dirty="0" err="1"/>
-              <a:t>significativos</a:t>
-            </a:r>
-            <a:r>
-              <a:rPr lang="en-US" dirty="0"/>
-              <a:t> </a:t>
-            </a:r>
-            <a:r>
-              <a:rPr lang="en-US" dirty="0" err="1"/>
-              <a:t>aplicando</a:t>
-            </a:r>
-            <a:r>
-              <a:rPr lang="en-US" dirty="0"/>
-              <a:t> </a:t>
-            </a:r>
-            <a:r>
-              <a:rPr lang="en-US" dirty="0" err="1"/>
-              <a:t>estas</a:t>
-            </a:r>
-            <a:r>
-              <a:rPr lang="en-US" dirty="0"/>
-              <a:t> </a:t>
-            </a:r>
-            <a:r>
-              <a:rPr lang="en-US" dirty="0" err="1"/>
-              <a:t>técnicas</a:t>
-            </a:r>
-            <a:r>
-              <a:rPr lang="en-US" dirty="0"/>
-              <a:t> no dataset do </a:t>
-            </a:r>
-            <a:r>
-              <a:rPr lang="en-US" dirty="0" err="1"/>
-              <a:t>StackOverFlow</a:t>
-            </a:r>
-            <a:r>
-              <a:rPr lang="en-US" dirty="0"/>
-              <a:t>.</a:t>
-            </a:r>
-          </a:p>
-          <a:p>
-            <a:r>
-              <a:rPr lang="en-US" dirty="0"/>
-              <a:t>No paper “</a:t>
-            </a:r>
-            <a:r>
-              <a:rPr lang="en-US" dirty="0" err="1"/>
-              <a:t>StaQC</a:t>
-            </a:r>
-            <a:r>
-              <a:rPr lang="en-US" dirty="0"/>
-              <a:t>: A Systematically Mined Question-Code Dataset from Stack Overflow”, </a:t>
-            </a:r>
-            <a:r>
-              <a:rPr lang="en-US" dirty="0" err="1"/>
-              <a:t>ele</a:t>
-            </a:r>
-            <a:r>
-              <a:rPr lang="en-US" dirty="0"/>
-              <a:t> </a:t>
-            </a:r>
-            <a:r>
-              <a:rPr lang="en-US" dirty="0" err="1"/>
-              <a:t>aplica</a:t>
-            </a:r>
-            <a:r>
-              <a:rPr lang="en-US" dirty="0"/>
-              <a:t> </a:t>
-            </a:r>
-            <a:r>
-              <a:rPr lang="en-US" dirty="0" err="1"/>
-              <a:t>uma</a:t>
-            </a:r>
-            <a:r>
-              <a:rPr lang="en-US" dirty="0"/>
-              <a:t> </a:t>
-            </a:r>
-            <a:r>
-              <a:rPr lang="en-US" dirty="0" err="1"/>
-              <a:t>rede</a:t>
-            </a:r>
-            <a:r>
-              <a:rPr lang="en-US" dirty="0"/>
-              <a:t> neural </a:t>
-            </a:r>
-            <a:r>
-              <a:rPr lang="en-US" dirty="0" err="1"/>
-              <a:t>recorrente</a:t>
-            </a:r>
-            <a:r>
-              <a:rPr lang="en-US" dirty="0"/>
-              <a:t> LSTM para </a:t>
-            </a:r>
-            <a:r>
-              <a:rPr lang="en-US" dirty="0" err="1"/>
-              <a:t>aprender</a:t>
-            </a:r>
-            <a:r>
-              <a:rPr lang="en-US" dirty="0"/>
-              <a:t> a </a:t>
-            </a:r>
-            <a:r>
-              <a:rPr lang="en-US" dirty="0" err="1"/>
-              <a:t>selecionar</a:t>
-            </a:r>
-            <a:r>
-              <a:rPr lang="en-US" dirty="0"/>
-              <a:t> a </a:t>
-            </a:r>
-            <a:r>
-              <a:rPr lang="en-US" dirty="0" err="1"/>
-              <a:t>melhor</a:t>
-            </a:r>
-            <a:r>
-              <a:rPr lang="en-US" dirty="0"/>
-              <a:t> </a:t>
-            </a:r>
-            <a:r>
-              <a:rPr lang="en-US" dirty="0" err="1"/>
-              <a:t>resposta</a:t>
-            </a:r>
-            <a:r>
-              <a:rPr lang="en-US" dirty="0"/>
-              <a:t>.</a:t>
-            </a:r>
-          </a:p>
-          <a:p>
-            <a:r>
-              <a:rPr lang="en-US" dirty="0"/>
-              <a:t>No final, o </a:t>
-            </a:r>
-            <a:r>
-              <a:rPr lang="en-US" dirty="0" err="1"/>
-              <a:t>autor</a:t>
-            </a:r>
-            <a:r>
-              <a:rPr lang="en-US" dirty="0"/>
-              <a:t> </a:t>
-            </a:r>
-            <a:r>
-              <a:rPr lang="en-US" dirty="0" err="1"/>
-              <a:t>sugere</a:t>
-            </a:r>
-            <a:r>
-              <a:rPr lang="en-US" dirty="0"/>
-              <a:t> </a:t>
-            </a:r>
-            <a:r>
-              <a:rPr lang="en-US" dirty="0" err="1"/>
-              <a:t>como</a:t>
-            </a:r>
-            <a:r>
-              <a:rPr lang="en-US" dirty="0"/>
-              <a:t> </a:t>
-            </a:r>
-            <a:r>
-              <a:rPr lang="en-US" dirty="0" err="1"/>
-              <a:t>trabalho</a:t>
-            </a:r>
-            <a:r>
-              <a:rPr lang="en-US" dirty="0"/>
-              <a:t> </a:t>
-            </a:r>
-            <a:r>
-              <a:rPr lang="en-US" dirty="0" err="1"/>
-              <a:t>futuro</a:t>
-            </a:r>
-            <a:r>
-              <a:rPr lang="en-US" dirty="0"/>
-              <a:t> </a:t>
-            </a:r>
-            <a:r>
-              <a:rPr lang="en-US" dirty="0" err="1"/>
-              <a:t>verificar</a:t>
-            </a:r>
-            <a:r>
-              <a:rPr lang="en-US" dirty="0"/>
-              <a:t> o </a:t>
-            </a:r>
-            <a:r>
-              <a:rPr lang="en-US" dirty="0" err="1"/>
-              <a:t>comportamento</a:t>
-            </a:r>
-            <a:r>
-              <a:rPr lang="en-US" dirty="0"/>
-              <a:t> </a:t>
-            </a:r>
-            <a:r>
-              <a:rPr lang="en-US" dirty="0" err="1"/>
-              <a:t>utilizando</a:t>
-            </a:r>
-            <a:r>
-              <a:rPr lang="en-US" dirty="0"/>
-              <a:t> CNN e </a:t>
-            </a:r>
-            <a:r>
-              <a:rPr lang="en-US" dirty="0" err="1"/>
-              <a:t>outras</a:t>
-            </a:r>
-            <a:r>
-              <a:rPr lang="en-US" dirty="0"/>
-              <a:t> </a:t>
-            </a:r>
-            <a:r>
-              <a:rPr lang="en-US" dirty="0" err="1"/>
-              <a:t>técnicas</a:t>
-            </a:r>
-            <a:r>
-              <a:rPr lang="en-US" dirty="0"/>
-              <a:t>.</a:t>
-            </a:r>
-          </a:p>
-          <a:p>
-            <a:r>
-              <a:rPr lang="en-US" dirty="0"/>
-              <a:t>O dataset </a:t>
-            </a:r>
-            <a:r>
-              <a:rPr lang="en-US" dirty="0" err="1"/>
-              <a:t>é</a:t>
-            </a:r>
-            <a:r>
-              <a:rPr lang="en-US" dirty="0"/>
-              <a:t> </a:t>
-            </a:r>
-            <a:r>
-              <a:rPr lang="en-US" dirty="0" err="1"/>
-              <a:t>formado</a:t>
-            </a:r>
-            <a:r>
-              <a:rPr lang="en-US" dirty="0"/>
-              <a:t> </a:t>
-            </a:r>
-            <a:r>
-              <a:rPr lang="en-US" dirty="0" err="1"/>
-              <a:t>por</a:t>
-            </a:r>
-            <a:r>
-              <a:rPr lang="en-US" dirty="0"/>
-              <a:t> </a:t>
-            </a:r>
-            <a:r>
-              <a:rPr lang="en-US" dirty="0" err="1"/>
-              <a:t>questões</a:t>
-            </a:r>
-            <a:r>
-              <a:rPr lang="en-US" dirty="0"/>
-              <a:t> “How-to” de Python e SQL. São </a:t>
-            </a:r>
-            <a:r>
-              <a:rPr lang="en-US" dirty="0" err="1"/>
-              <a:t>questões</a:t>
-            </a:r>
-            <a:r>
-              <a:rPr lang="en-US" dirty="0"/>
-              <a:t> que </a:t>
-            </a:r>
-            <a:r>
-              <a:rPr lang="en-US" dirty="0" err="1"/>
-              <a:t>normalmente</a:t>
-            </a:r>
-            <a:r>
-              <a:rPr lang="en-US" dirty="0"/>
-              <a:t> a </a:t>
-            </a:r>
-            <a:r>
-              <a:rPr lang="en-US" dirty="0" err="1"/>
-              <a:t>resposta</a:t>
-            </a:r>
-            <a:r>
-              <a:rPr lang="en-US" dirty="0"/>
-              <a:t> </a:t>
-            </a:r>
-            <a:r>
-              <a:rPr lang="en-US" dirty="0" err="1"/>
-              <a:t>é</a:t>
-            </a:r>
-            <a:r>
-              <a:rPr lang="en-US" dirty="0"/>
-              <a:t> um code snippet. </a:t>
-            </a:r>
-            <a:r>
-              <a:rPr lang="en-US" dirty="0" err="1"/>
-              <a:t>Mais</a:t>
-            </a:r>
-            <a:r>
-              <a:rPr lang="en-US" dirty="0"/>
-              <a:t> de </a:t>
-            </a:r>
-            <a:r>
-              <a:rPr lang="en-US" dirty="0" err="1"/>
-              <a:t>uma</a:t>
-            </a:r>
-            <a:r>
-              <a:rPr lang="en-US" dirty="0"/>
-              <a:t> </a:t>
-            </a:r>
-            <a:r>
-              <a:rPr lang="en-US" dirty="0" err="1"/>
-              <a:t>resposta</a:t>
-            </a:r>
-            <a:r>
-              <a:rPr lang="en-US" dirty="0"/>
-              <a:t> </a:t>
-            </a:r>
-            <a:r>
-              <a:rPr lang="en-US" dirty="0" err="1"/>
-              <a:t>correta</a:t>
-            </a:r>
-            <a:r>
-              <a:rPr lang="en-US" dirty="0"/>
-              <a:t> </a:t>
-            </a:r>
-            <a:r>
-              <a:rPr lang="en-US" dirty="0" err="1"/>
-              <a:t>é</a:t>
-            </a:r>
-            <a:r>
-              <a:rPr lang="en-US" dirty="0"/>
-              <a:t> </a:t>
-            </a:r>
-            <a:r>
-              <a:rPr lang="en-US" dirty="0" err="1"/>
-              <a:t>possível</a:t>
-            </a:r>
-            <a:r>
-              <a:rPr lang="en-US" dirty="0"/>
-              <a:t> para </a:t>
-            </a:r>
-            <a:r>
-              <a:rPr lang="en-US" dirty="0" err="1"/>
-              <a:t>uma</a:t>
-            </a:r>
-            <a:r>
-              <a:rPr lang="en-US" dirty="0"/>
-              <a:t> </a:t>
-            </a:r>
-            <a:r>
-              <a:rPr lang="en-US" dirty="0" err="1"/>
-              <a:t>mesma</a:t>
-            </a:r>
-            <a:r>
-              <a:rPr lang="en-US" dirty="0"/>
-              <a:t> </a:t>
-            </a:r>
-            <a:r>
-              <a:rPr lang="en-US" dirty="0" err="1"/>
-              <a:t>pergunta</a:t>
-            </a:r>
-            <a:r>
-              <a:rPr lang="en-US" dirty="0"/>
-              <a:t>.</a:t>
-            </a:r>
-          </a:p>
-          <a:p>
-            <a:r>
-              <a:rPr lang="en-US" dirty="0" err="1"/>
-              <a:t>Após</a:t>
-            </a:r>
-            <a:r>
-              <a:rPr lang="en-US" dirty="0"/>
-              <a:t> </a:t>
-            </a:r>
-            <a:r>
-              <a:rPr lang="en-US" dirty="0" err="1"/>
-              <a:t>extrair</a:t>
-            </a:r>
-            <a:r>
-              <a:rPr lang="en-US" dirty="0"/>
-              <a:t> do stack over flow as </a:t>
-            </a:r>
-            <a:r>
-              <a:rPr lang="en-US" dirty="0" err="1"/>
-              <a:t>perguntas</a:t>
-            </a:r>
-            <a:r>
-              <a:rPr lang="en-US" dirty="0"/>
-              <a:t> “How-to” de Python, </a:t>
-            </a:r>
-            <a:r>
-              <a:rPr lang="en-US" dirty="0" err="1"/>
-              <a:t>por</a:t>
-            </a:r>
-            <a:r>
-              <a:rPr lang="en-US" dirty="0"/>
-              <a:t> </a:t>
-            </a:r>
-            <a:r>
-              <a:rPr lang="en-US" dirty="0" err="1"/>
-              <a:t>exemplo</a:t>
-            </a:r>
-            <a:r>
-              <a:rPr lang="en-US" dirty="0"/>
-              <a:t>, 3 </a:t>
-            </a:r>
-            <a:r>
-              <a:rPr lang="en-US" dirty="0" err="1"/>
-              <a:t>alunos</a:t>
-            </a:r>
-            <a:r>
-              <a:rPr lang="en-US" dirty="0"/>
-              <a:t> de </a:t>
-            </a:r>
-            <a:r>
-              <a:rPr lang="en-US" dirty="0" err="1"/>
-              <a:t>gradução</a:t>
-            </a:r>
-            <a:r>
-              <a:rPr lang="en-US" dirty="0"/>
-              <a:t> da </a:t>
-            </a:r>
-            <a:r>
-              <a:rPr lang="en-US" dirty="0" err="1"/>
-              <a:t>universidade</a:t>
-            </a:r>
-            <a:r>
-              <a:rPr lang="en-US" dirty="0"/>
-              <a:t> </a:t>
-            </a:r>
-            <a:r>
-              <a:rPr lang="en-US" dirty="0" err="1"/>
-              <a:t>marcaram</a:t>
-            </a:r>
-            <a:r>
-              <a:rPr lang="en-US" dirty="0"/>
-              <a:t> </a:t>
-            </a:r>
-            <a:r>
-              <a:rPr lang="en-US" dirty="0" err="1"/>
-              <a:t>quais</a:t>
-            </a:r>
-            <a:r>
-              <a:rPr lang="en-US" dirty="0"/>
-              <a:t> </a:t>
-            </a:r>
-            <a:r>
-              <a:rPr lang="en-US" dirty="0" err="1"/>
-              <a:t>respostas</a:t>
-            </a:r>
-            <a:r>
-              <a:rPr lang="en-US" dirty="0"/>
-              <a:t> </a:t>
-            </a:r>
-            <a:r>
-              <a:rPr lang="en-US" dirty="0" err="1"/>
-              <a:t>estavam</a:t>
-            </a:r>
-            <a:r>
-              <a:rPr lang="en-US" dirty="0"/>
-              <a:t> </a:t>
-            </a:r>
-            <a:r>
-              <a:rPr lang="en-US" dirty="0" err="1"/>
-              <a:t>certas</a:t>
-            </a:r>
-            <a:r>
-              <a:rPr lang="en-US" dirty="0"/>
-              <a:t> </a:t>
-            </a:r>
-            <a:r>
-              <a:rPr lang="en-US" dirty="0" err="1"/>
-              <a:t>ou</a:t>
-            </a:r>
-            <a:r>
-              <a:rPr lang="en-US" dirty="0"/>
-              <a:t> </a:t>
-            </a:r>
-            <a:r>
-              <a:rPr lang="en-US" dirty="0" err="1"/>
-              <a:t>erradas</a:t>
-            </a:r>
-            <a:r>
-              <a:rPr lang="en-US" dirty="0"/>
-              <a:t>. </a:t>
-            </a:r>
-            <a:r>
-              <a:rPr lang="en-US" dirty="0" err="1"/>
-              <a:t>Foram</a:t>
-            </a:r>
-            <a:r>
-              <a:rPr lang="en-US" dirty="0"/>
-              <a:t> </a:t>
-            </a:r>
-            <a:r>
-              <a:rPr lang="en-US" dirty="0" err="1"/>
-              <a:t>marcadas</a:t>
-            </a:r>
-            <a:r>
-              <a:rPr lang="en-US" dirty="0"/>
-              <a:t> um total de 4845 </a:t>
-            </a:r>
-            <a:r>
-              <a:rPr lang="en-US" dirty="0" err="1"/>
-              <a:t>respostas</a:t>
-            </a:r>
-            <a:r>
-              <a:rPr lang="en-US" dirty="0"/>
-              <a:t> para Python.</a:t>
-            </a:r>
-          </a:p>
-        </p:txBody>
-      </p:sp>
-    </p:spTree>
-    <p:extLst>
-      <p:ext uri="{BB962C8B-B14F-4D97-AF65-F5344CB8AC3E}">
-        <p14:creationId xmlns:p14="http://schemas.microsoft.com/office/powerpoint/2010/main" val="741761872"/>
       </p:ext>
     </p:extLst>
   </p:cSld>

--- a/draft/presentation_draft.pptx
+++ b/draft/presentation_draft.pptx
@@ -22,9 +22,9 @@
     <p:sldId id="273" r:id="rId16"/>
     <p:sldId id="274" r:id="rId17"/>
     <p:sldId id="275" r:id="rId18"/>
-    <p:sldId id="262" r:id="rId19"/>
-    <p:sldId id="263" r:id="rId20"/>
-    <p:sldId id="264" r:id="rId21"/>
+    <p:sldId id="276" r:id="rId19"/>
+    <p:sldId id="262" r:id="rId20"/>
+    <p:sldId id="263" r:id="rId21"/>
   </p:sldIdLst>
   <p:sldSz cx="12192000" cy="6858000"/>
   <p:notesSz cx="6858000" cy="9144000"/>
@@ -278,7 +278,7 @@
           <a:p>
             <a:fld id="{D5F65742-485F-AF4F-A10E-2A244E8B6659}" type="datetimeFigureOut">
               <a:rPr lang="en-US" smtClean="0"/>
-              <a:t>3/9/19</a:t>
+              <a:t>3/10/19</a:t>
             </a:fld>
             <a:endParaRPr lang="en-US"/>
           </a:p>
@@ -476,7 +476,7 @@
           <a:p>
             <a:fld id="{D5F65742-485F-AF4F-A10E-2A244E8B6659}" type="datetimeFigureOut">
               <a:rPr lang="en-US" smtClean="0"/>
-              <a:t>3/9/19</a:t>
+              <a:t>3/10/19</a:t>
             </a:fld>
             <a:endParaRPr lang="en-US"/>
           </a:p>
@@ -684,7 +684,7 @@
           <a:p>
             <a:fld id="{D5F65742-485F-AF4F-A10E-2A244E8B6659}" type="datetimeFigureOut">
               <a:rPr lang="en-US" smtClean="0"/>
-              <a:t>3/9/19</a:t>
+              <a:t>3/10/19</a:t>
             </a:fld>
             <a:endParaRPr lang="en-US"/>
           </a:p>
@@ -882,7 +882,7 @@
           <a:p>
             <a:fld id="{D5F65742-485F-AF4F-A10E-2A244E8B6659}" type="datetimeFigureOut">
               <a:rPr lang="en-US" smtClean="0"/>
-              <a:t>3/9/19</a:t>
+              <a:t>3/10/19</a:t>
             </a:fld>
             <a:endParaRPr lang="en-US"/>
           </a:p>
@@ -1157,7 +1157,7 @@
           <a:p>
             <a:fld id="{D5F65742-485F-AF4F-A10E-2A244E8B6659}" type="datetimeFigureOut">
               <a:rPr lang="en-US" smtClean="0"/>
-              <a:t>3/9/19</a:t>
+              <a:t>3/10/19</a:t>
             </a:fld>
             <a:endParaRPr lang="en-US"/>
           </a:p>
@@ -1422,7 +1422,7 @@
           <a:p>
             <a:fld id="{D5F65742-485F-AF4F-A10E-2A244E8B6659}" type="datetimeFigureOut">
               <a:rPr lang="en-US" smtClean="0"/>
-              <a:t>3/9/19</a:t>
+              <a:t>3/10/19</a:t>
             </a:fld>
             <a:endParaRPr lang="en-US"/>
           </a:p>
@@ -1834,7 +1834,7 @@
           <a:p>
             <a:fld id="{D5F65742-485F-AF4F-A10E-2A244E8B6659}" type="datetimeFigureOut">
               <a:rPr lang="en-US" smtClean="0"/>
-              <a:t>3/9/19</a:t>
+              <a:t>3/10/19</a:t>
             </a:fld>
             <a:endParaRPr lang="en-US"/>
           </a:p>
@@ -1975,7 +1975,7 @@
           <a:p>
             <a:fld id="{D5F65742-485F-AF4F-A10E-2A244E8B6659}" type="datetimeFigureOut">
               <a:rPr lang="en-US" smtClean="0"/>
-              <a:t>3/9/19</a:t>
+              <a:t>3/10/19</a:t>
             </a:fld>
             <a:endParaRPr lang="en-US"/>
           </a:p>
@@ -2088,7 +2088,7 @@
           <a:p>
             <a:fld id="{D5F65742-485F-AF4F-A10E-2A244E8B6659}" type="datetimeFigureOut">
               <a:rPr lang="en-US" smtClean="0"/>
-              <a:t>3/9/19</a:t>
+              <a:t>3/10/19</a:t>
             </a:fld>
             <a:endParaRPr lang="en-US"/>
           </a:p>
@@ -2399,7 +2399,7 @@
           <a:p>
             <a:fld id="{D5F65742-485F-AF4F-A10E-2A244E8B6659}" type="datetimeFigureOut">
               <a:rPr lang="en-US" smtClean="0"/>
-              <a:t>3/9/19</a:t>
+              <a:t>3/10/19</a:t>
             </a:fld>
             <a:endParaRPr lang="en-US"/>
           </a:p>
@@ -2687,7 +2687,7 @@
           <a:p>
             <a:fld id="{D5F65742-485F-AF4F-A10E-2A244E8B6659}" type="datetimeFigureOut">
               <a:rPr lang="en-US" smtClean="0"/>
-              <a:t>3/9/19</a:t>
+              <a:t>3/10/19</a:t>
             </a:fld>
             <a:endParaRPr lang="en-US"/>
           </a:p>
@@ -2928,7 +2928,7 @@
           <a:p>
             <a:fld id="{D5F65742-485F-AF4F-A10E-2A244E8B6659}" type="datetimeFigureOut">
               <a:rPr lang="en-US" smtClean="0"/>
-              <a:t>3/9/19</a:t>
+              <a:t>3/10/19</a:t>
             </a:fld>
             <a:endParaRPr lang="en-US"/>
           </a:p>
@@ -6442,28 +6442,82 @@
         </p:nvSpPr>
         <p:spPr/>
         <p:txBody>
-          <a:bodyPr/>
+          <a:bodyPr>
+            <a:normAutofit fontScale="90000"/>
+          </a:bodyPr>
           <a:lstStyle/>
           <a:p>
             <a:r>
-              <a:rPr lang="en-US" dirty="0"/>
-              <a:t>Taxa de </a:t>
-            </a:r>
-            <a:r>
-              <a:rPr lang="en-US" dirty="0" err="1"/>
-              <a:t>precisão</a:t>
-            </a:r>
-            <a:r>
-              <a:rPr lang="en-US" dirty="0"/>
-              <a:t> e overfitting </a:t>
-            </a:r>
-            <a:r>
-              <a:rPr lang="en-US" dirty="0" err="1"/>
-              <a:t>em</a:t>
-            </a:r>
-            <a:r>
-              <a:rPr lang="en-US" dirty="0"/>
-              <a:t> small dataset</a:t>
+              <a:rPr lang="en-US" dirty="0" err="1"/>
+              <a:t>Algumas</a:t>
+            </a:r>
+            <a:r>
+              <a:rPr lang="en-US" dirty="0"/>
+              <a:t> </a:t>
+            </a:r>
+            <a:r>
+              <a:rPr lang="en-US" dirty="0" err="1"/>
+              <a:t>observações</a:t>
+            </a:r>
+            <a:r>
+              <a:rPr lang="en-US" dirty="0"/>
+              <a:t> </a:t>
+            </a:r>
+            <a:r>
+              <a:rPr lang="en-US" dirty="0" err="1"/>
+              <a:t>sobre</a:t>
+            </a:r>
+            <a:r>
+              <a:rPr lang="en-US" dirty="0"/>
+              <a:t> </a:t>
+            </a:r>
+            <a:r>
+              <a:rPr lang="en-US" dirty="0" err="1"/>
+              <a:t>os</a:t>
+            </a:r>
+            <a:r>
+              <a:rPr lang="en-US" dirty="0"/>
+              <a:t> </a:t>
+            </a:r>
+            <a:r>
+              <a:rPr lang="en-US" dirty="0" err="1"/>
+              <a:t>parâmetros</a:t>
+            </a:r>
+            <a:r>
+              <a:rPr lang="en-US" dirty="0"/>
+              <a:t> </a:t>
+            </a:r>
+            <a:r>
+              <a:rPr lang="en-US" dirty="0" err="1"/>
+              <a:t>utilizados</a:t>
+            </a:r>
+            <a:r>
+              <a:rPr lang="en-US" dirty="0"/>
+              <a:t> no </a:t>
+            </a:r>
+            <a:r>
+              <a:rPr lang="en-US" dirty="0" err="1"/>
+              <a:t>modelo</a:t>
+            </a:r>
+            <a:r>
+              <a:rPr lang="en-US" dirty="0"/>
+              <a:t> a </a:t>
+            </a:r>
+            <a:r>
+              <a:rPr lang="en-US" dirty="0" err="1"/>
+              <a:t>partir</a:t>
+            </a:r>
+            <a:r>
+              <a:rPr lang="en-US" dirty="0"/>
+              <a:t> de </a:t>
+            </a:r>
+            <a:r>
+              <a:rPr lang="en-US" dirty="0" err="1"/>
+              <a:t>experimentos</a:t>
+            </a:r>
+            <a:r>
+              <a:rPr lang="en-US" dirty="0"/>
+              <a:t> no dataset</a:t>
             </a:r>
           </a:p>
         </p:txBody>
@@ -6486,10 +6540,887 @@
         </p:nvSpPr>
         <p:spPr/>
         <p:txBody>
-          <a:bodyPr/>
+          <a:bodyPr>
+            <a:normAutofit fontScale="77500" lnSpcReduction="20000"/>
+          </a:bodyPr>
           <a:lstStyle/>
           <a:p>
-            <a:endParaRPr lang="en-US"/>
+            <a:r>
+              <a:rPr lang="en-US" b="1" dirty="0"/>
+              <a:t>Epochs</a:t>
+            </a:r>
+            <a:r>
+              <a:rPr lang="en-US" dirty="0"/>
+              <a:t>: o </a:t>
+            </a:r>
+            <a:r>
+              <a:rPr lang="en-US" dirty="0" err="1"/>
+              <a:t>número</a:t>
+            </a:r>
+            <a:r>
+              <a:rPr lang="en-US" dirty="0"/>
+              <a:t> de </a:t>
+            </a:r>
+            <a:r>
+              <a:rPr lang="en-US" dirty="0" err="1"/>
+              <a:t>épocas</a:t>
+            </a:r>
+            <a:r>
+              <a:rPr lang="en-US" dirty="0"/>
+              <a:t> de </a:t>
+            </a:r>
+            <a:r>
+              <a:rPr lang="en-US" dirty="0" err="1"/>
+              <a:t>treinamento</a:t>
+            </a:r>
+            <a:r>
+              <a:rPr lang="en-US" dirty="0"/>
+              <a:t> no </a:t>
+            </a:r>
+            <a:r>
+              <a:rPr lang="en-US" dirty="0" err="1"/>
+              <a:t>momento</a:t>
+            </a:r>
+            <a:r>
+              <a:rPr lang="en-US" dirty="0"/>
+              <a:t> </a:t>
+            </a:r>
+            <a:r>
+              <a:rPr lang="en-US" dirty="0" err="1"/>
+              <a:t>está</a:t>
+            </a:r>
+            <a:r>
+              <a:rPr lang="en-US" dirty="0"/>
+              <a:t> </a:t>
+            </a:r>
+            <a:r>
+              <a:rPr lang="en-US" dirty="0" err="1"/>
+              <a:t>pequeno</a:t>
+            </a:r>
+            <a:r>
+              <a:rPr lang="en-US" dirty="0"/>
+              <a:t>. O </a:t>
+            </a:r>
+            <a:r>
+              <a:rPr lang="en-US" dirty="0" err="1"/>
+              <a:t>intervalo</a:t>
+            </a:r>
+            <a:r>
+              <a:rPr lang="en-US" dirty="0"/>
+              <a:t> </a:t>
+            </a:r>
+            <a:r>
+              <a:rPr lang="en-US" dirty="0" err="1"/>
+              <a:t>utilizado</a:t>
+            </a:r>
+            <a:r>
+              <a:rPr lang="en-US" dirty="0"/>
+              <a:t> </a:t>
+            </a:r>
+            <a:r>
+              <a:rPr lang="en-US" dirty="0" err="1"/>
+              <a:t>por</a:t>
+            </a:r>
+            <a:r>
+              <a:rPr lang="en-US" dirty="0"/>
+              <a:t> </a:t>
+            </a:r>
+            <a:r>
+              <a:rPr lang="en-US" dirty="0" err="1"/>
+              <a:t>mim</a:t>
+            </a:r>
+            <a:r>
+              <a:rPr lang="en-US" dirty="0"/>
+              <a:t> </a:t>
+            </a:r>
+            <a:r>
+              <a:rPr lang="en-US" dirty="0" err="1"/>
+              <a:t>está</a:t>
+            </a:r>
+            <a:r>
+              <a:rPr lang="en-US" dirty="0"/>
+              <a:t> [1, 4]. </a:t>
+            </a:r>
+            <a:r>
+              <a:rPr lang="en-US" dirty="0" err="1"/>
+              <a:t>Quando</a:t>
+            </a:r>
+            <a:r>
+              <a:rPr lang="en-US" dirty="0"/>
+              <a:t> </a:t>
+            </a:r>
+            <a:r>
+              <a:rPr lang="en-US" dirty="0" err="1"/>
+              <a:t>eu</a:t>
+            </a:r>
+            <a:r>
+              <a:rPr lang="en-US" dirty="0"/>
+              <a:t> </a:t>
+            </a:r>
+            <a:r>
+              <a:rPr lang="en-US" dirty="0" err="1"/>
+              <a:t>coloco</a:t>
+            </a:r>
+            <a:r>
+              <a:rPr lang="en-US" dirty="0"/>
+              <a:t> 10 </a:t>
+            </a:r>
+            <a:r>
+              <a:rPr lang="en-US" dirty="0" err="1"/>
+              <a:t>ou</a:t>
+            </a:r>
+            <a:r>
+              <a:rPr lang="en-US" dirty="0"/>
+              <a:t> 100, </a:t>
+            </a:r>
+            <a:r>
+              <a:rPr lang="en-US" dirty="0" err="1"/>
+              <a:t>ocorre</a:t>
+            </a:r>
+            <a:r>
+              <a:rPr lang="en-US" dirty="0"/>
+              <a:t> overfitting.</a:t>
+            </a:r>
+          </a:p>
+          <a:p>
+            <a:r>
+              <a:rPr lang="en-US" b="1" dirty="0"/>
+              <a:t>Batch size</a:t>
+            </a:r>
+            <a:r>
+              <a:rPr lang="en-US" dirty="0"/>
+              <a:t>: </a:t>
+            </a:r>
+            <a:r>
+              <a:rPr lang="en-US" dirty="0" err="1"/>
+              <a:t>Inicialmente</a:t>
+            </a:r>
+            <a:r>
+              <a:rPr lang="en-US" dirty="0"/>
+              <a:t> </a:t>
+            </a:r>
+            <a:r>
+              <a:rPr lang="en-US" dirty="0" err="1"/>
+              <a:t>eu</a:t>
+            </a:r>
+            <a:r>
+              <a:rPr lang="en-US" dirty="0"/>
+              <a:t> </a:t>
+            </a:r>
+            <a:r>
+              <a:rPr lang="en-US" dirty="0" err="1"/>
+              <a:t>tentei</a:t>
+            </a:r>
+            <a:r>
+              <a:rPr lang="en-US" dirty="0"/>
+              <a:t> 32, 64. </a:t>
+            </a:r>
+            <a:r>
+              <a:rPr lang="en-US" dirty="0" err="1"/>
+              <a:t>Porém</a:t>
+            </a:r>
+            <a:r>
+              <a:rPr lang="en-US" dirty="0"/>
+              <a:t>, o </a:t>
+            </a:r>
+            <a:r>
+              <a:rPr lang="en-US" dirty="0" err="1"/>
+              <a:t>modelo</a:t>
+            </a:r>
+            <a:r>
+              <a:rPr lang="en-US" dirty="0"/>
+              <a:t> </a:t>
+            </a:r>
+            <a:r>
+              <a:rPr lang="en-US" dirty="0" err="1"/>
+              <a:t>obteve</a:t>
+            </a:r>
+            <a:r>
+              <a:rPr lang="en-US" dirty="0"/>
+              <a:t> </a:t>
+            </a:r>
+            <a:r>
+              <a:rPr lang="en-US" dirty="0" err="1"/>
+              <a:t>melhoras</a:t>
+            </a:r>
+            <a:r>
+              <a:rPr lang="en-US" dirty="0"/>
+              <a:t> a </a:t>
+            </a:r>
+            <a:r>
+              <a:rPr lang="en-US" dirty="0" err="1"/>
+              <a:t>partir</a:t>
+            </a:r>
+            <a:r>
+              <a:rPr lang="en-US" dirty="0"/>
+              <a:t> de 128 e 256. </a:t>
+            </a:r>
+            <a:r>
+              <a:rPr lang="en-US" dirty="0" err="1"/>
+              <a:t>Chegando</a:t>
+            </a:r>
+            <a:r>
+              <a:rPr lang="en-US" dirty="0"/>
+              <a:t> a </a:t>
+            </a:r>
+            <a:r>
+              <a:rPr lang="en-US" dirty="0" err="1"/>
+              <a:t>ter</a:t>
+            </a:r>
+            <a:r>
+              <a:rPr lang="en-US" dirty="0"/>
+              <a:t> </a:t>
+            </a:r>
+            <a:r>
+              <a:rPr lang="en-US" dirty="0" err="1"/>
+              <a:t>precisão</a:t>
+            </a:r>
+            <a:r>
+              <a:rPr lang="en-US" dirty="0"/>
+              <a:t> final de 100% de </a:t>
+            </a:r>
+            <a:r>
+              <a:rPr lang="en-US" dirty="0" err="1"/>
+              <a:t>acerto</a:t>
+            </a:r>
+            <a:r>
+              <a:rPr lang="en-US" dirty="0"/>
+              <a:t>. </a:t>
+            </a:r>
+          </a:p>
+          <a:p>
+            <a:r>
+              <a:rPr lang="en-US" b="1" dirty="0"/>
+              <a:t>Hidden dims LSTM</a:t>
+            </a:r>
+            <a:r>
+              <a:rPr lang="en-US" dirty="0"/>
+              <a:t>: </a:t>
+            </a:r>
+            <a:r>
+              <a:rPr lang="en-US" dirty="0" err="1"/>
+              <a:t>Atualmente</a:t>
+            </a:r>
+            <a:r>
+              <a:rPr lang="en-US" dirty="0"/>
+              <a:t> </a:t>
+            </a:r>
+            <a:r>
+              <a:rPr lang="en-US" dirty="0" err="1"/>
+              <a:t>estou</a:t>
+            </a:r>
+            <a:r>
+              <a:rPr lang="en-US" dirty="0"/>
+              <a:t> </a:t>
+            </a:r>
+            <a:r>
+              <a:rPr lang="en-US" dirty="0" err="1"/>
+              <a:t>usando</a:t>
+            </a:r>
+            <a:r>
+              <a:rPr lang="en-US" dirty="0"/>
+              <a:t> 50 e 500. </a:t>
+            </a:r>
+            <a:r>
+              <a:rPr lang="en-US" dirty="0" err="1"/>
+              <a:t>Não</a:t>
+            </a:r>
+            <a:r>
+              <a:rPr lang="en-US" dirty="0"/>
+              <a:t> </a:t>
+            </a:r>
+            <a:r>
+              <a:rPr lang="en-US" dirty="0" err="1"/>
+              <a:t>notei</a:t>
+            </a:r>
+            <a:r>
+              <a:rPr lang="en-US" dirty="0"/>
+              <a:t> </a:t>
+            </a:r>
+            <a:r>
+              <a:rPr lang="en-US" dirty="0" err="1"/>
+              <a:t>diferença</a:t>
+            </a:r>
+            <a:r>
+              <a:rPr lang="en-US" dirty="0"/>
+              <a:t> </a:t>
+            </a:r>
+            <a:r>
+              <a:rPr lang="en-US" dirty="0" err="1"/>
+              <a:t>ainda</a:t>
+            </a:r>
+            <a:r>
+              <a:rPr lang="en-US" dirty="0"/>
+              <a:t>. </a:t>
+            </a:r>
+            <a:r>
+              <a:rPr lang="en-US" dirty="0" err="1"/>
+              <a:t>Preciso</a:t>
+            </a:r>
+            <a:r>
+              <a:rPr lang="en-US" dirty="0"/>
+              <a:t> </a:t>
+            </a:r>
+            <a:r>
+              <a:rPr lang="en-US" dirty="0" err="1"/>
+              <a:t>verificar</a:t>
+            </a:r>
+            <a:r>
+              <a:rPr lang="en-US" dirty="0"/>
+              <a:t> se </a:t>
+            </a:r>
+            <a:r>
+              <a:rPr lang="en-US" dirty="0" err="1"/>
+              <a:t>há</a:t>
+            </a:r>
+            <a:r>
+              <a:rPr lang="en-US" dirty="0"/>
+              <a:t> outros </a:t>
+            </a:r>
+            <a:r>
+              <a:rPr lang="en-US" dirty="0" err="1"/>
+              <a:t>fatores</a:t>
+            </a:r>
+            <a:r>
+              <a:rPr lang="en-US" dirty="0"/>
+              <a:t> que </a:t>
+            </a:r>
+            <a:r>
+              <a:rPr lang="en-US" dirty="0" err="1"/>
+              <a:t>estejam</a:t>
+            </a:r>
+            <a:r>
+              <a:rPr lang="en-US" dirty="0"/>
+              <a:t> </a:t>
+            </a:r>
+            <a:r>
+              <a:rPr lang="en-US" dirty="0" err="1"/>
+              <a:t>influenciando</a:t>
+            </a:r>
+            <a:r>
+              <a:rPr lang="en-US" dirty="0"/>
+              <a:t> o </a:t>
+            </a:r>
+            <a:r>
+              <a:rPr lang="en-US" dirty="0" err="1"/>
+              <a:t>aprendizado</a:t>
+            </a:r>
+            <a:r>
+              <a:rPr lang="en-US" dirty="0"/>
+              <a:t>. E </a:t>
+            </a:r>
+            <a:r>
+              <a:rPr lang="en-US" dirty="0" err="1"/>
+              <a:t>depois</a:t>
+            </a:r>
+            <a:r>
+              <a:rPr lang="en-US" dirty="0"/>
+              <a:t> </a:t>
+            </a:r>
+            <a:r>
+              <a:rPr lang="en-US" dirty="0" err="1"/>
+              <a:t>olhar</a:t>
+            </a:r>
+            <a:r>
+              <a:rPr lang="en-US" dirty="0"/>
+              <a:t> </a:t>
+            </a:r>
+            <a:r>
+              <a:rPr lang="en-US" dirty="0" err="1"/>
+              <a:t>este</a:t>
+            </a:r>
+            <a:r>
+              <a:rPr lang="en-US" dirty="0"/>
+              <a:t> </a:t>
+            </a:r>
+            <a:r>
+              <a:rPr lang="en-US" dirty="0" err="1"/>
+              <a:t>parâmetro</a:t>
+            </a:r>
+            <a:r>
+              <a:rPr lang="en-US" dirty="0"/>
+              <a:t>.</a:t>
+            </a:r>
+          </a:p>
+          <a:p>
+            <a:r>
+              <a:rPr lang="en-US" b="1" dirty="0" err="1"/>
+              <a:t>Tamanho</a:t>
+            </a:r>
+            <a:r>
+              <a:rPr lang="en-US" b="1" dirty="0"/>
+              <a:t> do </a:t>
+            </a:r>
+            <a:r>
+              <a:rPr lang="en-US" b="1" dirty="0" err="1"/>
+              <a:t>vocabulário</a:t>
+            </a:r>
+            <a:r>
+              <a:rPr lang="en-US" dirty="0"/>
+              <a:t>: Para </a:t>
+            </a:r>
+            <a:r>
+              <a:rPr lang="en-US" dirty="0" err="1"/>
+              <a:t>transformar</a:t>
+            </a:r>
+            <a:r>
+              <a:rPr lang="en-US" dirty="0"/>
+              <a:t> o </a:t>
+            </a:r>
+            <a:r>
+              <a:rPr lang="en-US" dirty="0" err="1"/>
+              <a:t>texto</a:t>
+            </a:r>
+            <a:r>
+              <a:rPr lang="en-US" dirty="0"/>
+              <a:t> </a:t>
+            </a:r>
+            <a:r>
+              <a:rPr lang="en-US" dirty="0" err="1"/>
+              <a:t>em</a:t>
+            </a:r>
+            <a:r>
+              <a:rPr lang="en-US" dirty="0"/>
+              <a:t> </a:t>
+            </a:r>
+            <a:r>
+              <a:rPr lang="en-US" dirty="0" err="1"/>
+              <a:t>vetor</a:t>
+            </a:r>
+            <a:r>
+              <a:rPr lang="en-US" dirty="0"/>
+              <a:t> de </a:t>
+            </a:r>
+            <a:r>
+              <a:rPr lang="en-US" dirty="0" err="1"/>
+              <a:t>números</a:t>
+            </a:r>
+            <a:r>
+              <a:rPr lang="en-US" dirty="0"/>
+              <a:t>, </a:t>
+            </a:r>
+            <a:r>
+              <a:rPr lang="en-US" dirty="0" err="1"/>
+              <a:t>foi</a:t>
+            </a:r>
+            <a:r>
+              <a:rPr lang="en-US" dirty="0"/>
+              <a:t> </a:t>
+            </a:r>
+            <a:r>
+              <a:rPr lang="en-US" dirty="0" err="1"/>
+              <a:t>utilizado</a:t>
+            </a:r>
+            <a:r>
+              <a:rPr lang="en-US" dirty="0"/>
+              <a:t> a </a:t>
+            </a:r>
+            <a:r>
+              <a:rPr lang="en-US" dirty="0" err="1"/>
+              <a:t>função</a:t>
+            </a:r>
+            <a:r>
+              <a:rPr lang="en-US" dirty="0"/>
+              <a:t> Tokenizer do </a:t>
+            </a:r>
+            <a:r>
+              <a:rPr lang="en-US" dirty="0" err="1"/>
+              <a:t>Keras</a:t>
+            </a:r>
+            <a:r>
+              <a:rPr lang="en-US" dirty="0"/>
+              <a:t>. Ela remove </a:t>
+            </a:r>
+            <a:r>
+              <a:rPr lang="en-US" dirty="0" err="1"/>
+              <a:t>pontuação</a:t>
+            </a:r>
+            <a:r>
+              <a:rPr lang="en-US" dirty="0"/>
+              <a:t>, </a:t>
+            </a:r>
+            <a:r>
+              <a:rPr lang="en-US" dirty="0" err="1"/>
+              <a:t>acentuação</a:t>
+            </a:r>
+            <a:r>
+              <a:rPr lang="en-US" dirty="0"/>
+              <a:t> e </a:t>
+            </a:r>
+            <a:r>
+              <a:rPr lang="en-US" dirty="0" err="1"/>
+              <a:t>caracteres</a:t>
+            </a:r>
+            <a:r>
+              <a:rPr lang="en-US" dirty="0"/>
+              <a:t> </a:t>
+            </a:r>
+            <a:r>
+              <a:rPr lang="en-US" dirty="0" err="1"/>
+              <a:t>especiais</a:t>
+            </a:r>
+            <a:r>
+              <a:rPr lang="en-US" dirty="0"/>
+              <a:t>. Mas </a:t>
+            </a:r>
+            <a:r>
+              <a:rPr lang="en-US" dirty="0" err="1"/>
+              <a:t>não</a:t>
+            </a:r>
+            <a:r>
+              <a:rPr lang="en-US" dirty="0"/>
+              <a:t> </a:t>
+            </a:r>
+            <a:r>
+              <a:rPr lang="en-US" dirty="0" err="1"/>
+              <a:t>foi</a:t>
+            </a:r>
+            <a:r>
+              <a:rPr lang="en-US" dirty="0"/>
+              <a:t> </a:t>
+            </a:r>
+            <a:r>
+              <a:rPr lang="en-US" dirty="0" err="1"/>
+              <a:t>feito</a:t>
+            </a:r>
+            <a:r>
+              <a:rPr lang="en-US" dirty="0"/>
+              <a:t> </a:t>
+            </a:r>
+            <a:r>
+              <a:rPr lang="en-US" dirty="0" err="1"/>
+              <a:t>tratamento</a:t>
+            </a:r>
+            <a:r>
+              <a:rPr lang="en-US" dirty="0"/>
+              <a:t> </a:t>
+            </a:r>
+            <a:r>
+              <a:rPr lang="en-US" dirty="0" err="1"/>
+              <a:t>como</a:t>
+            </a:r>
+            <a:r>
+              <a:rPr lang="en-US" dirty="0"/>
+              <a:t> Stemming e lemmatization das </a:t>
+            </a:r>
+            <a:r>
+              <a:rPr lang="en-US" dirty="0" err="1"/>
+              <a:t>questões</a:t>
+            </a:r>
+            <a:r>
+              <a:rPr lang="en-US" dirty="0"/>
+              <a:t>. </a:t>
+            </a:r>
+            <a:r>
+              <a:rPr lang="en-US" dirty="0" err="1"/>
+              <a:t>É</a:t>
+            </a:r>
+            <a:r>
+              <a:rPr lang="en-US" dirty="0"/>
+              <a:t> </a:t>
+            </a:r>
+            <a:r>
+              <a:rPr lang="en-US" dirty="0" err="1"/>
+              <a:t>algo</a:t>
+            </a:r>
+            <a:r>
+              <a:rPr lang="en-US" dirty="0"/>
+              <a:t> a </a:t>
+            </a:r>
+            <a:r>
+              <a:rPr lang="en-US" dirty="0" err="1"/>
+              <a:t>ser</a:t>
+            </a:r>
+            <a:r>
+              <a:rPr lang="en-US" dirty="0"/>
+              <a:t> </a:t>
+            </a:r>
+            <a:r>
+              <a:rPr lang="en-US" dirty="0" err="1"/>
+              <a:t>pensado</a:t>
+            </a:r>
+            <a:r>
+              <a:rPr lang="en-US" dirty="0"/>
+              <a:t>. </a:t>
+            </a:r>
+            <a:r>
+              <a:rPr lang="en-US" dirty="0" err="1"/>
+              <a:t>Além</a:t>
+            </a:r>
+            <a:r>
+              <a:rPr lang="en-US" dirty="0"/>
+              <a:t> </a:t>
+            </a:r>
+            <a:r>
+              <a:rPr lang="en-US" dirty="0" err="1"/>
+              <a:t>disso</a:t>
+            </a:r>
+            <a:r>
+              <a:rPr lang="en-US" dirty="0"/>
+              <a:t>, </a:t>
+            </a:r>
+            <a:r>
+              <a:rPr lang="en-US" dirty="0" err="1"/>
+              <a:t>foi</a:t>
+            </a:r>
+            <a:r>
+              <a:rPr lang="en-US" dirty="0"/>
+              <a:t> </a:t>
+            </a:r>
+            <a:r>
+              <a:rPr lang="en-US" dirty="0" err="1"/>
+              <a:t>mantido</a:t>
+            </a:r>
+            <a:r>
+              <a:rPr lang="en-US" dirty="0"/>
+              <a:t> o </a:t>
+            </a:r>
+            <a:r>
+              <a:rPr lang="en-US" dirty="0" err="1"/>
+              <a:t>vocabulário</a:t>
+            </a:r>
+            <a:r>
+              <a:rPr lang="en-US" dirty="0"/>
+              <a:t> </a:t>
+            </a:r>
+            <a:r>
+              <a:rPr lang="en-US" dirty="0" err="1"/>
+              <a:t>inteiro</a:t>
+            </a:r>
+            <a:r>
+              <a:rPr lang="en-US" dirty="0"/>
+              <a:t>, </a:t>
+            </a:r>
+            <a:r>
+              <a:rPr lang="en-US" dirty="0" err="1"/>
+              <a:t>não</a:t>
+            </a:r>
+            <a:r>
+              <a:rPr lang="en-US" dirty="0"/>
+              <a:t> </a:t>
+            </a:r>
+            <a:r>
+              <a:rPr lang="en-US" dirty="0" err="1"/>
+              <a:t>limitou</a:t>
+            </a:r>
+            <a:r>
+              <a:rPr lang="en-US" dirty="0"/>
+              <a:t> a </a:t>
+            </a:r>
+            <a:r>
+              <a:rPr lang="en-US" dirty="0" err="1"/>
+              <a:t>incluir</a:t>
+            </a:r>
+            <a:r>
+              <a:rPr lang="en-US" dirty="0"/>
+              <a:t> </a:t>
+            </a:r>
+            <a:r>
+              <a:rPr lang="en-US" dirty="0" err="1"/>
+              <a:t>somente</a:t>
+            </a:r>
+            <a:r>
+              <a:rPr lang="en-US" dirty="0"/>
+              <a:t> </a:t>
+            </a:r>
+            <a:r>
+              <a:rPr lang="en-US" dirty="0" err="1"/>
+              <a:t>palavras</a:t>
+            </a:r>
+            <a:r>
+              <a:rPr lang="en-US" dirty="0"/>
+              <a:t> que </a:t>
+            </a:r>
+            <a:r>
+              <a:rPr lang="en-US" dirty="0" err="1"/>
+              <a:t>aparecem</a:t>
+            </a:r>
+            <a:r>
+              <a:rPr lang="en-US" dirty="0"/>
+              <a:t> 5 </a:t>
+            </a:r>
+            <a:r>
+              <a:rPr lang="en-US" dirty="0" err="1"/>
+              <a:t>vezes</a:t>
+            </a:r>
+            <a:r>
+              <a:rPr lang="en-US" dirty="0"/>
+              <a:t> </a:t>
+            </a:r>
+            <a:r>
+              <a:rPr lang="en-US" dirty="0" err="1"/>
+              <a:t>ou</a:t>
+            </a:r>
+            <a:r>
+              <a:rPr lang="en-US" dirty="0"/>
+              <a:t> </a:t>
+            </a:r>
+            <a:r>
+              <a:rPr lang="en-US" dirty="0" err="1"/>
+              <a:t>mais</a:t>
+            </a:r>
+            <a:r>
+              <a:rPr lang="en-US" dirty="0"/>
+              <a:t>, </a:t>
+            </a:r>
+            <a:r>
+              <a:rPr lang="en-US" dirty="0" err="1"/>
+              <a:t>por</a:t>
+            </a:r>
+            <a:r>
+              <a:rPr lang="en-US" dirty="0"/>
+              <a:t> </a:t>
+            </a:r>
+            <a:r>
+              <a:rPr lang="en-US" dirty="0" err="1"/>
+              <a:t>exemplo</a:t>
+            </a:r>
+            <a:r>
+              <a:rPr lang="en-US" dirty="0"/>
+              <a:t>. </a:t>
+            </a:r>
+            <a:r>
+              <a:rPr lang="en-US" dirty="0" err="1"/>
+              <a:t>Foi</a:t>
+            </a:r>
+            <a:r>
+              <a:rPr lang="en-US" dirty="0"/>
+              <a:t> </a:t>
+            </a:r>
+            <a:r>
+              <a:rPr lang="en-US" dirty="0" err="1"/>
+              <a:t>feito</a:t>
+            </a:r>
+            <a:r>
+              <a:rPr lang="en-US" dirty="0"/>
+              <a:t> um </a:t>
+            </a:r>
+            <a:r>
+              <a:rPr lang="en-US" dirty="0" err="1"/>
+              <a:t>tratamento</a:t>
+            </a:r>
+            <a:r>
+              <a:rPr lang="en-US" dirty="0"/>
+              <a:t> no </a:t>
+            </a:r>
+            <a:r>
+              <a:rPr lang="en-US" dirty="0" err="1"/>
+              <a:t>código</a:t>
+            </a:r>
+            <a:r>
+              <a:rPr lang="en-US" dirty="0"/>
+              <a:t> </a:t>
+            </a:r>
+            <a:r>
+              <a:rPr lang="en-US" dirty="0" err="1"/>
+              <a:t>fonte</a:t>
+            </a:r>
+            <a:r>
+              <a:rPr lang="en-US" dirty="0"/>
+              <a:t>, </a:t>
+            </a:r>
+            <a:r>
+              <a:rPr lang="en-US" dirty="0" err="1"/>
+              <a:t>através</a:t>
+            </a:r>
+            <a:r>
+              <a:rPr lang="en-US" dirty="0"/>
+              <a:t> do </a:t>
+            </a:r>
+            <a:r>
+              <a:rPr lang="en-US" dirty="0" err="1"/>
+              <a:t>algoritmo</a:t>
+            </a:r>
+            <a:r>
+              <a:rPr lang="en-US" dirty="0"/>
+              <a:t> </a:t>
+            </a:r>
+            <a:r>
+              <a:rPr lang="en-US" dirty="0" err="1"/>
+              <a:t>disponibilizado</a:t>
+            </a:r>
+            <a:r>
+              <a:rPr lang="en-US" dirty="0"/>
+              <a:t> </a:t>
+            </a:r>
+            <a:r>
+              <a:rPr lang="en-US" dirty="0" err="1"/>
+              <a:t>por</a:t>
+            </a:r>
+            <a:r>
+              <a:rPr lang="en-US" dirty="0"/>
+              <a:t> Yao et al (2018) que </a:t>
+            </a:r>
+            <a:r>
+              <a:rPr lang="en-US" dirty="0" err="1"/>
+              <a:t>substitui</a:t>
+            </a:r>
+            <a:r>
+              <a:rPr lang="en-US" dirty="0"/>
+              <a:t> </a:t>
+            </a:r>
+            <a:r>
+              <a:rPr lang="en-US" dirty="0" err="1"/>
+              <a:t>número</a:t>
+            </a:r>
+            <a:r>
+              <a:rPr lang="en-US" dirty="0"/>
+              <a:t> e strings </a:t>
+            </a:r>
+            <a:r>
+              <a:rPr lang="en-US" dirty="0" err="1"/>
+              <a:t>pelas</a:t>
+            </a:r>
+            <a:r>
+              <a:rPr lang="en-US" dirty="0"/>
+              <a:t> </a:t>
+            </a:r>
+            <a:r>
+              <a:rPr lang="en-US" dirty="0" err="1"/>
+              <a:t>palavras</a:t>
+            </a:r>
+            <a:r>
+              <a:rPr lang="en-US" dirty="0"/>
+              <a:t> NUMBER e STRING </a:t>
+            </a:r>
+            <a:r>
+              <a:rPr lang="en-US" dirty="0" err="1"/>
+              <a:t>respectivamente</a:t>
+            </a:r>
+            <a:r>
+              <a:rPr lang="en-US" dirty="0"/>
+              <a:t>. E o </a:t>
+            </a:r>
+            <a:r>
+              <a:rPr lang="en-US" dirty="0" err="1"/>
+              <a:t>nome</a:t>
+            </a:r>
+            <a:r>
+              <a:rPr lang="en-US" dirty="0"/>
+              <a:t> das </a:t>
+            </a:r>
+            <a:r>
+              <a:rPr lang="en-US" dirty="0" err="1"/>
+              <a:t>variáveis</a:t>
+            </a:r>
+            <a:r>
+              <a:rPr lang="en-US" dirty="0"/>
+              <a:t> pela </a:t>
+            </a:r>
+            <a:r>
+              <a:rPr lang="en-US" dirty="0" err="1"/>
+              <a:t>palavra</a:t>
+            </a:r>
+            <a:r>
+              <a:rPr lang="en-US" dirty="0"/>
+              <a:t> VAR.</a:t>
+            </a:r>
+          </a:p>
+          <a:p>
+            <a:endParaRPr lang="en-US" dirty="0"/>
+          </a:p>
+          <a:p>
+            <a:endParaRPr lang="en-US" dirty="0"/>
           </a:p>
         </p:txBody>
       </p:sp>
@@ -6528,6 +7459,349 @@
           <p:cNvPr id="2" name="Title 1">
             <a:extLst>
               <a:ext uri="{FF2B5EF4-FFF2-40B4-BE49-F238E27FC236}">
+                <a16:creationId xmlns:a16="http://schemas.microsoft.com/office/drawing/2014/main" id="{DCE7FE42-E089-E847-AD82-762E82E95B1E}"/>
+              </a:ext>
+            </a:extLst>
+          </p:cNvPr>
+          <p:cNvSpPr>
+            <a:spLocks noGrp="1"/>
+          </p:cNvSpPr>
+          <p:nvPr>
+            <p:ph type="title"/>
+          </p:nvPr>
+        </p:nvSpPr>
+        <p:spPr/>
+        <p:txBody>
+          <a:bodyPr>
+            <a:normAutofit/>
+          </a:bodyPr>
+          <a:lstStyle/>
+          <a:p>
+            <a:r>
+              <a:rPr lang="en-US" dirty="0"/>
+              <a:t>Outros </a:t>
+            </a:r>
+            <a:r>
+              <a:rPr lang="en-US" dirty="0" err="1"/>
+              <a:t>parâmetros</a:t>
+            </a:r>
+            <a:endParaRPr lang="en-US" dirty="0"/>
+          </a:p>
+        </p:txBody>
+      </p:sp>
+      <p:sp>
+        <p:nvSpPr>
+          <p:cNvPr id="18" name="Content Placeholder 17">
+            <a:extLst>
+              <a:ext uri="{FF2B5EF4-FFF2-40B4-BE49-F238E27FC236}">
+                <a16:creationId xmlns:a16="http://schemas.microsoft.com/office/drawing/2014/main" id="{5F60F2B3-A87A-494C-8C0A-867181A532E7}"/>
+              </a:ext>
+            </a:extLst>
+          </p:cNvPr>
+          <p:cNvSpPr>
+            <a:spLocks noGrp="1"/>
+          </p:cNvSpPr>
+          <p:nvPr>
+            <p:ph idx="1"/>
+          </p:nvPr>
+        </p:nvSpPr>
+        <p:spPr/>
+        <p:txBody>
+          <a:bodyPr>
+            <a:normAutofit/>
+          </a:bodyPr>
+          <a:lstStyle/>
+          <a:p>
+            <a:r>
+              <a:rPr lang="en-US" b="1" dirty="0" err="1"/>
+              <a:t>Tamanho</a:t>
+            </a:r>
+            <a:r>
+              <a:rPr lang="en-US" b="1" dirty="0"/>
+              <a:t> do input</a:t>
+            </a:r>
+            <a:r>
+              <a:rPr lang="en-US" dirty="0"/>
+              <a:t>: </a:t>
+            </a:r>
+            <a:r>
+              <a:rPr lang="en-US" dirty="0" err="1"/>
+              <a:t>Tamanho</a:t>
+            </a:r>
+            <a:r>
+              <a:rPr lang="en-US" dirty="0"/>
+              <a:t> do </a:t>
+            </a:r>
+            <a:r>
+              <a:rPr lang="en-US" dirty="0" err="1"/>
+              <a:t>vetor</a:t>
+            </a:r>
+            <a:r>
+              <a:rPr lang="en-US" dirty="0"/>
+              <a:t> de entrada. </a:t>
+            </a:r>
+            <a:r>
+              <a:rPr lang="en-US" dirty="0" err="1"/>
+              <a:t>Estou</a:t>
+            </a:r>
+            <a:r>
+              <a:rPr lang="en-US" dirty="0"/>
+              <a:t> </a:t>
+            </a:r>
+            <a:r>
+              <a:rPr lang="en-US" dirty="0" err="1"/>
+              <a:t>usando</a:t>
+            </a:r>
+            <a:r>
+              <a:rPr lang="en-US" dirty="0"/>
+              <a:t> o </a:t>
+            </a:r>
+            <a:r>
+              <a:rPr lang="en-US" dirty="0" err="1"/>
+              <a:t>tamanho</a:t>
+            </a:r>
+            <a:r>
+              <a:rPr lang="en-US" dirty="0"/>
+              <a:t> 30. As </a:t>
+            </a:r>
+            <a:r>
+              <a:rPr lang="en-US" dirty="0" err="1"/>
+              <a:t>questões</a:t>
+            </a:r>
+            <a:r>
+              <a:rPr lang="en-US" dirty="0"/>
+              <a:t> de </a:t>
+            </a:r>
+            <a:r>
+              <a:rPr lang="en-US" dirty="0" err="1"/>
+              <a:t>acordo</a:t>
+            </a:r>
+            <a:r>
+              <a:rPr lang="en-US" dirty="0"/>
+              <a:t> com o </a:t>
+            </a:r>
+            <a:r>
+              <a:rPr lang="en-US" dirty="0" err="1"/>
+              <a:t>histograma</a:t>
+            </a:r>
+            <a:r>
+              <a:rPr lang="en-US" dirty="0"/>
+              <a:t>, </a:t>
+            </a:r>
+            <a:r>
+              <a:rPr lang="en-US" dirty="0" err="1"/>
+              <a:t>nao</a:t>
+            </a:r>
+            <a:r>
+              <a:rPr lang="en-US" dirty="0"/>
+              <a:t> </a:t>
+            </a:r>
+            <a:r>
+              <a:rPr lang="en-US" dirty="0" err="1"/>
+              <a:t>passam</a:t>
+            </a:r>
+            <a:r>
+              <a:rPr lang="en-US" dirty="0"/>
+              <a:t> de 30 </a:t>
+            </a:r>
+            <a:r>
+              <a:rPr lang="en-US" dirty="0" err="1"/>
+              <a:t>palavras</a:t>
+            </a:r>
+            <a:r>
+              <a:rPr lang="en-US" dirty="0"/>
+              <a:t>. </a:t>
+            </a:r>
+            <a:r>
+              <a:rPr lang="en-US" dirty="0" err="1"/>
+              <a:t>Talvez</a:t>
+            </a:r>
+            <a:r>
+              <a:rPr lang="en-US" dirty="0"/>
+              <a:t> o </a:t>
+            </a:r>
+            <a:r>
+              <a:rPr lang="en-US" dirty="0" err="1"/>
+              <a:t>tamanho</a:t>
+            </a:r>
+            <a:r>
+              <a:rPr lang="en-US" dirty="0"/>
+              <a:t> do </a:t>
+            </a:r>
+            <a:r>
+              <a:rPr lang="en-US" dirty="0" err="1"/>
+              <a:t>vetor</a:t>
+            </a:r>
+            <a:r>
+              <a:rPr lang="en-US" dirty="0"/>
+              <a:t> de </a:t>
+            </a:r>
+            <a:r>
+              <a:rPr lang="en-US" dirty="0" err="1"/>
+              <a:t>respostas</a:t>
+            </a:r>
+            <a:r>
+              <a:rPr lang="en-US" dirty="0"/>
+              <a:t> </a:t>
+            </a:r>
+            <a:r>
+              <a:rPr lang="en-US" dirty="0" err="1"/>
+              <a:t>poderia</a:t>
+            </a:r>
+            <a:r>
+              <a:rPr lang="en-US" dirty="0"/>
+              <a:t> </a:t>
+            </a:r>
+            <a:r>
+              <a:rPr lang="en-US" dirty="0" err="1"/>
+              <a:t>ser</a:t>
+            </a:r>
+            <a:r>
+              <a:rPr lang="en-US" dirty="0"/>
+              <a:t> </a:t>
+            </a:r>
+            <a:r>
+              <a:rPr lang="en-US" dirty="0" err="1"/>
+              <a:t>alterado</a:t>
+            </a:r>
+            <a:r>
+              <a:rPr lang="en-US" dirty="0"/>
+              <a:t>.</a:t>
+            </a:r>
+          </a:p>
+          <a:p>
+            <a:r>
+              <a:rPr lang="en-US" b="1" dirty="0"/>
+              <a:t>Filters CNN</a:t>
+            </a:r>
+            <a:r>
+              <a:rPr lang="en-US" dirty="0"/>
+              <a:t>: Dimensionality of output space. </a:t>
+            </a:r>
+            <a:r>
+              <a:rPr lang="en-US" dirty="0" err="1"/>
+              <a:t>Não</a:t>
+            </a:r>
+            <a:r>
+              <a:rPr lang="en-US" dirty="0"/>
+              <a:t> </a:t>
+            </a:r>
+            <a:r>
+              <a:rPr lang="en-US" dirty="0" err="1"/>
+              <a:t>entendi</a:t>
+            </a:r>
+            <a:r>
+              <a:rPr lang="en-US" dirty="0"/>
+              <a:t> </a:t>
+            </a:r>
+            <a:r>
+              <a:rPr lang="en-US" dirty="0" err="1"/>
+              <a:t>este</a:t>
+            </a:r>
+            <a:r>
+              <a:rPr lang="en-US" dirty="0"/>
+              <a:t> </a:t>
+            </a:r>
+            <a:r>
+              <a:rPr lang="en-US" dirty="0" err="1"/>
+              <a:t>parâmetro</a:t>
+            </a:r>
+            <a:r>
+              <a:rPr lang="en-US" dirty="0"/>
+              <a:t> </a:t>
+            </a:r>
+            <a:r>
+              <a:rPr lang="en-US" dirty="0" err="1"/>
+              <a:t>ainda</a:t>
+            </a:r>
+            <a:r>
+              <a:rPr lang="en-US" dirty="0"/>
+              <a:t>. </a:t>
+            </a:r>
+            <a:r>
+              <a:rPr lang="en-US" dirty="0" err="1"/>
+              <a:t>Estou</a:t>
+            </a:r>
+            <a:r>
+              <a:rPr lang="en-US" dirty="0"/>
+              <a:t> </a:t>
+            </a:r>
+            <a:r>
+              <a:rPr lang="en-US" dirty="0" err="1"/>
+              <a:t>usando</a:t>
+            </a:r>
+            <a:r>
+              <a:rPr lang="en-US" dirty="0"/>
+              <a:t> o valor 500, </a:t>
+            </a:r>
+            <a:r>
+              <a:rPr lang="en-US" dirty="0" err="1"/>
+              <a:t>padrão</a:t>
+            </a:r>
+            <a:r>
+              <a:rPr lang="en-US" dirty="0"/>
+              <a:t> </a:t>
+            </a:r>
+            <a:r>
+              <a:rPr lang="en-US" dirty="0" err="1"/>
+              <a:t>utilizado</a:t>
+            </a:r>
+            <a:r>
+              <a:rPr lang="en-US" dirty="0"/>
+              <a:t> </a:t>
+            </a:r>
+            <a:r>
+              <a:rPr lang="en-US" dirty="0" err="1"/>
+              <a:t>pelo</a:t>
+            </a:r>
+            <a:r>
+              <a:rPr lang="en-US" dirty="0"/>
+              <a:t> Feng et al. (2015)</a:t>
+            </a:r>
+          </a:p>
+          <a:p>
+            <a:endParaRPr lang="en-US" dirty="0"/>
+          </a:p>
+          <a:p>
+            <a:endParaRPr lang="en-US" dirty="0"/>
+          </a:p>
+        </p:txBody>
+      </p:sp>
+    </p:spTree>
+    <p:extLst>
+      <p:ext uri="{BB962C8B-B14F-4D97-AF65-F5344CB8AC3E}">
+        <p14:creationId xmlns:p14="http://schemas.microsoft.com/office/powerpoint/2010/main" val="2927147688"/>
+      </p:ext>
+    </p:extLst>
+  </p:cSld>
+  <p:clrMapOvr>
+    <a:masterClrMapping/>
+  </p:clrMapOvr>
+</p:sld>
+</file>
+
+<file path=ppt/slides/slide19.xml><?xml version="1.0" encoding="utf-8"?>
+<p:sld xmlns:a="http://schemas.openxmlformats.org/drawingml/2006/main" xmlns:r="http://schemas.openxmlformats.org/officeDocument/2006/relationships" xmlns:p="http://schemas.openxmlformats.org/presentationml/2006/main">
+  <p:cSld>
+    <p:spTree>
+      <p:nvGrpSpPr>
+        <p:cNvPr id="1" name=""/>
+        <p:cNvGrpSpPr/>
+        <p:nvPr/>
+      </p:nvGrpSpPr>
+      <p:grpSpPr>
+        <a:xfrm>
+          <a:off x="0" y="0"/>
+          <a:ext cx="0" cy="0"/>
+          <a:chOff x="0" y="0"/>
+          <a:chExt cx="0" cy="0"/>
+        </a:xfrm>
+      </p:grpSpPr>
+      <p:sp>
+        <p:nvSpPr>
+          <p:cNvPr id="2" name="Title 1">
+            <a:extLst>
+              <a:ext uri="{FF2B5EF4-FFF2-40B4-BE49-F238E27FC236}">
                 <a16:creationId xmlns:a16="http://schemas.microsoft.com/office/drawing/2014/main" id="{2E612492-6C94-804D-A74D-9CDC207A2397}"/>
               </a:ext>
             </a:extLst>
@@ -6554,7 +7828,15 @@
             </a:r>
             <a:r>
               <a:rPr lang="en-US" dirty="0" err="1"/>
-              <a:t>iniciais</a:t>
+              <a:t>imprecisos</a:t>
+            </a:r>
+            <a:r>
+              <a:rPr lang="en-US" dirty="0"/>
+              <a:t> </a:t>
+            </a:r>
+            <a:r>
+              <a:rPr lang="en-US" dirty="0" err="1"/>
+              <a:t>ainda</a:t>
             </a:r>
             <a:endParaRPr lang="en-US" dirty="0"/>
           </a:p>
@@ -6576,7 +7858,7 @@
             <p:ph idx="1"/>
             <p:extLst>
               <p:ext uri="{D42A27DB-BD31-4B8C-83A1-F6EECF244321}">
-                <p14:modId xmlns:p14="http://schemas.microsoft.com/office/powerpoint/2010/main" val="634580382"/>
+                <p14:modId xmlns:p14="http://schemas.microsoft.com/office/powerpoint/2010/main" val="3709869092"/>
               </p:ext>
             </p:extLst>
           </p:nvPr>
@@ -6720,7 +8002,7 @@
                             <a:srgbClr val="FF0000"/>
                           </a:solidFill>
                         </a:rPr>
-                        <a:t>4%</a:t>
+                        <a:t>12% a 100%</a:t>
                       </a:r>
                     </a:p>
                   </a:txBody>
@@ -6981,7 +8263,7 @@
 </p:sld>
 </file>
 
-<file path=ppt/slides/slide19.xml><?xml version="1.0" encoding="utf-8"?>
+<file path=ppt/slides/slide2.xml><?xml version="1.0" encoding="utf-8"?>
 <p:sld xmlns:a="http://schemas.openxmlformats.org/drawingml/2006/main" xmlns:r="http://schemas.openxmlformats.org/officeDocument/2006/relationships" xmlns:p="http://schemas.openxmlformats.org/presentationml/2006/main">
   <p:cSld>
     <p:spTree>
@@ -7003,7 +8285,7 @@
           <p:cNvPr id="2" name="Title 1">
             <a:extLst>
               <a:ext uri="{FF2B5EF4-FFF2-40B4-BE49-F238E27FC236}">
-                <a16:creationId xmlns:a16="http://schemas.microsoft.com/office/drawing/2014/main" id="{2E612492-6C94-804D-A74D-9CDC207A2397}"/>
+                <a16:creationId xmlns:a16="http://schemas.microsoft.com/office/drawing/2014/main" id="{D7685F75-406E-4B45-A233-7E75B9F3F82A}"/>
               </a:ext>
             </a:extLst>
           </p:cNvPr>
@@ -7021,6 +8303,686 @@
           <a:p>
             <a:r>
               <a:rPr lang="en-US" dirty="0" err="1"/>
+              <a:t>Problema</a:t>
+            </a:r>
+            <a:r>
+              <a:rPr lang="en-US" dirty="0"/>
+              <a:t>:</a:t>
+            </a:r>
+          </a:p>
+        </p:txBody>
+      </p:sp>
+      <p:sp>
+        <p:nvSpPr>
+          <p:cNvPr id="3" name="Content Placeholder 2">
+            <a:extLst>
+              <a:ext uri="{FF2B5EF4-FFF2-40B4-BE49-F238E27FC236}">
+                <a16:creationId xmlns:a16="http://schemas.microsoft.com/office/drawing/2014/main" id="{A95C27CF-F127-F249-BE09-C85F3674842A}"/>
+              </a:ext>
+            </a:extLst>
+          </p:cNvPr>
+          <p:cNvSpPr>
+            <a:spLocks noGrp="1"/>
+          </p:cNvSpPr>
+          <p:nvPr>
+            <p:ph idx="1"/>
+          </p:nvPr>
+        </p:nvSpPr>
+        <p:spPr/>
+        <p:txBody>
+          <a:bodyPr>
+            <a:normAutofit fontScale="70000" lnSpcReduction="20000"/>
+          </a:bodyPr>
+          <a:lstStyle/>
+          <a:p>
+            <a:r>
+              <a:rPr lang="en-US" dirty="0"/>
+              <a:t>Given a question q and an answer candidate pool {a1, a2, ..., as} for that question (s is the pool size), the goal is to find the best answer candidate </a:t>
+            </a:r>
+            <a:r>
+              <a:rPr lang="en-US" dirty="0" err="1"/>
+              <a:t>ak</a:t>
+            </a:r>
+            <a:r>
+              <a:rPr lang="en-US" dirty="0"/>
+              <a:t>, 1 ≤ k ≤ s .</a:t>
+            </a:r>
+          </a:p>
+          <a:p>
+            <a:r>
+              <a:rPr lang="en-US" dirty="0" err="1"/>
+              <a:t>Vários</a:t>
+            </a:r>
+            <a:r>
+              <a:rPr lang="en-US" dirty="0"/>
+              <a:t> papers </a:t>
+            </a:r>
+            <a:r>
+              <a:rPr lang="en-US" dirty="0" err="1"/>
+              <a:t>aplicaram</a:t>
+            </a:r>
+            <a:r>
+              <a:rPr lang="en-US" dirty="0"/>
+              <a:t> </a:t>
+            </a:r>
+            <a:r>
+              <a:rPr lang="en-US" dirty="0" err="1"/>
+              <a:t>diversas</a:t>
+            </a:r>
+            <a:r>
+              <a:rPr lang="en-US" dirty="0"/>
+              <a:t> </a:t>
+            </a:r>
+            <a:r>
+              <a:rPr lang="en-US" dirty="0" err="1"/>
+              <a:t>técnicas</a:t>
+            </a:r>
+            <a:r>
+              <a:rPr lang="en-US" dirty="0"/>
+              <a:t> </a:t>
+            </a:r>
+            <a:r>
+              <a:rPr lang="en-US" dirty="0" err="1"/>
+              <a:t>neste</a:t>
+            </a:r>
+            <a:r>
+              <a:rPr lang="en-US" dirty="0"/>
+              <a:t> </a:t>
+            </a:r>
+            <a:r>
+              <a:rPr lang="en-US" dirty="0" err="1"/>
+              <a:t>problema</a:t>
+            </a:r>
+            <a:r>
+              <a:rPr lang="en-US" dirty="0"/>
+              <a:t>.</a:t>
+            </a:r>
+          </a:p>
+          <a:p>
+            <a:r>
+              <a:rPr lang="en-US" dirty="0"/>
+              <a:t>Segundo Yao et al., </a:t>
+            </a:r>
+            <a:r>
+              <a:rPr lang="en-US" dirty="0" err="1"/>
+              <a:t>não</a:t>
+            </a:r>
+            <a:r>
+              <a:rPr lang="en-US" dirty="0"/>
+              <a:t> </a:t>
+            </a:r>
+            <a:r>
+              <a:rPr lang="en-US" dirty="0" err="1"/>
+              <a:t>foram</a:t>
+            </a:r>
+            <a:r>
+              <a:rPr lang="en-US" dirty="0"/>
+              <a:t> </a:t>
+            </a:r>
+            <a:r>
+              <a:rPr lang="en-US" dirty="0" err="1"/>
+              <a:t>encontrados</a:t>
+            </a:r>
+            <a:r>
+              <a:rPr lang="en-US" dirty="0"/>
+              <a:t> papers </a:t>
+            </a:r>
+            <a:r>
+              <a:rPr lang="en-US" dirty="0" err="1"/>
+              <a:t>significativos</a:t>
+            </a:r>
+            <a:r>
+              <a:rPr lang="en-US" dirty="0"/>
+              <a:t> </a:t>
+            </a:r>
+            <a:r>
+              <a:rPr lang="en-US" dirty="0" err="1"/>
+              <a:t>aplicando</a:t>
+            </a:r>
+            <a:r>
+              <a:rPr lang="en-US" dirty="0"/>
+              <a:t> </a:t>
+            </a:r>
+            <a:r>
+              <a:rPr lang="en-US" dirty="0" err="1"/>
+              <a:t>estas</a:t>
+            </a:r>
+            <a:r>
+              <a:rPr lang="en-US" dirty="0"/>
+              <a:t> </a:t>
+            </a:r>
+            <a:r>
+              <a:rPr lang="en-US" dirty="0" err="1"/>
+              <a:t>técnicas</a:t>
+            </a:r>
+            <a:r>
+              <a:rPr lang="en-US" dirty="0"/>
+              <a:t> no dataset do </a:t>
+            </a:r>
+            <a:r>
+              <a:rPr lang="en-US" dirty="0" err="1"/>
+              <a:t>StackOverFlow</a:t>
+            </a:r>
+            <a:r>
+              <a:rPr lang="en-US" dirty="0"/>
+              <a:t>.</a:t>
+            </a:r>
+          </a:p>
+          <a:p>
+            <a:r>
+              <a:rPr lang="en-US" dirty="0"/>
+              <a:t>No paper “</a:t>
+            </a:r>
+            <a:r>
+              <a:rPr lang="en-US" dirty="0" err="1"/>
+              <a:t>StaQC</a:t>
+            </a:r>
+            <a:r>
+              <a:rPr lang="en-US" dirty="0"/>
+              <a:t>: A Systematically Mined Question-Code Dataset from Stack Overflow”, </a:t>
+            </a:r>
+            <a:r>
+              <a:rPr lang="en-US" dirty="0" err="1"/>
+              <a:t>ele</a:t>
+            </a:r>
+            <a:r>
+              <a:rPr lang="en-US" dirty="0"/>
+              <a:t> </a:t>
+            </a:r>
+            <a:r>
+              <a:rPr lang="en-US" dirty="0" err="1"/>
+              <a:t>aplica</a:t>
+            </a:r>
+            <a:r>
+              <a:rPr lang="en-US" dirty="0"/>
+              <a:t> </a:t>
+            </a:r>
+            <a:r>
+              <a:rPr lang="en-US" dirty="0" err="1"/>
+              <a:t>uma</a:t>
+            </a:r>
+            <a:r>
+              <a:rPr lang="en-US" dirty="0"/>
+              <a:t> </a:t>
+            </a:r>
+            <a:r>
+              <a:rPr lang="en-US" dirty="0" err="1"/>
+              <a:t>rede</a:t>
+            </a:r>
+            <a:r>
+              <a:rPr lang="en-US" dirty="0"/>
+              <a:t> neural </a:t>
+            </a:r>
+            <a:r>
+              <a:rPr lang="en-US" dirty="0" err="1"/>
+              <a:t>recorrente</a:t>
+            </a:r>
+            <a:r>
+              <a:rPr lang="en-US" dirty="0"/>
+              <a:t> LSTM para </a:t>
+            </a:r>
+            <a:r>
+              <a:rPr lang="en-US" dirty="0" err="1"/>
+              <a:t>aprender</a:t>
+            </a:r>
+            <a:r>
+              <a:rPr lang="en-US" dirty="0"/>
+              <a:t> a </a:t>
+            </a:r>
+            <a:r>
+              <a:rPr lang="en-US" dirty="0" err="1"/>
+              <a:t>selecionar</a:t>
+            </a:r>
+            <a:r>
+              <a:rPr lang="en-US" dirty="0"/>
+              <a:t> a </a:t>
+            </a:r>
+            <a:r>
+              <a:rPr lang="en-US" dirty="0" err="1"/>
+              <a:t>melhor</a:t>
+            </a:r>
+            <a:r>
+              <a:rPr lang="en-US" dirty="0"/>
+              <a:t> </a:t>
+            </a:r>
+            <a:r>
+              <a:rPr lang="en-US" dirty="0" err="1"/>
+              <a:t>resposta</a:t>
+            </a:r>
+            <a:r>
+              <a:rPr lang="en-US" dirty="0"/>
+              <a:t>.</a:t>
+            </a:r>
+          </a:p>
+          <a:p>
+            <a:r>
+              <a:rPr lang="en-US" dirty="0"/>
+              <a:t>No final, o </a:t>
+            </a:r>
+            <a:r>
+              <a:rPr lang="en-US" dirty="0" err="1"/>
+              <a:t>autor</a:t>
+            </a:r>
+            <a:r>
+              <a:rPr lang="en-US" dirty="0"/>
+              <a:t> </a:t>
+            </a:r>
+            <a:r>
+              <a:rPr lang="en-US" dirty="0" err="1"/>
+              <a:t>sugere</a:t>
+            </a:r>
+            <a:r>
+              <a:rPr lang="en-US" dirty="0"/>
+              <a:t> </a:t>
+            </a:r>
+            <a:r>
+              <a:rPr lang="en-US" dirty="0" err="1"/>
+              <a:t>como</a:t>
+            </a:r>
+            <a:r>
+              <a:rPr lang="en-US" dirty="0"/>
+              <a:t> </a:t>
+            </a:r>
+            <a:r>
+              <a:rPr lang="en-US" dirty="0" err="1"/>
+              <a:t>trabalho</a:t>
+            </a:r>
+            <a:r>
+              <a:rPr lang="en-US" dirty="0"/>
+              <a:t> </a:t>
+            </a:r>
+            <a:r>
+              <a:rPr lang="en-US" dirty="0" err="1"/>
+              <a:t>futuro</a:t>
+            </a:r>
+            <a:r>
+              <a:rPr lang="en-US" dirty="0"/>
+              <a:t> </a:t>
+            </a:r>
+            <a:r>
+              <a:rPr lang="en-US" dirty="0" err="1"/>
+              <a:t>verificar</a:t>
+            </a:r>
+            <a:r>
+              <a:rPr lang="en-US" dirty="0"/>
+              <a:t> o </a:t>
+            </a:r>
+            <a:r>
+              <a:rPr lang="en-US" dirty="0" err="1"/>
+              <a:t>comportamento</a:t>
+            </a:r>
+            <a:r>
+              <a:rPr lang="en-US" dirty="0"/>
+              <a:t> </a:t>
+            </a:r>
+            <a:r>
+              <a:rPr lang="en-US" dirty="0" err="1"/>
+              <a:t>utilizando</a:t>
+            </a:r>
+            <a:r>
+              <a:rPr lang="en-US" dirty="0"/>
+              <a:t> CNN e </a:t>
+            </a:r>
+            <a:r>
+              <a:rPr lang="en-US" dirty="0" err="1"/>
+              <a:t>outras</a:t>
+            </a:r>
+            <a:r>
+              <a:rPr lang="en-US" dirty="0"/>
+              <a:t> </a:t>
+            </a:r>
+            <a:r>
+              <a:rPr lang="en-US" dirty="0" err="1"/>
+              <a:t>técnicas</a:t>
+            </a:r>
+            <a:r>
+              <a:rPr lang="en-US" dirty="0"/>
+              <a:t>.</a:t>
+            </a:r>
+          </a:p>
+          <a:p>
+            <a:r>
+              <a:rPr lang="en-US" dirty="0"/>
+              <a:t>O dataset </a:t>
+            </a:r>
+            <a:r>
+              <a:rPr lang="en-US" dirty="0" err="1"/>
+              <a:t>é</a:t>
+            </a:r>
+            <a:r>
+              <a:rPr lang="en-US" dirty="0"/>
+              <a:t> </a:t>
+            </a:r>
+            <a:r>
+              <a:rPr lang="en-US" dirty="0" err="1"/>
+              <a:t>formado</a:t>
+            </a:r>
+            <a:r>
+              <a:rPr lang="en-US" dirty="0"/>
+              <a:t> </a:t>
+            </a:r>
+            <a:r>
+              <a:rPr lang="en-US" dirty="0" err="1"/>
+              <a:t>por</a:t>
+            </a:r>
+            <a:r>
+              <a:rPr lang="en-US" dirty="0"/>
+              <a:t> </a:t>
+            </a:r>
+            <a:r>
+              <a:rPr lang="en-US" dirty="0" err="1"/>
+              <a:t>questões</a:t>
+            </a:r>
+            <a:r>
+              <a:rPr lang="en-US" dirty="0"/>
+              <a:t> “How-to” de Python e SQL. São </a:t>
+            </a:r>
+            <a:r>
+              <a:rPr lang="en-US" dirty="0" err="1"/>
+              <a:t>questões</a:t>
+            </a:r>
+            <a:r>
+              <a:rPr lang="en-US" dirty="0"/>
+              <a:t> que </a:t>
+            </a:r>
+            <a:r>
+              <a:rPr lang="en-US" dirty="0" err="1"/>
+              <a:t>normalmente</a:t>
+            </a:r>
+            <a:r>
+              <a:rPr lang="en-US" dirty="0"/>
+              <a:t> a </a:t>
+            </a:r>
+            <a:r>
+              <a:rPr lang="en-US" dirty="0" err="1"/>
+              <a:t>resposta</a:t>
+            </a:r>
+            <a:r>
+              <a:rPr lang="en-US" dirty="0"/>
+              <a:t> </a:t>
+            </a:r>
+            <a:r>
+              <a:rPr lang="en-US" dirty="0" err="1"/>
+              <a:t>é</a:t>
+            </a:r>
+            <a:r>
+              <a:rPr lang="en-US" dirty="0"/>
+              <a:t> um code snippet. </a:t>
+            </a:r>
+            <a:r>
+              <a:rPr lang="en-US" dirty="0" err="1"/>
+              <a:t>Mais</a:t>
+            </a:r>
+            <a:r>
+              <a:rPr lang="en-US" dirty="0"/>
+              <a:t> de </a:t>
+            </a:r>
+            <a:r>
+              <a:rPr lang="en-US" dirty="0" err="1"/>
+              <a:t>uma</a:t>
+            </a:r>
+            <a:r>
+              <a:rPr lang="en-US" dirty="0"/>
+              <a:t> </a:t>
+            </a:r>
+            <a:r>
+              <a:rPr lang="en-US" dirty="0" err="1"/>
+              <a:t>resposta</a:t>
+            </a:r>
+            <a:r>
+              <a:rPr lang="en-US" dirty="0"/>
+              <a:t> </a:t>
+            </a:r>
+            <a:r>
+              <a:rPr lang="en-US" dirty="0" err="1"/>
+              <a:t>correta</a:t>
+            </a:r>
+            <a:r>
+              <a:rPr lang="en-US" dirty="0"/>
+              <a:t> </a:t>
+            </a:r>
+            <a:r>
+              <a:rPr lang="en-US" dirty="0" err="1"/>
+              <a:t>é</a:t>
+            </a:r>
+            <a:r>
+              <a:rPr lang="en-US" dirty="0"/>
+              <a:t> </a:t>
+            </a:r>
+            <a:r>
+              <a:rPr lang="en-US" dirty="0" err="1"/>
+              <a:t>possível</a:t>
+            </a:r>
+            <a:r>
+              <a:rPr lang="en-US" dirty="0"/>
+              <a:t> para </a:t>
+            </a:r>
+            <a:r>
+              <a:rPr lang="en-US" dirty="0" err="1"/>
+              <a:t>uma</a:t>
+            </a:r>
+            <a:r>
+              <a:rPr lang="en-US" dirty="0"/>
+              <a:t> </a:t>
+            </a:r>
+            <a:r>
+              <a:rPr lang="en-US" dirty="0" err="1"/>
+              <a:t>mesma</a:t>
+            </a:r>
+            <a:r>
+              <a:rPr lang="en-US" dirty="0"/>
+              <a:t> </a:t>
+            </a:r>
+            <a:r>
+              <a:rPr lang="en-US" dirty="0" err="1"/>
+              <a:t>pergunta</a:t>
+            </a:r>
+            <a:r>
+              <a:rPr lang="en-US" dirty="0"/>
+              <a:t>.</a:t>
+            </a:r>
+          </a:p>
+          <a:p>
+            <a:r>
+              <a:rPr lang="en-US" dirty="0" err="1"/>
+              <a:t>Após</a:t>
+            </a:r>
+            <a:r>
+              <a:rPr lang="en-US" dirty="0"/>
+              <a:t> </a:t>
+            </a:r>
+            <a:r>
+              <a:rPr lang="en-US" dirty="0" err="1"/>
+              <a:t>extrair</a:t>
+            </a:r>
+            <a:r>
+              <a:rPr lang="en-US" dirty="0"/>
+              <a:t> do stack over flow as </a:t>
+            </a:r>
+            <a:r>
+              <a:rPr lang="en-US" dirty="0" err="1"/>
+              <a:t>perguntas</a:t>
+            </a:r>
+            <a:r>
+              <a:rPr lang="en-US" dirty="0"/>
+              <a:t> “How-to” de Python, </a:t>
+            </a:r>
+            <a:r>
+              <a:rPr lang="en-US" dirty="0" err="1"/>
+              <a:t>por</a:t>
+            </a:r>
+            <a:r>
+              <a:rPr lang="en-US" dirty="0"/>
+              <a:t> </a:t>
+            </a:r>
+            <a:r>
+              <a:rPr lang="en-US" dirty="0" err="1"/>
+              <a:t>exemplo</a:t>
+            </a:r>
+            <a:r>
+              <a:rPr lang="en-US" dirty="0"/>
+              <a:t>, 3 </a:t>
+            </a:r>
+            <a:r>
+              <a:rPr lang="en-US" dirty="0" err="1"/>
+              <a:t>alunos</a:t>
+            </a:r>
+            <a:r>
+              <a:rPr lang="en-US" dirty="0"/>
+              <a:t> de </a:t>
+            </a:r>
+            <a:r>
+              <a:rPr lang="en-US" dirty="0" err="1"/>
+              <a:t>gradução</a:t>
+            </a:r>
+            <a:r>
+              <a:rPr lang="en-US" dirty="0"/>
+              <a:t> da </a:t>
+            </a:r>
+            <a:r>
+              <a:rPr lang="en-US" dirty="0" err="1"/>
+              <a:t>universidade</a:t>
+            </a:r>
+            <a:r>
+              <a:rPr lang="en-US" dirty="0"/>
+              <a:t> </a:t>
+            </a:r>
+            <a:r>
+              <a:rPr lang="en-US" dirty="0" err="1"/>
+              <a:t>marcaram</a:t>
+            </a:r>
+            <a:r>
+              <a:rPr lang="en-US" dirty="0"/>
+              <a:t> </a:t>
+            </a:r>
+            <a:r>
+              <a:rPr lang="en-US" dirty="0" err="1"/>
+              <a:t>quais</a:t>
+            </a:r>
+            <a:r>
+              <a:rPr lang="en-US" dirty="0"/>
+              <a:t> </a:t>
+            </a:r>
+            <a:r>
+              <a:rPr lang="en-US" dirty="0" err="1"/>
+              <a:t>respostas</a:t>
+            </a:r>
+            <a:r>
+              <a:rPr lang="en-US" dirty="0"/>
+              <a:t> </a:t>
+            </a:r>
+            <a:r>
+              <a:rPr lang="en-US" dirty="0" err="1"/>
+              <a:t>estavam</a:t>
+            </a:r>
+            <a:r>
+              <a:rPr lang="en-US" dirty="0"/>
+              <a:t> </a:t>
+            </a:r>
+            <a:r>
+              <a:rPr lang="en-US" dirty="0" err="1"/>
+              <a:t>certas</a:t>
+            </a:r>
+            <a:r>
+              <a:rPr lang="en-US" dirty="0"/>
+              <a:t> </a:t>
+            </a:r>
+            <a:r>
+              <a:rPr lang="en-US" dirty="0" err="1"/>
+              <a:t>ou</a:t>
+            </a:r>
+            <a:r>
+              <a:rPr lang="en-US" dirty="0"/>
+              <a:t> </a:t>
+            </a:r>
+            <a:r>
+              <a:rPr lang="en-US" dirty="0" err="1"/>
+              <a:t>erradas</a:t>
+            </a:r>
+            <a:r>
+              <a:rPr lang="en-US" dirty="0"/>
+              <a:t>. </a:t>
+            </a:r>
+            <a:r>
+              <a:rPr lang="en-US" dirty="0" err="1"/>
+              <a:t>Foram</a:t>
+            </a:r>
+            <a:r>
+              <a:rPr lang="en-US" dirty="0"/>
+              <a:t> </a:t>
+            </a:r>
+            <a:r>
+              <a:rPr lang="en-US" dirty="0" err="1"/>
+              <a:t>marcadas</a:t>
+            </a:r>
+            <a:r>
+              <a:rPr lang="en-US" dirty="0"/>
+              <a:t> um total de 4845 </a:t>
+            </a:r>
+            <a:r>
+              <a:rPr lang="en-US" dirty="0" err="1"/>
+              <a:t>respostas</a:t>
+            </a:r>
+            <a:r>
+              <a:rPr lang="en-US" dirty="0"/>
+              <a:t> para Python.</a:t>
+            </a:r>
+          </a:p>
+        </p:txBody>
+      </p:sp>
+    </p:spTree>
+    <p:extLst>
+      <p:ext uri="{BB962C8B-B14F-4D97-AF65-F5344CB8AC3E}">
+        <p14:creationId xmlns:p14="http://schemas.microsoft.com/office/powerpoint/2010/main" val="741761872"/>
+      </p:ext>
+    </p:extLst>
+  </p:cSld>
+  <p:clrMapOvr>
+    <a:masterClrMapping/>
+  </p:clrMapOvr>
+</p:sld>
+</file>
+
+<file path=ppt/slides/slide20.xml><?xml version="1.0" encoding="utf-8"?>
+<p:sld xmlns:a="http://schemas.openxmlformats.org/drawingml/2006/main" xmlns:r="http://schemas.openxmlformats.org/officeDocument/2006/relationships" xmlns:p="http://schemas.openxmlformats.org/presentationml/2006/main">
+  <p:cSld>
+    <p:spTree>
+      <p:nvGrpSpPr>
+        <p:cNvPr id="1" name=""/>
+        <p:cNvGrpSpPr/>
+        <p:nvPr/>
+      </p:nvGrpSpPr>
+      <p:grpSpPr>
+        <a:xfrm>
+          <a:off x="0" y="0"/>
+          <a:ext cx="0" cy="0"/>
+          <a:chOff x="0" y="0"/>
+          <a:chExt cx="0" cy="0"/>
+        </a:xfrm>
+      </p:grpSpPr>
+      <p:sp>
+        <p:nvSpPr>
+          <p:cNvPr id="2" name="Title 1">
+            <a:extLst>
+              <a:ext uri="{FF2B5EF4-FFF2-40B4-BE49-F238E27FC236}">
+                <a16:creationId xmlns:a16="http://schemas.microsoft.com/office/drawing/2014/main" id="{2E612492-6C94-804D-A74D-9CDC207A2397}"/>
+              </a:ext>
+            </a:extLst>
+          </p:cNvPr>
+          <p:cNvSpPr>
+            <a:spLocks noGrp="1"/>
+          </p:cNvSpPr>
+          <p:nvPr>
+            <p:ph type="title"/>
+          </p:nvPr>
+        </p:nvSpPr>
+        <p:spPr/>
+        <p:txBody>
+          <a:bodyPr/>
+          <a:lstStyle/>
+          <a:p>
+            <a:r>
+              <a:rPr lang="en-US" dirty="0" err="1"/>
               <a:t>Comentários</a:t>
             </a:r>
             <a:r>
@@ -7073,6 +9035,11 @@
           </p:cNvGraphicFramePr>
           <p:nvPr>
             <p:ph idx="1"/>
+            <p:extLst>
+              <p:ext uri="{D42A27DB-BD31-4B8C-83A1-F6EECF244321}">
+                <p14:modId xmlns:p14="http://schemas.microsoft.com/office/powerpoint/2010/main" val="3884695702"/>
+              </p:ext>
+            </p:extLst>
           </p:nvPr>
         </p:nvGraphicFramePr>
         <p:xfrm>
@@ -7214,7 +9181,7 @@
                             <a:srgbClr val="FF0000"/>
                           </a:solidFill>
                         </a:rPr>
-                        <a:t>4%</a:t>
+                        <a:t>12% a 100%</a:t>
                       </a:r>
                     </a:p>
                   </a:txBody>
@@ -7296,7 +9263,7 @@
         <p:spPr>
           <a:xfrm>
             <a:off x="838200" y="3962400"/>
-            <a:ext cx="10515600" cy="3139321"/>
+            <a:ext cx="10515600" cy="1754326"/>
           </a:xfrm>
           <a:prstGeom prst="rect">
             <a:avLst/>
@@ -7315,125 +9282,107 @@
             </a:pPr>
             <a:r>
               <a:rPr lang="en-US" dirty="0"/>
-              <a:t>A </a:t>
-            </a:r>
-            <a:r>
-              <a:rPr lang="en-US" dirty="0" err="1"/>
-              <a:t>precisão</a:t>
-            </a:r>
-            <a:r>
-              <a:rPr lang="en-US" dirty="0"/>
-              <a:t> </a:t>
-            </a:r>
-            <a:r>
-              <a:rPr lang="en-US" dirty="0" err="1"/>
-              <a:t>foi</a:t>
-            </a:r>
-            <a:r>
-              <a:rPr lang="en-US" dirty="0"/>
-              <a:t> de </a:t>
-            </a:r>
-            <a:r>
-              <a:rPr lang="en-US" dirty="0" err="1"/>
-              <a:t>apenas</a:t>
-            </a:r>
-            <a:r>
-              <a:rPr lang="en-US" dirty="0"/>
-              <a:t> 4%. Eu </a:t>
-            </a:r>
-            <a:r>
-              <a:rPr lang="en-US" dirty="0" err="1"/>
-              <a:t>acredito</a:t>
-            </a:r>
-            <a:r>
-              <a:rPr lang="en-US" dirty="0"/>
-              <a:t> que um dos </a:t>
-            </a:r>
-            <a:r>
-              <a:rPr lang="en-US" dirty="0" err="1"/>
-              <a:t>motivos</a:t>
-            </a:r>
-            <a:r>
-              <a:rPr lang="en-US" dirty="0"/>
-              <a:t> </a:t>
-            </a:r>
-            <a:r>
-              <a:rPr lang="en-US" dirty="0" err="1"/>
-              <a:t>foi</a:t>
-            </a:r>
-            <a:r>
-              <a:rPr lang="en-US" dirty="0"/>
-              <a:t> a </a:t>
-            </a:r>
-            <a:r>
-              <a:rPr lang="en-US" dirty="0" err="1"/>
-              <a:t>alteração</a:t>
-            </a:r>
-            <a:r>
-              <a:rPr lang="en-US" dirty="0"/>
-              <a:t> que </a:t>
-            </a:r>
-            <a:r>
-              <a:rPr lang="en-US" dirty="0" err="1"/>
-              <a:t>eu</a:t>
-            </a:r>
-            <a:r>
-              <a:rPr lang="en-US" dirty="0"/>
-              <a:t> </a:t>
-            </a:r>
-            <a:r>
-              <a:rPr lang="en-US" dirty="0" err="1"/>
-              <a:t>fiz</a:t>
-            </a:r>
-            <a:r>
-              <a:rPr lang="en-US" dirty="0"/>
-              <a:t> para </a:t>
-            </a:r>
-            <a:r>
-              <a:rPr lang="en-US" dirty="0" err="1"/>
-              <a:t>calcular</a:t>
-            </a:r>
-            <a:r>
-              <a:rPr lang="en-US" dirty="0"/>
-              <a:t> a </a:t>
-            </a:r>
-            <a:r>
-              <a:rPr lang="en-US" dirty="0" err="1"/>
-              <a:t>função</a:t>
-            </a:r>
-            <a:r>
-              <a:rPr lang="en-US" dirty="0"/>
-              <a:t> de Cosine Similarity.</a:t>
-            </a:r>
-          </a:p>
-          <a:p>
-            <a:pPr marL="285750" indent="-285750">
-              <a:buFont typeface="Arial" panose="020B0604020202020204" pitchFamily="34" charset="0"/>
-              <a:buChar char="•"/>
-            </a:pPr>
-            <a:r>
-              <a:rPr lang="en-US" dirty="0"/>
-              <a:t>O </a:t>
-            </a:r>
-            <a:r>
-              <a:rPr lang="en-US" dirty="0" err="1"/>
-              <a:t>código</a:t>
-            </a:r>
-            <a:r>
-              <a:rPr lang="en-US" dirty="0"/>
-              <a:t> </a:t>
-            </a:r>
-            <a:r>
-              <a:rPr lang="en-US" dirty="0" err="1"/>
-              <a:t>inicial</a:t>
-            </a:r>
-            <a:r>
-              <a:rPr lang="en-US" dirty="0"/>
-              <a:t> </a:t>
-            </a:r>
-            <a:r>
-              <a:rPr lang="en-US" dirty="0" err="1"/>
-              <a:t>utilizava</a:t>
+              <a:t>O dataset </a:t>
+            </a:r>
+            <a:r>
+              <a:rPr lang="en-US" dirty="0" err="1"/>
+              <a:t>é</a:t>
+            </a:r>
+            <a:r>
+              <a:rPr lang="en-US" dirty="0"/>
+              <a:t> </a:t>
+            </a:r>
+            <a:r>
+              <a:rPr lang="en-US" dirty="0" err="1"/>
+              <a:t>pequeno</a:t>
+            </a:r>
+            <a:r>
+              <a:rPr lang="en-US" dirty="0"/>
+              <a:t>, </a:t>
+            </a:r>
+            <a:r>
+              <a:rPr lang="en-US" dirty="0" err="1"/>
+              <a:t>ocorre</a:t>
+            </a:r>
+            <a:r>
+              <a:rPr lang="en-US" dirty="0"/>
+              <a:t> overfitting </a:t>
+            </a:r>
+            <a:r>
+              <a:rPr lang="en-US" dirty="0" err="1"/>
+              <a:t>muito</a:t>
+            </a:r>
+            <a:r>
+              <a:rPr lang="en-US" dirty="0"/>
+              <a:t> </a:t>
+            </a:r>
+            <a:r>
+              <a:rPr lang="en-US" dirty="0" err="1"/>
+              <a:t>rápido</a:t>
+            </a:r>
+            <a:r>
+              <a:rPr lang="en-US" dirty="0"/>
+              <a:t>. </a:t>
+            </a:r>
+            <a:r>
+              <a:rPr lang="en-US" dirty="0" err="1"/>
+              <a:t>Infelizmente</a:t>
+            </a:r>
+            <a:r>
+              <a:rPr lang="en-US" dirty="0"/>
+              <a:t>, </a:t>
+            </a:r>
+            <a:r>
+              <a:rPr lang="en-US" dirty="0" err="1"/>
+              <a:t>fui</a:t>
+            </a:r>
+            <a:r>
+              <a:rPr lang="en-US" dirty="0"/>
+              <a:t> </a:t>
+            </a:r>
+            <a:r>
+              <a:rPr lang="en-US" dirty="0" err="1"/>
+              <a:t>testando</a:t>
+            </a:r>
+            <a:r>
+              <a:rPr lang="en-US" dirty="0"/>
+              <a:t> </a:t>
+            </a:r>
+            <a:r>
+              <a:rPr lang="en-US" dirty="0" err="1"/>
+              <a:t>os</a:t>
+            </a:r>
+            <a:r>
+              <a:rPr lang="en-US" dirty="0"/>
+              <a:t> </a:t>
+            </a:r>
+            <a:r>
+              <a:rPr lang="en-US" dirty="0" err="1"/>
+              <a:t>parâmetros</a:t>
+            </a:r>
+            <a:r>
+              <a:rPr lang="en-US" dirty="0"/>
+              <a:t> e </a:t>
+            </a:r>
+            <a:r>
+              <a:rPr lang="en-US" dirty="0" err="1"/>
+              <a:t>nao</a:t>
+            </a:r>
+            <a:r>
+              <a:rPr lang="en-US" dirty="0"/>
+              <a:t> </a:t>
+            </a:r>
+            <a:r>
+              <a:rPr lang="en-US" dirty="0" err="1"/>
+              <a:t>fui</a:t>
+            </a:r>
+            <a:r>
+              <a:rPr lang="en-US" dirty="0"/>
+              <a:t> </a:t>
+            </a:r>
+            <a:r>
+              <a:rPr lang="en-US" dirty="0" err="1"/>
+              <a:t>catalogando</a:t>
             </a:r>
             <a:r>
               <a:rPr lang="en-US" dirty="0"/>
@@ -7441,20 +9390,15 @@
             </a:r>
             <a:r>
               <a:rPr lang="en-US" dirty="0" err="1"/>
-              <a:t>código</a:t>
-            </a:r>
-            <a:r>
-              <a:rPr lang="en-US" dirty="0"/>
-              <a:t> </a:t>
-            </a:r>
-            <a:r>
-              <a:rPr lang="en-US" dirty="0" err="1"/>
-              <a:t>abaixo</a:t>
-            </a:r>
-            <a:r>
-              <a:rPr lang="en-US" dirty="0"/>
-              <a:t>:</a:t>
-            </a:r>
+              <a:t>histórico</a:t>
+            </a:r>
+            <a:r>
+              <a:rPr lang="en-US" dirty="0"/>
+              <a:t>. </a:t>
+            </a:r>
+          </a:p>
+          <a:p>
+            <a:endParaRPr lang="en-US" dirty="0"/>
           </a:p>
           <a:p>
             <a:pPr marL="285750" indent="-285750">
@@ -7464,12 +9408,6 @@
             <a:endParaRPr lang="en-US" dirty="0"/>
           </a:p>
           <a:p>
-            <a:endParaRPr lang="en-US" dirty="0"/>
-          </a:p>
-          <a:p>
-            <a:endParaRPr lang="en-US" dirty="0"/>
-          </a:p>
-          <a:p>
             <a:pPr marL="285750" indent="-285750">
               <a:buFont typeface="Arial" panose="020B0604020202020204" pitchFamily="34" charset="0"/>
               <a:buChar char="•"/>
@@ -7481,1302 +9419,14 @@
               <a:buFont typeface="Arial" panose="020B0604020202020204" pitchFamily="34" charset="0"/>
               <a:buChar char="•"/>
             </a:pPr>
-            <a:r>
-              <a:rPr lang="en-US" dirty="0"/>
-              <a:t>O meu </a:t>
-            </a:r>
-            <a:r>
-              <a:rPr lang="en-US" dirty="0" err="1"/>
-              <a:t>código</a:t>
-            </a:r>
-            <a:r>
-              <a:rPr lang="en-US" dirty="0"/>
-              <a:t> </a:t>
-            </a:r>
-            <a:r>
-              <a:rPr lang="en-US" dirty="0" err="1"/>
-              <a:t>passou</a:t>
-            </a:r>
-            <a:r>
-              <a:rPr lang="en-US" dirty="0"/>
-              <a:t> a </a:t>
-            </a:r>
-            <a:r>
-              <a:rPr lang="en-US" dirty="0" err="1"/>
-              <a:t>calcular</a:t>
-            </a:r>
-            <a:r>
-              <a:rPr lang="en-US" dirty="0"/>
-              <a:t> da </a:t>
-            </a:r>
-            <a:r>
-              <a:rPr lang="en-US" dirty="0" err="1"/>
-              <a:t>seguinte</a:t>
-            </a:r>
-            <a:r>
-              <a:rPr lang="en-US" dirty="0"/>
-              <a:t> </a:t>
-            </a:r>
-            <a:r>
-              <a:rPr lang="en-US" dirty="0" err="1"/>
-              <a:t>maneira</a:t>
-            </a:r>
-            <a:r>
-              <a:rPr lang="en-US" dirty="0"/>
-              <a:t>:</a:t>
-            </a:r>
-          </a:p>
-          <a:p>
-            <a:pPr marL="285750" indent="-285750">
-              <a:buFont typeface="Arial" panose="020B0604020202020204" pitchFamily="34" charset="0"/>
-              <a:buChar char="•"/>
-            </a:pPr>
             <a:endParaRPr lang="en-US" dirty="0"/>
-          </a:p>
-          <a:p>
-            <a:pPr marL="285750" indent="-285750">
-              <a:buFont typeface="Arial" panose="020B0604020202020204" pitchFamily="34" charset="0"/>
-              <a:buChar char="•"/>
-            </a:pPr>
-            <a:endParaRPr lang="en-US" dirty="0"/>
-          </a:p>
-          <a:p>
-            <a:pPr marL="285750" indent="-285750">
-              <a:buFont typeface="Arial" panose="020B0604020202020204" pitchFamily="34" charset="0"/>
-              <a:buChar char="•"/>
-            </a:pPr>
-            <a:endParaRPr lang="en-US" dirty="0"/>
-          </a:p>
-        </p:txBody>
-      </p:sp>
-      <p:pic>
-        <p:nvPicPr>
-          <p:cNvPr id="9" name="Picture 8">
-            <a:extLst>
-              <a:ext uri="{FF2B5EF4-FFF2-40B4-BE49-F238E27FC236}">
-                <a16:creationId xmlns:a16="http://schemas.microsoft.com/office/drawing/2014/main" id="{ED979348-B288-6E40-BE1E-1241D43D3EAE}"/>
-              </a:ext>
-            </a:extLst>
-          </p:cNvPr>
-          <p:cNvPicPr>
-            <a:picLocks noChangeAspect="1"/>
-          </p:cNvPicPr>
-          <p:nvPr/>
-        </p:nvPicPr>
-        <p:blipFill>
-          <a:blip r:embed="rId2"/>
-          <a:stretch>
-            <a:fillRect/>
-          </a:stretch>
-        </p:blipFill>
-        <p:spPr>
-          <a:xfrm>
-            <a:off x="838200" y="4904611"/>
-            <a:ext cx="9702800" cy="977900"/>
-          </a:xfrm>
-          <a:prstGeom prst="rect">
-            <a:avLst/>
-          </a:prstGeom>
-        </p:spPr>
-      </p:pic>
-      <p:pic>
-        <p:nvPicPr>
-          <p:cNvPr id="11" name="Picture 10">
-            <a:extLst>
-              <a:ext uri="{FF2B5EF4-FFF2-40B4-BE49-F238E27FC236}">
-                <a16:creationId xmlns:a16="http://schemas.microsoft.com/office/drawing/2014/main" id="{34E565FD-B9C4-F04A-BC86-ECE79B6DF728}"/>
-              </a:ext>
-            </a:extLst>
-          </p:cNvPr>
-          <p:cNvPicPr>
-            <a:picLocks noChangeAspect="1"/>
-          </p:cNvPicPr>
-          <p:nvPr/>
-        </p:nvPicPr>
-        <p:blipFill>
-          <a:blip r:embed="rId3"/>
-          <a:stretch>
-            <a:fillRect/>
-          </a:stretch>
-        </p:blipFill>
-        <p:spPr>
-          <a:xfrm>
-            <a:off x="1276350" y="6333366"/>
-            <a:ext cx="7912100" cy="317500"/>
-          </a:xfrm>
-          <a:prstGeom prst="rect">
-            <a:avLst/>
-          </a:prstGeom>
-        </p:spPr>
-      </p:pic>
-    </p:spTree>
-    <p:extLst>
-      <p:ext uri="{BB962C8B-B14F-4D97-AF65-F5344CB8AC3E}">
-        <p14:creationId xmlns:p14="http://schemas.microsoft.com/office/powerpoint/2010/main" val="2341116043"/>
-      </p:ext>
-    </p:extLst>
-  </p:cSld>
-  <p:clrMapOvr>
-    <a:masterClrMapping/>
-  </p:clrMapOvr>
-</p:sld>
-</file>
-
-<file path=ppt/slides/slide2.xml><?xml version="1.0" encoding="utf-8"?>
-<p:sld xmlns:a="http://schemas.openxmlformats.org/drawingml/2006/main" xmlns:r="http://schemas.openxmlformats.org/officeDocument/2006/relationships" xmlns:p="http://schemas.openxmlformats.org/presentationml/2006/main">
-  <p:cSld>
-    <p:spTree>
-      <p:nvGrpSpPr>
-        <p:cNvPr id="1" name=""/>
-        <p:cNvGrpSpPr/>
-        <p:nvPr/>
-      </p:nvGrpSpPr>
-      <p:grpSpPr>
-        <a:xfrm>
-          <a:off x="0" y="0"/>
-          <a:ext cx="0" cy="0"/>
-          <a:chOff x="0" y="0"/>
-          <a:chExt cx="0" cy="0"/>
-        </a:xfrm>
-      </p:grpSpPr>
-      <p:sp>
-        <p:nvSpPr>
-          <p:cNvPr id="2" name="Title 1">
-            <a:extLst>
-              <a:ext uri="{FF2B5EF4-FFF2-40B4-BE49-F238E27FC236}">
-                <a16:creationId xmlns:a16="http://schemas.microsoft.com/office/drawing/2014/main" id="{D7685F75-406E-4B45-A233-7E75B9F3F82A}"/>
-              </a:ext>
-            </a:extLst>
-          </p:cNvPr>
-          <p:cNvSpPr>
-            <a:spLocks noGrp="1"/>
-          </p:cNvSpPr>
-          <p:nvPr>
-            <p:ph type="title"/>
-          </p:nvPr>
-        </p:nvSpPr>
-        <p:spPr/>
-        <p:txBody>
-          <a:bodyPr/>
-          <a:lstStyle/>
-          <a:p>
-            <a:r>
-              <a:rPr lang="en-US" dirty="0" err="1"/>
-              <a:t>Problema</a:t>
-            </a:r>
-            <a:r>
-              <a:rPr lang="en-US" dirty="0"/>
-              <a:t>:</a:t>
-            </a:r>
-          </a:p>
-        </p:txBody>
-      </p:sp>
-      <p:sp>
-        <p:nvSpPr>
-          <p:cNvPr id="3" name="Content Placeholder 2">
-            <a:extLst>
-              <a:ext uri="{FF2B5EF4-FFF2-40B4-BE49-F238E27FC236}">
-                <a16:creationId xmlns:a16="http://schemas.microsoft.com/office/drawing/2014/main" id="{A95C27CF-F127-F249-BE09-C85F3674842A}"/>
-              </a:ext>
-            </a:extLst>
-          </p:cNvPr>
-          <p:cNvSpPr>
-            <a:spLocks noGrp="1"/>
-          </p:cNvSpPr>
-          <p:nvPr>
-            <p:ph idx="1"/>
-          </p:nvPr>
-        </p:nvSpPr>
-        <p:spPr/>
-        <p:txBody>
-          <a:bodyPr>
-            <a:normAutofit fontScale="70000" lnSpcReduction="20000"/>
-          </a:bodyPr>
-          <a:lstStyle/>
-          <a:p>
-            <a:r>
-              <a:rPr lang="en-US" dirty="0"/>
-              <a:t>Given a question q and an answer candidate pool {a1, a2, ..., as} for that question (s is the pool size), the goal is to find the best answer candidate </a:t>
-            </a:r>
-            <a:r>
-              <a:rPr lang="en-US" dirty="0" err="1"/>
-              <a:t>ak</a:t>
-            </a:r>
-            <a:r>
-              <a:rPr lang="en-US" dirty="0"/>
-              <a:t>, 1 ≤ k ≤ s .</a:t>
-            </a:r>
-          </a:p>
-          <a:p>
-            <a:r>
-              <a:rPr lang="en-US" dirty="0" err="1"/>
-              <a:t>Vários</a:t>
-            </a:r>
-            <a:r>
-              <a:rPr lang="en-US" dirty="0"/>
-              <a:t> papers </a:t>
-            </a:r>
-            <a:r>
-              <a:rPr lang="en-US" dirty="0" err="1"/>
-              <a:t>aplicaram</a:t>
-            </a:r>
-            <a:r>
-              <a:rPr lang="en-US" dirty="0"/>
-              <a:t> </a:t>
-            </a:r>
-            <a:r>
-              <a:rPr lang="en-US" dirty="0" err="1"/>
-              <a:t>diversas</a:t>
-            </a:r>
-            <a:r>
-              <a:rPr lang="en-US" dirty="0"/>
-              <a:t> </a:t>
-            </a:r>
-            <a:r>
-              <a:rPr lang="en-US" dirty="0" err="1"/>
-              <a:t>técnicas</a:t>
-            </a:r>
-            <a:r>
-              <a:rPr lang="en-US" dirty="0"/>
-              <a:t> </a:t>
-            </a:r>
-            <a:r>
-              <a:rPr lang="en-US" dirty="0" err="1"/>
-              <a:t>neste</a:t>
-            </a:r>
-            <a:r>
-              <a:rPr lang="en-US" dirty="0"/>
-              <a:t> </a:t>
-            </a:r>
-            <a:r>
-              <a:rPr lang="en-US" dirty="0" err="1"/>
-              <a:t>problema</a:t>
-            </a:r>
-            <a:r>
-              <a:rPr lang="en-US" dirty="0"/>
-              <a:t>.</a:t>
-            </a:r>
-          </a:p>
-          <a:p>
-            <a:r>
-              <a:rPr lang="en-US" dirty="0"/>
-              <a:t>Segundo Yao et al., </a:t>
-            </a:r>
-            <a:r>
-              <a:rPr lang="en-US" dirty="0" err="1"/>
-              <a:t>não</a:t>
-            </a:r>
-            <a:r>
-              <a:rPr lang="en-US" dirty="0"/>
-              <a:t> </a:t>
-            </a:r>
-            <a:r>
-              <a:rPr lang="en-US" dirty="0" err="1"/>
-              <a:t>foram</a:t>
-            </a:r>
-            <a:r>
-              <a:rPr lang="en-US" dirty="0"/>
-              <a:t> </a:t>
-            </a:r>
-            <a:r>
-              <a:rPr lang="en-US" dirty="0" err="1"/>
-              <a:t>encontrados</a:t>
-            </a:r>
-            <a:r>
-              <a:rPr lang="en-US" dirty="0"/>
-              <a:t> papers </a:t>
-            </a:r>
-            <a:r>
-              <a:rPr lang="en-US" dirty="0" err="1"/>
-              <a:t>significativos</a:t>
-            </a:r>
-            <a:r>
-              <a:rPr lang="en-US" dirty="0"/>
-              <a:t> </a:t>
-            </a:r>
-            <a:r>
-              <a:rPr lang="en-US" dirty="0" err="1"/>
-              <a:t>aplicando</a:t>
-            </a:r>
-            <a:r>
-              <a:rPr lang="en-US" dirty="0"/>
-              <a:t> </a:t>
-            </a:r>
-            <a:r>
-              <a:rPr lang="en-US" dirty="0" err="1"/>
-              <a:t>estas</a:t>
-            </a:r>
-            <a:r>
-              <a:rPr lang="en-US" dirty="0"/>
-              <a:t> </a:t>
-            </a:r>
-            <a:r>
-              <a:rPr lang="en-US" dirty="0" err="1"/>
-              <a:t>técnicas</a:t>
-            </a:r>
-            <a:r>
-              <a:rPr lang="en-US" dirty="0"/>
-              <a:t> no dataset do </a:t>
-            </a:r>
-            <a:r>
-              <a:rPr lang="en-US" dirty="0" err="1"/>
-              <a:t>StackOverFlow</a:t>
-            </a:r>
-            <a:r>
-              <a:rPr lang="en-US" dirty="0"/>
-              <a:t>.</a:t>
-            </a:r>
-          </a:p>
-          <a:p>
-            <a:r>
-              <a:rPr lang="en-US" dirty="0"/>
-              <a:t>No paper “</a:t>
-            </a:r>
-            <a:r>
-              <a:rPr lang="en-US" dirty="0" err="1"/>
-              <a:t>StaQC</a:t>
-            </a:r>
-            <a:r>
-              <a:rPr lang="en-US" dirty="0"/>
-              <a:t>: A Systematically Mined Question-Code Dataset from Stack Overflow”, </a:t>
-            </a:r>
-            <a:r>
-              <a:rPr lang="en-US" dirty="0" err="1"/>
-              <a:t>ele</a:t>
-            </a:r>
-            <a:r>
-              <a:rPr lang="en-US" dirty="0"/>
-              <a:t> </a:t>
-            </a:r>
-            <a:r>
-              <a:rPr lang="en-US" dirty="0" err="1"/>
-              <a:t>aplica</a:t>
-            </a:r>
-            <a:r>
-              <a:rPr lang="en-US" dirty="0"/>
-              <a:t> </a:t>
-            </a:r>
-            <a:r>
-              <a:rPr lang="en-US" dirty="0" err="1"/>
-              <a:t>uma</a:t>
-            </a:r>
-            <a:r>
-              <a:rPr lang="en-US" dirty="0"/>
-              <a:t> </a:t>
-            </a:r>
-            <a:r>
-              <a:rPr lang="en-US" dirty="0" err="1"/>
-              <a:t>rede</a:t>
-            </a:r>
-            <a:r>
-              <a:rPr lang="en-US" dirty="0"/>
-              <a:t> neural </a:t>
-            </a:r>
-            <a:r>
-              <a:rPr lang="en-US" dirty="0" err="1"/>
-              <a:t>recorrente</a:t>
-            </a:r>
-            <a:r>
-              <a:rPr lang="en-US" dirty="0"/>
-              <a:t> LSTM para </a:t>
-            </a:r>
-            <a:r>
-              <a:rPr lang="en-US" dirty="0" err="1"/>
-              <a:t>aprender</a:t>
-            </a:r>
-            <a:r>
-              <a:rPr lang="en-US" dirty="0"/>
-              <a:t> a </a:t>
-            </a:r>
-            <a:r>
-              <a:rPr lang="en-US" dirty="0" err="1"/>
-              <a:t>selecionar</a:t>
-            </a:r>
-            <a:r>
-              <a:rPr lang="en-US" dirty="0"/>
-              <a:t> a </a:t>
-            </a:r>
-            <a:r>
-              <a:rPr lang="en-US" dirty="0" err="1"/>
-              <a:t>melhor</a:t>
-            </a:r>
-            <a:r>
-              <a:rPr lang="en-US" dirty="0"/>
-              <a:t> </a:t>
-            </a:r>
-            <a:r>
-              <a:rPr lang="en-US" dirty="0" err="1"/>
-              <a:t>resposta</a:t>
-            </a:r>
-            <a:r>
-              <a:rPr lang="en-US" dirty="0"/>
-              <a:t>.</a:t>
-            </a:r>
-          </a:p>
-          <a:p>
-            <a:r>
-              <a:rPr lang="en-US" dirty="0"/>
-              <a:t>No final, o </a:t>
-            </a:r>
-            <a:r>
-              <a:rPr lang="en-US" dirty="0" err="1"/>
-              <a:t>autor</a:t>
-            </a:r>
-            <a:r>
-              <a:rPr lang="en-US" dirty="0"/>
-              <a:t> </a:t>
-            </a:r>
-            <a:r>
-              <a:rPr lang="en-US" dirty="0" err="1"/>
-              <a:t>sugere</a:t>
-            </a:r>
-            <a:r>
-              <a:rPr lang="en-US" dirty="0"/>
-              <a:t> </a:t>
-            </a:r>
-            <a:r>
-              <a:rPr lang="en-US" dirty="0" err="1"/>
-              <a:t>como</a:t>
-            </a:r>
-            <a:r>
-              <a:rPr lang="en-US" dirty="0"/>
-              <a:t> </a:t>
-            </a:r>
-            <a:r>
-              <a:rPr lang="en-US" dirty="0" err="1"/>
-              <a:t>trabalho</a:t>
-            </a:r>
-            <a:r>
-              <a:rPr lang="en-US" dirty="0"/>
-              <a:t> </a:t>
-            </a:r>
-            <a:r>
-              <a:rPr lang="en-US" dirty="0" err="1"/>
-              <a:t>futuro</a:t>
-            </a:r>
-            <a:r>
-              <a:rPr lang="en-US" dirty="0"/>
-              <a:t> </a:t>
-            </a:r>
-            <a:r>
-              <a:rPr lang="en-US" dirty="0" err="1"/>
-              <a:t>verificar</a:t>
-            </a:r>
-            <a:r>
-              <a:rPr lang="en-US" dirty="0"/>
-              <a:t> o </a:t>
-            </a:r>
-            <a:r>
-              <a:rPr lang="en-US" dirty="0" err="1"/>
-              <a:t>comportamento</a:t>
-            </a:r>
-            <a:r>
-              <a:rPr lang="en-US" dirty="0"/>
-              <a:t> </a:t>
-            </a:r>
-            <a:r>
-              <a:rPr lang="en-US" dirty="0" err="1"/>
-              <a:t>utilizando</a:t>
-            </a:r>
-            <a:r>
-              <a:rPr lang="en-US" dirty="0"/>
-              <a:t> CNN e </a:t>
-            </a:r>
-            <a:r>
-              <a:rPr lang="en-US" dirty="0" err="1"/>
-              <a:t>outras</a:t>
-            </a:r>
-            <a:r>
-              <a:rPr lang="en-US" dirty="0"/>
-              <a:t> </a:t>
-            </a:r>
-            <a:r>
-              <a:rPr lang="en-US" dirty="0" err="1"/>
-              <a:t>técnicas</a:t>
-            </a:r>
-            <a:r>
-              <a:rPr lang="en-US" dirty="0"/>
-              <a:t>.</a:t>
-            </a:r>
-          </a:p>
-          <a:p>
-            <a:r>
-              <a:rPr lang="en-US" dirty="0"/>
-              <a:t>O dataset </a:t>
-            </a:r>
-            <a:r>
-              <a:rPr lang="en-US" dirty="0" err="1"/>
-              <a:t>é</a:t>
-            </a:r>
-            <a:r>
-              <a:rPr lang="en-US" dirty="0"/>
-              <a:t> </a:t>
-            </a:r>
-            <a:r>
-              <a:rPr lang="en-US" dirty="0" err="1"/>
-              <a:t>formado</a:t>
-            </a:r>
-            <a:r>
-              <a:rPr lang="en-US" dirty="0"/>
-              <a:t> </a:t>
-            </a:r>
-            <a:r>
-              <a:rPr lang="en-US" dirty="0" err="1"/>
-              <a:t>por</a:t>
-            </a:r>
-            <a:r>
-              <a:rPr lang="en-US" dirty="0"/>
-              <a:t> </a:t>
-            </a:r>
-            <a:r>
-              <a:rPr lang="en-US" dirty="0" err="1"/>
-              <a:t>questões</a:t>
-            </a:r>
-            <a:r>
-              <a:rPr lang="en-US" dirty="0"/>
-              <a:t> “How-to” de Python e SQL. São </a:t>
-            </a:r>
-            <a:r>
-              <a:rPr lang="en-US" dirty="0" err="1"/>
-              <a:t>questões</a:t>
-            </a:r>
-            <a:r>
-              <a:rPr lang="en-US" dirty="0"/>
-              <a:t> que </a:t>
-            </a:r>
-            <a:r>
-              <a:rPr lang="en-US" dirty="0" err="1"/>
-              <a:t>normalmente</a:t>
-            </a:r>
-            <a:r>
-              <a:rPr lang="en-US" dirty="0"/>
-              <a:t> a </a:t>
-            </a:r>
-            <a:r>
-              <a:rPr lang="en-US" dirty="0" err="1"/>
-              <a:t>resposta</a:t>
-            </a:r>
-            <a:r>
-              <a:rPr lang="en-US" dirty="0"/>
-              <a:t> </a:t>
-            </a:r>
-            <a:r>
-              <a:rPr lang="en-US" dirty="0" err="1"/>
-              <a:t>é</a:t>
-            </a:r>
-            <a:r>
-              <a:rPr lang="en-US" dirty="0"/>
-              <a:t> um code snippet. </a:t>
-            </a:r>
-            <a:r>
-              <a:rPr lang="en-US" dirty="0" err="1"/>
-              <a:t>Mais</a:t>
-            </a:r>
-            <a:r>
-              <a:rPr lang="en-US" dirty="0"/>
-              <a:t> de </a:t>
-            </a:r>
-            <a:r>
-              <a:rPr lang="en-US" dirty="0" err="1"/>
-              <a:t>uma</a:t>
-            </a:r>
-            <a:r>
-              <a:rPr lang="en-US" dirty="0"/>
-              <a:t> </a:t>
-            </a:r>
-            <a:r>
-              <a:rPr lang="en-US" dirty="0" err="1"/>
-              <a:t>resposta</a:t>
-            </a:r>
-            <a:r>
-              <a:rPr lang="en-US" dirty="0"/>
-              <a:t> </a:t>
-            </a:r>
-            <a:r>
-              <a:rPr lang="en-US" dirty="0" err="1"/>
-              <a:t>correta</a:t>
-            </a:r>
-            <a:r>
-              <a:rPr lang="en-US" dirty="0"/>
-              <a:t> </a:t>
-            </a:r>
-            <a:r>
-              <a:rPr lang="en-US" dirty="0" err="1"/>
-              <a:t>é</a:t>
-            </a:r>
-            <a:r>
-              <a:rPr lang="en-US" dirty="0"/>
-              <a:t> </a:t>
-            </a:r>
-            <a:r>
-              <a:rPr lang="en-US" dirty="0" err="1"/>
-              <a:t>possível</a:t>
-            </a:r>
-            <a:r>
-              <a:rPr lang="en-US" dirty="0"/>
-              <a:t> para </a:t>
-            </a:r>
-            <a:r>
-              <a:rPr lang="en-US" dirty="0" err="1"/>
-              <a:t>uma</a:t>
-            </a:r>
-            <a:r>
-              <a:rPr lang="en-US" dirty="0"/>
-              <a:t> </a:t>
-            </a:r>
-            <a:r>
-              <a:rPr lang="en-US" dirty="0" err="1"/>
-              <a:t>mesma</a:t>
-            </a:r>
-            <a:r>
-              <a:rPr lang="en-US" dirty="0"/>
-              <a:t> </a:t>
-            </a:r>
-            <a:r>
-              <a:rPr lang="en-US" dirty="0" err="1"/>
-              <a:t>pergunta</a:t>
-            </a:r>
-            <a:r>
-              <a:rPr lang="en-US" dirty="0"/>
-              <a:t>.</a:t>
-            </a:r>
-          </a:p>
-          <a:p>
-            <a:r>
-              <a:rPr lang="en-US" dirty="0" err="1"/>
-              <a:t>Após</a:t>
-            </a:r>
-            <a:r>
-              <a:rPr lang="en-US" dirty="0"/>
-              <a:t> </a:t>
-            </a:r>
-            <a:r>
-              <a:rPr lang="en-US" dirty="0" err="1"/>
-              <a:t>extrair</a:t>
-            </a:r>
-            <a:r>
-              <a:rPr lang="en-US" dirty="0"/>
-              <a:t> do stack over flow as </a:t>
-            </a:r>
-            <a:r>
-              <a:rPr lang="en-US" dirty="0" err="1"/>
-              <a:t>perguntas</a:t>
-            </a:r>
-            <a:r>
-              <a:rPr lang="en-US" dirty="0"/>
-              <a:t> “How-to” de Python, </a:t>
-            </a:r>
-            <a:r>
-              <a:rPr lang="en-US" dirty="0" err="1"/>
-              <a:t>por</a:t>
-            </a:r>
-            <a:r>
-              <a:rPr lang="en-US" dirty="0"/>
-              <a:t> </a:t>
-            </a:r>
-            <a:r>
-              <a:rPr lang="en-US" dirty="0" err="1"/>
-              <a:t>exemplo</a:t>
-            </a:r>
-            <a:r>
-              <a:rPr lang="en-US" dirty="0"/>
-              <a:t>, 3 </a:t>
-            </a:r>
-            <a:r>
-              <a:rPr lang="en-US" dirty="0" err="1"/>
-              <a:t>alunos</a:t>
-            </a:r>
-            <a:r>
-              <a:rPr lang="en-US" dirty="0"/>
-              <a:t> de </a:t>
-            </a:r>
-            <a:r>
-              <a:rPr lang="en-US" dirty="0" err="1"/>
-              <a:t>gradução</a:t>
-            </a:r>
-            <a:r>
-              <a:rPr lang="en-US" dirty="0"/>
-              <a:t> da </a:t>
-            </a:r>
-            <a:r>
-              <a:rPr lang="en-US" dirty="0" err="1"/>
-              <a:t>universidade</a:t>
-            </a:r>
-            <a:r>
-              <a:rPr lang="en-US" dirty="0"/>
-              <a:t> </a:t>
-            </a:r>
-            <a:r>
-              <a:rPr lang="en-US" dirty="0" err="1"/>
-              <a:t>marcaram</a:t>
-            </a:r>
-            <a:r>
-              <a:rPr lang="en-US" dirty="0"/>
-              <a:t> </a:t>
-            </a:r>
-            <a:r>
-              <a:rPr lang="en-US" dirty="0" err="1"/>
-              <a:t>quais</a:t>
-            </a:r>
-            <a:r>
-              <a:rPr lang="en-US" dirty="0"/>
-              <a:t> </a:t>
-            </a:r>
-            <a:r>
-              <a:rPr lang="en-US" dirty="0" err="1"/>
-              <a:t>respostas</a:t>
-            </a:r>
-            <a:r>
-              <a:rPr lang="en-US" dirty="0"/>
-              <a:t> </a:t>
-            </a:r>
-            <a:r>
-              <a:rPr lang="en-US" dirty="0" err="1"/>
-              <a:t>estavam</a:t>
-            </a:r>
-            <a:r>
-              <a:rPr lang="en-US" dirty="0"/>
-              <a:t> </a:t>
-            </a:r>
-            <a:r>
-              <a:rPr lang="en-US" dirty="0" err="1"/>
-              <a:t>certas</a:t>
-            </a:r>
-            <a:r>
-              <a:rPr lang="en-US" dirty="0"/>
-              <a:t> </a:t>
-            </a:r>
-            <a:r>
-              <a:rPr lang="en-US" dirty="0" err="1"/>
-              <a:t>ou</a:t>
-            </a:r>
-            <a:r>
-              <a:rPr lang="en-US" dirty="0"/>
-              <a:t> </a:t>
-            </a:r>
-            <a:r>
-              <a:rPr lang="en-US" dirty="0" err="1"/>
-              <a:t>erradas</a:t>
-            </a:r>
-            <a:r>
-              <a:rPr lang="en-US" dirty="0"/>
-              <a:t>. </a:t>
-            </a:r>
-            <a:r>
-              <a:rPr lang="en-US" dirty="0" err="1"/>
-              <a:t>Foram</a:t>
-            </a:r>
-            <a:r>
-              <a:rPr lang="en-US" dirty="0"/>
-              <a:t> </a:t>
-            </a:r>
-            <a:r>
-              <a:rPr lang="en-US" dirty="0" err="1"/>
-              <a:t>marcadas</a:t>
-            </a:r>
-            <a:r>
-              <a:rPr lang="en-US" dirty="0"/>
-              <a:t> um total de 4845 </a:t>
-            </a:r>
-            <a:r>
-              <a:rPr lang="en-US" dirty="0" err="1"/>
-              <a:t>respostas</a:t>
-            </a:r>
-            <a:r>
-              <a:rPr lang="en-US" dirty="0"/>
-              <a:t> para Python.</a:t>
-            </a:r>
           </a:p>
         </p:txBody>
       </p:sp>
     </p:spTree>
     <p:extLst>
       <p:ext uri="{BB962C8B-B14F-4D97-AF65-F5344CB8AC3E}">
-        <p14:creationId xmlns:p14="http://schemas.microsoft.com/office/powerpoint/2010/main" val="741761872"/>
-      </p:ext>
-    </p:extLst>
-  </p:cSld>
-  <p:clrMapOvr>
-    <a:masterClrMapping/>
-  </p:clrMapOvr>
-</p:sld>
-</file>
-
-<file path=ppt/slides/slide20.xml><?xml version="1.0" encoding="utf-8"?>
-<p:sld xmlns:a="http://schemas.openxmlformats.org/drawingml/2006/main" xmlns:r="http://schemas.openxmlformats.org/officeDocument/2006/relationships" xmlns:p="http://schemas.openxmlformats.org/presentationml/2006/main">
-  <p:cSld>
-    <p:spTree>
-      <p:nvGrpSpPr>
-        <p:cNvPr id="1" name=""/>
-        <p:cNvGrpSpPr/>
-        <p:nvPr/>
-      </p:nvGrpSpPr>
-      <p:grpSpPr>
-        <a:xfrm>
-          <a:off x="0" y="0"/>
-          <a:ext cx="0" cy="0"/>
-          <a:chOff x="0" y="0"/>
-          <a:chExt cx="0" cy="0"/>
-        </a:xfrm>
-      </p:grpSpPr>
-      <p:sp>
-        <p:nvSpPr>
-          <p:cNvPr id="2" name="Title 1">
-            <a:extLst>
-              <a:ext uri="{FF2B5EF4-FFF2-40B4-BE49-F238E27FC236}">
-                <a16:creationId xmlns:a16="http://schemas.microsoft.com/office/drawing/2014/main" id="{2E612492-6C94-804D-A74D-9CDC207A2397}"/>
-              </a:ext>
-            </a:extLst>
-          </p:cNvPr>
-          <p:cNvSpPr>
-            <a:spLocks noGrp="1"/>
-          </p:cNvSpPr>
-          <p:nvPr>
-            <p:ph type="title"/>
-          </p:nvPr>
-        </p:nvSpPr>
-        <p:spPr/>
-        <p:txBody>
-          <a:bodyPr/>
-          <a:lstStyle/>
-          <a:p>
-            <a:r>
-              <a:rPr lang="en-US" dirty="0" err="1"/>
-              <a:t>Comentários</a:t>
-            </a:r>
-            <a:r>
-              <a:rPr lang="en-US" dirty="0"/>
-              <a:t> </a:t>
-            </a:r>
-            <a:r>
-              <a:rPr lang="en-US" dirty="0" err="1"/>
-              <a:t>sobre</a:t>
-            </a:r>
-            <a:r>
-              <a:rPr lang="en-US" dirty="0"/>
-              <a:t> </a:t>
-            </a:r>
-            <a:r>
-              <a:rPr lang="en-US" dirty="0" err="1"/>
-              <a:t>os</a:t>
-            </a:r>
-            <a:r>
-              <a:rPr lang="en-US" dirty="0"/>
-              <a:t> </a:t>
-            </a:r>
-            <a:r>
-              <a:rPr lang="en-US" dirty="0" err="1"/>
-              <a:t>resultados</a:t>
-            </a:r>
-            <a:r>
-              <a:rPr lang="en-US" dirty="0"/>
-              <a:t> </a:t>
-            </a:r>
-            <a:r>
-              <a:rPr lang="en-US" dirty="0" err="1"/>
-              <a:t>iniciais</a:t>
-            </a:r>
-            <a:endParaRPr lang="en-US" dirty="0"/>
-          </a:p>
-        </p:txBody>
-      </p:sp>
-      <p:graphicFrame>
-        <p:nvGraphicFramePr>
-          <p:cNvPr id="5" name="Content Placeholder 4">
-            <a:extLst>
-              <a:ext uri="{FF2B5EF4-FFF2-40B4-BE49-F238E27FC236}">
-                <a16:creationId xmlns:a16="http://schemas.microsoft.com/office/drawing/2014/main" id="{539FED6B-E1C4-A240-81EF-C31142E81902}"/>
-              </a:ext>
-            </a:extLst>
-          </p:cNvPr>
-          <p:cNvGraphicFramePr>
-            <a:graphicFrameLocks noGrp="1"/>
-          </p:cNvGraphicFramePr>
-          <p:nvPr>
-            <p:ph idx="1"/>
-          </p:nvPr>
-        </p:nvGraphicFramePr>
-        <p:xfrm>
-          <a:off x="838200" y="1825625"/>
-          <a:ext cx="10515600" cy="1930400"/>
-        </p:xfrm>
-        <a:graphic>
-          <a:graphicData uri="http://schemas.openxmlformats.org/drawingml/2006/table">
-            <a:tbl>
-              <a:tblPr firstRow="1" bandRow="1">
-                <a:tableStyleId>{8799B23B-EC83-4686-B30A-512413B5E67A}</a:tableStyleId>
-              </a:tblPr>
-              <a:tblGrid>
-                <a:gridCol w="3505200">
-                  <a:extLst>
-                    <a:ext uri="{9D8B030D-6E8A-4147-A177-3AD203B41FA5}">
-                      <a16:colId xmlns:a16="http://schemas.microsoft.com/office/drawing/2014/main" val="4038344632"/>
-                    </a:ext>
-                  </a:extLst>
-                </a:gridCol>
-                <a:gridCol w="3505200">
-                  <a:extLst>
-                    <a:ext uri="{9D8B030D-6E8A-4147-A177-3AD203B41FA5}">
-                      <a16:colId xmlns:a16="http://schemas.microsoft.com/office/drawing/2014/main" val="1313495452"/>
-                    </a:ext>
-                  </a:extLst>
-                </a:gridCol>
-                <a:gridCol w="3505200">
-                  <a:extLst>
-                    <a:ext uri="{9D8B030D-6E8A-4147-A177-3AD203B41FA5}">
-                      <a16:colId xmlns:a16="http://schemas.microsoft.com/office/drawing/2014/main" val="1208455611"/>
-                    </a:ext>
-                  </a:extLst>
-                </a:gridCol>
-              </a:tblGrid>
-              <a:tr h="370840">
-                <a:tc>
-                  <a:txBody>
-                    <a:bodyPr/>
-                    <a:lstStyle/>
-                    <a:p>
-                      <a:endParaRPr lang="en-US" dirty="0"/>
-                    </a:p>
-                  </a:txBody>
-                  <a:tcPr/>
-                </a:tc>
-                <a:tc>
-                  <a:txBody>
-                    <a:bodyPr/>
-                    <a:lstStyle/>
-                    <a:p>
-                      <a:r>
-                        <a:rPr lang="en-US" dirty="0" err="1"/>
-                        <a:t>Arquitetura</a:t>
-                      </a:r>
-                      <a:r>
-                        <a:rPr lang="en-US" dirty="0"/>
-                        <a:t> LSTM (Paper: </a:t>
-                      </a:r>
-                      <a:r>
-                        <a:rPr lang="en-US" dirty="0" err="1"/>
-                        <a:t>StaQC</a:t>
-                      </a:r>
-                      <a:r>
-                        <a:rPr lang="en-US" dirty="0"/>
-                        <a:t>: A Systematically Mined Question-Code Dataset from Stack Overflow)</a:t>
-                      </a:r>
-                    </a:p>
-                  </a:txBody>
-                  <a:tcPr/>
-                </a:tc>
-                <a:tc>
-                  <a:txBody>
-                    <a:bodyPr/>
-                    <a:lstStyle/>
-                    <a:p>
-                      <a:r>
-                        <a:rPr lang="en-US" dirty="0" err="1">
-                          <a:solidFill>
-                            <a:srgbClr val="FF0000"/>
-                          </a:solidFill>
-                        </a:rPr>
-                        <a:t>Arquitetura</a:t>
-                      </a:r>
-                      <a:r>
-                        <a:rPr lang="en-US" dirty="0">
-                          <a:solidFill>
-                            <a:srgbClr val="FF0000"/>
-                          </a:solidFill>
-                        </a:rPr>
-                        <a:t> LSTM+CNN (Paper: Applying Deep Learning to Answer Selection: A Study and An Open Task)</a:t>
-                      </a:r>
-                    </a:p>
-                  </a:txBody>
-                  <a:tcPr/>
-                </a:tc>
-                <a:extLst>
-                  <a:ext uri="{0D108BD9-81ED-4DB2-BD59-A6C34878D82A}">
-                    <a16:rowId xmlns:a16="http://schemas.microsoft.com/office/drawing/2014/main" val="2491791507"/>
-                  </a:ext>
-                </a:extLst>
-              </a:tr>
-              <a:tr h="370840">
-                <a:tc>
-                  <a:txBody>
-                    <a:bodyPr/>
-                    <a:lstStyle/>
-                    <a:p>
-                      <a:r>
-                        <a:rPr lang="en-US" dirty="0" err="1"/>
-                        <a:t>Precisão</a:t>
-                      </a:r>
-                      <a:endParaRPr lang="en-US" dirty="0"/>
-                    </a:p>
-                  </a:txBody>
-                  <a:tcPr/>
-                </a:tc>
-                <a:tc>
-                  <a:txBody>
-                    <a:bodyPr/>
-                    <a:lstStyle/>
-                    <a:p>
-                      <a:r>
-                        <a:rPr lang="en-US" dirty="0"/>
-                        <a:t>56%</a:t>
-                      </a:r>
-                    </a:p>
-                  </a:txBody>
-                  <a:tcPr/>
-                </a:tc>
-                <a:tc>
-                  <a:txBody>
-                    <a:bodyPr/>
-                    <a:lstStyle/>
-                    <a:p>
-                      <a:r>
-                        <a:rPr lang="en-US" dirty="0">
-                          <a:solidFill>
-                            <a:srgbClr val="FF0000"/>
-                          </a:solidFill>
-                        </a:rPr>
-                        <a:t>4%</a:t>
-                      </a:r>
-                    </a:p>
-                  </a:txBody>
-                  <a:tcPr/>
-                </a:tc>
-                <a:extLst>
-                  <a:ext uri="{0D108BD9-81ED-4DB2-BD59-A6C34878D82A}">
-                    <a16:rowId xmlns:a16="http://schemas.microsoft.com/office/drawing/2014/main" val="1119549803"/>
-                  </a:ext>
-                </a:extLst>
-              </a:tr>
-              <a:tr h="370840">
-                <a:tc>
-                  <a:txBody>
-                    <a:bodyPr/>
-                    <a:lstStyle/>
-                    <a:p>
-                      <a:r>
-                        <a:rPr lang="en-US" dirty="0" err="1"/>
-                        <a:t>Amostras</a:t>
-                      </a:r>
-                      <a:endParaRPr lang="en-US" dirty="0"/>
-                    </a:p>
-                  </a:txBody>
-                  <a:tcPr/>
-                </a:tc>
-                <a:tc>
-                  <a:txBody>
-                    <a:bodyPr/>
-                    <a:lstStyle/>
-                    <a:p>
-                      <a:r>
-                        <a:rPr lang="en-US" dirty="0"/>
-                        <a:t>4848</a:t>
-                      </a:r>
-                    </a:p>
-                  </a:txBody>
-                  <a:tcPr/>
-                </a:tc>
-                <a:tc>
-                  <a:txBody>
-                    <a:bodyPr/>
-                    <a:lstStyle/>
-                    <a:p>
-                      <a:r>
-                        <a:rPr lang="en-US" dirty="0">
-                          <a:solidFill>
-                            <a:srgbClr val="FF0000"/>
-                          </a:solidFill>
-                        </a:rPr>
-                        <a:t>2145</a:t>
-                      </a:r>
-                    </a:p>
-                  </a:txBody>
-                  <a:tcPr/>
-                </a:tc>
-                <a:extLst>
-                  <a:ext uri="{0D108BD9-81ED-4DB2-BD59-A6C34878D82A}">
-                    <a16:rowId xmlns:a16="http://schemas.microsoft.com/office/drawing/2014/main" val="3834603138"/>
-                  </a:ext>
-                </a:extLst>
-              </a:tr>
-            </a:tbl>
-          </a:graphicData>
-        </a:graphic>
-      </p:graphicFrame>
-      <p:sp>
-        <p:nvSpPr>
-          <p:cNvPr id="4" name="TextBox 3">
-            <a:extLst>
-              <a:ext uri="{FF2B5EF4-FFF2-40B4-BE49-F238E27FC236}">
-                <a16:creationId xmlns:a16="http://schemas.microsoft.com/office/drawing/2014/main" id="{C269A1BF-BF3F-E142-8022-788026B00D87}"/>
-              </a:ext>
-            </a:extLst>
-          </p:cNvPr>
-          <p:cNvSpPr txBox="1"/>
-          <p:nvPr/>
-        </p:nvSpPr>
-        <p:spPr>
-          <a:xfrm>
-            <a:off x="838200" y="3962400"/>
-            <a:ext cx="10515600" cy="923330"/>
-          </a:xfrm>
-          <a:prstGeom prst="rect">
-            <a:avLst/>
-          </a:prstGeom>
-          <a:noFill/>
-        </p:spPr>
-        <p:txBody>
-          <a:bodyPr wrap="square" rtlCol="0">
-            <a:spAutoFit/>
-          </a:bodyPr>
-          <a:lstStyle/>
-          <a:p>
-            <a:pPr marL="285750" indent="-285750">
-              <a:buFont typeface="Arial" panose="020B0604020202020204" pitchFamily="34" charset="0"/>
-              <a:buChar char="•"/>
-            </a:pPr>
-            <a:r>
-              <a:rPr lang="en-US" dirty="0"/>
-              <a:t>O </a:t>
-            </a:r>
-            <a:r>
-              <a:rPr lang="en-US" dirty="0" err="1"/>
-              <a:t>intuito</a:t>
-            </a:r>
-            <a:r>
-              <a:rPr lang="en-US" dirty="0"/>
-              <a:t> </a:t>
-            </a:r>
-            <a:r>
-              <a:rPr lang="en-US" dirty="0" err="1"/>
-              <a:t>é</a:t>
-            </a:r>
-            <a:r>
-              <a:rPr lang="en-US" dirty="0"/>
-              <a:t> </a:t>
-            </a:r>
-            <a:r>
-              <a:rPr lang="en-US" dirty="0" err="1"/>
-              <a:t>voltar</a:t>
-            </a:r>
-            <a:r>
-              <a:rPr lang="en-US" dirty="0"/>
-              <a:t> a utilizer a </a:t>
-            </a:r>
-            <a:r>
-              <a:rPr lang="en-US" dirty="0" err="1"/>
-              <a:t>função</a:t>
-            </a:r>
-            <a:r>
-              <a:rPr lang="en-US" dirty="0"/>
-              <a:t> </a:t>
-            </a:r>
-            <a:r>
-              <a:rPr lang="en-US" dirty="0" err="1"/>
-              <a:t>customizada</a:t>
-            </a:r>
-            <a:r>
-              <a:rPr lang="en-US" dirty="0"/>
-              <a:t> para </a:t>
-            </a:r>
-            <a:r>
-              <a:rPr lang="en-US" dirty="0" err="1"/>
-              <a:t>verificar</a:t>
-            </a:r>
-            <a:r>
-              <a:rPr lang="en-US" dirty="0"/>
-              <a:t> se a </a:t>
-            </a:r>
-            <a:r>
-              <a:rPr lang="en-US" dirty="0" err="1"/>
-              <a:t>precisão</a:t>
-            </a:r>
-            <a:r>
-              <a:rPr lang="en-US" dirty="0"/>
-              <a:t> </a:t>
-            </a:r>
-            <a:r>
-              <a:rPr lang="en-US" dirty="0" err="1"/>
-              <a:t>melhora</a:t>
-            </a:r>
-            <a:r>
-              <a:rPr lang="en-US" dirty="0"/>
-              <a:t>. A </a:t>
-            </a:r>
-            <a:r>
-              <a:rPr lang="en-US" dirty="0" err="1"/>
-              <a:t>explicação</a:t>
-            </a:r>
-            <a:r>
-              <a:rPr lang="en-US" dirty="0"/>
-              <a:t> do </a:t>
-            </a:r>
-            <a:r>
-              <a:rPr lang="en-US" dirty="0" err="1"/>
-              <a:t>motivo</a:t>
-            </a:r>
-            <a:r>
-              <a:rPr lang="en-US" dirty="0"/>
-              <a:t> de utilizer </a:t>
-            </a:r>
-            <a:r>
-              <a:rPr lang="en-US" dirty="0" err="1"/>
-              <a:t>uma</a:t>
-            </a:r>
-            <a:r>
-              <a:rPr lang="en-US" dirty="0"/>
-              <a:t> </a:t>
-            </a:r>
-            <a:r>
-              <a:rPr lang="en-US" dirty="0" err="1"/>
-              <a:t>função</a:t>
-            </a:r>
-            <a:r>
-              <a:rPr lang="en-US" dirty="0"/>
-              <a:t> </a:t>
-            </a:r>
-            <a:r>
-              <a:rPr lang="en-US" dirty="0" err="1"/>
-              <a:t>customizada</a:t>
-            </a:r>
-            <a:r>
-              <a:rPr lang="en-US" dirty="0"/>
-              <a:t> </a:t>
-            </a:r>
-            <a:r>
-              <a:rPr lang="en-US" dirty="0" err="1"/>
-              <a:t>está</a:t>
-            </a:r>
-            <a:r>
-              <a:rPr lang="en-US" dirty="0"/>
-              <a:t> no blog https://</a:t>
-            </a:r>
-            <a:r>
-              <a:rPr lang="en-US" dirty="0" err="1"/>
-              <a:t>codekansas.github.io</a:t>
-            </a:r>
-            <a:r>
-              <a:rPr lang="en-US" dirty="0"/>
-              <a:t>/</a:t>
-            </a:r>
-            <a:r>
-              <a:rPr lang="en-US" dirty="0" err="1"/>
-              <a:t>language.html</a:t>
-            </a:r>
-            <a:endParaRPr lang="en-US" dirty="0"/>
-          </a:p>
-          <a:p>
-            <a:pPr marL="285750" indent="-285750">
-              <a:buFont typeface="Arial" panose="020B0604020202020204" pitchFamily="34" charset="0"/>
-              <a:buChar char="•"/>
-            </a:pPr>
-            <a:endParaRPr lang="en-US" dirty="0"/>
-          </a:p>
-        </p:txBody>
-      </p:sp>
-    </p:spTree>
-    <p:extLst>
-      <p:ext uri="{BB962C8B-B14F-4D97-AF65-F5344CB8AC3E}">
-        <p14:creationId xmlns:p14="http://schemas.microsoft.com/office/powerpoint/2010/main" val="3302351604"/>
+        <p14:creationId xmlns:p14="http://schemas.microsoft.com/office/powerpoint/2010/main" val="2341116043"/>
       </p:ext>
     </p:extLst>
   </p:cSld>
@@ -9143,7 +9793,7 @@
             <p:ph idx="1"/>
             <p:extLst>
               <p:ext uri="{D42A27DB-BD31-4B8C-83A1-F6EECF244321}">
-                <p14:modId xmlns:p14="http://schemas.microsoft.com/office/powerpoint/2010/main" val="2884136761"/>
+                <p14:modId xmlns:p14="http://schemas.microsoft.com/office/powerpoint/2010/main" val="2938082284"/>
               </p:ext>
             </p:extLst>
           </p:nvPr>
@@ -9655,7 +10305,7 @@
                       </a:r>
                       <a:r>
                         <a:rPr lang="en-US" u="sng" dirty="0"/>
-                        <a:t> et all</a:t>
+                        <a:t> et al</a:t>
                       </a:r>
                       <a:r>
                         <a:rPr lang="en-US" dirty="0"/>
